--- a/papers/ScalingExponentMethodsPresentation.pptx
+++ b/papers/ScalingExponentMethodsPresentation.pptx
@@ -10,6 +10,8 @@
     <p:sldId id="258" r:id="rId4"/>
     <p:sldId id="259" r:id="rId5"/>
     <p:sldId id="260" r:id="rId6"/>
+    <p:sldId id="262" r:id="rId7"/>
+    <p:sldId id="261" r:id="rId8"/>
   </p:sldIdLst>
   <p:sldSz cx="9144000" cy="6858000" type="screen4x3"/>
   <p:notesSz cx="6858000" cy="9144000"/>
@@ -770,7 +772,7 @@
             <a:fld id="{0D9A0B88-B419-4C40-8CB2-10EC9FBC9A75}" type="datetimeFigureOut">
               <a:rPr lang="en-US" smtClean="0"/>
               <a:pPr/>
-              <a:t>6/27/2016</a:t>
+              <a:t>7/5/2016</a:t>
             </a:fld>
             <a:endParaRPr lang="en-US"/>
           </a:p>
@@ -955,7 +957,7 @@
             <a:fld id="{0D9A0B88-B419-4C40-8CB2-10EC9FBC9A75}" type="datetimeFigureOut">
               <a:rPr lang="en-US" smtClean="0"/>
               <a:pPr/>
-              <a:t>6/27/2016</a:t>
+              <a:t>7/5/2016</a:t>
             </a:fld>
             <a:endParaRPr lang="en-US"/>
           </a:p>
@@ -1132,7 +1134,7 @@
             <a:fld id="{0D9A0B88-B419-4C40-8CB2-10EC9FBC9A75}" type="datetimeFigureOut">
               <a:rPr lang="en-US" smtClean="0"/>
               <a:pPr/>
-              <a:t>6/27/2016</a:t>
+              <a:t>7/5/2016</a:t>
             </a:fld>
             <a:endParaRPr lang="en-US"/>
           </a:p>
@@ -1299,7 +1301,7 @@
             <a:fld id="{0D9A0B88-B419-4C40-8CB2-10EC9FBC9A75}" type="datetimeFigureOut">
               <a:rPr lang="en-US" smtClean="0"/>
               <a:pPr/>
-              <a:t>6/27/2016</a:t>
+              <a:t>7/5/2016</a:t>
             </a:fld>
             <a:endParaRPr lang="en-US"/>
           </a:p>
@@ -1522,7 +1524,7 @@
             <a:fld id="{0D9A0B88-B419-4C40-8CB2-10EC9FBC9A75}" type="datetimeFigureOut">
               <a:rPr lang="en-US" smtClean="0"/>
               <a:pPr/>
-              <a:t>6/27/2016</a:t>
+              <a:t>7/5/2016</a:t>
             </a:fld>
             <a:endParaRPr lang="en-US"/>
           </a:p>
@@ -1783,7 +1785,7 @@
             <a:fld id="{0D9A0B88-B419-4C40-8CB2-10EC9FBC9A75}" type="datetimeFigureOut">
               <a:rPr lang="en-US" smtClean="0"/>
               <a:pPr/>
-              <a:t>6/27/2016</a:t>
+              <a:t>7/5/2016</a:t>
             </a:fld>
             <a:endParaRPr lang="en-US"/>
           </a:p>
@@ -2189,7 +2191,7 @@
             <a:fld id="{0D9A0B88-B419-4C40-8CB2-10EC9FBC9A75}" type="datetimeFigureOut">
               <a:rPr lang="en-US" smtClean="0"/>
               <a:pPr/>
-              <a:t>6/27/2016</a:t>
+              <a:t>7/5/2016</a:t>
             </a:fld>
             <a:endParaRPr lang="en-US"/>
           </a:p>
@@ -2322,7 +2324,7 @@
             <a:fld id="{0D9A0B88-B419-4C40-8CB2-10EC9FBC9A75}" type="datetimeFigureOut">
               <a:rPr lang="en-US" smtClean="0"/>
               <a:pPr/>
-              <a:t>6/27/2016</a:t>
+              <a:t>7/5/2016</a:t>
             </a:fld>
             <a:endParaRPr lang="en-US"/>
           </a:p>
@@ -2424,7 +2426,7 @@
             <a:fld id="{0D9A0B88-B419-4C40-8CB2-10EC9FBC9A75}" type="datetimeFigureOut">
               <a:rPr lang="en-US" smtClean="0"/>
               <a:pPr/>
-              <a:t>6/27/2016</a:t>
+              <a:t>7/5/2016</a:t>
             </a:fld>
             <a:endParaRPr lang="en-US"/>
           </a:p>
@@ -2671,7 +2673,7 @@
             <a:fld id="{0D9A0B88-B419-4C40-8CB2-10EC9FBC9A75}" type="datetimeFigureOut">
               <a:rPr lang="en-US" smtClean="0"/>
               <a:pPr/>
-              <a:t>6/27/2016</a:t>
+              <a:t>7/5/2016</a:t>
             </a:fld>
             <a:endParaRPr lang="en-US"/>
           </a:p>
@@ -2917,7 +2919,7 @@
             <a:fld id="{0D9A0B88-B419-4C40-8CB2-10EC9FBC9A75}" type="datetimeFigureOut">
               <a:rPr lang="en-US" smtClean="0"/>
               <a:pPr/>
-              <a:t>6/27/2016</a:t>
+              <a:t>7/5/2016</a:t>
             </a:fld>
             <a:endParaRPr lang="en-US"/>
           </a:p>
@@ -3743,7 +3745,7 @@
             <a:fld id="{0D9A0B88-B419-4C40-8CB2-10EC9FBC9A75}" type="datetimeFigureOut">
               <a:rPr lang="en-US" smtClean="0"/>
               <a:pPr/>
-              <a:t>6/27/2016</a:t>
+              <a:t>7/5/2016</a:t>
             </a:fld>
             <a:endParaRPr lang="en-US"/>
           </a:p>
@@ -4474,6 +4476,836 @@
 </p:sld>
 </file>
 
+<file path=ppt/slides/slide6.xml><?xml version="1.0" encoding="utf-8"?>
+<p:sld xmlns:a="http://schemas.openxmlformats.org/drawingml/2006/main" xmlns:r="http://schemas.openxmlformats.org/officeDocument/2006/relationships" xmlns:p="http://schemas.openxmlformats.org/presentationml/2006/main">
+  <p:cSld>
+    <p:spTree>
+      <p:nvGrpSpPr>
+        <p:cNvPr id="1" name=""/>
+        <p:cNvGrpSpPr/>
+        <p:nvPr/>
+      </p:nvGrpSpPr>
+      <p:grpSpPr>
+        <a:xfrm>
+          <a:off x="0" y="0"/>
+          <a:ext cx="0" cy="0"/>
+          <a:chOff x="0" y="0"/>
+          <a:chExt cx="0" cy="0"/>
+        </a:xfrm>
+      </p:grpSpPr>
+      <p:pic>
+        <p:nvPicPr>
+          <p:cNvPr id="2" name="Picture 1" descr="untitled.jpg"/>
+          <p:cNvPicPr>
+            <a:picLocks noChangeAspect="1"/>
+          </p:cNvPicPr>
+          <p:nvPr/>
+        </p:nvPicPr>
+        <p:blipFill>
+          <a:blip r:embed="rId2" cstate="print"/>
+          <a:stretch>
+            <a:fillRect/>
+          </a:stretch>
+        </p:blipFill>
+        <p:spPr>
+          <a:xfrm>
+            <a:off x="762000" y="914400"/>
+            <a:ext cx="7315200" cy="5486400"/>
+          </a:xfrm>
+          <a:prstGeom prst="rect">
+            <a:avLst/>
+          </a:prstGeom>
+        </p:spPr>
+      </p:pic>
+    </p:spTree>
+  </p:cSld>
+  <p:clrMapOvr>
+    <a:masterClrMapping/>
+  </p:clrMapOvr>
+</p:sld>
+</file>
+
+<file path=ppt/slides/slide7.xml><?xml version="1.0" encoding="utf-8"?>
+<p:sld xmlns:a="http://schemas.openxmlformats.org/drawingml/2006/main" xmlns:r="http://schemas.openxmlformats.org/officeDocument/2006/relationships" xmlns:p="http://schemas.openxmlformats.org/presentationml/2006/main">
+  <p:cSld>
+    <p:spTree>
+      <p:nvGrpSpPr>
+        <p:cNvPr id="1" name=""/>
+        <p:cNvGrpSpPr/>
+        <p:nvPr/>
+      </p:nvGrpSpPr>
+      <p:grpSpPr>
+        <a:xfrm>
+          <a:off x="0" y="0"/>
+          <a:ext cx="0" cy="0"/>
+          <a:chOff x="0" y="0"/>
+          <a:chExt cx="0" cy="0"/>
+        </a:xfrm>
+      </p:grpSpPr>
+      <p:graphicFrame>
+        <p:nvGraphicFramePr>
+          <p:cNvPr id="2" name="Table 1"/>
+          <p:cNvGraphicFramePr>
+            <a:graphicFrameLocks noGrp="1"/>
+          </p:cNvGraphicFramePr>
+          <p:nvPr/>
+        </p:nvGraphicFramePr>
+        <p:xfrm>
+          <a:off x="762000" y="1142999"/>
+          <a:ext cx="7239000" cy="2113280"/>
+        </p:xfrm>
+        <a:graphic>
+          <a:graphicData uri="http://schemas.openxmlformats.org/drawingml/2006/table">
+            <a:tbl>
+              <a:tblPr firstRow="1" bandRow="1">
+                <a:tableStyleId>{5C22544A-7EE6-4342-B048-85BDC9FD1C3A}</a:tableStyleId>
+              </a:tblPr>
+              <a:tblGrid>
+                <a:gridCol w="1295400"/>
+                <a:gridCol w="1524000"/>
+                <a:gridCol w="1447800"/>
+                <a:gridCol w="1371600"/>
+                <a:gridCol w="1600200"/>
+              </a:tblGrid>
+              <a:tr h="533400">
+                <a:tc gridSpan="5">
+                  <a:txBody>
+                    <a:bodyPr/>
+                    <a:lstStyle/>
+                    <a:p>
+                      <a:pPr algn="ctr"/>
+                      <a:r>
+                        <a:rPr lang="en-US" sz="1800" dirty="0" smtClean="0"/>
+                        <a:t>Method 1</a:t>
+                      </a:r>
+                      <a:endParaRPr lang="en-US" sz="1800" dirty="0"/>
+                    </a:p>
+                  </a:txBody>
+                  <a:tcPr/>
+                </a:tc>
+                <a:tc hMerge="1">
+                  <a:txBody>
+                    <a:bodyPr/>
+                    <a:lstStyle/>
+                    <a:p>
+                      <a:endParaRPr lang="en-US" sz="1200" dirty="0"/>
+                    </a:p>
+                  </a:txBody>
+                  <a:tcPr/>
+                </a:tc>
+                <a:tc hMerge="1">
+                  <a:txBody>
+                    <a:bodyPr/>
+                    <a:lstStyle/>
+                    <a:p>
+                      <a:endParaRPr lang="en-US" sz="1200" dirty="0"/>
+                    </a:p>
+                  </a:txBody>
+                  <a:tcPr/>
+                </a:tc>
+                <a:tc hMerge="1">
+                  <a:txBody>
+                    <a:bodyPr/>
+                    <a:lstStyle/>
+                    <a:p>
+                      <a:endParaRPr lang="en-US" sz="1200" dirty="0"/>
+                    </a:p>
+                  </a:txBody>
+                  <a:tcPr/>
+                </a:tc>
+                <a:tc hMerge="1">
+                  <a:txBody>
+                    <a:bodyPr/>
+                    <a:lstStyle/>
+                    <a:p>
+                      <a:endParaRPr lang="en-US" sz="1200" dirty="0"/>
+                    </a:p>
+                  </a:txBody>
+                  <a:tcPr/>
+                </a:tc>
+              </a:tr>
+              <a:tr h="838200">
+                <a:tc>
+                  <a:txBody>
+                    <a:bodyPr/>
+                    <a:lstStyle/>
+                    <a:p>
+                      <a:r>
+                        <a:rPr lang="en-US" sz="1200" dirty="0" smtClean="0"/>
+                        <a:t>Vascular System</a:t>
+                      </a:r>
+                      <a:endParaRPr lang="en-US" sz="1200" dirty="0"/>
+                    </a:p>
+                  </a:txBody>
+                  <a:tcPr/>
+                </a:tc>
+                <a:tc>
+                  <a:txBody>
+                    <a:bodyPr/>
+                    <a:lstStyle/>
+                    <a:p>
+                      <a:r>
+                        <a:rPr lang="en-US" sz="1200" dirty="0" smtClean="0"/>
+                        <a:t>Radius scaling</a:t>
+                      </a:r>
+                      <a:r>
+                        <a:rPr lang="en-US" sz="1200" baseline="0" dirty="0" smtClean="0"/>
+                        <a:t> exponent, a (</a:t>
+                      </a:r>
+                      <a:r>
+                        <a:rPr lang="en-US" sz="1200" baseline="0" dirty="0" err="1" smtClean="0"/>
+                        <a:t>angicart</a:t>
+                      </a:r>
+                      <a:r>
+                        <a:rPr lang="en-US" sz="1200" baseline="0" dirty="0" smtClean="0"/>
+                        <a:t>)</a:t>
+                      </a:r>
+                      <a:endParaRPr lang="en-US" sz="1200" dirty="0"/>
+                    </a:p>
+                  </a:txBody>
+                  <a:tcPr/>
+                </a:tc>
+                <a:tc>
+                  <a:txBody>
+                    <a:bodyPr/>
+                    <a:lstStyle/>
+                    <a:p>
+                      <a:pPr marL="0" marR="0" indent="0" algn="l" defTabSz="914400" rtl="0" eaLnBrk="1" fontAlgn="auto" latinLnBrk="0" hangingPunct="1">
+                        <a:lnSpc>
+                          <a:spcPct val="100000"/>
+                        </a:lnSpc>
+                        <a:spcBef>
+                          <a:spcPts val="0"/>
+                        </a:spcBef>
+                        <a:spcAft>
+                          <a:spcPts val="0"/>
+                        </a:spcAft>
+                        <a:buClrTx/>
+                        <a:buSzTx/>
+                        <a:buFontTx/>
+                        <a:buNone/>
+                        <a:tabLst/>
+                        <a:defRPr/>
+                      </a:pPr>
+                      <a:r>
+                        <a:rPr lang="en-US" sz="1200" dirty="0" smtClean="0"/>
+                        <a:t>Length scaling</a:t>
+                      </a:r>
+                      <a:r>
+                        <a:rPr lang="en-US" sz="1200" baseline="0" dirty="0" smtClean="0"/>
+                        <a:t> exponent, b (</a:t>
+                      </a:r>
+                      <a:r>
+                        <a:rPr lang="en-US" sz="1200" baseline="0" dirty="0" err="1" smtClean="0"/>
+                        <a:t>angicart</a:t>
+                      </a:r>
+                      <a:r>
+                        <a:rPr lang="en-US" sz="1200" baseline="0" dirty="0" smtClean="0"/>
+                        <a:t>)</a:t>
+                      </a:r>
+                      <a:endParaRPr lang="en-US" sz="1200" dirty="0" smtClean="0"/>
+                    </a:p>
+                    <a:p>
+                      <a:endParaRPr lang="en-US" sz="1200" dirty="0"/>
+                    </a:p>
+                  </a:txBody>
+                  <a:tcPr/>
+                </a:tc>
+                <a:tc>
+                  <a:txBody>
+                    <a:bodyPr/>
+                    <a:lstStyle/>
+                    <a:p>
+                      <a:pPr marL="0" marR="0" indent="0" algn="l" defTabSz="914400" rtl="0" eaLnBrk="1" fontAlgn="auto" latinLnBrk="0" hangingPunct="1">
+                        <a:lnSpc>
+                          <a:spcPct val="100000"/>
+                        </a:lnSpc>
+                        <a:spcBef>
+                          <a:spcPts val="0"/>
+                        </a:spcBef>
+                        <a:spcAft>
+                          <a:spcPts val="0"/>
+                        </a:spcAft>
+                        <a:buClrTx/>
+                        <a:buSzTx/>
+                        <a:buFontTx/>
+                        <a:buNone/>
+                        <a:tabLst/>
+                        <a:defRPr/>
+                      </a:pPr>
+                      <a:r>
+                        <a:rPr lang="en-US" sz="1200" dirty="0" smtClean="0"/>
+                        <a:t>Radius scaling</a:t>
+                      </a:r>
+                      <a:r>
+                        <a:rPr lang="en-US" sz="1200" baseline="0" dirty="0" smtClean="0"/>
+                        <a:t> exponent, a (C++)</a:t>
+                      </a:r>
+                      <a:endParaRPr lang="en-US" sz="1200" dirty="0" smtClean="0"/>
+                    </a:p>
+                    <a:p>
+                      <a:endParaRPr lang="en-US" sz="1200" dirty="0"/>
+                    </a:p>
+                  </a:txBody>
+                  <a:tcPr/>
+                </a:tc>
+                <a:tc>
+                  <a:txBody>
+                    <a:bodyPr/>
+                    <a:lstStyle/>
+                    <a:p>
+                      <a:pPr marL="0" marR="0" indent="0" algn="l" defTabSz="914400" rtl="0" eaLnBrk="1" fontAlgn="auto" latinLnBrk="0" hangingPunct="1">
+                        <a:lnSpc>
+                          <a:spcPct val="100000"/>
+                        </a:lnSpc>
+                        <a:spcBef>
+                          <a:spcPts val="0"/>
+                        </a:spcBef>
+                        <a:spcAft>
+                          <a:spcPts val="0"/>
+                        </a:spcAft>
+                        <a:buClrTx/>
+                        <a:buSzTx/>
+                        <a:buFontTx/>
+                        <a:buNone/>
+                        <a:tabLst/>
+                        <a:defRPr/>
+                      </a:pPr>
+                      <a:r>
+                        <a:rPr lang="en-US" sz="1200" dirty="0" smtClean="0"/>
+                        <a:t>Length scaling</a:t>
+                      </a:r>
+                      <a:r>
+                        <a:rPr lang="en-US" sz="1200" baseline="0" dirty="0" smtClean="0"/>
+                        <a:t> exponent, a (C++)</a:t>
+                      </a:r>
+                      <a:endParaRPr lang="en-US" sz="1200" dirty="0" smtClean="0"/>
+                    </a:p>
+                    <a:p>
+                      <a:endParaRPr lang="en-US" sz="1200" dirty="0"/>
+                    </a:p>
+                  </a:txBody>
+                  <a:tcPr/>
+                </a:tc>
+              </a:tr>
+              <a:tr h="370840">
+                <a:tc>
+                  <a:txBody>
+                    <a:bodyPr/>
+                    <a:lstStyle/>
+                    <a:p>
+                      <a:r>
+                        <a:rPr lang="en-US" sz="1400" dirty="0" smtClean="0"/>
+                        <a:t>Mouse</a:t>
+                      </a:r>
+                      <a:r>
+                        <a:rPr lang="en-US" sz="1400" baseline="0" dirty="0" smtClean="0"/>
+                        <a:t> lung</a:t>
+                      </a:r>
+                      <a:endParaRPr lang="en-US" sz="1400" dirty="0"/>
+                    </a:p>
+                  </a:txBody>
+                  <a:tcPr/>
+                </a:tc>
+                <a:tc>
+                  <a:txBody>
+                    <a:bodyPr/>
+                    <a:lstStyle/>
+                    <a:p>
+                      <a:r>
+                        <a:rPr lang="en-US" sz="1400" dirty="0" smtClean="0"/>
+                        <a:t>X</a:t>
+                      </a:r>
+                      <a:endParaRPr lang="en-US" sz="1400" dirty="0"/>
+                    </a:p>
+                  </a:txBody>
+                  <a:tcPr/>
+                </a:tc>
+                <a:tc>
+                  <a:txBody>
+                    <a:bodyPr/>
+                    <a:lstStyle/>
+                    <a:p>
+                      <a:r>
+                        <a:rPr lang="en-US" sz="1400" dirty="0" smtClean="0"/>
+                        <a:t>X</a:t>
+                      </a:r>
+                      <a:endParaRPr lang="en-US" sz="1400" dirty="0"/>
+                    </a:p>
+                  </a:txBody>
+                  <a:tcPr/>
+                </a:tc>
+                <a:tc>
+                  <a:txBody>
+                    <a:bodyPr/>
+                    <a:lstStyle/>
+                    <a:p>
+                      <a:r>
+                        <a:rPr lang="en-US" sz="1400" dirty="0" smtClean="0"/>
+                        <a:t>X</a:t>
+                      </a:r>
+                      <a:endParaRPr lang="en-US" sz="1400" dirty="0"/>
+                    </a:p>
+                  </a:txBody>
+                  <a:tcPr/>
+                </a:tc>
+                <a:tc>
+                  <a:txBody>
+                    <a:bodyPr/>
+                    <a:lstStyle/>
+                    <a:p>
+                      <a:r>
+                        <a:rPr lang="en-US" sz="1400" dirty="0" smtClean="0"/>
+                        <a:t>X</a:t>
+                      </a:r>
+                      <a:endParaRPr lang="en-US" sz="1400" dirty="0"/>
+                    </a:p>
+                  </a:txBody>
+                  <a:tcPr/>
+                </a:tc>
+              </a:tr>
+              <a:tr h="370840">
+                <a:tc>
+                  <a:txBody>
+                    <a:bodyPr/>
+                    <a:lstStyle/>
+                    <a:p>
+                      <a:endParaRPr lang="en-US" sz="1400" dirty="0"/>
+                    </a:p>
+                  </a:txBody>
+                  <a:tcPr/>
+                </a:tc>
+                <a:tc>
+                  <a:txBody>
+                    <a:bodyPr/>
+                    <a:lstStyle/>
+                    <a:p>
+                      <a:endParaRPr lang="en-US" sz="1400" dirty="0"/>
+                    </a:p>
+                  </a:txBody>
+                  <a:tcPr/>
+                </a:tc>
+                <a:tc>
+                  <a:txBody>
+                    <a:bodyPr/>
+                    <a:lstStyle/>
+                    <a:p>
+                      <a:endParaRPr lang="en-US" sz="1400" dirty="0"/>
+                    </a:p>
+                  </a:txBody>
+                  <a:tcPr/>
+                </a:tc>
+                <a:tc>
+                  <a:txBody>
+                    <a:bodyPr/>
+                    <a:lstStyle/>
+                    <a:p>
+                      <a:endParaRPr lang="en-US" sz="1400" dirty="0"/>
+                    </a:p>
+                  </a:txBody>
+                  <a:tcPr/>
+                </a:tc>
+                <a:tc>
+                  <a:txBody>
+                    <a:bodyPr/>
+                    <a:lstStyle/>
+                    <a:p>
+                      <a:endParaRPr lang="en-US" sz="1400" dirty="0"/>
+                    </a:p>
+                  </a:txBody>
+                  <a:tcPr/>
+                </a:tc>
+              </a:tr>
+            </a:tbl>
+          </a:graphicData>
+        </a:graphic>
+      </p:graphicFrame>
+      <p:graphicFrame>
+        <p:nvGraphicFramePr>
+          <p:cNvPr id="3" name="Table 2"/>
+          <p:cNvGraphicFramePr>
+            <a:graphicFrameLocks noGrp="1"/>
+          </p:cNvGraphicFramePr>
+          <p:nvPr/>
+        </p:nvGraphicFramePr>
+        <p:xfrm>
+          <a:off x="685800" y="3886200"/>
+          <a:ext cx="7239000" cy="2113280"/>
+        </p:xfrm>
+        <a:graphic>
+          <a:graphicData uri="http://schemas.openxmlformats.org/drawingml/2006/table">
+            <a:tbl>
+              <a:tblPr firstRow="1" bandRow="1">
+                <a:tableStyleId>{5C22544A-7EE6-4342-B048-85BDC9FD1C3A}</a:tableStyleId>
+              </a:tblPr>
+              <a:tblGrid>
+                <a:gridCol w="1295400"/>
+                <a:gridCol w="1524000"/>
+                <a:gridCol w="1447800"/>
+                <a:gridCol w="1371600"/>
+                <a:gridCol w="1600200"/>
+              </a:tblGrid>
+              <a:tr h="533400">
+                <a:tc gridSpan="5">
+                  <a:txBody>
+                    <a:bodyPr/>
+                    <a:lstStyle/>
+                    <a:p>
+                      <a:pPr algn="ctr"/>
+                      <a:r>
+                        <a:rPr lang="en-US" sz="1800" dirty="0" smtClean="0"/>
+                        <a:t>Method 3</a:t>
+                      </a:r>
+                      <a:endParaRPr lang="en-US" sz="1800" dirty="0"/>
+                    </a:p>
+                  </a:txBody>
+                  <a:tcPr/>
+                </a:tc>
+                <a:tc hMerge="1">
+                  <a:txBody>
+                    <a:bodyPr/>
+                    <a:lstStyle/>
+                    <a:p>
+                      <a:endParaRPr lang="en-US" sz="1200" dirty="0"/>
+                    </a:p>
+                  </a:txBody>
+                  <a:tcPr/>
+                </a:tc>
+                <a:tc hMerge="1">
+                  <a:txBody>
+                    <a:bodyPr/>
+                    <a:lstStyle/>
+                    <a:p>
+                      <a:endParaRPr lang="en-US" sz="1200" dirty="0"/>
+                    </a:p>
+                  </a:txBody>
+                  <a:tcPr/>
+                </a:tc>
+                <a:tc hMerge="1">
+                  <a:txBody>
+                    <a:bodyPr/>
+                    <a:lstStyle/>
+                    <a:p>
+                      <a:endParaRPr lang="en-US" sz="1200" dirty="0"/>
+                    </a:p>
+                  </a:txBody>
+                  <a:tcPr/>
+                </a:tc>
+                <a:tc hMerge="1">
+                  <a:txBody>
+                    <a:bodyPr/>
+                    <a:lstStyle/>
+                    <a:p>
+                      <a:endParaRPr lang="en-US" sz="1200" dirty="0"/>
+                    </a:p>
+                  </a:txBody>
+                  <a:tcPr/>
+                </a:tc>
+              </a:tr>
+              <a:tr h="838200">
+                <a:tc>
+                  <a:txBody>
+                    <a:bodyPr/>
+                    <a:lstStyle/>
+                    <a:p>
+                      <a:r>
+                        <a:rPr lang="en-US" sz="1200" dirty="0" smtClean="0"/>
+                        <a:t>Vascular System</a:t>
+                      </a:r>
+                      <a:endParaRPr lang="en-US" sz="1200" dirty="0"/>
+                    </a:p>
+                  </a:txBody>
+                  <a:tcPr/>
+                </a:tc>
+                <a:tc>
+                  <a:txBody>
+                    <a:bodyPr/>
+                    <a:lstStyle/>
+                    <a:p>
+                      <a:r>
+                        <a:rPr lang="en-US" sz="1200" dirty="0" smtClean="0"/>
+                        <a:t>Radius scaling</a:t>
+                      </a:r>
+                      <a:r>
+                        <a:rPr lang="en-US" sz="1200" baseline="0" dirty="0" smtClean="0"/>
+                        <a:t> exponent, a (</a:t>
+                      </a:r>
+                      <a:r>
+                        <a:rPr lang="en-US" sz="1200" baseline="0" dirty="0" err="1" smtClean="0"/>
+                        <a:t>angicart</a:t>
+                      </a:r>
+                      <a:r>
+                        <a:rPr lang="en-US" sz="1200" baseline="0" dirty="0" smtClean="0"/>
+                        <a:t>)</a:t>
+                      </a:r>
+                      <a:endParaRPr lang="en-US" sz="1200" dirty="0"/>
+                    </a:p>
+                  </a:txBody>
+                  <a:tcPr/>
+                </a:tc>
+                <a:tc>
+                  <a:txBody>
+                    <a:bodyPr/>
+                    <a:lstStyle/>
+                    <a:p>
+                      <a:pPr marL="0" marR="0" indent="0" algn="l" defTabSz="914400" rtl="0" eaLnBrk="1" fontAlgn="auto" latinLnBrk="0" hangingPunct="1">
+                        <a:lnSpc>
+                          <a:spcPct val="100000"/>
+                        </a:lnSpc>
+                        <a:spcBef>
+                          <a:spcPts val="0"/>
+                        </a:spcBef>
+                        <a:spcAft>
+                          <a:spcPts val="0"/>
+                        </a:spcAft>
+                        <a:buClrTx/>
+                        <a:buSzTx/>
+                        <a:buFontTx/>
+                        <a:buNone/>
+                        <a:tabLst/>
+                        <a:defRPr/>
+                      </a:pPr>
+                      <a:r>
+                        <a:rPr lang="en-US" sz="1200" dirty="0" smtClean="0"/>
+                        <a:t>Length scaling</a:t>
+                      </a:r>
+                      <a:r>
+                        <a:rPr lang="en-US" sz="1200" baseline="0" dirty="0" smtClean="0"/>
+                        <a:t> exponent, b (</a:t>
+                      </a:r>
+                      <a:r>
+                        <a:rPr lang="en-US" sz="1200" baseline="0" dirty="0" err="1" smtClean="0"/>
+                        <a:t>angicart</a:t>
+                      </a:r>
+                      <a:r>
+                        <a:rPr lang="en-US" sz="1200" baseline="0" dirty="0" smtClean="0"/>
+                        <a:t>)</a:t>
+                      </a:r>
+                      <a:endParaRPr lang="en-US" sz="1200" dirty="0" smtClean="0"/>
+                    </a:p>
+                    <a:p>
+                      <a:endParaRPr lang="en-US" sz="1200" dirty="0"/>
+                    </a:p>
+                  </a:txBody>
+                  <a:tcPr/>
+                </a:tc>
+                <a:tc>
+                  <a:txBody>
+                    <a:bodyPr/>
+                    <a:lstStyle/>
+                    <a:p>
+                      <a:pPr marL="0" marR="0" indent="0" algn="l" defTabSz="914400" rtl="0" eaLnBrk="1" fontAlgn="auto" latinLnBrk="0" hangingPunct="1">
+                        <a:lnSpc>
+                          <a:spcPct val="100000"/>
+                        </a:lnSpc>
+                        <a:spcBef>
+                          <a:spcPts val="0"/>
+                        </a:spcBef>
+                        <a:spcAft>
+                          <a:spcPts val="0"/>
+                        </a:spcAft>
+                        <a:buClrTx/>
+                        <a:buSzTx/>
+                        <a:buFontTx/>
+                        <a:buNone/>
+                        <a:tabLst/>
+                        <a:defRPr/>
+                      </a:pPr>
+                      <a:r>
+                        <a:rPr lang="en-US" sz="1200" dirty="0" smtClean="0"/>
+                        <a:t>Radius scaling</a:t>
+                      </a:r>
+                      <a:r>
+                        <a:rPr lang="en-US" sz="1200" baseline="0" dirty="0" smtClean="0"/>
+                        <a:t> exponent, a (C++)</a:t>
+                      </a:r>
+                      <a:endParaRPr lang="en-US" sz="1200" dirty="0" smtClean="0"/>
+                    </a:p>
+                    <a:p>
+                      <a:endParaRPr lang="en-US" sz="1200" dirty="0"/>
+                    </a:p>
+                  </a:txBody>
+                  <a:tcPr/>
+                </a:tc>
+                <a:tc>
+                  <a:txBody>
+                    <a:bodyPr/>
+                    <a:lstStyle/>
+                    <a:p>
+                      <a:pPr marL="0" marR="0" indent="0" algn="l" defTabSz="914400" rtl="0" eaLnBrk="1" fontAlgn="auto" latinLnBrk="0" hangingPunct="1">
+                        <a:lnSpc>
+                          <a:spcPct val="100000"/>
+                        </a:lnSpc>
+                        <a:spcBef>
+                          <a:spcPts val="0"/>
+                        </a:spcBef>
+                        <a:spcAft>
+                          <a:spcPts val="0"/>
+                        </a:spcAft>
+                        <a:buClrTx/>
+                        <a:buSzTx/>
+                        <a:buFontTx/>
+                        <a:buNone/>
+                        <a:tabLst/>
+                        <a:defRPr/>
+                      </a:pPr>
+                      <a:r>
+                        <a:rPr lang="en-US" sz="1200" dirty="0" smtClean="0"/>
+                        <a:t>Length scaling</a:t>
+                      </a:r>
+                      <a:r>
+                        <a:rPr lang="en-US" sz="1200" baseline="0" dirty="0" smtClean="0"/>
+                        <a:t> exponent, a (C++)</a:t>
+                      </a:r>
+                      <a:endParaRPr lang="en-US" sz="1200" dirty="0" smtClean="0"/>
+                    </a:p>
+                    <a:p>
+                      <a:endParaRPr lang="en-US" sz="1200" dirty="0"/>
+                    </a:p>
+                  </a:txBody>
+                  <a:tcPr/>
+                </a:tc>
+              </a:tr>
+              <a:tr h="370840">
+                <a:tc>
+                  <a:txBody>
+                    <a:bodyPr/>
+                    <a:lstStyle/>
+                    <a:p>
+                      <a:r>
+                        <a:rPr lang="en-US" sz="1400" dirty="0" smtClean="0"/>
+                        <a:t>Mouse</a:t>
+                      </a:r>
+                      <a:r>
+                        <a:rPr lang="en-US" sz="1400" baseline="0" dirty="0" smtClean="0"/>
+                        <a:t> lung</a:t>
+                      </a:r>
+                      <a:endParaRPr lang="en-US" sz="1400" dirty="0"/>
+                    </a:p>
+                  </a:txBody>
+                  <a:tcPr/>
+                </a:tc>
+                <a:tc>
+                  <a:txBody>
+                    <a:bodyPr/>
+                    <a:lstStyle/>
+                    <a:p>
+                      <a:r>
+                        <a:rPr lang="en-US" sz="1400" dirty="0" smtClean="0"/>
+                        <a:t>X</a:t>
+                      </a:r>
+                      <a:endParaRPr lang="en-US" sz="1400" dirty="0"/>
+                    </a:p>
+                  </a:txBody>
+                  <a:tcPr/>
+                </a:tc>
+                <a:tc>
+                  <a:txBody>
+                    <a:bodyPr/>
+                    <a:lstStyle/>
+                    <a:p>
+                      <a:r>
+                        <a:rPr lang="en-US" sz="1400" dirty="0" smtClean="0"/>
+                        <a:t>X</a:t>
+                      </a:r>
+                      <a:endParaRPr lang="en-US" sz="1400" dirty="0"/>
+                    </a:p>
+                  </a:txBody>
+                  <a:tcPr/>
+                </a:tc>
+                <a:tc>
+                  <a:txBody>
+                    <a:bodyPr/>
+                    <a:lstStyle/>
+                    <a:p>
+                      <a:r>
+                        <a:rPr lang="en-US" sz="1400" dirty="0" smtClean="0"/>
+                        <a:t>X</a:t>
+                      </a:r>
+                      <a:endParaRPr lang="en-US" sz="1400" dirty="0"/>
+                    </a:p>
+                  </a:txBody>
+                  <a:tcPr/>
+                </a:tc>
+                <a:tc>
+                  <a:txBody>
+                    <a:bodyPr/>
+                    <a:lstStyle/>
+                    <a:p>
+                      <a:r>
+                        <a:rPr lang="en-US" sz="1400" dirty="0" smtClean="0"/>
+                        <a:t>X</a:t>
+                      </a:r>
+                      <a:endParaRPr lang="en-US" sz="1400" dirty="0"/>
+                    </a:p>
+                  </a:txBody>
+                  <a:tcPr/>
+                </a:tc>
+              </a:tr>
+              <a:tr h="370840">
+                <a:tc>
+                  <a:txBody>
+                    <a:bodyPr/>
+                    <a:lstStyle/>
+                    <a:p>
+                      <a:endParaRPr lang="en-US" sz="1400" dirty="0"/>
+                    </a:p>
+                  </a:txBody>
+                  <a:tcPr/>
+                </a:tc>
+                <a:tc>
+                  <a:txBody>
+                    <a:bodyPr/>
+                    <a:lstStyle/>
+                    <a:p>
+                      <a:endParaRPr lang="en-US" sz="1400" dirty="0"/>
+                    </a:p>
+                  </a:txBody>
+                  <a:tcPr/>
+                </a:tc>
+                <a:tc>
+                  <a:txBody>
+                    <a:bodyPr/>
+                    <a:lstStyle/>
+                    <a:p>
+                      <a:endParaRPr lang="en-US" sz="1400" dirty="0"/>
+                    </a:p>
+                  </a:txBody>
+                  <a:tcPr/>
+                </a:tc>
+                <a:tc>
+                  <a:txBody>
+                    <a:bodyPr/>
+                    <a:lstStyle/>
+                    <a:p>
+                      <a:endParaRPr lang="en-US" sz="1400" dirty="0"/>
+                    </a:p>
+                  </a:txBody>
+                  <a:tcPr/>
+                </a:tc>
+                <a:tc>
+                  <a:txBody>
+                    <a:bodyPr/>
+                    <a:lstStyle/>
+                    <a:p>
+                      <a:endParaRPr lang="en-US" sz="1400" dirty="0"/>
+                    </a:p>
+                  </a:txBody>
+                  <a:tcPr/>
+                </a:tc>
+              </a:tr>
+            </a:tbl>
+          </a:graphicData>
+        </a:graphic>
+      </p:graphicFrame>
+    </p:spTree>
+  </p:cSld>
+  <p:clrMapOvr>
+    <a:masterClrMapping/>
+  </p:clrMapOvr>
+</p:sld>
+</file>
+
 <file path=ppt/theme/theme1.xml><?xml version="1.0" encoding="utf-8"?>
 <a:theme xmlns:a="http://schemas.openxmlformats.org/drawingml/2006/main" name="Urban">
   <a:themeElements>

--- a/papers/ScalingExponentMethodsPresentation.pptx
+++ b/papers/ScalingExponentMethodsPresentation.pptx
@@ -8,10 +8,12 @@
     <p:sldId id="256" r:id="rId2"/>
     <p:sldId id="257" r:id="rId3"/>
     <p:sldId id="258" r:id="rId4"/>
-    <p:sldId id="259" r:id="rId5"/>
-    <p:sldId id="260" r:id="rId6"/>
-    <p:sldId id="262" r:id="rId7"/>
-    <p:sldId id="261" r:id="rId8"/>
+    <p:sldId id="263" r:id="rId5"/>
+    <p:sldId id="259" r:id="rId6"/>
+    <p:sldId id="260" r:id="rId7"/>
+    <p:sldId id="264" r:id="rId8"/>
+    <p:sldId id="262" r:id="rId9"/>
+    <p:sldId id="261" r:id="rId10"/>
   </p:sldIdLst>
   <p:sldSz cx="9144000" cy="6858000" type="screen4x3"/>
   <p:notesSz cx="6858000" cy="9144000"/>
@@ -772,7 +774,7 @@
             <a:fld id="{0D9A0B88-B419-4C40-8CB2-10EC9FBC9A75}" type="datetimeFigureOut">
               <a:rPr lang="en-US" smtClean="0"/>
               <a:pPr/>
-              <a:t>7/5/2016</a:t>
+              <a:t>7/6/2016</a:t>
             </a:fld>
             <a:endParaRPr lang="en-US"/>
           </a:p>
@@ -957,7 +959,7 @@
             <a:fld id="{0D9A0B88-B419-4C40-8CB2-10EC9FBC9A75}" type="datetimeFigureOut">
               <a:rPr lang="en-US" smtClean="0"/>
               <a:pPr/>
-              <a:t>7/5/2016</a:t>
+              <a:t>7/6/2016</a:t>
             </a:fld>
             <a:endParaRPr lang="en-US"/>
           </a:p>
@@ -1134,7 +1136,7 @@
             <a:fld id="{0D9A0B88-B419-4C40-8CB2-10EC9FBC9A75}" type="datetimeFigureOut">
               <a:rPr lang="en-US" smtClean="0"/>
               <a:pPr/>
-              <a:t>7/5/2016</a:t>
+              <a:t>7/6/2016</a:t>
             </a:fld>
             <a:endParaRPr lang="en-US"/>
           </a:p>
@@ -1301,7 +1303,7 @@
             <a:fld id="{0D9A0B88-B419-4C40-8CB2-10EC9FBC9A75}" type="datetimeFigureOut">
               <a:rPr lang="en-US" smtClean="0"/>
               <a:pPr/>
-              <a:t>7/5/2016</a:t>
+              <a:t>7/6/2016</a:t>
             </a:fld>
             <a:endParaRPr lang="en-US"/>
           </a:p>
@@ -1524,7 +1526,7 @@
             <a:fld id="{0D9A0B88-B419-4C40-8CB2-10EC9FBC9A75}" type="datetimeFigureOut">
               <a:rPr lang="en-US" smtClean="0"/>
               <a:pPr/>
-              <a:t>7/5/2016</a:t>
+              <a:t>7/6/2016</a:t>
             </a:fld>
             <a:endParaRPr lang="en-US"/>
           </a:p>
@@ -1785,7 +1787,7 @@
             <a:fld id="{0D9A0B88-B419-4C40-8CB2-10EC9FBC9A75}" type="datetimeFigureOut">
               <a:rPr lang="en-US" smtClean="0"/>
               <a:pPr/>
-              <a:t>7/5/2016</a:t>
+              <a:t>7/6/2016</a:t>
             </a:fld>
             <a:endParaRPr lang="en-US"/>
           </a:p>
@@ -2191,7 +2193,7 @@
             <a:fld id="{0D9A0B88-B419-4C40-8CB2-10EC9FBC9A75}" type="datetimeFigureOut">
               <a:rPr lang="en-US" smtClean="0"/>
               <a:pPr/>
-              <a:t>7/5/2016</a:t>
+              <a:t>7/6/2016</a:t>
             </a:fld>
             <a:endParaRPr lang="en-US"/>
           </a:p>
@@ -2324,7 +2326,7 @@
             <a:fld id="{0D9A0B88-B419-4C40-8CB2-10EC9FBC9A75}" type="datetimeFigureOut">
               <a:rPr lang="en-US" smtClean="0"/>
               <a:pPr/>
-              <a:t>7/5/2016</a:t>
+              <a:t>7/6/2016</a:t>
             </a:fld>
             <a:endParaRPr lang="en-US"/>
           </a:p>
@@ -2426,7 +2428,7 @@
             <a:fld id="{0D9A0B88-B419-4C40-8CB2-10EC9FBC9A75}" type="datetimeFigureOut">
               <a:rPr lang="en-US" smtClean="0"/>
               <a:pPr/>
-              <a:t>7/5/2016</a:t>
+              <a:t>7/6/2016</a:t>
             </a:fld>
             <a:endParaRPr lang="en-US"/>
           </a:p>
@@ -2673,7 +2675,7 @@
             <a:fld id="{0D9A0B88-B419-4C40-8CB2-10EC9FBC9A75}" type="datetimeFigureOut">
               <a:rPr lang="en-US" smtClean="0"/>
               <a:pPr/>
-              <a:t>7/5/2016</a:t>
+              <a:t>7/6/2016</a:t>
             </a:fld>
             <a:endParaRPr lang="en-US"/>
           </a:p>
@@ -2919,7 +2921,7 @@
             <a:fld id="{0D9A0B88-B419-4C40-8CB2-10EC9FBC9A75}" type="datetimeFigureOut">
               <a:rPr lang="en-US" smtClean="0"/>
               <a:pPr/>
-              <a:t>7/5/2016</a:t>
+              <a:t>7/6/2016</a:t>
             </a:fld>
             <a:endParaRPr lang="en-US"/>
           </a:p>
@@ -3745,7 +3747,7 @@
             <a:fld id="{0D9A0B88-B419-4C40-8CB2-10EC9FBC9A75}" type="datetimeFigureOut">
               <a:rPr lang="en-US" smtClean="0"/>
               <a:pPr/>
-              <a:t>7/5/2016</a:t>
+              <a:t>7/6/2016</a:t>
             </a:fld>
             <a:endParaRPr lang="en-US"/>
           </a:p>
@@ -4368,7 +4370,7 @@
           <a:p>
             <a:r>
               <a:rPr lang="en-US" dirty="0" smtClean="0"/>
-              <a:t>Scaling exponent b using Method 1</a:t>
+              <a:t>Scaling exponent a using Method 3</a:t>
             </a:r>
             <a:endParaRPr lang="en-US" dirty="0"/>
           </a:p>
@@ -4376,7 +4378,7 @@
       </p:sp>
       <p:pic>
         <p:nvPicPr>
-          <p:cNvPr id="5" name="Content Placeholder 4" descr="length_method1.jpg"/>
+          <p:cNvPr id="5" name="Content Placeholder 4" descr="r_method3.jpg"/>
           <p:cNvPicPr>
             <a:picLocks noGrp="1" noChangeAspect="1"/>
           </p:cNvPicPr>
@@ -4392,8 +4394,8 @@
         </p:blipFill>
         <p:spPr>
           <a:xfrm>
-            <a:off x="1676400" y="2209800"/>
-            <a:ext cx="5486400" cy="4114800"/>
+            <a:off x="1981200" y="2209800"/>
+            <a:ext cx="5715000" cy="4286250"/>
           </a:xfrm>
         </p:spPr>
       </p:pic>
@@ -4439,6 +4441,77 @@
           <a:p>
             <a:r>
               <a:rPr lang="en-US" dirty="0" smtClean="0"/>
+              <a:t>Scaling exponent b using Method 1</a:t>
+            </a:r>
+            <a:endParaRPr lang="en-US" dirty="0"/>
+          </a:p>
+        </p:txBody>
+      </p:sp>
+      <p:pic>
+        <p:nvPicPr>
+          <p:cNvPr id="5" name="Content Placeholder 4" descr="length_method1.jpg"/>
+          <p:cNvPicPr>
+            <a:picLocks noGrp="1" noChangeAspect="1"/>
+          </p:cNvPicPr>
+          <p:nvPr>
+            <p:ph idx="1"/>
+          </p:nvPr>
+        </p:nvPicPr>
+        <p:blipFill>
+          <a:blip r:embed="rId2" cstate="print"/>
+          <a:stretch>
+            <a:fillRect/>
+          </a:stretch>
+        </p:blipFill>
+        <p:spPr>
+          <a:xfrm>
+            <a:off x="1676400" y="2209800"/>
+            <a:ext cx="5486400" cy="4114800"/>
+          </a:xfrm>
+        </p:spPr>
+      </p:pic>
+    </p:spTree>
+  </p:cSld>
+  <p:clrMapOvr>
+    <a:masterClrMapping/>
+  </p:clrMapOvr>
+</p:sld>
+</file>
+
+<file path=ppt/slides/slide6.xml><?xml version="1.0" encoding="utf-8"?>
+<p:sld xmlns:a="http://schemas.openxmlformats.org/drawingml/2006/main" xmlns:r="http://schemas.openxmlformats.org/officeDocument/2006/relationships" xmlns:p="http://schemas.openxmlformats.org/presentationml/2006/main">
+  <p:cSld>
+    <p:spTree>
+      <p:nvGrpSpPr>
+        <p:cNvPr id="1" name=""/>
+        <p:cNvGrpSpPr/>
+        <p:nvPr/>
+      </p:nvGrpSpPr>
+      <p:grpSpPr>
+        <a:xfrm>
+          <a:off x="0" y="0"/>
+          <a:ext cx="0" cy="0"/>
+          <a:chOff x="0" y="0"/>
+          <a:chExt cx="0" cy="0"/>
+        </a:xfrm>
+      </p:grpSpPr>
+      <p:sp>
+        <p:nvSpPr>
+          <p:cNvPr id="2" name="Title 1"/>
+          <p:cNvSpPr>
+            <a:spLocks noGrp="1"/>
+          </p:cNvSpPr>
+          <p:nvPr>
+            <p:ph type="title"/>
+          </p:nvPr>
+        </p:nvSpPr>
+        <p:spPr/>
+        <p:txBody>
+          <a:bodyPr/>
+          <a:lstStyle/>
+          <a:p>
+            <a:r>
+              <a:rPr lang="en-US" dirty="0" smtClean="0"/>
               <a:t>Scaling exponent b using Method 3</a:t>
             </a:r>
             <a:endParaRPr lang="en-US" dirty="0"/>
@@ -4476,7 +4549,78 @@
 </p:sld>
 </file>
 
-<file path=ppt/slides/slide6.xml><?xml version="1.0" encoding="utf-8"?>
+<file path=ppt/slides/slide7.xml><?xml version="1.0" encoding="utf-8"?>
+<p:sld xmlns:a="http://schemas.openxmlformats.org/drawingml/2006/main" xmlns:r="http://schemas.openxmlformats.org/officeDocument/2006/relationships" xmlns:p="http://schemas.openxmlformats.org/presentationml/2006/main">
+  <p:cSld>
+    <p:spTree>
+      <p:nvGrpSpPr>
+        <p:cNvPr id="1" name=""/>
+        <p:cNvGrpSpPr/>
+        <p:nvPr/>
+      </p:nvGrpSpPr>
+      <p:grpSpPr>
+        <a:xfrm>
+          <a:off x="0" y="0"/>
+          <a:ext cx="0" cy="0"/>
+          <a:chOff x="0" y="0"/>
+          <a:chExt cx="0" cy="0"/>
+        </a:xfrm>
+      </p:grpSpPr>
+      <p:sp>
+        <p:nvSpPr>
+          <p:cNvPr id="2" name="Title 1"/>
+          <p:cNvSpPr>
+            <a:spLocks noGrp="1"/>
+          </p:cNvSpPr>
+          <p:nvPr>
+            <p:ph type="title"/>
+          </p:nvPr>
+        </p:nvSpPr>
+        <p:spPr/>
+        <p:txBody>
+          <a:bodyPr/>
+          <a:lstStyle/>
+          <a:p>
+            <a:r>
+              <a:rPr lang="en-US" dirty="0" smtClean="0"/>
+              <a:t>Scaling exponent b using Method 3</a:t>
+            </a:r>
+            <a:endParaRPr lang="en-US" dirty="0"/>
+          </a:p>
+        </p:txBody>
+      </p:sp>
+      <p:pic>
+        <p:nvPicPr>
+          <p:cNvPr id="5" name="Content Placeholder 4" descr="l_method3.jpg"/>
+          <p:cNvPicPr>
+            <a:picLocks noGrp="1" noChangeAspect="1"/>
+          </p:cNvPicPr>
+          <p:nvPr>
+            <p:ph idx="1"/>
+          </p:nvPr>
+        </p:nvPicPr>
+        <p:blipFill>
+          <a:blip r:embed="rId2" cstate="print"/>
+          <a:stretch>
+            <a:fillRect/>
+          </a:stretch>
+        </p:blipFill>
+        <p:spPr>
+          <a:xfrm>
+            <a:off x="1905000" y="2133600"/>
+            <a:ext cx="5410200" cy="4057650"/>
+          </a:xfrm>
+        </p:spPr>
+      </p:pic>
+    </p:spTree>
+  </p:cSld>
+  <p:clrMapOvr>
+    <a:masterClrMapping/>
+  </p:clrMapOvr>
+</p:sld>
+</file>
+
+<file path=ppt/slides/slide8.xml><?xml version="1.0" encoding="utf-8"?>
 <p:sld xmlns:a="http://schemas.openxmlformats.org/drawingml/2006/main" xmlns:r="http://schemas.openxmlformats.org/officeDocument/2006/relationships" xmlns:p="http://schemas.openxmlformats.org/presentationml/2006/main">
   <p:cSld>
     <p:spTree>
@@ -4525,7 +4669,7 @@
 </p:sld>
 </file>
 
-<file path=ppt/slides/slide7.xml><?xml version="1.0" encoding="utf-8"?>
+<file path=ppt/slides/slide9.xml><?xml version="1.0" encoding="utf-8"?>
 <p:sld xmlns:a="http://schemas.openxmlformats.org/drawingml/2006/main" xmlns:r="http://schemas.openxmlformats.org/officeDocument/2006/relationships" xmlns:p="http://schemas.openxmlformats.org/presentationml/2006/main">
   <p:cSld>
     <p:spTree>

--- a/papers/ScalingExponentMethodsPresentation.pptx
+++ b/papers/ScalingExponentMethodsPresentation.pptx
@@ -774,7 +774,7 @@
             <a:fld id="{0D9A0B88-B419-4C40-8CB2-10EC9FBC9A75}" type="datetimeFigureOut">
               <a:rPr lang="en-US" smtClean="0"/>
               <a:pPr/>
-              <a:t>7/6/2016</a:t>
+              <a:t>7/7/2016</a:t>
             </a:fld>
             <a:endParaRPr lang="en-US"/>
           </a:p>
@@ -959,7 +959,7 @@
             <a:fld id="{0D9A0B88-B419-4C40-8CB2-10EC9FBC9A75}" type="datetimeFigureOut">
               <a:rPr lang="en-US" smtClean="0"/>
               <a:pPr/>
-              <a:t>7/6/2016</a:t>
+              <a:t>7/7/2016</a:t>
             </a:fld>
             <a:endParaRPr lang="en-US"/>
           </a:p>
@@ -1136,7 +1136,7 @@
             <a:fld id="{0D9A0B88-B419-4C40-8CB2-10EC9FBC9A75}" type="datetimeFigureOut">
               <a:rPr lang="en-US" smtClean="0"/>
               <a:pPr/>
-              <a:t>7/6/2016</a:t>
+              <a:t>7/7/2016</a:t>
             </a:fld>
             <a:endParaRPr lang="en-US"/>
           </a:p>
@@ -1303,7 +1303,7 @@
             <a:fld id="{0D9A0B88-B419-4C40-8CB2-10EC9FBC9A75}" type="datetimeFigureOut">
               <a:rPr lang="en-US" smtClean="0"/>
               <a:pPr/>
-              <a:t>7/6/2016</a:t>
+              <a:t>7/7/2016</a:t>
             </a:fld>
             <a:endParaRPr lang="en-US"/>
           </a:p>
@@ -1526,7 +1526,7 @@
             <a:fld id="{0D9A0B88-B419-4C40-8CB2-10EC9FBC9A75}" type="datetimeFigureOut">
               <a:rPr lang="en-US" smtClean="0"/>
               <a:pPr/>
-              <a:t>7/6/2016</a:t>
+              <a:t>7/7/2016</a:t>
             </a:fld>
             <a:endParaRPr lang="en-US"/>
           </a:p>
@@ -1787,7 +1787,7 @@
             <a:fld id="{0D9A0B88-B419-4C40-8CB2-10EC9FBC9A75}" type="datetimeFigureOut">
               <a:rPr lang="en-US" smtClean="0"/>
               <a:pPr/>
-              <a:t>7/6/2016</a:t>
+              <a:t>7/7/2016</a:t>
             </a:fld>
             <a:endParaRPr lang="en-US"/>
           </a:p>
@@ -2193,7 +2193,7 @@
             <a:fld id="{0D9A0B88-B419-4C40-8CB2-10EC9FBC9A75}" type="datetimeFigureOut">
               <a:rPr lang="en-US" smtClean="0"/>
               <a:pPr/>
-              <a:t>7/6/2016</a:t>
+              <a:t>7/7/2016</a:t>
             </a:fld>
             <a:endParaRPr lang="en-US"/>
           </a:p>
@@ -2326,7 +2326,7 @@
             <a:fld id="{0D9A0B88-B419-4C40-8CB2-10EC9FBC9A75}" type="datetimeFigureOut">
               <a:rPr lang="en-US" smtClean="0"/>
               <a:pPr/>
-              <a:t>7/6/2016</a:t>
+              <a:t>7/7/2016</a:t>
             </a:fld>
             <a:endParaRPr lang="en-US"/>
           </a:p>
@@ -2428,7 +2428,7 @@
             <a:fld id="{0D9A0B88-B419-4C40-8CB2-10EC9FBC9A75}" type="datetimeFigureOut">
               <a:rPr lang="en-US" smtClean="0"/>
               <a:pPr/>
-              <a:t>7/6/2016</a:t>
+              <a:t>7/7/2016</a:t>
             </a:fld>
             <a:endParaRPr lang="en-US"/>
           </a:p>
@@ -2675,7 +2675,7 @@
             <a:fld id="{0D9A0B88-B419-4C40-8CB2-10EC9FBC9A75}" type="datetimeFigureOut">
               <a:rPr lang="en-US" smtClean="0"/>
               <a:pPr/>
-              <a:t>7/6/2016</a:t>
+              <a:t>7/7/2016</a:t>
             </a:fld>
             <a:endParaRPr lang="en-US"/>
           </a:p>
@@ -2921,7 +2921,7 @@
             <a:fld id="{0D9A0B88-B419-4C40-8CB2-10EC9FBC9A75}" type="datetimeFigureOut">
               <a:rPr lang="en-US" smtClean="0"/>
               <a:pPr/>
-              <a:t>7/6/2016</a:t>
+              <a:t>7/7/2016</a:t>
             </a:fld>
             <a:endParaRPr lang="en-US"/>
           </a:p>
@@ -3747,7 +3747,7 @@
             <a:fld id="{0D9A0B88-B419-4C40-8CB2-10EC9FBC9A75}" type="datetimeFigureOut">
               <a:rPr lang="en-US" smtClean="0"/>
               <a:pPr/>
-              <a:t>7/6/2016</a:t>
+              <a:t>7/7/2016</a:t>
             </a:fld>
             <a:endParaRPr lang="en-US"/>
           </a:p>
@@ -4940,11 +4940,11 @@
                     <a:p>
                       <a:r>
                         <a:rPr lang="en-US" sz="1400" dirty="0" smtClean="0"/>
-                        <a:t>Mouse</a:t>
+                        <a:t>Sample</a:t>
                       </a:r>
                       <a:r>
                         <a:rPr lang="en-US" sz="1400" baseline="0" dirty="0" smtClean="0"/>
-                        <a:t> lung</a:t>
+                        <a:t> Data</a:t>
                       </a:r>
                       <a:endParaRPr lang="en-US" sz="1400" dirty="0"/>
                     </a:p>
@@ -4958,7 +4958,7 @@
                     <a:p>
                       <a:r>
                         <a:rPr lang="en-US" sz="1400" dirty="0" smtClean="0"/>
-                        <a:t>X</a:t>
+                        <a:t> 0.1198</a:t>
                       </a:r>
                       <a:endParaRPr lang="en-US" sz="1400" dirty="0"/>
                     </a:p>
@@ -4972,7 +4972,7 @@
                     <a:p>
                       <a:r>
                         <a:rPr lang="en-US" sz="1400" dirty="0" smtClean="0"/>
-                        <a:t>X</a:t>
+                        <a:t>0.1932</a:t>
                       </a:r>
                       <a:endParaRPr lang="en-US" sz="1400" dirty="0"/>
                     </a:p>
@@ -4986,7 +4986,7 @@
                     <a:p>
                       <a:r>
                         <a:rPr lang="en-US" sz="1400" dirty="0" smtClean="0"/>
-                        <a:t>X</a:t>
+                        <a:t>0.0807</a:t>
                       </a:r>
                       <a:endParaRPr lang="en-US" sz="1400" dirty="0"/>
                     </a:p>
@@ -5000,7 +5000,7 @@
                     <a:p>
                       <a:r>
                         <a:rPr lang="en-US" sz="1400" dirty="0" smtClean="0"/>
-                        <a:t>X</a:t>
+                        <a:t> 0.0659</a:t>
                       </a:r>
                       <a:endParaRPr lang="en-US" sz="1400" dirty="0"/>
                     </a:p>
@@ -5014,6 +5014,10 @@
                     <a:bodyPr/>
                     <a:lstStyle/>
                     <a:p>
+                      <a:r>
+                        <a:rPr lang="en-US" sz="1400" dirty="0" smtClean="0"/>
+                        <a:t>Sample </a:t>
+                      </a:r>
                       <a:endParaRPr lang="en-US" sz="1400" dirty="0"/>
                     </a:p>
                   </a:txBody>

--- a/papers/ScalingExponentMethodsPresentation.pptx
+++ b/papers/ScalingExponentMethodsPresentation.pptx
@@ -774,7 +774,7 @@
             <a:fld id="{0D9A0B88-B419-4C40-8CB2-10EC9FBC9A75}" type="datetimeFigureOut">
               <a:rPr lang="en-US" smtClean="0"/>
               <a:pPr/>
-              <a:t>7/7/2016</a:t>
+              <a:t>7/11/2016</a:t>
             </a:fld>
             <a:endParaRPr lang="en-US"/>
           </a:p>
@@ -959,7 +959,7 @@
             <a:fld id="{0D9A0B88-B419-4C40-8CB2-10EC9FBC9A75}" type="datetimeFigureOut">
               <a:rPr lang="en-US" smtClean="0"/>
               <a:pPr/>
-              <a:t>7/7/2016</a:t>
+              <a:t>7/11/2016</a:t>
             </a:fld>
             <a:endParaRPr lang="en-US"/>
           </a:p>
@@ -1136,7 +1136,7 @@
             <a:fld id="{0D9A0B88-B419-4C40-8CB2-10EC9FBC9A75}" type="datetimeFigureOut">
               <a:rPr lang="en-US" smtClean="0"/>
               <a:pPr/>
-              <a:t>7/7/2016</a:t>
+              <a:t>7/11/2016</a:t>
             </a:fld>
             <a:endParaRPr lang="en-US"/>
           </a:p>
@@ -1303,7 +1303,7 @@
             <a:fld id="{0D9A0B88-B419-4C40-8CB2-10EC9FBC9A75}" type="datetimeFigureOut">
               <a:rPr lang="en-US" smtClean="0"/>
               <a:pPr/>
-              <a:t>7/7/2016</a:t>
+              <a:t>7/11/2016</a:t>
             </a:fld>
             <a:endParaRPr lang="en-US"/>
           </a:p>
@@ -1526,7 +1526,7 @@
             <a:fld id="{0D9A0B88-B419-4C40-8CB2-10EC9FBC9A75}" type="datetimeFigureOut">
               <a:rPr lang="en-US" smtClean="0"/>
               <a:pPr/>
-              <a:t>7/7/2016</a:t>
+              <a:t>7/11/2016</a:t>
             </a:fld>
             <a:endParaRPr lang="en-US"/>
           </a:p>
@@ -1787,7 +1787,7 @@
             <a:fld id="{0D9A0B88-B419-4C40-8CB2-10EC9FBC9A75}" type="datetimeFigureOut">
               <a:rPr lang="en-US" smtClean="0"/>
               <a:pPr/>
-              <a:t>7/7/2016</a:t>
+              <a:t>7/11/2016</a:t>
             </a:fld>
             <a:endParaRPr lang="en-US"/>
           </a:p>
@@ -2193,7 +2193,7 @@
             <a:fld id="{0D9A0B88-B419-4C40-8CB2-10EC9FBC9A75}" type="datetimeFigureOut">
               <a:rPr lang="en-US" smtClean="0"/>
               <a:pPr/>
-              <a:t>7/7/2016</a:t>
+              <a:t>7/11/2016</a:t>
             </a:fld>
             <a:endParaRPr lang="en-US"/>
           </a:p>
@@ -2326,7 +2326,7 @@
             <a:fld id="{0D9A0B88-B419-4C40-8CB2-10EC9FBC9A75}" type="datetimeFigureOut">
               <a:rPr lang="en-US" smtClean="0"/>
               <a:pPr/>
-              <a:t>7/7/2016</a:t>
+              <a:t>7/11/2016</a:t>
             </a:fld>
             <a:endParaRPr lang="en-US"/>
           </a:p>
@@ -2428,7 +2428,7 @@
             <a:fld id="{0D9A0B88-B419-4C40-8CB2-10EC9FBC9A75}" type="datetimeFigureOut">
               <a:rPr lang="en-US" smtClean="0"/>
               <a:pPr/>
-              <a:t>7/7/2016</a:t>
+              <a:t>7/11/2016</a:t>
             </a:fld>
             <a:endParaRPr lang="en-US"/>
           </a:p>
@@ -2675,7 +2675,7 @@
             <a:fld id="{0D9A0B88-B419-4C40-8CB2-10EC9FBC9A75}" type="datetimeFigureOut">
               <a:rPr lang="en-US" smtClean="0"/>
               <a:pPr/>
-              <a:t>7/7/2016</a:t>
+              <a:t>7/11/2016</a:t>
             </a:fld>
             <a:endParaRPr lang="en-US"/>
           </a:p>
@@ -2921,7 +2921,7 @@
             <a:fld id="{0D9A0B88-B419-4C40-8CB2-10EC9FBC9A75}" type="datetimeFigureOut">
               <a:rPr lang="en-US" smtClean="0"/>
               <a:pPr/>
-              <a:t>7/7/2016</a:t>
+              <a:t>7/11/2016</a:t>
             </a:fld>
             <a:endParaRPr lang="en-US"/>
           </a:p>
@@ -3747,7 +3747,7 @@
             <a:fld id="{0D9A0B88-B419-4C40-8CB2-10EC9FBC9A75}" type="datetimeFigureOut">
               <a:rPr lang="en-US" smtClean="0"/>
               <a:pPr/>
-              <a:t>7/7/2016</a:t>
+              <a:t>7/11/2016</a:t>
             </a:fld>
             <a:endParaRPr lang="en-US"/>
           </a:p>
@@ -4986,7 +4986,7 @@
                     <a:p>
                       <a:r>
                         <a:rPr lang="en-US" sz="1400" dirty="0" smtClean="0"/>
-                        <a:t>0.0807</a:t>
+                        <a:t> 0.1904</a:t>
                       </a:r>
                       <a:endParaRPr lang="en-US" sz="1400" dirty="0"/>
                     </a:p>
@@ -4999,8 +4999,12 @@
                     <a:lstStyle/>
                     <a:p>
                       <a:r>
-                        <a:rPr lang="en-US" sz="1400" dirty="0" smtClean="0"/>
-                        <a:t> 0.0659</a:t>
+                        <a:rPr lang="en-US" sz="1400" smtClean="0"/>
+                        <a:t> </a:t>
+                      </a:r>
+                      <a:r>
+                        <a:rPr lang="en-US" sz="1400" smtClean="0"/>
+                        <a:t> -0.2093</a:t>
                       </a:r>
                       <a:endParaRPr lang="en-US" sz="1400" dirty="0"/>
                     </a:p>
@@ -5016,7 +5020,7 @@
                     <a:p>
                       <a:r>
                         <a:rPr lang="en-US" sz="1400" dirty="0" smtClean="0"/>
-                        <a:t>Sample </a:t>
+                        <a:t>Mouse-lung</a:t>
                       </a:r>
                       <a:endParaRPr lang="en-US" sz="1400" dirty="0"/>
                     </a:p>

--- a/papers/ScalingExponentMethodsPresentation.pptx
+++ b/papers/ScalingExponentMethodsPresentation.pptx
@@ -6,14 +6,12 @@
   </p:sldMasterIdLst>
   <p:sldIdLst>
     <p:sldId id="256" r:id="rId2"/>
-    <p:sldId id="257" r:id="rId3"/>
-    <p:sldId id="258" r:id="rId4"/>
-    <p:sldId id="263" r:id="rId5"/>
-    <p:sldId id="259" r:id="rId6"/>
-    <p:sldId id="260" r:id="rId7"/>
-    <p:sldId id="264" r:id="rId8"/>
-    <p:sldId id="262" r:id="rId9"/>
-    <p:sldId id="261" r:id="rId10"/>
+    <p:sldId id="266" r:id="rId3"/>
+    <p:sldId id="267" r:id="rId4"/>
+    <p:sldId id="268" r:id="rId5"/>
+    <p:sldId id="269" r:id="rId6"/>
+    <p:sldId id="261" r:id="rId7"/>
+    <p:sldId id="265" r:id="rId8"/>
   </p:sldIdLst>
   <p:sldSz cx="9144000" cy="6858000" type="screen4x3"/>
   <p:notesSz cx="6858000" cy="9144000"/>
@@ -4151,38 +4149,15 @@
         <p:spPr/>
         <p:txBody>
           <a:bodyPr>
-            <a:normAutofit/>
+            <a:noAutofit/>
           </a:bodyPr>
           <a:lstStyle/>
           <a:p>
             <a:r>
-              <a:rPr lang="en-US" dirty="0" smtClean="0"/>
-              <a:t>Calculating scaling exponents</a:t>
+              <a:rPr lang="en-US" sz="3200" dirty="0" smtClean="0"/>
+              <a:t>Comparing Healthy and Diseased Vascular Networks to Better Understand Pathologies</a:t>
             </a:r>
-            <a:endParaRPr lang="en-US" dirty="0"/>
-          </a:p>
-        </p:txBody>
-      </p:sp>
-      <p:sp>
-        <p:nvSpPr>
-          <p:cNvPr id="3" name="Subtitle 2"/>
-          <p:cNvSpPr>
-            <a:spLocks noGrp="1"/>
-          </p:cNvSpPr>
-          <p:nvPr>
-            <p:ph type="subTitle" idx="1"/>
-          </p:nvPr>
-        </p:nvSpPr>
-        <p:spPr/>
-        <p:txBody>
-          <a:bodyPr/>
-          <a:lstStyle/>
-          <a:p>
-            <a:r>
-              <a:rPr lang="en-US" dirty="0" smtClean="0"/>
-              <a:t>using the ratio-based method and the regression-based method</a:t>
-            </a:r>
-            <a:endParaRPr lang="en-US" dirty="0"/>
+            <a:endParaRPr lang="en-US" sz="3200" dirty="0"/>
           </a:p>
         </p:txBody>
       </p:sp>
@@ -4221,28 +4196,63 @@
             <p:ph type="title"/>
           </p:nvPr>
         </p:nvSpPr>
-        <p:spPr/>
-        <p:txBody>
-          <a:bodyPr/>
+        <p:spPr>
+          <a:xfrm>
+            <a:off x="0" y="228600"/>
+            <a:ext cx="8229600" cy="1069848"/>
+          </a:xfrm>
+        </p:spPr>
+        <p:txBody>
+          <a:bodyPr>
+            <a:normAutofit/>
+          </a:bodyPr>
           <a:lstStyle/>
           <a:p>
             <a:r>
               <a:rPr lang="en-US" dirty="0" smtClean="0"/>
-              <a:t>Scaling exponent a using Method 1</a:t>
+              <a:t>Conservation-based method</a:t>
             </a:r>
             <a:endParaRPr lang="en-US" dirty="0"/>
           </a:p>
         </p:txBody>
       </p:sp>
+      <p:sp>
+        <p:nvSpPr>
+          <p:cNvPr id="3" name="TextBox 2"/>
+          <p:cNvSpPr txBox="1"/>
+          <p:nvPr/>
+        </p:nvSpPr>
+        <p:spPr>
+          <a:xfrm>
+            <a:off x="152400" y="990600"/>
+            <a:ext cx="3352800" cy="369332"/>
+          </a:xfrm>
+          <a:prstGeom prst="rect">
+            <a:avLst/>
+          </a:prstGeom>
+          <a:noFill/>
+        </p:spPr>
+        <p:txBody>
+          <a:bodyPr wrap="square" rtlCol="0">
+            <a:spAutoFit/>
+          </a:bodyPr>
+          <a:lstStyle/>
+          <a:p>
+            <a:r>
+              <a:rPr lang="en-US" b="1" i="1" dirty="0" smtClean="0"/>
+              <a:t>Sample Data</a:t>
+            </a:r>
+            <a:endParaRPr lang="en-US" b="1" i="1" dirty="0"/>
+          </a:p>
+        </p:txBody>
+      </p:sp>
       <p:pic>
         <p:nvPicPr>
-          <p:cNvPr id="6" name="Content Placeholder 5" descr="radius_method1.jpg"/>
+          <p:cNvPr id="4" name="Picture 3" descr="angicart_a_m1.jpg"/>
           <p:cNvPicPr>
-            <a:picLocks noGrp="1" noChangeAspect="1"/>
+            <a:picLocks noChangeAspect="1"/>
           </p:cNvPicPr>
-          <p:nvPr>
-            <p:ph idx="1"/>
-          </p:nvPr>
+          <p:nvPr/>
         </p:nvPicPr>
         <p:blipFill>
           <a:blip r:embed="rId2" cstate="print"/>
@@ -4252,9 +4262,84 @@
         </p:blipFill>
         <p:spPr>
           <a:xfrm>
-            <a:off x="1524000" y="2125663"/>
-            <a:ext cx="5791200" cy="4343400"/>
-          </a:xfrm>
+            <a:off x="4800600" y="1295400"/>
+            <a:ext cx="3657600" cy="2743200"/>
+          </a:xfrm>
+          <a:prstGeom prst="rect">
+            <a:avLst/>
+          </a:prstGeom>
+        </p:spPr>
+      </p:pic>
+      <p:pic>
+        <p:nvPicPr>
+          <p:cNvPr id="5" name="Picture 4" descr="angicart_b_m1.jpg"/>
+          <p:cNvPicPr>
+            <a:picLocks noChangeAspect="1"/>
+          </p:cNvPicPr>
+          <p:nvPr/>
+        </p:nvPicPr>
+        <p:blipFill>
+          <a:blip r:embed="rId3" cstate="print"/>
+          <a:stretch>
+            <a:fillRect/>
+          </a:stretch>
+        </p:blipFill>
+        <p:spPr>
+          <a:xfrm>
+            <a:off x="4800600" y="4114800"/>
+            <a:ext cx="3657600" cy="2743200"/>
+          </a:xfrm>
+          <a:prstGeom prst="rect">
+            <a:avLst/>
+          </a:prstGeom>
+        </p:spPr>
+      </p:pic>
+      <p:pic>
+        <p:nvPicPr>
+          <p:cNvPr id="6" name="Picture 5" descr="c_a_m1.jpg"/>
+          <p:cNvPicPr>
+            <a:picLocks noChangeAspect="1"/>
+          </p:cNvPicPr>
+          <p:nvPr/>
+        </p:nvPicPr>
+        <p:blipFill>
+          <a:blip r:embed="rId4" cstate="print"/>
+          <a:stretch>
+            <a:fillRect/>
+          </a:stretch>
+        </p:blipFill>
+        <p:spPr>
+          <a:xfrm>
+            <a:off x="990600" y="1295400"/>
+            <a:ext cx="3657600" cy="2743200"/>
+          </a:xfrm>
+          <a:prstGeom prst="rect">
+            <a:avLst/>
+          </a:prstGeom>
+        </p:spPr>
+      </p:pic>
+      <p:pic>
+        <p:nvPicPr>
+          <p:cNvPr id="7" name="Picture 6" descr="c_b_m1.jpg"/>
+          <p:cNvPicPr>
+            <a:picLocks noChangeAspect="1"/>
+          </p:cNvPicPr>
+          <p:nvPr/>
+        </p:nvPicPr>
+        <p:blipFill>
+          <a:blip r:embed="rId5" cstate="print"/>
+          <a:stretch>
+            <a:fillRect/>
+          </a:stretch>
+        </p:blipFill>
+        <p:spPr>
+          <a:xfrm>
+            <a:off x="990600" y="4114800"/>
+            <a:ext cx="3657600" cy="2743200"/>
+          </a:xfrm>
+          <a:prstGeom prst="rect">
+            <a:avLst/>
+          </a:prstGeom>
         </p:spPr>
       </p:pic>
     </p:spTree>
@@ -4292,28 +4377,63 @@
             <p:ph type="title"/>
           </p:nvPr>
         </p:nvSpPr>
-        <p:spPr/>
-        <p:txBody>
-          <a:bodyPr/>
+        <p:spPr>
+          <a:xfrm>
+            <a:off x="0" y="228600"/>
+            <a:ext cx="8229600" cy="1069848"/>
+          </a:xfrm>
+        </p:spPr>
+        <p:txBody>
+          <a:bodyPr>
+            <a:normAutofit/>
+          </a:bodyPr>
           <a:lstStyle/>
           <a:p>
             <a:r>
               <a:rPr lang="en-US" dirty="0" smtClean="0"/>
-              <a:t>Scaling exponent a using Method 3</a:t>
+              <a:t>Ratio-based method</a:t>
             </a:r>
             <a:endParaRPr lang="en-US" dirty="0"/>
           </a:p>
         </p:txBody>
       </p:sp>
+      <p:sp>
+        <p:nvSpPr>
+          <p:cNvPr id="3" name="TextBox 2"/>
+          <p:cNvSpPr txBox="1"/>
+          <p:nvPr/>
+        </p:nvSpPr>
+        <p:spPr>
+          <a:xfrm>
+            <a:off x="152400" y="990600"/>
+            <a:ext cx="3352800" cy="369332"/>
+          </a:xfrm>
+          <a:prstGeom prst="rect">
+            <a:avLst/>
+          </a:prstGeom>
+          <a:noFill/>
+        </p:spPr>
+        <p:txBody>
+          <a:bodyPr wrap="square" rtlCol="0">
+            <a:spAutoFit/>
+          </a:bodyPr>
+          <a:lstStyle/>
+          <a:p>
+            <a:r>
+              <a:rPr lang="en-US" b="1" i="1" dirty="0" smtClean="0"/>
+              <a:t>Sample Data</a:t>
+            </a:r>
+            <a:endParaRPr lang="en-US" b="1" i="1" dirty="0"/>
+          </a:p>
+        </p:txBody>
+      </p:sp>
       <p:pic>
         <p:nvPicPr>
-          <p:cNvPr id="6" name="Content Placeholder 5" descr="radius_method3.jpg"/>
+          <p:cNvPr id="8" name="Picture 7" descr="angicart_a_m2.jpg"/>
           <p:cNvPicPr>
-            <a:picLocks noGrp="1" noChangeAspect="1"/>
+            <a:picLocks noChangeAspect="1"/>
           </p:cNvPicPr>
-          <p:nvPr>
-            <p:ph idx="1"/>
-          </p:nvPr>
+          <p:nvPr/>
         </p:nvPicPr>
         <p:blipFill>
           <a:blip r:embed="rId2" cstate="print"/>
@@ -4323,9 +4443,84 @@
         </p:blipFill>
         <p:spPr>
           <a:xfrm>
-            <a:off x="1752600" y="2133600"/>
-            <a:ext cx="5943600" cy="4457700"/>
-          </a:xfrm>
+            <a:off x="4800600" y="1371600"/>
+            <a:ext cx="3657600" cy="2743200"/>
+          </a:xfrm>
+          <a:prstGeom prst="rect">
+            <a:avLst/>
+          </a:prstGeom>
+        </p:spPr>
+      </p:pic>
+      <p:pic>
+        <p:nvPicPr>
+          <p:cNvPr id="9" name="Picture 8" descr="angicart_b_m2.jpg"/>
+          <p:cNvPicPr>
+            <a:picLocks noChangeAspect="1"/>
+          </p:cNvPicPr>
+          <p:nvPr/>
+        </p:nvPicPr>
+        <p:blipFill>
+          <a:blip r:embed="rId3" cstate="print"/>
+          <a:stretch>
+            <a:fillRect/>
+          </a:stretch>
+        </p:blipFill>
+        <p:spPr>
+          <a:xfrm>
+            <a:off x="4800600" y="4114800"/>
+            <a:ext cx="3657600" cy="2743200"/>
+          </a:xfrm>
+          <a:prstGeom prst="rect">
+            <a:avLst/>
+          </a:prstGeom>
+        </p:spPr>
+      </p:pic>
+      <p:pic>
+        <p:nvPicPr>
+          <p:cNvPr id="10" name="Picture 9" descr="c_a_m2.jpg"/>
+          <p:cNvPicPr>
+            <a:picLocks noChangeAspect="1"/>
+          </p:cNvPicPr>
+          <p:nvPr/>
+        </p:nvPicPr>
+        <p:blipFill>
+          <a:blip r:embed="rId4" cstate="print"/>
+          <a:stretch>
+            <a:fillRect/>
+          </a:stretch>
+        </p:blipFill>
+        <p:spPr>
+          <a:xfrm>
+            <a:off x="990600" y="1371600"/>
+            <a:ext cx="3657600" cy="2743200"/>
+          </a:xfrm>
+          <a:prstGeom prst="rect">
+            <a:avLst/>
+          </a:prstGeom>
+        </p:spPr>
+      </p:pic>
+      <p:pic>
+        <p:nvPicPr>
+          <p:cNvPr id="11" name="Picture 10" descr="c_b_m2.jpg"/>
+          <p:cNvPicPr>
+            <a:picLocks noChangeAspect="1"/>
+          </p:cNvPicPr>
+          <p:nvPr/>
+        </p:nvPicPr>
+        <p:blipFill>
+          <a:blip r:embed="rId5" cstate="print"/>
+          <a:stretch>
+            <a:fillRect/>
+          </a:stretch>
+        </p:blipFill>
+        <p:spPr>
+          <a:xfrm>
+            <a:off x="990600" y="4114800"/>
+            <a:ext cx="3657600" cy="2743200"/>
+          </a:xfrm>
+          <a:prstGeom prst="rect">
+            <a:avLst/>
+          </a:prstGeom>
         </p:spPr>
       </p:pic>
     </p:spTree>
@@ -4363,28 +4558,63 @@
             <p:ph type="title"/>
           </p:nvPr>
         </p:nvSpPr>
-        <p:spPr/>
-        <p:txBody>
-          <a:bodyPr/>
+        <p:spPr>
+          <a:xfrm>
+            <a:off x="0" y="228600"/>
+            <a:ext cx="8229600" cy="1069848"/>
+          </a:xfrm>
+        </p:spPr>
+        <p:txBody>
+          <a:bodyPr>
+            <a:normAutofit/>
+          </a:bodyPr>
           <a:lstStyle/>
           <a:p>
             <a:r>
               <a:rPr lang="en-US" dirty="0" smtClean="0"/>
-              <a:t>Scaling exponent a using Method 3</a:t>
+              <a:t>Distribution-based method</a:t>
             </a:r>
             <a:endParaRPr lang="en-US" dirty="0"/>
           </a:p>
         </p:txBody>
       </p:sp>
+      <p:sp>
+        <p:nvSpPr>
+          <p:cNvPr id="3" name="TextBox 2"/>
+          <p:cNvSpPr txBox="1"/>
+          <p:nvPr/>
+        </p:nvSpPr>
+        <p:spPr>
+          <a:xfrm>
+            <a:off x="152400" y="990600"/>
+            <a:ext cx="3352800" cy="369332"/>
+          </a:xfrm>
+          <a:prstGeom prst="rect">
+            <a:avLst/>
+          </a:prstGeom>
+          <a:noFill/>
+        </p:spPr>
+        <p:txBody>
+          <a:bodyPr wrap="square" rtlCol="0">
+            <a:spAutoFit/>
+          </a:bodyPr>
+          <a:lstStyle/>
+          <a:p>
+            <a:r>
+              <a:rPr lang="en-US" b="1" i="1" dirty="0" smtClean="0"/>
+              <a:t>Sample Data</a:t>
+            </a:r>
+            <a:endParaRPr lang="en-US" b="1" i="1" dirty="0"/>
+          </a:p>
+        </p:txBody>
+      </p:sp>
       <p:pic>
         <p:nvPicPr>
-          <p:cNvPr id="5" name="Content Placeholder 4" descr="r_method3.jpg"/>
+          <p:cNvPr id="8" name="Picture 7" descr="angicart_a_m3.jpg"/>
           <p:cNvPicPr>
-            <a:picLocks noGrp="1" noChangeAspect="1"/>
+            <a:picLocks noChangeAspect="1"/>
           </p:cNvPicPr>
-          <p:nvPr>
-            <p:ph idx="1"/>
-          </p:nvPr>
+          <p:nvPr/>
         </p:nvPicPr>
         <p:blipFill>
           <a:blip r:embed="rId2" cstate="print"/>
@@ -4394,9 +4624,84 @@
         </p:blipFill>
         <p:spPr>
           <a:xfrm>
-            <a:off x="1981200" y="2209800"/>
-            <a:ext cx="5715000" cy="4286250"/>
-          </a:xfrm>
+            <a:off x="4724400" y="1295400"/>
+            <a:ext cx="3657600" cy="2743200"/>
+          </a:xfrm>
+          <a:prstGeom prst="rect">
+            <a:avLst/>
+          </a:prstGeom>
+        </p:spPr>
+      </p:pic>
+      <p:pic>
+        <p:nvPicPr>
+          <p:cNvPr id="9" name="Picture 8" descr="angicart_b_m3.jpg"/>
+          <p:cNvPicPr>
+            <a:picLocks noChangeAspect="1"/>
+          </p:cNvPicPr>
+          <p:nvPr/>
+        </p:nvPicPr>
+        <p:blipFill>
+          <a:blip r:embed="rId3" cstate="print"/>
+          <a:stretch>
+            <a:fillRect/>
+          </a:stretch>
+        </p:blipFill>
+        <p:spPr>
+          <a:xfrm>
+            <a:off x="4724400" y="4114800"/>
+            <a:ext cx="3657600" cy="2743200"/>
+          </a:xfrm>
+          <a:prstGeom prst="rect">
+            <a:avLst/>
+          </a:prstGeom>
+        </p:spPr>
+      </p:pic>
+      <p:pic>
+        <p:nvPicPr>
+          <p:cNvPr id="10" name="Picture 9" descr="c_a_m3.jpg"/>
+          <p:cNvPicPr>
+            <a:picLocks noChangeAspect="1"/>
+          </p:cNvPicPr>
+          <p:nvPr/>
+        </p:nvPicPr>
+        <p:blipFill>
+          <a:blip r:embed="rId4" cstate="print"/>
+          <a:stretch>
+            <a:fillRect/>
+          </a:stretch>
+        </p:blipFill>
+        <p:spPr>
+          <a:xfrm>
+            <a:off x="990600" y="1295400"/>
+            <a:ext cx="3657600" cy="2743200"/>
+          </a:xfrm>
+          <a:prstGeom prst="rect">
+            <a:avLst/>
+          </a:prstGeom>
+        </p:spPr>
+      </p:pic>
+      <p:pic>
+        <p:nvPicPr>
+          <p:cNvPr id="11" name="Picture 10" descr="c_b_m3.jpg"/>
+          <p:cNvPicPr>
+            <a:picLocks noChangeAspect="1"/>
+          </p:cNvPicPr>
+          <p:nvPr/>
+        </p:nvPicPr>
+        <p:blipFill>
+          <a:blip r:embed="rId5" cstate="print"/>
+          <a:stretch>
+            <a:fillRect/>
+          </a:stretch>
+        </p:blipFill>
+        <p:spPr>
+          <a:xfrm>
+            <a:off x="990600" y="4114800"/>
+            <a:ext cx="3657600" cy="2743200"/>
+          </a:xfrm>
+          <a:prstGeom prst="rect">
+            <a:avLst/>
+          </a:prstGeom>
         </p:spPr>
       </p:pic>
     </p:spTree>
@@ -4434,28 +4739,63 @@
             <p:ph type="title"/>
           </p:nvPr>
         </p:nvSpPr>
-        <p:spPr/>
-        <p:txBody>
-          <a:bodyPr/>
+        <p:spPr>
+          <a:xfrm>
+            <a:off x="0" y="228600"/>
+            <a:ext cx="8229600" cy="1069848"/>
+          </a:xfrm>
+        </p:spPr>
+        <p:txBody>
+          <a:bodyPr>
+            <a:normAutofit/>
+          </a:bodyPr>
           <a:lstStyle/>
           <a:p>
             <a:r>
               <a:rPr lang="en-US" dirty="0" smtClean="0"/>
-              <a:t>Scaling exponent b using Method 1</a:t>
+              <a:t>Regression-based method</a:t>
             </a:r>
             <a:endParaRPr lang="en-US" dirty="0"/>
           </a:p>
         </p:txBody>
       </p:sp>
+      <p:sp>
+        <p:nvSpPr>
+          <p:cNvPr id="3" name="TextBox 2"/>
+          <p:cNvSpPr txBox="1"/>
+          <p:nvPr/>
+        </p:nvSpPr>
+        <p:spPr>
+          <a:xfrm>
+            <a:off x="152400" y="990600"/>
+            <a:ext cx="3352800" cy="369332"/>
+          </a:xfrm>
+          <a:prstGeom prst="rect">
+            <a:avLst/>
+          </a:prstGeom>
+          <a:noFill/>
+        </p:spPr>
+        <p:txBody>
+          <a:bodyPr wrap="square" rtlCol="0">
+            <a:spAutoFit/>
+          </a:bodyPr>
+          <a:lstStyle/>
+          <a:p>
+            <a:r>
+              <a:rPr lang="en-US" b="1" i="1" dirty="0" smtClean="0"/>
+              <a:t>Sample Data</a:t>
+            </a:r>
+            <a:endParaRPr lang="en-US" b="1" i="1" dirty="0"/>
+          </a:p>
+        </p:txBody>
+      </p:sp>
       <p:pic>
         <p:nvPicPr>
-          <p:cNvPr id="5" name="Content Placeholder 4" descr="length_method1.jpg"/>
+          <p:cNvPr id="8" name="Picture 7" descr="angicart_a_m4.jpg"/>
           <p:cNvPicPr>
-            <a:picLocks noGrp="1" noChangeAspect="1"/>
+            <a:picLocks noChangeAspect="1"/>
           </p:cNvPicPr>
-          <p:nvPr>
-            <p:ph idx="1"/>
-          </p:nvPr>
+          <p:nvPr/>
         </p:nvPicPr>
         <p:blipFill>
           <a:blip r:embed="rId2" cstate="print"/>
@@ -4465,9 +4805,36 @@
         </p:blipFill>
         <p:spPr>
           <a:xfrm>
-            <a:off x="1676400" y="2209800"/>
-            <a:ext cx="5486400" cy="4114800"/>
-          </a:xfrm>
+            <a:off x="4724400" y="1295400"/>
+            <a:ext cx="3657600" cy="2743200"/>
+          </a:xfrm>
+          <a:prstGeom prst="rect">
+            <a:avLst/>
+          </a:prstGeom>
+        </p:spPr>
+      </p:pic>
+      <p:pic>
+        <p:nvPicPr>
+          <p:cNvPr id="10" name="Picture 9" descr="angicart_b_m4.jpg"/>
+          <p:cNvPicPr>
+            <a:picLocks noChangeAspect="1"/>
+          </p:cNvPicPr>
+          <p:nvPr/>
+        </p:nvPicPr>
+        <p:blipFill>
+          <a:blip r:embed="rId3" cstate="print"/>
+          <a:stretch>
+            <a:fillRect/>
+          </a:stretch>
+        </p:blipFill>
+        <p:spPr>
+          <a:xfrm>
+            <a:off x="4724400" y="4038600"/>
+            <a:ext cx="3657600" cy="2743200"/>
+          </a:xfrm>
+          <a:prstGeom prst="rect">
+            <a:avLst/>
+          </a:prstGeom>
         </p:spPr>
       </p:pic>
     </p:spTree>
@@ -4495,52 +4862,1010 @@
           <a:chExt cx="0" cy="0"/>
         </a:xfrm>
       </p:grpSpPr>
-      <p:sp>
-        <p:nvSpPr>
-          <p:cNvPr id="2" name="Title 1"/>
-          <p:cNvSpPr>
-            <a:spLocks noGrp="1"/>
-          </p:cNvSpPr>
-          <p:nvPr>
-            <p:ph type="title"/>
-          </p:nvPr>
-        </p:nvSpPr>
-        <p:spPr/>
-        <p:txBody>
-          <a:bodyPr/>
-          <a:lstStyle/>
-          <a:p>
-            <a:r>
-              <a:rPr lang="en-US" dirty="0" smtClean="0"/>
-              <a:t>Scaling exponent b using Method 3</a:t>
-            </a:r>
-            <a:endParaRPr lang="en-US" dirty="0"/>
-          </a:p>
-        </p:txBody>
-      </p:sp>
-      <p:pic>
-        <p:nvPicPr>
-          <p:cNvPr id="6" name="Content Placeholder 5" descr="length_method3.jpg"/>
-          <p:cNvPicPr>
-            <a:picLocks noGrp="1" noChangeAspect="1"/>
-          </p:cNvPicPr>
-          <p:nvPr>
-            <p:ph idx="1"/>
-          </p:nvPr>
-        </p:nvPicPr>
-        <p:blipFill>
-          <a:blip r:embed="rId2" cstate="print"/>
-          <a:stretch>
-            <a:fillRect/>
-          </a:stretch>
-        </p:blipFill>
-        <p:spPr>
-          <a:xfrm>
-            <a:off x="1600200" y="2057400"/>
-            <a:ext cx="5943600" cy="4457700"/>
-          </a:xfrm>
-        </p:spPr>
-      </p:pic>
+      <p:graphicFrame>
+        <p:nvGraphicFramePr>
+          <p:cNvPr id="2" name="Table 1"/>
+          <p:cNvGraphicFramePr>
+            <a:graphicFrameLocks noGrp="1"/>
+          </p:cNvGraphicFramePr>
+          <p:nvPr/>
+        </p:nvGraphicFramePr>
+        <p:xfrm>
+          <a:off x="838200" y="838200"/>
+          <a:ext cx="7696200" cy="2428798"/>
+        </p:xfrm>
+        <a:graphic>
+          <a:graphicData uri="http://schemas.openxmlformats.org/drawingml/2006/table">
+            <a:tbl>
+              <a:tblPr firstRow="1" bandRow="1">
+                <a:tableStyleId>{5C22544A-7EE6-4342-B048-85BDC9FD1C3A}</a:tableStyleId>
+              </a:tblPr>
+              <a:tblGrid>
+                <a:gridCol w="1981200"/>
+                <a:gridCol w="1066800"/>
+                <a:gridCol w="1143000"/>
+                <a:gridCol w="1143000"/>
+                <a:gridCol w="1219200"/>
+                <a:gridCol w="1143000"/>
+              </a:tblGrid>
+              <a:tr h="552633">
+                <a:tc gridSpan="6">
+                  <a:txBody>
+                    <a:bodyPr/>
+                    <a:lstStyle/>
+                    <a:p>
+                      <a:pPr algn="ctr"/>
+                      <a:r>
+                        <a:rPr lang="en-US" sz="1800" dirty="0" smtClean="0"/>
+                        <a:t>Radius exponent measures (C++)</a:t>
+                      </a:r>
+                      <a:endParaRPr lang="en-US" sz="1800" dirty="0"/>
+                    </a:p>
+                  </a:txBody>
+                  <a:tcPr/>
+                </a:tc>
+                <a:tc hMerge="1">
+                  <a:txBody>
+                    <a:bodyPr/>
+                    <a:lstStyle/>
+                    <a:p>
+                      <a:endParaRPr lang="en-US" sz="1200" dirty="0"/>
+                    </a:p>
+                  </a:txBody>
+                  <a:tcPr/>
+                </a:tc>
+                <a:tc hMerge="1">
+                  <a:txBody>
+                    <a:bodyPr/>
+                    <a:lstStyle/>
+                    <a:p>
+                      <a:endParaRPr lang="en-US" sz="1200" dirty="0"/>
+                    </a:p>
+                  </a:txBody>
+                  <a:tcPr/>
+                </a:tc>
+                <a:tc hMerge="1">
+                  <a:txBody>
+                    <a:bodyPr/>
+                    <a:lstStyle/>
+                    <a:p>
+                      <a:endParaRPr lang="en-US" sz="1200" dirty="0"/>
+                    </a:p>
+                  </a:txBody>
+                  <a:tcPr/>
+                </a:tc>
+                <a:tc hMerge="1">
+                  <a:txBody>
+                    <a:bodyPr/>
+                    <a:lstStyle/>
+                    <a:p>
+                      <a:endParaRPr lang="en-US" sz="1200" dirty="0"/>
+                    </a:p>
+                  </a:txBody>
+                  <a:tcPr/>
+                </a:tc>
+                <a:tc hMerge="1">
+                  <a:txBody>
+                    <a:bodyPr/>
+                    <a:lstStyle/>
+                    <a:p>
+                      <a:pPr algn="ctr"/>
+                      <a:endParaRPr lang="en-US" sz="1800" dirty="0"/>
+                    </a:p>
+                  </a:txBody>
+                  <a:tcPr/>
+                </a:tc>
+              </a:tr>
+              <a:tr h="361766">
+                <a:tc>
+                  <a:txBody>
+                    <a:bodyPr/>
+                    <a:lstStyle/>
+                    <a:p>
+                      <a:endParaRPr lang="en-US" sz="1200" b="1" dirty="0"/>
+                    </a:p>
+                  </a:txBody>
+                  <a:tcPr/>
+                </a:tc>
+                <a:tc>
+                  <a:txBody>
+                    <a:bodyPr/>
+                    <a:lstStyle/>
+                    <a:p>
+                      <a:r>
+                        <a:rPr lang="en-US" sz="1200" b="1" dirty="0" smtClean="0"/>
+                        <a:t>N</a:t>
+                      </a:r>
+                      <a:endParaRPr lang="en-US" sz="1200" b="1" dirty="0"/>
+                    </a:p>
+                  </a:txBody>
+                  <a:tcPr/>
+                </a:tc>
+                <a:tc>
+                  <a:txBody>
+                    <a:bodyPr/>
+                    <a:lstStyle/>
+                    <a:p>
+                      <a:r>
+                        <a:rPr lang="en-US" sz="1200" b="1" dirty="0" smtClean="0"/>
+                        <a:t>a</a:t>
+                      </a:r>
+                      <a:endParaRPr lang="en-US" sz="1200" b="1" dirty="0"/>
+                    </a:p>
+                  </a:txBody>
+                  <a:tcPr/>
+                </a:tc>
+                <a:tc>
+                  <a:txBody>
+                    <a:bodyPr/>
+                    <a:lstStyle/>
+                    <a:p>
+                      <a:r>
+                        <a:rPr lang="en-US" sz="1200" b="1" dirty="0" smtClean="0"/>
+                        <a:t>95% CI</a:t>
+                      </a:r>
+                      <a:endParaRPr lang="en-US" sz="1200" b="1" dirty="0"/>
+                    </a:p>
+                  </a:txBody>
+                  <a:tcPr/>
+                </a:tc>
+                <a:tc>
+                  <a:txBody>
+                    <a:bodyPr/>
+                    <a:lstStyle/>
+                    <a:p>
+                      <a:r>
+                        <a:rPr kumimoji="0" lang="el-GR" sz="1200" b="1" i="0" kern="1200" dirty="0" smtClean="0">
+                          <a:solidFill>
+                            <a:schemeClr val="dk1"/>
+                          </a:solidFill>
+                          <a:latin typeface="+mn-lt"/>
+                          <a:ea typeface="+mn-ea"/>
+                          <a:cs typeface="+mn-cs"/>
+                        </a:rPr>
+                        <a:t>σ</a:t>
+                      </a:r>
+                      <a:endParaRPr lang="en-US" sz="1200" b="1" dirty="0"/>
+                    </a:p>
+                  </a:txBody>
+                  <a:tcPr/>
+                </a:tc>
+                <a:tc>
+                  <a:txBody>
+                    <a:bodyPr/>
+                    <a:lstStyle/>
+                    <a:p>
+                      <a:r>
+                        <a:rPr kumimoji="0" lang="en-US" sz="1200" b="1" i="1" kern="1200" dirty="0" smtClean="0">
+                          <a:solidFill>
+                            <a:schemeClr val="dk1"/>
+                          </a:solidFill>
+                          <a:latin typeface="+mn-lt"/>
+                          <a:ea typeface="+mn-ea"/>
+                          <a:cs typeface="+mn-cs"/>
+                        </a:rPr>
+                        <a:t>R</a:t>
+                      </a:r>
+                      <a:r>
+                        <a:rPr kumimoji="0" lang="en-US" sz="1200" b="1" i="0" kern="1200" baseline="30000" dirty="0" smtClean="0">
+                          <a:solidFill>
+                            <a:schemeClr val="dk1"/>
+                          </a:solidFill>
+                          <a:latin typeface="+mn-lt"/>
+                          <a:ea typeface="+mn-ea"/>
+                          <a:cs typeface="+mn-cs"/>
+                        </a:rPr>
+                        <a:t>2</a:t>
+                      </a:r>
+                      <a:r>
+                        <a:rPr kumimoji="0" lang="en-US" sz="1200" b="1" i="0" kern="1200" dirty="0" smtClean="0">
+                          <a:solidFill>
+                            <a:schemeClr val="dk1"/>
+                          </a:solidFill>
+                          <a:latin typeface="+mn-lt"/>
+                          <a:ea typeface="+mn-ea"/>
+                          <a:cs typeface="+mn-cs"/>
+                        </a:rPr>
+                        <a:t> </a:t>
+                      </a:r>
+                      <a:endParaRPr lang="en-US" sz="1200" b="1" dirty="0"/>
+                    </a:p>
+                  </a:txBody>
+                  <a:tcPr/>
+                </a:tc>
+              </a:tr>
+              <a:tr h="361766">
+                <a:tc>
+                  <a:txBody>
+                    <a:bodyPr/>
+                    <a:lstStyle/>
+                    <a:p>
+                      <a:r>
+                        <a:rPr lang="en-US" sz="1200" b="1" dirty="0" smtClean="0"/>
+                        <a:t>Conservation</a:t>
+                      </a:r>
+                      <a:endParaRPr lang="en-US" sz="1200" b="1" dirty="0"/>
+                    </a:p>
+                  </a:txBody>
+                  <a:tcPr/>
+                </a:tc>
+                <a:tc>
+                  <a:txBody>
+                    <a:bodyPr/>
+                    <a:lstStyle/>
+                    <a:p>
+                      <a:endParaRPr lang="en-US" sz="1200" dirty="0"/>
+                    </a:p>
+                  </a:txBody>
+                  <a:tcPr/>
+                </a:tc>
+                <a:tc>
+                  <a:txBody>
+                    <a:bodyPr/>
+                    <a:lstStyle/>
+                    <a:p>
+                      <a:r>
+                        <a:rPr lang="en-US" sz="1200" dirty="0" smtClean="0"/>
+                        <a:t>0.17</a:t>
+                      </a:r>
+                      <a:endParaRPr lang="en-US" sz="1200" dirty="0"/>
+                    </a:p>
+                  </a:txBody>
+                  <a:tcPr/>
+                </a:tc>
+                <a:tc>
+                  <a:txBody>
+                    <a:bodyPr/>
+                    <a:lstStyle/>
+                    <a:p>
+                      <a:endParaRPr lang="en-US" sz="1200" dirty="0"/>
+                    </a:p>
+                  </a:txBody>
+                  <a:tcPr/>
+                </a:tc>
+                <a:tc>
+                  <a:txBody>
+                    <a:bodyPr/>
+                    <a:lstStyle/>
+                    <a:p>
+                      <a:endParaRPr lang="en-US" sz="1200" dirty="0"/>
+                    </a:p>
+                  </a:txBody>
+                  <a:tcPr/>
+                </a:tc>
+                <a:tc>
+                  <a:txBody>
+                    <a:bodyPr/>
+                    <a:lstStyle/>
+                    <a:p>
+                      <a:endParaRPr lang="en-US" sz="1200" dirty="0"/>
+                    </a:p>
+                  </a:txBody>
+                  <a:tcPr/>
+                </a:tc>
+              </a:tr>
+              <a:tr h="384211">
+                <a:tc>
+                  <a:txBody>
+                    <a:bodyPr/>
+                    <a:lstStyle/>
+                    <a:p>
+                      <a:r>
+                        <a:rPr lang="en-US" sz="1200" b="1" dirty="0" smtClean="0"/>
+                        <a:t>Ratio</a:t>
+                      </a:r>
+                      <a:endParaRPr lang="en-US" sz="1200" b="1" dirty="0"/>
+                    </a:p>
+                  </a:txBody>
+                  <a:tcPr/>
+                </a:tc>
+                <a:tc>
+                  <a:txBody>
+                    <a:bodyPr/>
+                    <a:lstStyle/>
+                    <a:p>
+                      <a:endParaRPr lang="en-US" sz="1400" dirty="0"/>
+                    </a:p>
+                  </a:txBody>
+                  <a:tcPr/>
+                </a:tc>
+                <a:tc>
+                  <a:txBody>
+                    <a:bodyPr/>
+                    <a:lstStyle/>
+                    <a:p>
+                      <a:r>
+                        <a:rPr lang="en-US" sz="1400" dirty="0" smtClean="0"/>
+                        <a:t>0.12</a:t>
+                      </a:r>
+                      <a:endParaRPr lang="en-US" sz="1400" dirty="0"/>
+                    </a:p>
+                  </a:txBody>
+                  <a:tcPr/>
+                </a:tc>
+                <a:tc>
+                  <a:txBody>
+                    <a:bodyPr/>
+                    <a:lstStyle/>
+                    <a:p>
+                      <a:endParaRPr lang="en-US" sz="1400" dirty="0"/>
+                    </a:p>
+                  </a:txBody>
+                  <a:tcPr/>
+                </a:tc>
+                <a:tc>
+                  <a:txBody>
+                    <a:bodyPr/>
+                    <a:lstStyle/>
+                    <a:p>
+                      <a:endParaRPr lang="en-US" sz="1400" dirty="0"/>
+                    </a:p>
+                  </a:txBody>
+                  <a:tcPr/>
+                </a:tc>
+                <a:tc>
+                  <a:txBody>
+                    <a:bodyPr/>
+                    <a:lstStyle/>
+                    <a:p>
+                      <a:endParaRPr lang="en-US" sz="1400" dirty="0"/>
+                    </a:p>
+                  </a:txBody>
+                  <a:tcPr/>
+                </a:tc>
+              </a:tr>
+              <a:tr h="384211">
+                <a:tc>
+                  <a:txBody>
+                    <a:bodyPr/>
+                    <a:lstStyle/>
+                    <a:p>
+                      <a:r>
+                        <a:rPr lang="en-US" sz="1200" b="1" dirty="0" smtClean="0"/>
+                        <a:t>Distribution</a:t>
+                      </a:r>
+                      <a:endParaRPr lang="en-US" sz="1200" b="1" dirty="0"/>
+                    </a:p>
+                  </a:txBody>
+                  <a:tcPr/>
+                </a:tc>
+                <a:tc>
+                  <a:txBody>
+                    <a:bodyPr/>
+                    <a:lstStyle/>
+                    <a:p>
+                      <a:endParaRPr lang="en-US" sz="1400" dirty="0"/>
+                    </a:p>
+                  </a:txBody>
+                  <a:tcPr/>
+                </a:tc>
+                <a:tc>
+                  <a:txBody>
+                    <a:bodyPr/>
+                    <a:lstStyle/>
+                    <a:p>
+                      <a:r>
+                        <a:rPr lang="en-US" sz="1400" dirty="0" smtClean="0"/>
+                        <a:t>-1.57</a:t>
+                      </a:r>
+                      <a:endParaRPr lang="en-US" sz="1400" dirty="0"/>
+                    </a:p>
+                  </a:txBody>
+                  <a:tcPr/>
+                </a:tc>
+                <a:tc>
+                  <a:txBody>
+                    <a:bodyPr/>
+                    <a:lstStyle/>
+                    <a:p>
+                      <a:endParaRPr lang="en-US" sz="1400" dirty="0"/>
+                    </a:p>
+                  </a:txBody>
+                  <a:tcPr/>
+                </a:tc>
+                <a:tc>
+                  <a:txBody>
+                    <a:bodyPr/>
+                    <a:lstStyle/>
+                    <a:p>
+                      <a:endParaRPr lang="en-US" sz="1400" dirty="0"/>
+                    </a:p>
+                  </a:txBody>
+                  <a:tcPr/>
+                </a:tc>
+                <a:tc>
+                  <a:txBody>
+                    <a:bodyPr/>
+                    <a:lstStyle/>
+                    <a:p>
+                      <a:endParaRPr lang="en-US" sz="1400" dirty="0"/>
+                    </a:p>
+                  </a:txBody>
+                  <a:tcPr/>
+                </a:tc>
+              </a:tr>
+              <a:tr h="384211">
+                <a:tc>
+                  <a:txBody>
+                    <a:bodyPr/>
+                    <a:lstStyle/>
+                    <a:p>
+                      <a:r>
+                        <a:rPr lang="en-US" sz="1200" b="1" dirty="0" smtClean="0"/>
+                        <a:t>Regression</a:t>
+                      </a:r>
+                      <a:endParaRPr lang="en-US" sz="1200" b="1" dirty="0"/>
+                    </a:p>
+                  </a:txBody>
+                  <a:tcPr/>
+                </a:tc>
+                <a:tc>
+                  <a:txBody>
+                    <a:bodyPr/>
+                    <a:lstStyle/>
+                    <a:p>
+                      <a:endParaRPr lang="en-US" sz="1400" dirty="0"/>
+                    </a:p>
+                  </a:txBody>
+                  <a:tcPr/>
+                </a:tc>
+                <a:tc>
+                  <a:txBody>
+                    <a:bodyPr/>
+                    <a:lstStyle/>
+                    <a:p>
+                      <a:endParaRPr lang="en-US" sz="1400" dirty="0"/>
+                    </a:p>
+                  </a:txBody>
+                  <a:tcPr/>
+                </a:tc>
+                <a:tc>
+                  <a:txBody>
+                    <a:bodyPr/>
+                    <a:lstStyle/>
+                    <a:p>
+                      <a:endParaRPr lang="en-US" sz="1400" dirty="0"/>
+                    </a:p>
+                  </a:txBody>
+                  <a:tcPr/>
+                </a:tc>
+                <a:tc>
+                  <a:txBody>
+                    <a:bodyPr/>
+                    <a:lstStyle/>
+                    <a:p>
+                      <a:endParaRPr lang="en-US" sz="1400" dirty="0"/>
+                    </a:p>
+                  </a:txBody>
+                  <a:tcPr/>
+                </a:tc>
+                <a:tc>
+                  <a:txBody>
+                    <a:bodyPr/>
+                    <a:lstStyle/>
+                    <a:p>
+                      <a:endParaRPr lang="en-US" sz="1400" dirty="0"/>
+                    </a:p>
+                  </a:txBody>
+                  <a:tcPr/>
+                </a:tc>
+              </a:tr>
+            </a:tbl>
+          </a:graphicData>
+        </a:graphic>
+      </p:graphicFrame>
+      <p:graphicFrame>
+        <p:nvGraphicFramePr>
+          <p:cNvPr id="4" name="Table 3"/>
+          <p:cNvGraphicFramePr>
+            <a:graphicFrameLocks noGrp="1"/>
+          </p:cNvGraphicFramePr>
+          <p:nvPr/>
+        </p:nvGraphicFramePr>
+        <p:xfrm>
+          <a:off x="838200" y="3505200"/>
+          <a:ext cx="7696200" cy="2428798"/>
+        </p:xfrm>
+        <a:graphic>
+          <a:graphicData uri="http://schemas.openxmlformats.org/drawingml/2006/table">
+            <a:tbl>
+              <a:tblPr firstRow="1" bandRow="1">
+                <a:tableStyleId>{5C22544A-7EE6-4342-B048-85BDC9FD1C3A}</a:tableStyleId>
+              </a:tblPr>
+              <a:tblGrid>
+                <a:gridCol w="1981200"/>
+                <a:gridCol w="1066800"/>
+                <a:gridCol w="1143000"/>
+                <a:gridCol w="1143000"/>
+                <a:gridCol w="1219200"/>
+                <a:gridCol w="1143000"/>
+              </a:tblGrid>
+              <a:tr h="552633">
+                <a:tc gridSpan="6">
+                  <a:txBody>
+                    <a:bodyPr/>
+                    <a:lstStyle/>
+                    <a:p>
+                      <a:pPr algn="ctr"/>
+                      <a:r>
+                        <a:rPr lang="en-US" sz="1800" dirty="0" smtClean="0"/>
+                        <a:t>Radius</a:t>
+                      </a:r>
+                      <a:r>
+                        <a:rPr lang="en-US" sz="1800" baseline="0" dirty="0" smtClean="0"/>
+                        <a:t> </a:t>
+                      </a:r>
+                      <a:r>
+                        <a:rPr lang="en-US" sz="1800" dirty="0" smtClean="0"/>
+                        <a:t>exponent measures (</a:t>
+                      </a:r>
+                      <a:r>
+                        <a:rPr lang="en-US" sz="1800" dirty="0" err="1" smtClean="0"/>
+                        <a:t>Angicart</a:t>
+                      </a:r>
+                      <a:r>
+                        <a:rPr lang="en-US" sz="1800" dirty="0" smtClean="0"/>
+                        <a:t>)</a:t>
+                      </a:r>
+                      <a:endParaRPr lang="en-US" sz="1800" dirty="0"/>
+                    </a:p>
+                  </a:txBody>
+                  <a:tcPr/>
+                </a:tc>
+                <a:tc hMerge="1">
+                  <a:txBody>
+                    <a:bodyPr/>
+                    <a:lstStyle/>
+                    <a:p>
+                      <a:endParaRPr lang="en-US" sz="1200" dirty="0"/>
+                    </a:p>
+                  </a:txBody>
+                  <a:tcPr/>
+                </a:tc>
+                <a:tc hMerge="1">
+                  <a:txBody>
+                    <a:bodyPr/>
+                    <a:lstStyle/>
+                    <a:p>
+                      <a:endParaRPr lang="en-US" sz="1200" dirty="0"/>
+                    </a:p>
+                  </a:txBody>
+                  <a:tcPr/>
+                </a:tc>
+                <a:tc hMerge="1">
+                  <a:txBody>
+                    <a:bodyPr/>
+                    <a:lstStyle/>
+                    <a:p>
+                      <a:endParaRPr lang="en-US" sz="1200" dirty="0"/>
+                    </a:p>
+                  </a:txBody>
+                  <a:tcPr/>
+                </a:tc>
+                <a:tc hMerge="1">
+                  <a:txBody>
+                    <a:bodyPr/>
+                    <a:lstStyle/>
+                    <a:p>
+                      <a:endParaRPr lang="en-US" sz="1200" dirty="0"/>
+                    </a:p>
+                  </a:txBody>
+                  <a:tcPr/>
+                </a:tc>
+                <a:tc hMerge="1">
+                  <a:txBody>
+                    <a:bodyPr/>
+                    <a:lstStyle/>
+                    <a:p>
+                      <a:pPr algn="ctr"/>
+                      <a:endParaRPr lang="en-US" sz="1800" dirty="0"/>
+                    </a:p>
+                  </a:txBody>
+                  <a:tcPr/>
+                </a:tc>
+              </a:tr>
+              <a:tr h="361766">
+                <a:tc>
+                  <a:txBody>
+                    <a:bodyPr/>
+                    <a:lstStyle/>
+                    <a:p>
+                      <a:endParaRPr lang="en-US" sz="1200" b="1" dirty="0"/>
+                    </a:p>
+                  </a:txBody>
+                  <a:tcPr/>
+                </a:tc>
+                <a:tc>
+                  <a:txBody>
+                    <a:bodyPr/>
+                    <a:lstStyle/>
+                    <a:p>
+                      <a:r>
+                        <a:rPr lang="en-US" sz="1200" b="1" dirty="0" smtClean="0"/>
+                        <a:t>N</a:t>
+                      </a:r>
+                      <a:endParaRPr lang="en-US" sz="1200" b="1" dirty="0"/>
+                    </a:p>
+                  </a:txBody>
+                  <a:tcPr/>
+                </a:tc>
+                <a:tc>
+                  <a:txBody>
+                    <a:bodyPr/>
+                    <a:lstStyle/>
+                    <a:p>
+                      <a:r>
+                        <a:rPr lang="en-US" sz="1200" b="1" dirty="0" smtClean="0"/>
+                        <a:t>a</a:t>
+                      </a:r>
+                      <a:endParaRPr lang="en-US" sz="1200" b="1" dirty="0"/>
+                    </a:p>
+                  </a:txBody>
+                  <a:tcPr/>
+                </a:tc>
+                <a:tc>
+                  <a:txBody>
+                    <a:bodyPr/>
+                    <a:lstStyle/>
+                    <a:p>
+                      <a:r>
+                        <a:rPr lang="en-US" sz="1200" b="1" dirty="0" smtClean="0"/>
+                        <a:t>95% CI</a:t>
+                      </a:r>
+                      <a:endParaRPr lang="en-US" sz="1200" b="1" dirty="0"/>
+                    </a:p>
+                  </a:txBody>
+                  <a:tcPr/>
+                </a:tc>
+                <a:tc>
+                  <a:txBody>
+                    <a:bodyPr/>
+                    <a:lstStyle/>
+                    <a:p>
+                      <a:r>
+                        <a:rPr kumimoji="0" lang="el-GR" sz="1200" b="1" i="0" kern="1200" dirty="0" smtClean="0">
+                          <a:solidFill>
+                            <a:schemeClr val="dk1"/>
+                          </a:solidFill>
+                          <a:latin typeface="+mn-lt"/>
+                          <a:ea typeface="+mn-ea"/>
+                          <a:cs typeface="+mn-cs"/>
+                        </a:rPr>
+                        <a:t>σ</a:t>
+                      </a:r>
+                      <a:endParaRPr lang="en-US" sz="1200" b="1" dirty="0"/>
+                    </a:p>
+                  </a:txBody>
+                  <a:tcPr/>
+                </a:tc>
+                <a:tc>
+                  <a:txBody>
+                    <a:bodyPr/>
+                    <a:lstStyle/>
+                    <a:p>
+                      <a:r>
+                        <a:rPr kumimoji="0" lang="en-US" sz="1200" b="1" i="1" kern="1200" dirty="0" smtClean="0">
+                          <a:solidFill>
+                            <a:schemeClr val="dk1"/>
+                          </a:solidFill>
+                          <a:latin typeface="+mn-lt"/>
+                          <a:ea typeface="+mn-ea"/>
+                          <a:cs typeface="+mn-cs"/>
+                        </a:rPr>
+                        <a:t>R</a:t>
+                      </a:r>
+                      <a:r>
+                        <a:rPr kumimoji="0" lang="en-US" sz="1200" b="1" i="0" kern="1200" baseline="30000" dirty="0" smtClean="0">
+                          <a:solidFill>
+                            <a:schemeClr val="dk1"/>
+                          </a:solidFill>
+                          <a:latin typeface="+mn-lt"/>
+                          <a:ea typeface="+mn-ea"/>
+                          <a:cs typeface="+mn-cs"/>
+                        </a:rPr>
+                        <a:t>2</a:t>
+                      </a:r>
+                      <a:r>
+                        <a:rPr kumimoji="0" lang="en-US" sz="1200" b="1" i="0" kern="1200" dirty="0" smtClean="0">
+                          <a:solidFill>
+                            <a:schemeClr val="dk1"/>
+                          </a:solidFill>
+                          <a:latin typeface="+mn-lt"/>
+                          <a:ea typeface="+mn-ea"/>
+                          <a:cs typeface="+mn-cs"/>
+                        </a:rPr>
+                        <a:t> </a:t>
+                      </a:r>
+                      <a:endParaRPr lang="en-US" sz="1200" b="1" dirty="0"/>
+                    </a:p>
+                  </a:txBody>
+                  <a:tcPr/>
+                </a:tc>
+              </a:tr>
+              <a:tr h="361766">
+                <a:tc>
+                  <a:txBody>
+                    <a:bodyPr/>
+                    <a:lstStyle/>
+                    <a:p>
+                      <a:r>
+                        <a:rPr lang="en-US" sz="1200" b="1" dirty="0" smtClean="0"/>
+                        <a:t>Conservation</a:t>
+                      </a:r>
+                      <a:endParaRPr lang="en-US" sz="1200" b="1" dirty="0"/>
+                    </a:p>
+                  </a:txBody>
+                  <a:tcPr/>
+                </a:tc>
+                <a:tc>
+                  <a:txBody>
+                    <a:bodyPr/>
+                    <a:lstStyle/>
+                    <a:p>
+                      <a:endParaRPr lang="en-US" sz="1200" dirty="0"/>
+                    </a:p>
+                  </a:txBody>
+                  <a:tcPr/>
+                </a:tc>
+                <a:tc>
+                  <a:txBody>
+                    <a:bodyPr/>
+                    <a:lstStyle/>
+                    <a:p>
+                      <a:r>
+                        <a:rPr lang="en-US" sz="1200" dirty="0" smtClean="0"/>
+                        <a:t>0.12</a:t>
+                      </a:r>
+                      <a:endParaRPr lang="en-US" sz="1200" dirty="0"/>
+                    </a:p>
+                  </a:txBody>
+                  <a:tcPr/>
+                </a:tc>
+                <a:tc>
+                  <a:txBody>
+                    <a:bodyPr/>
+                    <a:lstStyle/>
+                    <a:p>
+                      <a:endParaRPr lang="en-US" sz="1200" dirty="0"/>
+                    </a:p>
+                  </a:txBody>
+                  <a:tcPr/>
+                </a:tc>
+                <a:tc>
+                  <a:txBody>
+                    <a:bodyPr/>
+                    <a:lstStyle/>
+                    <a:p>
+                      <a:endParaRPr lang="en-US" sz="1200" dirty="0"/>
+                    </a:p>
+                  </a:txBody>
+                  <a:tcPr/>
+                </a:tc>
+                <a:tc>
+                  <a:txBody>
+                    <a:bodyPr/>
+                    <a:lstStyle/>
+                    <a:p>
+                      <a:endParaRPr lang="en-US" sz="1200" dirty="0"/>
+                    </a:p>
+                  </a:txBody>
+                  <a:tcPr/>
+                </a:tc>
+              </a:tr>
+              <a:tr h="384211">
+                <a:tc>
+                  <a:txBody>
+                    <a:bodyPr/>
+                    <a:lstStyle/>
+                    <a:p>
+                      <a:r>
+                        <a:rPr lang="en-US" sz="1200" b="1" dirty="0" smtClean="0"/>
+                        <a:t>Ratio</a:t>
+                      </a:r>
+                      <a:endParaRPr lang="en-US" sz="1200" b="1" dirty="0"/>
+                    </a:p>
+                  </a:txBody>
+                  <a:tcPr/>
+                </a:tc>
+                <a:tc>
+                  <a:txBody>
+                    <a:bodyPr/>
+                    <a:lstStyle/>
+                    <a:p>
+                      <a:endParaRPr lang="en-US" sz="1400" dirty="0"/>
+                    </a:p>
+                  </a:txBody>
+                  <a:tcPr/>
+                </a:tc>
+                <a:tc>
+                  <a:txBody>
+                    <a:bodyPr/>
+                    <a:lstStyle/>
+                    <a:p>
+                      <a:r>
+                        <a:rPr lang="en-US" sz="1400" dirty="0" smtClean="0"/>
+                        <a:t>-0.01</a:t>
+                      </a:r>
+                      <a:endParaRPr lang="en-US" sz="1400" dirty="0"/>
+                    </a:p>
+                  </a:txBody>
+                  <a:tcPr/>
+                </a:tc>
+                <a:tc>
+                  <a:txBody>
+                    <a:bodyPr/>
+                    <a:lstStyle/>
+                    <a:p>
+                      <a:endParaRPr lang="en-US" sz="1400" dirty="0"/>
+                    </a:p>
+                  </a:txBody>
+                  <a:tcPr/>
+                </a:tc>
+                <a:tc>
+                  <a:txBody>
+                    <a:bodyPr/>
+                    <a:lstStyle/>
+                    <a:p>
+                      <a:endParaRPr lang="en-US" sz="1400" dirty="0"/>
+                    </a:p>
+                  </a:txBody>
+                  <a:tcPr/>
+                </a:tc>
+                <a:tc>
+                  <a:txBody>
+                    <a:bodyPr/>
+                    <a:lstStyle/>
+                    <a:p>
+                      <a:endParaRPr lang="en-US" sz="1400" dirty="0"/>
+                    </a:p>
+                  </a:txBody>
+                  <a:tcPr/>
+                </a:tc>
+              </a:tr>
+              <a:tr h="384211">
+                <a:tc>
+                  <a:txBody>
+                    <a:bodyPr/>
+                    <a:lstStyle/>
+                    <a:p>
+                      <a:r>
+                        <a:rPr lang="en-US" sz="1200" b="1" dirty="0" smtClean="0"/>
+                        <a:t>Distribution</a:t>
+                      </a:r>
+                      <a:endParaRPr lang="en-US" sz="1200" b="1" dirty="0"/>
+                    </a:p>
+                  </a:txBody>
+                  <a:tcPr/>
+                </a:tc>
+                <a:tc>
+                  <a:txBody>
+                    <a:bodyPr/>
+                    <a:lstStyle/>
+                    <a:p>
+                      <a:endParaRPr lang="en-US" sz="1400" dirty="0"/>
+                    </a:p>
+                  </a:txBody>
+                  <a:tcPr/>
+                </a:tc>
+                <a:tc>
+                  <a:txBody>
+                    <a:bodyPr/>
+                    <a:lstStyle/>
+                    <a:p>
+                      <a:r>
+                        <a:rPr lang="en-US" sz="1400" dirty="0" smtClean="0"/>
+                        <a:t>0.52</a:t>
+                      </a:r>
+                      <a:endParaRPr lang="en-US" sz="1400" dirty="0"/>
+                    </a:p>
+                  </a:txBody>
+                  <a:tcPr/>
+                </a:tc>
+                <a:tc>
+                  <a:txBody>
+                    <a:bodyPr/>
+                    <a:lstStyle/>
+                    <a:p>
+                      <a:endParaRPr lang="en-US" sz="1400" dirty="0"/>
+                    </a:p>
+                  </a:txBody>
+                  <a:tcPr/>
+                </a:tc>
+                <a:tc>
+                  <a:txBody>
+                    <a:bodyPr/>
+                    <a:lstStyle/>
+                    <a:p>
+                      <a:endParaRPr lang="en-US" sz="1400" dirty="0"/>
+                    </a:p>
+                  </a:txBody>
+                  <a:tcPr/>
+                </a:tc>
+                <a:tc>
+                  <a:txBody>
+                    <a:bodyPr/>
+                    <a:lstStyle/>
+                    <a:p>
+                      <a:endParaRPr lang="en-US" sz="1400" dirty="0"/>
+                    </a:p>
+                  </a:txBody>
+                  <a:tcPr/>
+                </a:tc>
+              </a:tr>
+              <a:tr h="384211">
+                <a:tc>
+                  <a:txBody>
+                    <a:bodyPr/>
+                    <a:lstStyle/>
+                    <a:p>
+                      <a:r>
+                        <a:rPr lang="en-US" sz="1200" b="1" dirty="0" smtClean="0"/>
+                        <a:t>Regression</a:t>
+                      </a:r>
+                      <a:endParaRPr lang="en-US" sz="1200" b="1" dirty="0"/>
+                    </a:p>
+                  </a:txBody>
+                  <a:tcPr/>
+                </a:tc>
+                <a:tc>
+                  <a:txBody>
+                    <a:bodyPr/>
+                    <a:lstStyle/>
+                    <a:p>
+                      <a:endParaRPr lang="en-US" sz="1400" dirty="0"/>
+                    </a:p>
+                  </a:txBody>
+                  <a:tcPr/>
+                </a:tc>
+                <a:tc>
+                  <a:txBody>
+                    <a:bodyPr/>
+                    <a:lstStyle/>
+                    <a:p>
+                      <a:r>
+                        <a:rPr lang="en-US" sz="1400" dirty="0" smtClean="0"/>
+                        <a:t>0.09</a:t>
+                      </a:r>
+                      <a:endParaRPr lang="en-US" sz="1400" dirty="0"/>
+                    </a:p>
+                  </a:txBody>
+                  <a:tcPr/>
+                </a:tc>
+                <a:tc>
+                  <a:txBody>
+                    <a:bodyPr/>
+                    <a:lstStyle/>
+                    <a:p>
+                      <a:endParaRPr lang="en-US" sz="1400" dirty="0"/>
+                    </a:p>
+                  </a:txBody>
+                  <a:tcPr/>
+                </a:tc>
+                <a:tc>
+                  <a:txBody>
+                    <a:bodyPr/>
+                    <a:lstStyle/>
+                    <a:p>
+                      <a:endParaRPr lang="en-US" sz="1400" dirty="0"/>
+                    </a:p>
+                  </a:txBody>
+                  <a:tcPr/>
+                </a:tc>
+                <a:tc>
+                  <a:txBody>
+                    <a:bodyPr/>
+                    <a:lstStyle/>
+                    <a:p>
+                      <a:endParaRPr lang="en-US" sz="1400" dirty="0"/>
+                    </a:p>
+                  </a:txBody>
+                  <a:tcPr/>
+                </a:tc>
+              </a:tr>
+            </a:tbl>
+          </a:graphicData>
+        </a:graphic>
+      </p:graphicFrame>
     </p:spTree>
   </p:cSld>
   <p:clrMapOvr>
@@ -4566,126 +5891,6 @@
           <a:chExt cx="0" cy="0"/>
         </a:xfrm>
       </p:grpSpPr>
-      <p:sp>
-        <p:nvSpPr>
-          <p:cNvPr id="2" name="Title 1"/>
-          <p:cNvSpPr>
-            <a:spLocks noGrp="1"/>
-          </p:cNvSpPr>
-          <p:nvPr>
-            <p:ph type="title"/>
-          </p:nvPr>
-        </p:nvSpPr>
-        <p:spPr/>
-        <p:txBody>
-          <a:bodyPr/>
-          <a:lstStyle/>
-          <a:p>
-            <a:r>
-              <a:rPr lang="en-US" dirty="0" smtClean="0"/>
-              <a:t>Scaling exponent b using Method 3</a:t>
-            </a:r>
-            <a:endParaRPr lang="en-US" dirty="0"/>
-          </a:p>
-        </p:txBody>
-      </p:sp>
-      <p:pic>
-        <p:nvPicPr>
-          <p:cNvPr id="5" name="Content Placeholder 4" descr="l_method3.jpg"/>
-          <p:cNvPicPr>
-            <a:picLocks noGrp="1" noChangeAspect="1"/>
-          </p:cNvPicPr>
-          <p:nvPr>
-            <p:ph idx="1"/>
-          </p:nvPr>
-        </p:nvPicPr>
-        <p:blipFill>
-          <a:blip r:embed="rId2" cstate="print"/>
-          <a:stretch>
-            <a:fillRect/>
-          </a:stretch>
-        </p:blipFill>
-        <p:spPr>
-          <a:xfrm>
-            <a:off x="1905000" y="2133600"/>
-            <a:ext cx="5410200" cy="4057650"/>
-          </a:xfrm>
-        </p:spPr>
-      </p:pic>
-    </p:spTree>
-  </p:cSld>
-  <p:clrMapOvr>
-    <a:masterClrMapping/>
-  </p:clrMapOvr>
-</p:sld>
-</file>
-
-<file path=ppt/slides/slide8.xml><?xml version="1.0" encoding="utf-8"?>
-<p:sld xmlns:a="http://schemas.openxmlformats.org/drawingml/2006/main" xmlns:r="http://schemas.openxmlformats.org/officeDocument/2006/relationships" xmlns:p="http://schemas.openxmlformats.org/presentationml/2006/main">
-  <p:cSld>
-    <p:spTree>
-      <p:nvGrpSpPr>
-        <p:cNvPr id="1" name=""/>
-        <p:cNvGrpSpPr/>
-        <p:nvPr/>
-      </p:nvGrpSpPr>
-      <p:grpSpPr>
-        <a:xfrm>
-          <a:off x="0" y="0"/>
-          <a:ext cx="0" cy="0"/>
-          <a:chOff x="0" y="0"/>
-          <a:chExt cx="0" cy="0"/>
-        </a:xfrm>
-      </p:grpSpPr>
-      <p:pic>
-        <p:nvPicPr>
-          <p:cNvPr id="2" name="Picture 1" descr="untitled.jpg"/>
-          <p:cNvPicPr>
-            <a:picLocks noChangeAspect="1"/>
-          </p:cNvPicPr>
-          <p:nvPr/>
-        </p:nvPicPr>
-        <p:blipFill>
-          <a:blip r:embed="rId2" cstate="print"/>
-          <a:stretch>
-            <a:fillRect/>
-          </a:stretch>
-        </p:blipFill>
-        <p:spPr>
-          <a:xfrm>
-            <a:off x="762000" y="914400"/>
-            <a:ext cx="7315200" cy="5486400"/>
-          </a:xfrm>
-          <a:prstGeom prst="rect">
-            <a:avLst/>
-          </a:prstGeom>
-        </p:spPr>
-      </p:pic>
-    </p:spTree>
-  </p:cSld>
-  <p:clrMapOvr>
-    <a:masterClrMapping/>
-  </p:clrMapOvr>
-</p:sld>
-</file>
-
-<file path=ppt/slides/slide9.xml><?xml version="1.0" encoding="utf-8"?>
-<p:sld xmlns:a="http://schemas.openxmlformats.org/drawingml/2006/main" xmlns:r="http://schemas.openxmlformats.org/officeDocument/2006/relationships" xmlns:p="http://schemas.openxmlformats.org/presentationml/2006/main">
-  <p:cSld>
-    <p:spTree>
-      <p:nvGrpSpPr>
-        <p:cNvPr id="1" name=""/>
-        <p:cNvGrpSpPr/>
-        <p:nvPr/>
-      </p:nvGrpSpPr>
-      <p:grpSpPr>
-        <a:xfrm>
-          <a:off x="0" y="0"/>
-          <a:ext cx="0" cy="0"/>
-          <a:chOff x="0" y="0"/>
-          <a:chExt cx="0" cy="0"/>
-        </a:xfrm>
-      </p:grpSpPr>
       <p:graphicFrame>
         <p:nvGraphicFramePr>
           <p:cNvPr id="2" name="Table 1"/>
@@ -4695,24 +5900,25 @@
           <p:nvPr/>
         </p:nvGraphicFramePr>
         <p:xfrm>
-          <a:off x="762000" y="1142999"/>
-          <a:ext cx="7239000" cy="2113280"/>
+          <a:off x="838200" y="838200"/>
+          <a:ext cx="7696200" cy="2428798"/>
         </p:xfrm>
         <a:graphic>
           <a:graphicData uri="http://schemas.openxmlformats.org/drawingml/2006/table">
             <a:tbl>
               <a:tblPr firstRow="1" bandRow="1">
-                <a:tableStyleId>{5C22544A-7EE6-4342-B048-85BDC9FD1C3A}</a:tableStyleId>
+                <a:tableStyleId>{93296810-A885-4BE3-A3E7-6D5BEEA58F35}</a:tableStyleId>
               </a:tblPr>
               <a:tblGrid>
-                <a:gridCol w="1295400"/>
-                <a:gridCol w="1524000"/>
-                <a:gridCol w="1447800"/>
-                <a:gridCol w="1371600"/>
-                <a:gridCol w="1600200"/>
+                <a:gridCol w="1981200"/>
+                <a:gridCol w="1066800"/>
+                <a:gridCol w="1143000"/>
+                <a:gridCol w="1143000"/>
+                <a:gridCol w="1219200"/>
+                <a:gridCol w="1143000"/>
               </a:tblGrid>
-              <a:tr h="533400">
-                <a:tc gridSpan="5">
+              <a:tr h="552633">
+                <a:tc gridSpan="6">
                   <a:txBody>
                     <a:bodyPr/>
                     <a:lstStyle/>
@@ -4720,7 +5926,7 @@
                       <a:pPr algn="ctr"/>
                       <a:r>
                         <a:rPr lang="en-US" sz="1800" dirty="0" smtClean="0"/>
-                        <a:t>Method 1</a:t>
+                        <a:t>Length exponent measures (C++)</a:t>
                       </a:r>
                       <a:endParaRPr lang="en-US" sz="1800" dirty="0"/>
                     </a:p>
@@ -4767,8 +5973,29 @@
                   </a:txBody>
                   <a:tcPr/>
                 </a:tc>
+                <a:tc hMerge="1">
+                  <a:txBody>
+                    <a:bodyPr/>
+                    <a:lstStyle/>
+                    <a:p>
+                      <a:pPr algn="ctr"/>
+                      <a:endParaRPr lang="en-US" sz="1800" dirty="0"/>
+                    </a:p>
+                  </a:txBody>
+                  <a:tcPr/>
+                </a:tc>
               </a:tr>
-              <a:tr h="838200">
+              <a:tr h="361766">
+                <a:tc>
+                  <a:txBody>
+                    <a:bodyPr/>
+                    <a:lstStyle/>
+                    <a:p>
+                      <a:endParaRPr lang="en-US" sz="1200" b="1" dirty="0"/>
+                    </a:p>
+                  </a:txBody>
+                  <a:tcPr/>
+                </a:tc>
                 <a:tc>
                   <a:txBody>
                     <a:bodyPr/>
@@ -4776,7 +6003,111 @@
                     <a:p>
                       <a:r>
                         <a:rPr lang="en-US" sz="1200" dirty="0" smtClean="0"/>
-                        <a:t>Vascular System</a:t>
+                        <a:t>N</a:t>
+                      </a:r>
+                      <a:endParaRPr lang="en-US" sz="1200" b="1" dirty="0"/>
+                    </a:p>
+                  </a:txBody>
+                  <a:tcPr/>
+                </a:tc>
+                <a:tc>
+                  <a:txBody>
+                    <a:bodyPr/>
+                    <a:lstStyle/>
+                    <a:p>
+                      <a:r>
+                        <a:rPr lang="en-US" sz="1200" dirty="0" smtClean="0"/>
+                        <a:t>b</a:t>
+                      </a:r>
+                      <a:endParaRPr lang="en-US" sz="1200" b="1" dirty="0"/>
+                    </a:p>
+                  </a:txBody>
+                  <a:tcPr/>
+                </a:tc>
+                <a:tc>
+                  <a:txBody>
+                    <a:bodyPr/>
+                    <a:lstStyle/>
+                    <a:p>
+                      <a:r>
+                        <a:rPr lang="en-US" sz="1200" dirty="0" smtClean="0"/>
+                        <a:t>95% CI</a:t>
+                      </a:r>
+                      <a:endParaRPr lang="en-US" sz="1200" b="1" dirty="0"/>
+                    </a:p>
+                  </a:txBody>
+                  <a:tcPr/>
+                </a:tc>
+                <a:tc>
+                  <a:txBody>
+                    <a:bodyPr/>
+                    <a:lstStyle/>
+                    <a:p>
+                      <a:r>
+                        <a:rPr kumimoji="0" lang="el-GR" sz="1200" kern="1200" dirty="0" smtClean="0"/>
+                        <a:t>σ</a:t>
+                      </a:r>
+                      <a:endParaRPr lang="en-US" sz="1200" b="1" dirty="0"/>
+                    </a:p>
+                  </a:txBody>
+                  <a:tcPr/>
+                </a:tc>
+                <a:tc>
+                  <a:txBody>
+                    <a:bodyPr/>
+                    <a:lstStyle/>
+                    <a:p>
+                      <a:r>
+                        <a:rPr kumimoji="0" lang="en-US" sz="1200" kern="1200" dirty="0" smtClean="0"/>
+                        <a:t>R</a:t>
+                      </a:r>
+                      <a:r>
+                        <a:rPr kumimoji="0" lang="en-US" sz="1200" kern="1200" baseline="30000" dirty="0" smtClean="0"/>
+                        <a:t>2</a:t>
+                      </a:r>
+                      <a:r>
+                        <a:rPr kumimoji="0" lang="en-US" sz="1200" kern="1200" dirty="0" smtClean="0"/>
+                        <a:t> </a:t>
+                      </a:r>
+                      <a:endParaRPr lang="en-US" sz="1200" b="1" dirty="0"/>
+                    </a:p>
+                  </a:txBody>
+                  <a:tcPr/>
+                </a:tc>
+              </a:tr>
+              <a:tr h="361766">
+                <a:tc>
+                  <a:txBody>
+                    <a:bodyPr/>
+                    <a:lstStyle/>
+                    <a:p>
+                      <a:r>
+                        <a:rPr lang="en-US" sz="1200" dirty="0" smtClean="0"/>
+                        <a:t>Conservation</a:t>
+                      </a:r>
+                      <a:endParaRPr lang="en-US" sz="1200" b="1" dirty="0"/>
+                    </a:p>
+                  </a:txBody>
+                  <a:tcPr/>
+                </a:tc>
+                <a:tc>
+                  <a:txBody>
+                    <a:bodyPr/>
+                    <a:lstStyle/>
+                    <a:p>
+                      <a:endParaRPr lang="en-US" sz="1200" dirty="0"/>
+                    </a:p>
+                  </a:txBody>
+                  <a:tcPr/>
+                </a:tc>
+                <a:tc>
+                  <a:txBody>
+                    <a:bodyPr/>
+                    <a:lstStyle/>
+                    <a:p>
+                      <a:r>
+                        <a:rPr lang="en-US" sz="1200" dirty="0" smtClean="0"/>
+                        <a:t>-0.21</a:t>
                       </a:r>
                       <a:endParaRPr lang="en-US" sz="1200" dirty="0"/>
                     </a:p>
@@ -4788,240 +6119,192 @@
                     <a:bodyPr/>
                     <a:lstStyle/>
                     <a:p>
+                      <a:endParaRPr lang="en-US" sz="1200" dirty="0"/>
+                    </a:p>
+                  </a:txBody>
+                  <a:tcPr/>
+                </a:tc>
+                <a:tc>
+                  <a:txBody>
+                    <a:bodyPr/>
+                    <a:lstStyle/>
+                    <a:p>
+                      <a:endParaRPr lang="en-US" sz="1200" dirty="0"/>
+                    </a:p>
+                  </a:txBody>
+                  <a:tcPr/>
+                </a:tc>
+                <a:tc>
+                  <a:txBody>
+                    <a:bodyPr/>
+                    <a:lstStyle/>
+                    <a:p>
+                      <a:endParaRPr lang="en-US" sz="1200" dirty="0"/>
+                    </a:p>
+                  </a:txBody>
+                  <a:tcPr/>
+                </a:tc>
+              </a:tr>
+              <a:tr h="384211">
+                <a:tc>
+                  <a:txBody>
+                    <a:bodyPr/>
+                    <a:lstStyle/>
+                    <a:p>
                       <a:r>
                         <a:rPr lang="en-US" sz="1200" dirty="0" smtClean="0"/>
-                        <a:t>Radius scaling</a:t>
+                        <a:t>Ratio</a:t>
                       </a:r>
+                      <a:endParaRPr lang="en-US" sz="1200" b="1" dirty="0"/>
+                    </a:p>
+                  </a:txBody>
+                  <a:tcPr/>
+                </a:tc>
+                <a:tc>
+                  <a:txBody>
+                    <a:bodyPr/>
+                    <a:lstStyle/>
+                    <a:p>
+                      <a:endParaRPr lang="en-US" sz="1400" dirty="0"/>
+                    </a:p>
+                  </a:txBody>
+                  <a:tcPr/>
+                </a:tc>
+                <a:tc>
+                  <a:txBody>
+                    <a:bodyPr/>
+                    <a:lstStyle/>
+                    <a:p>
                       <a:r>
-                        <a:rPr lang="en-US" sz="1200" baseline="0" dirty="0" smtClean="0"/>
-                        <a:t> exponent, a (</a:t>
+                        <a:rPr lang="en-US" sz="1400" dirty="0" smtClean="0"/>
+                        <a:t>-2.54</a:t>
                       </a:r>
-                      <a:r>
-                        <a:rPr lang="en-US" sz="1200" baseline="0" dirty="0" err="1" smtClean="0"/>
-                        <a:t>angicart</a:t>
-                      </a:r>
-                      <a:r>
-                        <a:rPr lang="en-US" sz="1200" baseline="0" dirty="0" smtClean="0"/>
-                        <a:t>)</a:t>
-                      </a:r>
-                      <a:endParaRPr lang="en-US" sz="1200" dirty="0"/>
-                    </a:p>
-                  </a:txBody>
-                  <a:tcPr/>
-                </a:tc>
-                <a:tc>
-                  <a:txBody>
-                    <a:bodyPr/>
-                    <a:lstStyle/>
-                    <a:p>
-                      <a:pPr marL="0" marR="0" indent="0" algn="l" defTabSz="914400" rtl="0" eaLnBrk="1" fontAlgn="auto" latinLnBrk="0" hangingPunct="1">
-                        <a:lnSpc>
-                          <a:spcPct val="100000"/>
-                        </a:lnSpc>
-                        <a:spcBef>
-                          <a:spcPts val="0"/>
-                        </a:spcBef>
-                        <a:spcAft>
-                          <a:spcPts val="0"/>
-                        </a:spcAft>
-                        <a:buClrTx/>
-                        <a:buSzTx/>
-                        <a:buFontTx/>
-                        <a:buNone/>
-                        <a:tabLst/>
-                        <a:defRPr/>
-                      </a:pPr>
+                      <a:endParaRPr lang="en-US" sz="1400" dirty="0"/>
+                    </a:p>
+                  </a:txBody>
+                  <a:tcPr/>
+                </a:tc>
+                <a:tc>
+                  <a:txBody>
+                    <a:bodyPr/>
+                    <a:lstStyle/>
+                    <a:p>
+                      <a:endParaRPr lang="en-US" sz="1400" dirty="0"/>
+                    </a:p>
+                  </a:txBody>
+                  <a:tcPr/>
+                </a:tc>
+                <a:tc>
+                  <a:txBody>
+                    <a:bodyPr/>
+                    <a:lstStyle/>
+                    <a:p>
+                      <a:endParaRPr lang="en-US" sz="1400" dirty="0"/>
+                    </a:p>
+                  </a:txBody>
+                  <a:tcPr/>
+                </a:tc>
+                <a:tc>
+                  <a:txBody>
+                    <a:bodyPr/>
+                    <a:lstStyle/>
+                    <a:p>
+                      <a:endParaRPr lang="en-US" sz="1400" dirty="0"/>
+                    </a:p>
+                  </a:txBody>
+                  <a:tcPr/>
+                </a:tc>
+              </a:tr>
+              <a:tr h="384211">
+                <a:tc>
+                  <a:txBody>
+                    <a:bodyPr/>
+                    <a:lstStyle/>
+                    <a:p>
                       <a:r>
                         <a:rPr lang="en-US" sz="1200" dirty="0" smtClean="0"/>
-                        <a:t>Length scaling</a:t>
+                        <a:t>Distribution</a:t>
                       </a:r>
+                      <a:endParaRPr lang="en-US" sz="1200" b="1" dirty="0"/>
+                    </a:p>
+                  </a:txBody>
+                  <a:tcPr/>
+                </a:tc>
+                <a:tc>
+                  <a:txBody>
+                    <a:bodyPr/>
+                    <a:lstStyle/>
+                    <a:p>
+                      <a:endParaRPr lang="en-US" sz="1400" dirty="0"/>
+                    </a:p>
+                  </a:txBody>
+                  <a:tcPr/>
+                </a:tc>
+                <a:tc>
+                  <a:txBody>
+                    <a:bodyPr/>
+                    <a:lstStyle/>
+                    <a:p>
                       <a:r>
-                        <a:rPr lang="en-US" sz="1200" baseline="0" dirty="0" smtClean="0"/>
-                        <a:t> exponent, b (</a:t>
+                        <a:rPr lang="en-US" sz="1400" dirty="0" smtClean="0"/>
+                        <a:t>0.57</a:t>
                       </a:r>
-                      <a:r>
-                        <a:rPr lang="en-US" sz="1200" baseline="0" dirty="0" err="1" smtClean="0"/>
-                        <a:t>angicart</a:t>
-                      </a:r>
-                      <a:r>
-                        <a:rPr lang="en-US" sz="1200" baseline="0" dirty="0" smtClean="0"/>
-                        <a:t>)</a:t>
-                      </a:r>
-                      <a:endParaRPr lang="en-US" sz="1200" dirty="0" smtClean="0"/>
-                    </a:p>
-                    <a:p>
-                      <a:endParaRPr lang="en-US" sz="1200" dirty="0"/>
-                    </a:p>
-                  </a:txBody>
-                  <a:tcPr/>
-                </a:tc>
-                <a:tc>
-                  <a:txBody>
-                    <a:bodyPr/>
-                    <a:lstStyle/>
-                    <a:p>
-                      <a:pPr marL="0" marR="0" indent="0" algn="l" defTabSz="914400" rtl="0" eaLnBrk="1" fontAlgn="auto" latinLnBrk="0" hangingPunct="1">
-                        <a:lnSpc>
-                          <a:spcPct val="100000"/>
-                        </a:lnSpc>
-                        <a:spcBef>
-                          <a:spcPts val="0"/>
-                        </a:spcBef>
-                        <a:spcAft>
-                          <a:spcPts val="0"/>
-                        </a:spcAft>
-                        <a:buClrTx/>
-                        <a:buSzTx/>
-                        <a:buFontTx/>
-                        <a:buNone/>
-                        <a:tabLst/>
-                        <a:defRPr/>
-                      </a:pPr>
+                      <a:endParaRPr lang="en-US" sz="1400" dirty="0"/>
+                    </a:p>
+                  </a:txBody>
+                  <a:tcPr/>
+                </a:tc>
+                <a:tc>
+                  <a:txBody>
+                    <a:bodyPr/>
+                    <a:lstStyle/>
+                    <a:p>
+                      <a:endParaRPr lang="en-US" sz="1400" dirty="0"/>
+                    </a:p>
+                  </a:txBody>
+                  <a:tcPr/>
+                </a:tc>
+                <a:tc>
+                  <a:txBody>
+                    <a:bodyPr/>
+                    <a:lstStyle/>
+                    <a:p>
+                      <a:endParaRPr lang="en-US" sz="1400" dirty="0"/>
+                    </a:p>
+                  </a:txBody>
+                  <a:tcPr/>
+                </a:tc>
+                <a:tc>
+                  <a:txBody>
+                    <a:bodyPr/>
+                    <a:lstStyle/>
+                    <a:p>
+                      <a:endParaRPr lang="en-US" sz="1400" dirty="0"/>
+                    </a:p>
+                  </a:txBody>
+                  <a:tcPr/>
+                </a:tc>
+              </a:tr>
+              <a:tr h="384211">
+                <a:tc>
+                  <a:txBody>
+                    <a:bodyPr/>
+                    <a:lstStyle/>
+                    <a:p>
                       <a:r>
                         <a:rPr lang="en-US" sz="1200" dirty="0" smtClean="0"/>
-                        <a:t>Radius scaling</a:t>
+                        <a:t>Regression</a:t>
                       </a:r>
-                      <a:r>
-                        <a:rPr lang="en-US" sz="1200" baseline="0" dirty="0" smtClean="0"/>
-                        <a:t> exponent, a (C++)</a:t>
-                      </a:r>
-                      <a:endParaRPr lang="en-US" sz="1200" dirty="0" smtClean="0"/>
-                    </a:p>
-                    <a:p>
-                      <a:endParaRPr lang="en-US" sz="1200" dirty="0"/>
-                    </a:p>
-                  </a:txBody>
-                  <a:tcPr/>
-                </a:tc>
-                <a:tc>
-                  <a:txBody>
-                    <a:bodyPr/>
-                    <a:lstStyle/>
-                    <a:p>
-                      <a:pPr marL="0" marR="0" indent="0" algn="l" defTabSz="914400" rtl="0" eaLnBrk="1" fontAlgn="auto" latinLnBrk="0" hangingPunct="1">
-                        <a:lnSpc>
-                          <a:spcPct val="100000"/>
-                        </a:lnSpc>
-                        <a:spcBef>
-                          <a:spcPts val="0"/>
-                        </a:spcBef>
-                        <a:spcAft>
-                          <a:spcPts val="0"/>
-                        </a:spcAft>
-                        <a:buClrTx/>
-                        <a:buSzTx/>
-                        <a:buFontTx/>
-                        <a:buNone/>
-                        <a:tabLst/>
-                        <a:defRPr/>
-                      </a:pPr>
-                      <a:r>
-                        <a:rPr lang="en-US" sz="1200" dirty="0" smtClean="0"/>
-                        <a:t>Length scaling</a:t>
-                      </a:r>
-                      <a:r>
-                        <a:rPr lang="en-US" sz="1200" baseline="0" dirty="0" smtClean="0"/>
-                        <a:t> exponent, a (C++)</a:t>
-                      </a:r>
-                      <a:endParaRPr lang="en-US" sz="1200" dirty="0" smtClean="0"/>
-                    </a:p>
-                    <a:p>
-                      <a:endParaRPr lang="en-US" sz="1200" dirty="0"/>
-                    </a:p>
-                  </a:txBody>
-                  <a:tcPr/>
-                </a:tc>
-              </a:tr>
-              <a:tr h="370840">
-                <a:tc>
-                  <a:txBody>
-                    <a:bodyPr/>
-                    <a:lstStyle/>
-                    <a:p>
-                      <a:r>
-                        <a:rPr lang="en-US" sz="1400" dirty="0" smtClean="0"/>
-                        <a:t>Sample</a:t>
-                      </a:r>
-                      <a:r>
-                        <a:rPr lang="en-US" sz="1400" baseline="0" dirty="0" smtClean="0"/>
-                        <a:t> Data</a:t>
-                      </a:r>
-                      <a:endParaRPr lang="en-US" sz="1400" dirty="0"/>
-                    </a:p>
-                  </a:txBody>
-                  <a:tcPr/>
-                </a:tc>
-                <a:tc>
-                  <a:txBody>
-                    <a:bodyPr/>
-                    <a:lstStyle/>
-                    <a:p>
-                      <a:r>
-                        <a:rPr lang="en-US" sz="1400" dirty="0" smtClean="0"/>
-                        <a:t> 0.1198</a:t>
-                      </a:r>
-                      <a:endParaRPr lang="en-US" sz="1400" dirty="0"/>
-                    </a:p>
-                  </a:txBody>
-                  <a:tcPr/>
-                </a:tc>
-                <a:tc>
-                  <a:txBody>
-                    <a:bodyPr/>
-                    <a:lstStyle/>
-                    <a:p>
-                      <a:r>
-                        <a:rPr lang="en-US" sz="1400" dirty="0" smtClean="0"/>
-                        <a:t>0.1932</a:t>
-                      </a:r>
-                      <a:endParaRPr lang="en-US" sz="1400" dirty="0"/>
-                    </a:p>
-                  </a:txBody>
-                  <a:tcPr/>
-                </a:tc>
-                <a:tc>
-                  <a:txBody>
-                    <a:bodyPr/>
-                    <a:lstStyle/>
-                    <a:p>
-                      <a:r>
-                        <a:rPr lang="en-US" sz="1400" dirty="0" smtClean="0"/>
-                        <a:t> 0.1904</a:t>
-                      </a:r>
-                      <a:endParaRPr lang="en-US" sz="1400" dirty="0"/>
-                    </a:p>
-                  </a:txBody>
-                  <a:tcPr/>
-                </a:tc>
-                <a:tc>
-                  <a:txBody>
-                    <a:bodyPr/>
-                    <a:lstStyle/>
-                    <a:p>
-                      <a:r>
-                        <a:rPr lang="en-US" sz="1400" smtClean="0"/>
-                        <a:t> </a:t>
-                      </a:r>
-                      <a:r>
-                        <a:rPr lang="en-US" sz="1400" smtClean="0"/>
-                        <a:t> -0.2093</a:t>
-                      </a:r>
-                      <a:endParaRPr lang="en-US" sz="1400" dirty="0"/>
-                    </a:p>
-                  </a:txBody>
-                  <a:tcPr/>
-                </a:tc>
-              </a:tr>
-              <a:tr h="370840">
-                <a:tc>
-                  <a:txBody>
-                    <a:bodyPr/>
-                    <a:lstStyle/>
-                    <a:p>
-                      <a:r>
-                        <a:rPr lang="en-US" sz="1400" dirty="0" smtClean="0"/>
-                        <a:t>Mouse-lung</a:t>
-                      </a:r>
+                      <a:endParaRPr lang="en-US" sz="1200" b="1" dirty="0"/>
+                    </a:p>
+                  </a:txBody>
+                  <a:tcPr/>
+                </a:tc>
+                <a:tc>
+                  <a:txBody>
+                    <a:bodyPr/>
+                    <a:lstStyle/>
+                    <a:p>
                       <a:endParaRPr lang="en-US" sz="1400" dirty="0"/>
                     </a:p>
                   </a:txBody>
@@ -5074,31 +6357,32 @@
       </p:graphicFrame>
       <p:graphicFrame>
         <p:nvGraphicFramePr>
-          <p:cNvPr id="3" name="Table 2"/>
+          <p:cNvPr id="4" name="Table 3"/>
           <p:cNvGraphicFramePr>
             <a:graphicFrameLocks noGrp="1"/>
           </p:cNvGraphicFramePr>
           <p:nvPr/>
         </p:nvGraphicFramePr>
         <p:xfrm>
-          <a:off x="685800" y="3886200"/>
-          <a:ext cx="7239000" cy="2113280"/>
+          <a:off x="838200" y="3505200"/>
+          <a:ext cx="7696200" cy="2428798"/>
         </p:xfrm>
         <a:graphic>
           <a:graphicData uri="http://schemas.openxmlformats.org/drawingml/2006/table">
             <a:tbl>
               <a:tblPr firstRow="1" bandRow="1">
-                <a:tableStyleId>{5C22544A-7EE6-4342-B048-85BDC9FD1C3A}</a:tableStyleId>
+                <a:tableStyleId>{93296810-A885-4BE3-A3E7-6D5BEEA58F35}</a:tableStyleId>
               </a:tblPr>
               <a:tblGrid>
-                <a:gridCol w="1295400"/>
-                <a:gridCol w="1524000"/>
-                <a:gridCol w="1447800"/>
-                <a:gridCol w="1371600"/>
-                <a:gridCol w="1600200"/>
+                <a:gridCol w="1981200"/>
+                <a:gridCol w="1066800"/>
+                <a:gridCol w="1143000"/>
+                <a:gridCol w="1143000"/>
+                <a:gridCol w="1219200"/>
+                <a:gridCol w="1143000"/>
               </a:tblGrid>
-              <a:tr h="533400">
-                <a:tc gridSpan="5">
+              <a:tr h="552633">
+                <a:tc gridSpan="6">
                   <a:txBody>
                     <a:bodyPr/>
                     <a:lstStyle/>
@@ -5106,7 +6390,15 @@
                       <a:pPr algn="ctr"/>
                       <a:r>
                         <a:rPr lang="en-US" sz="1800" dirty="0" smtClean="0"/>
-                        <a:t>Method 3</a:t>
+                        <a:t>Length exponent measures (</a:t>
+                      </a:r>
+                      <a:r>
+                        <a:rPr lang="en-US" sz="1800" dirty="0" err="1" smtClean="0"/>
+                        <a:t>Angicart</a:t>
+                      </a:r>
+                      <a:r>
+                        <a:rPr lang="en-US" sz="1800" dirty="0" smtClean="0"/>
+                        <a:t>)</a:t>
                       </a:r>
                       <a:endParaRPr lang="en-US" sz="1800" dirty="0"/>
                     </a:p>
@@ -5153,8 +6445,29 @@
                   </a:txBody>
                   <a:tcPr/>
                 </a:tc>
+                <a:tc hMerge="1">
+                  <a:txBody>
+                    <a:bodyPr/>
+                    <a:lstStyle/>
+                    <a:p>
+                      <a:pPr algn="ctr"/>
+                      <a:endParaRPr lang="en-US" sz="1800" dirty="0"/>
+                    </a:p>
+                  </a:txBody>
+                  <a:tcPr/>
+                </a:tc>
               </a:tr>
-              <a:tr h="838200">
+              <a:tr h="361766">
+                <a:tc>
+                  <a:txBody>
+                    <a:bodyPr/>
+                    <a:lstStyle/>
+                    <a:p>
+                      <a:endParaRPr lang="en-US" sz="1200" b="1" dirty="0"/>
+                    </a:p>
+                  </a:txBody>
+                  <a:tcPr/>
+                </a:tc>
                 <a:tc>
                   <a:txBody>
                     <a:bodyPr/>
@@ -5162,7 +6475,111 @@
                     <a:p>
                       <a:r>
                         <a:rPr lang="en-US" sz="1200" dirty="0" smtClean="0"/>
-                        <a:t>Vascular System</a:t>
+                        <a:t>N</a:t>
+                      </a:r>
+                      <a:endParaRPr lang="en-US" sz="1200" b="1" dirty="0"/>
+                    </a:p>
+                  </a:txBody>
+                  <a:tcPr/>
+                </a:tc>
+                <a:tc>
+                  <a:txBody>
+                    <a:bodyPr/>
+                    <a:lstStyle/>
+                    <a:p>
+                      <a:r>
+                        <a:rPr lang="en-US" sz="1200" dirty="0" smtClean="0"/>
+                        <a:t>b</a:t>
+                      </a:r>
+                      <a:endParaRPr lang="en-US" sz="1200" b="1" dirty="0"/>
+                    </a:p>
+                  </a:txBody>
+                  <a:tcPr/>
+                </a:tc>
+                <a:tc>
+                  <a:txBody>
+                    <a:bodyPr/>
+                    <a:lstStyle/>
+                    <a:p>
+                      <a:r>
+                        <a:rPr lang="en-US" sz="1200" dirty="0" smtClean="0"/>
+                        <a:t>95% CI</a:t>
+                      </a:r>
+                      <a:endParaRPr lang="en-US" sz="1200" b="1" dirty="0"/>
+                    </a:p>
+                  </a:txBody>
+                  <a:tcPr/>
+                </a:tc>
+                <a:tc>
+                  <a:txBody>
+                    <a:bodyPr/>
+                    <a:lstStyle/>
+                    <a:p>
+                      <a:r>
+                        <a:rPr kumimoji="0" lang="el-GR" sz="1200" kern="1200" dirty="0" smtClean="0"/>
+                        <a:t>σ</a:t>
+                      </a:r>
+                      <a:endParaRPr lang="en-US" sz="1200" b="1" dirty="0"/>
+                    </a:p>
+                  </a:txBody>
+                  <a:tcPr/>
+                </a:tc>
+                <a:tc>
+                  <a:txBody>
+                    <a:bodyPr/>
+                    <a:lstStyle/>
+                    <a:p>
+                      <a:r>
+                        <a:rPr kumimoji="0" lang="en-US" sz="1200" kern="1200" dirty="0" smtClean="0"/>
+                        <a:t>R</a:t>
+                      </a:r>
+                      <a:r>
+                        <a:rPr kumimoji="0" lang="en-US" sz="1200" kern="1200" baseline="30000" dirty="0" smtClean="0"/>
+                        <a:t>2</a:t>
+                      </a:r>
+                      <a:r>
+                        <a:rPr kumimoji="0" lang="en-US" sz="1200" kern="1200" dirty="0" smtClean="0"/>
+                        <a:t> </a:t>
+                      </a:r>
+                      <a:endParaRPr lang="en-US" sz="1200" b="1" dirty="0"/>
+                    </a:p>
+                  </a:txBody>
+                  <a:tcPr/>
+                </a:tc>
+              </a:tr>
+              <a:tr h="361766">
+                <a:tc>
+                  <a:txBody>
+                    <a:bodyPr/>
+                    <a:lstStyle/>
+                    <a:p>
+                      <a:r>
+                        <a:rPr lang="en-US" sz="1200" dirty="0" smtClean="0"/>
+                        <a:t>Conservation</a:t>
+                      </a:r>
+                      <a:endParaRPr lang="en-US" sz="1200" b="1" dirty="0"/>
+                    </a:p>
+                  </a:txBody>
+                  <a:tcPr/>
+                </a:tc>
+                <a:tc>
+                  <a:txBody>
+                    <a:bodyPr/>
+                    <a:lstStyle/>
+                    <a:p>
+                      <a:endParaRPr lang="en-US" sz="1200" dirty="0"/>
+                    </a:p>
+                  </a:txBody>
+                  <a:tcPr/>
+                </a:tc>
+                <a:tc>
+                  <a:txBody>
+                    <a:bodyPr/>
+                    <a:lstStyle/>
+                    <a:p>
+                      <a:r>
+                        <a:rPr lang="en-US" sz="1200" dirty="0" smtClean="0"/>
+                        <a:t>0.19</a:t>
                       </a:r>
                       <a:endParaRPr lang="en-US" sz="1200" dirty="0"/>
                     </a:p>
@@ -5174,151 +6591,197 @@
                     <a:bodyPr/>
                     <a:lstStyle/>
                     <a:p>
+                      <a:endParaRPr lang="en-US" sz="1200" dirty="0"/>
+                    </a:p>
+                  </a:txBody>
+                  <a:tcPr/>
+                </a:tc>
+                <a:tc>
+                  <a:txBody>
+                    <a:bodyPr/>
+                    <a:lstStyle/>
+                    <a:p>
+                      <a:endParaRPr lang="en-US" sz="1200" dirty="0"/>
+                    </a:p>
+                  </a:txBody>
+                  <a:tcPr/>
+                </a:tc>
+                <a:tc>
+                  <a:txBody>
+                    <a:bodyPr/>
+                    <a:lstStyle/>
+                    <a:p>
+                      <a:endParaRPr lang="en-US" sz="1200" dirty="0"/>
+                    </a:p>
+                  </a:txBody>
+                  <a:tcPr/>
+                </a:tc>
+              </a:tr>
+              <a:tr h="384211">
+                <a:tc>
+                  <a:txBody>
+                    <a:bodyPr/>
+                    <a:lstStyle/>
+                    <a:p>
                       <a:r>
                         <a:rPr lang="en-US" sz="1200" dirty="0" smtClean="0"/>
-                        <a:t>Radius scaling</a:t>
+                        <a:t>Ratio</a:t>
                       </a:r>
+                      <a:endParaRPr lang="en-US" sz="1200" b="1" dirty="0"/>
+                    </a:p>
+                  </a:txBody>
+                  <a:tcPr/>
+                </a:tc>
+                <a:tc>
+                  <a:txBody>
+                    <a:bodyPr/>
+                    <a:lstStyle/>
+                    <a:p>
+                      <a:endParaRPr lang="en-US" sz="1400" dirty="0"/>
+                    </a:p>
+                  </a:txBody>
+                  <a:tcPr/>
+                </a:tc>
+                <a:tc>
+                  <a:txBody>
+                    <a:bodyPr/>
+                    <a:lstStyle/>
+                    <a:p>
                       <a:r>
-                        <a:rPr lang="en-US" sz="1200" baseline="0" dirty="0" smtClean="0"/>
-                        <a:t> exponent, a (</a:t>
+                        <a:rPr lang="en-US" sz="1400" dirty="0" smtClean="0"/>
+                        <a:t>-1.15</a:t>
                       </a:r>
-                      <a:r>
-                        <a:rPr lang="en-US" sz="1200" baseline="0" dirty="0" err="1" smtClean="0"/>
-                        <a:t>angicart</a:t>
-                      </a:r>
-                      <a:r>
-                        <a:rPr lang="en-US" sz="1200" baseline="0" dirty="0" smtClean="0"/>
-                        <a:t>)</a:t>
-                      </a:r>
-                      <a:endParaRPr lang="en-US" sz="1200" dirty="0"/>
-                    </a:p>
-                  </a:txBody>
-                  <a:tcPr/>
-                </a:tc>
-                <a:tc>
-                  <a:txBody>
-                    <a:bodyPr/>
-                    <a:lstStyle/>
-                    <a:p>
-                      <a:pPr marL="0" marR="0" indent="0" algn="l" defTabSz="914400" rtl="0" eaLnBrk="1" fontAlgn="auto" latinLnBrk="0" hangingPunct="1">
-                        <a:lnSpc>
-                          <a:spcPct val="100000"/>
-                        </a:lnSpc>
-                        <a:spcBef>
-                          <a:spcPts val="0"/>
-                        </a:spcBef>
-                        <a:spcAft>
-                          <a:spcPts val="0"/>
-                        </a:spcAft>
-                        <a:buClrTx/>
-                        <a:buSzTx/>
-                        <a:buFontTx/>
-                        <a:buNone/>
-                        <a:tabLst/>
-                        <a:defRPr/>
-                      </a:pPr>
+                      <a:endParaRPr lang="en-US" sz="1400" dirty="0"/>
+                    </a:p>
+                  </a:txBody>
+                  <a:tcPr/>
+                </a:tc>
+                <a:tc>
+                  <a:txBody>
+                    <a:bodyPr/>
+                    <a:lstStyle/>
+                    <a:p>
+                      <a:endParaRPr lang="en-US" sz="1400" dirty="0"/>
+                    </a:p>
+                  </a:txBody>
+                  <a:tcPr/>
+                </a:tc>
+                <a:tc>
+                  <a:txBody>
+                    <a:bodyPr/>
+                    <a:lstStyle/>
+                    <a:p>
+                      <a:endParaRPr lang="en-US" sz="1400" dirty="0"/>
+                    </a:p>
+                  </a:txBody>
+                  <a:tcPr/>
+                </a:tc>
+                <a:tc>
+                  <a:txBody>
+                    <a:bodyPr/>
+                    <a:lstStyle/>
+                    <a:p>
+                      <a:endParaRPr lang="en-US" sz="1400" dirty="0"/>
+                    </a:p>
+                  </a:txBody>
+                  <a:tcPr/>
+                </a:tc>
+              </a:tr>
+              <a:tr h="384211">
+                <a:tc>
+                  <a:txBody>
+                    <a:bodyPr/>
+                    <a:lstStyle/>
+                    <a:p>
                       <a:r>
                         <a:rPr lang="en-US" sz="1200" dirty="0" smtClean="0"/>
-                        <a:t>Length scaling</a:t>
+                        <a:t>Distribution</a:t>
                       </a:r>
+                      <a:endParaRPr lang="en-US" sz="1200" b="1" dirty="0"/>
+                    </a:p>
+                  </a:txBody>
+                  <a:tcPr/>
+                </a:tc>
+                <a:tc>
+                  <a:txBody>
+                    <a:bodyPr/>
+                    <a:lstStyle/>
+                    <a:p>
+                      <a:endParaRPr lang="en-US" sz="1400" dirty="0"/>
+                    </a:p>
+                  </a:txBody>
+                  <a:tcPr/>
+                </a:tc>
+                <a:tc>
+                  <a:txBody>
+                    <a:bodyPr/>
+                    <a:lstStyle/>
+                    <a:p>
                       <a:r>
-                        <a:rPr lang="en-US" sz="1200" baseline="0" dirty="0" smtClean="0"/>
-                        <a:t> exponent, b (</a:t>
+                        <a:rPr lang="en-US" sz="1400" dirty="0" smtClean="0"/>
+                        <a:t>0.41</a:t>
                       </a:r>
-                      <a:r>
-                        <a:rPr lang="en-US" sz="1200" baseline="0" dirty="0" err="1" smtClean="0"/>
-                        <a:t>angicart</a:t>
-                      </a:r>
-                      <a:r>
-                        <a:rPr lang="en-US" sz="1200" baseline="0" dirty="0" smtClean="0"/>
-                        <a:t>)</a:t>
-                      </a:r>
-                      <a:endParaRPr lang="en-US" sz="1200" dirty="0" smtClean="0"/>
-                    </a:p>
-                    <a:p>
-                      <a:endParaRPr lang="en-US" sz="1200" dirty="0"/>
-                    </a:p>
-                  </a:txBody>
-                  <a:tcPr/>
-                </a:tc>
-                <a:tc>
-                  <a:txBody>
-                    <a:bodyPr/>
-                    <a:lstStyle/>
-                    <a:p>
-                      <a:pPr marL="0" marR="0" indent="0" algn="l" defTabSz="914400" rtl="0" eaLnBrk="1" fontAlgn="auto" latinLnBrk="0" hangingPunct="1">
-                        <a:lnSpc>
-                          <a:spcPct val="100000"/>
-                        </a:lnSpc>
-                        <a:spcBef>
-                          <a:spcPts val="0"/>
-                        </a:spcBef>
-                        <a:spcAft>
-                          <a:spcPts val="0"/>
-                        </a:spcAft>
-                        <a:buClrTx/>
-                        <a:buSzTx/>
-                        <a:buFontTx/>
-                        <a:buNone/>
-                        <a:tabLst/>
-                        <a:defRPr/>
-                      </a:pPr>
+                      <a:endParaRPr lang="en-US" sz="1400" dirty="0"/>
+                    </a:p>
+                  </a:txBody>
+                  <a:tcPr/>
+                </a:tc>
+                <a:tc>
+                  <a:txBody>
+                    <a:bodyPr/>
+                    <a:lstStyle/>
+                    <a:p>
+                      <a:endParaRPr lang="en-US" sz="1400" dirty="0"/>
+                    </a:p>
+                  </a:txBody>
+                  <a:tcPr/>
+                </a:tc>
+                <a:tc>
+                  <a:txBody>
+                    <a:bodyPr/>
+                    <a:lstStyle/>
+                    <a:p>
+                      <a:endParaRPr lang="en-US" sz="1400" dirty="0"/>
+                    </a:p>
+                  </a:txBody>
+                  <a:tcPr/>
+                </a:tc>
+                <a:tc>
+                  <a:txBody>
+                    <a:bodyPr/>
+                    <a:lstStyle/>
+                    <a:p>
+                      <a:endParaRPr lang="en-US" sz="1400" dirty="0"/>
+                    </a:p>
+                  </a:txBody>
+                  <a:tcPr/>
+                </a:tc>
+              </a:tr>
+              <a:tr h="384211">
+                <a:tc>
+                  <a:txBody>
+                    <a:bodyPr/>
+                    <a:lstStyle/>
+                    <a:p>
                       <a:r>
                         <a:rPr lang="en-US" sz="1200" dirty="0" smtClean="0"/>
-                        <a:t>Radius scaling</a:t>
+                        <a:t>Regression</a:t>
                       </a:r>
-                      <a:r>
-                        <a:rPr lang="en-US" sz="1200" baseline="0" dirty="0" smtClean="0"/>
-                        <a:t> exponent, a (C++)</a:t>
-                      </a:r>
-                      <a:endParaRPr lang="en-US" sz="1200" dirty="0" smtClean="0"/>
-                    </a:p>
-                    <a:p>
-                      <a:endParaRPr lang="en-US" sz="1200" dirty="0"/>
-                    </a:p>
-                  </a:txBody>
-                  <a:tcPr/>
-                </a:tc>
-                <a:tc>
-                  <a:txBody>
-                    <a:bodyPr/>
-                    <a:lstStyle/>
-                    <a:p>
-                      <a:pPr marL="0" marR="0" indent="0" algn="l" defTabSz="914400" rtl="0" eaLnBrk="1" fontAlgn="auto" latinLnBrk="0" hangingPunct="1">
-                        <a:lnSpc>
-                          <a:spcPct val="100000"/>
-                        </a:lnSpc>
-                        <a:spcBef>
-                          <a:spcPts val="0"/>
-                        </a:spcBef>
-                        <a:spcAft>
-                          <a:spcPts val="0"/>
-                        </a:spcAft>
-                        <a:buClrTx/>
-                        <a:buSzTx/>
-                        <a:buFontTx/>
-                        <a:buNone/>
-                        <a:tabLst/>
-                        <a:defRPr/>
-                      </a:pPr>
-                      <a:r>
-                        <a:rPr lang="en-US" sz="1200" dirty="0" smtClean="0"/>
-                        <a:t>Length scaling</a:t>
-                      </a:r>
-                      <a:r>
-                        <a:rPr lang="en-US" sz="1200" baseline="0" dirty="0" smtClean="0"/>
-                        <a:t> exponent, a (C++)</a:t>
-                      </a:r>
-                      <a:endParaRPr lang="en-US" sz="1200" dirty="0" smtClean="0"/>
-                    </a:p>
-                    <a:p>
-                      <a:endParaRPr lang="en-US" sz="1200" dirty="0"/>
-                    </a:p>
-                  </a:txBody>
-                  <a:tcPr/>
-                </a:tc>
-              </a:tr>
-              <a:tr h="370840">
+                      <a:endParaRPr lang="en-US" sz="1200" b="1" dirty="0"/>
+                    </a:p>
+                  </a:txBody>
+                  <a:tcPr/>
+                </a:tc>
+                <a:tc>
+                  <a:txBody>
+                    <a:bodyPr/>
+                    <a:lstStyle/>
+                    <a:p>
+                      <a:endParaRPr lang="en-US" sz="1400" dirty="0"/>
+                    </a:p>
+                  </a:txBody>
+                  <a:tcPr/>
+                </a:tc>
                 <a:tc>
                   <a:txBody>
                     <a:bodyPr/>
@@ -5326,90 +6789,8 @@
                     <a:p>
                       <a:r>
                         <a:rPr lang="en-US" sz="1400" dirty="0" smtClean="0"/>
-                        <a:t>Mouse</a:t>
+                        <a:t>0.14</a:t>
                       </a:r>
-                      <a:r>
-                        <a:rPr lang="en-US" sz="1400" baseline="0" dirty="0" smtClean="0"/>
-                        <a:t> lung</a:t>
-                      </a:r>
-                      <a:endParaRPr lang="en-US" sz="1400" dirty="0"/>
-                    </a:p>
-                  </a:txBody>
-                  <a:tcPr/>
-                </a:tc>
-                <a:tc>
-                  <a:txBody>
-                    <a:bodyPr/>
-                    <a:lstStyle/>
-                    <a:p>
-                      <a:r>
-                        <a:rPr lang="en-US" sz="1400" dirty="0" smtClean="0"/>
-                        <a:t>X</a:t>
-                      </a:r>
-                      <a:endParaRPr lang="en-US" sz="1400" dirty="0"/>
-                    </a:p>
-                  </a:txBody>
-                  <a:tcPr/>
-                </a:tc>
-                <a:tc>
-                  <a:txBody>
-                    <a:bodyPr/>
-                    <a:lstStyle/>
-                    <a:p>
-                      <a:r>
-                        <a:rPr lang="en-US" sz="1400" dirty="0" smtClean="0"/>
-                        <a:t>X</a:t>
-                      </a:r>
-                      <a:endParaRPr lang="en-US" sz="1400" dirty="0"/>
-                    </a:p>
-                  </a:txBody>
-                  <a:tcPr/>
-                </a:tc>
-                <a:tc>
-                  <a:txBody>
-                    <a:bodyPr/>
-                    <a:lstStyle/>
-                    <a:p>
-                      <a:r>
-                        <a:rPr lang="en-US" sz="1400" dirty="0" smtClean="0"/>
-                        <a:t>X</a:t>
-                      </a:r>
-                      <a:endParaRPr lang="en-US" sz="1400" dirty="0"/>
-                    </a:p>
-                  </a:txBody>
-                  <a:tcPr/>
-                </a:tc>
-                <a:tc>
-                  <a:txBody>
-                    <a:bodyPr/>
-                    <a:lstStyle/>
-                    <a:p>
-                      <a:r>
-                        <a:rPr lang="en-US" sz="1400" dirty="0" smtClean="0"/>
-                        <a:t>X</a:t>
-                      </a:r>
-                      <a:endParaRPr lang="en-US" sz="1400" dirty="0"/>
-                    </a:p>
-                  </a:txBody>
-                  <a:tcPr/>
-                </a:tc>
-              </a:tr>
-              <a:tr h="370840">
-                <a:tc>
-                  <a:txBody>
-                    <a:bodyPr/>
-                    <a:lstStyle/>
-                    <a:p>
-                      <a:endParaRPr lang="en-US" sz="1400" dirty="0"/>
-                    </a:p>
-                  </a:txBody>
-                  <a:tcPr/>
-                </a:tc>
-                <a:tc>
-                  <a:txBody>
-                    <a:bodyPr/>
-                    <a:lstStyle/>
-                    <a:p>
                       <a:endParaRPr lang="en-US" sz="1400" dirty="0"/>
                     </a:p>
                   </a:txBody>

--- a/papers/ScalingExponentMethodsPresentation.pptx
+++ b/papers/ScalingExponentMethodsPresentation.pptx
@@ -772,7 +772,7 @@
             <a:fld id="{0D9A0B88-B419-4C40-8CB2-10EC9FBC9A75}" type="datetimeFigureOut">
               <a:rPr lang="en-US" smtClean="0"/>
               <a:pPr/>
-              <a:t>7/11/2016</a:t>
+              <a:t>7/12/2016</a:t>
             </a:fld>
             <a:endParaRPr lang="en-US"/>
           </a:p>
@@ -957,7 +957,7 @@
             <a:fld id="{0D9A0B88-B419-4C40-8CB2-10EC9FBC9A75}" type="datetimeFigureOut">
               <a:rPr lang="en-US" smtClean="0"/>
               <a:pPr/>
-              <a:t>7/11/2016</a:t>
+              <a:t>7/12/2016</a:t>
             </a:fld>
             <a:endParaRPr lang="en-US"/>
           </a:p>
@@ -1134,7 +1134,7 @@
             <a:fld id="{0D9A0B88-B419-4C40-8CB2-10EC9FBC9A75}" type="datetimeFigureOut">
               <a:rPr lang="en-US" smtClean="0"/>
               <a:pPr/>
-              <a:t>7/11/2016</a:t>
+              <a:t>7/12/2016</a:t>
             </a:fld>
             <a:endParaRPr lang="en-US"/>
           </a:p>
@@ -1301,7 +1301,7 @@
             <a:fld id="{0D9A0B88-B419-4C40-8CB2-10EC9FBC9A75}" type="datetimeFigureOut">
               <a:rPr lang="en-US" smtClean="0"/>
               <a:pPr/>
-              <a:t>7/11/2016</a:t>
+              <a:t>7/12/2016</a:t>
             </a:fld>
             <a:endParaRPr lang="en-US"/>
           </a:p>
@@ -1524,7 +1524,7 @@
             <a:fld id="{0D9A0B88-B419-4C40-8CB2-10EC9FBC9A75}" type="datetimeFigureOut">
               <a:rPr lang="en-US" smtClean="0"/>
               <a:pPr/>
-              <a:t>7/11/2016</a:t>
+              <a:t>7/12/2016</a:t>
             </a:fld>
             <a:endParaRPr lang="en-US"/>
           </a:p>
@@ -1785,7 +1785,7 @@
             <a:fld id="{0D9A0B88-B419-4C40-8CB2-10EC9FBC9A75}" type="datetimeFigureOut">
               <a:rPr lang="en-US" smtClean="0"/>
               <a:pPr/>
-              <a:t>7/11/2016</a:t>
+              <a:t>7/12/2016</a:t>
             </a:fld>
             <a:endParaRPr lang="en-US"/>
           </a:p>
@@ -2191,7 +2191,7 @@
             <a:fld id="{0D9A0B88-B419-4C40-8CB2-10EC9FBC9A75}" type="datetimeFigureOut">
               <a:rPr lang="en-US" smtClean="0"/>
               <a:pPr/>
-              <a:t>7/11/2016</a:t>
+              <a:t>7/12/2016</a:t>
             </a:fld>
             <a:endParaRPr lang="en-US"/>
           </a:p>
@@ -2324,7 +2324,7 @@
             <a:fld id="{0D9A0B88-B419-4C40-8CB2-10EC9FBC9A75}" type="datetimeFigureOut">
               <a:rPr lang="en-US" smtClean="0"/>
               <a:pPr/>
-              <a:t>7/11/2016</a:t>
+              <a:t>7/12/2016</a:t>
             </a:fld>
             <a:endParaRPr lang="en-US"/>
           </a:p>
@@ -2426,7 +2426,7 @@
             <a:fld id="{0D9A0B88-B419-4C40-8CB2-10EC9FBC9A75}" type="datetimeFigureOut">
               <a:rPr lang="en-US" smtClean="0"/>
               <a:pPr/>
-              <a:t>7/11/2016</a:t>
+              <a:t>7/12/2016</a:t>
             </a:fld>
             <a:endParaRPr lang="en-US"/>
           </a:p>
@@ -2673,7 +2673,7 @@
             <a:fld id="{0D9A0B88-B419-4C40-8CB2-10EC9FBC9A75}" type="datetimeFigureOut">
               <a:rPr lang="en-US" smtClean="0"/>
               <a:pPr/>
-              <a:t>7/11/2016</a:t>
+              <a:t>7/12/2016</a:t>
             </a:fld>
             <a:endParaRPr lang="en-US"/>
           </a:p>
@@ -2919,7 +2919,7 @@
             <a:fld id="{0D9A0B88-B419-4C40-8CB2-10EC9FBC9A75}" type="datetimeFigureOut">
               <a:rPr lang="en-US" smtClean="0"/>
               <a:pPr/>
-              <a:t>7/11/2016</a:t>
+              <a:t>7/12/2016</a:t>
             </a:fld>
             <a:endParaRPr lang="en-US"/>
           </a:p>
@@ -3745,7 +3745,7 @@
             <a:fld id="{0D9A0B88-B419-4C40-8CB2-10EC9FBC9A75}" type="datetimeFigureOut">
               <a:rPr lang="en-US" smtClean="0"/>
               <a:pPr/>
-              <a:t>7/11/2016</a:t>
+              <a:t>7/12/2016</a:t>
             </a:fld>
             <a:endParaRPr lang="en-US"/>
           </a:p>
@@ -4248,7 +4248,7 @@
       </p:sp>
       <p:pic>
         <p:nvPicPr>
-          <p:cNvPr id="4" name="Picture 3" descr="angicart_a_m1.jpg"/>
+          <p:cNvPr id="8" name="Picture 7" descr="angicart_a_m1.jpg"/>
           <p:cNvPicPr>
             <a:picLocks noChangeAspect="1"/>
           </p:cNvPicPr>
@@ -4272,7 +4272,7 @@
       </p:pic>
       <p:pic>
         <p:nvPicPr>
-          <p:cNvPr id="5" name="Picture 4" descr="angicart_b_m1.jpg"/>
+          <p:cNvPr id="9" name="Picture 8" descr="angicart_b_m1.jpg"/>
           <p:cNvPicPr>
             <a:picLocks noChangeAspect="1"/>
           </p:cNvPicPr>
@@ -4296,7 +4296,7 @@
       </p:pic>
       <p:pic>
         <p:nvPicPr>
-          <p:cNvPr id="6" name="Picture 5" descr="c_a_m1.jpg"/>
+          <p:cNvPr id="10" name="Picture 9" descr="c_a_m1.jpg"/>
           <p:cNvPicPr>
             <a:picLocks noChangeAspect="1"/>
           </p:cNvPicPr>
@@ -4320,7 +4320,7 @@
       </p:pic>
       <p:pic>
         <p:nvPicPr>
-          <p:cNvPr id="7" name="Picture 6" descr="c_b_m1.jpg"/>
+          <p:cNvPr id="11" name="Picture 10" descr="c_b_m1.jpg"/>
           <p:cNvPicPr>
             <a:picLocks noChangeAspect="1"/>
           </p:cNvPicPr>
@@ -5094,6 +5094,10 @@
                     <a:bodyPr/>
                     <a:lstStyle/>
                     <a:p>
+                      <a:r>
+                        <a:rPr lang="en-US" sz="1200" dirty="0" smtClean="0"/>
+                        <a:t>70</a:t>
+                      </a:r>
                       <a:endParaRPr lang="en-US" sz="1200" dirty="0"/>
                     </a:p>
                   </a:txBody>
@@ -5106,7 +5110,7 @@
                     <a:p>
                       <a:r>
                         <a:rPr lang="en-US" sz="1200" dirty="0" smtClean="0"/>
-                        <a:t>0.17</a:t>
+                        <a:t>0.42</a:t>
                       </a:r>
                       <a:endParaRPr lang="en-US" sz="1200" dirty="0"/>
                     </a:p>
@@ -5118,6 +5122,10 @@
                     <a:bodyPr/>
                     <a:lstStyle/>
                     <a:p>
+                      <a:r>
+                        <a:rPr lang="en-US" sz="1200" dirty="0" smtClean="0"/>
+                        <a:t>0. 1091</a:t>
+                      </a:r>
                       <a:endParaRPr lang="en-US" sz="1200" dirty="0"/>
                     </a:p>
                   </a:txBody>
@@ -5128,6 +5136,10 @@
                     <a:bodyPr/>
                     <a:lstStyle/>
                     <a:p>
+                      <a:r>
+                        <a:rPr lang="en-US" sz="1200" dirty="0" smtClean="0"/>
+                        <a:t> 0.4657</a:t>
+                      </a:r>
                       <a:endParaRPr lang="en-US" sz="1200" dirty="0"/>
                     </a:p>
                   </a:txBody>
@@ -5164,6 +5176,10 @@
                     <a:bodyPr/>
                     <a:lstStyle/>
                     <a:p>
+                      <a:r>
+                        <a:rPr lang="en-US" sz="1400" dirty="0" smtClean="0"/>
+                        <a:t>72</a:t>
+                      </a:r>
                       <a:endParaRPr lang="en-US" sz="1400" dirty="0"/>
                     </a:p>
                   </a:txBody>
@@ -5176,7 +5192,7 @@
                     <a:p>
                       <a:r>
                         <a:rPr lang="en-US" sz="1400" dirty="0" smtClean="0"/>
-                        <a:t>0.12</a:t>
+                        <a:t>0.38</a:t>
                       </a:r>
                       <a:endParaRPr lang="en-US" sz="1400" dirty="0"/>
                     </a:p>
@@ -5188,6 +5204,10 @@
                     <a:bodyPr/>
                     <a:lstStyle/>
                     <a:p>
+                      <a:r>
+                        <a:rPr lang="en-US" sz="1400" dirty="0" smtClean="0"/>
+                        <a:t>0.1079</a:t>
+                      </a:r>
                       <a:endParaRPr lang="en-US" sz="1400" dirty="0"/>
                     </a:p>
                   </a:txBody>
@@ -5198,6 +5218,10 @@
                     <a:bodyPr/>
                     <a:lstStyle/>
                     <a:p>
+                      <a:r>
+                        <a:rPr lang="en-US" sz="1400" dirty="0" smtClean="0"/>
+                        <a:t>0.4639</a:t>
+                      </a:r>
                       <a:endParaRPr lang="en-US" sz="1400" dirty="0"/>
                     </a:p>
                   </a:txBody>
@@ -5234,6 +5258,10 @@
                     <a:bodyPr/>
                     <a:lstStyle/>
                     <a:p>
+                      <a:r>
+                        <a:rPr lang="en-US" sz="1400" dirty="0" smtClean="0"/>
+                        <a:t>112</a:t>
+                      </a:r>
                       <a:endParaRPr lang="en-US" sz="1400" dirty="0"/>
                     </a:p>
                   </a:txBody>
@@ -5278,6 +5306,10 @@
                     <a:bodyPr/>
                     <a:lstStyle/>
                     <a:p>
+                      <a:r>
+                        <a:rPr lang="en-US" sz="1400" dirty="0" smtClean="0"/>
+                        <a:t>-0.1707</a:t>
+                      </a:r>
                       <a:endParaRPr lang="en-US" sz="1400" dirty="0"/>
                     </a:p>
                   </a:txBody>
@@ -5602,6 +5634,10 @@
                     <a:bodyPr/>
                     <a:lstStyle/>
                     <a:p>
+                      <a:r>
+                        <a:rPr lang="en-US" sz="1200" dirty="0" smtClean="0"/>
+                        <a:t>189</a:t>
+                      </a:r>
                       <a:endParaRPr lang="en-US" sz="1200" dirty="0"/>
                     </a:p>
                   </a:txBody>
@@ -5614,7 +5650,7 @@
                     <a:p>
                       <a:r>
                         <a:rPr lang="en-US" sz="1200" dirty="0" smtClean="0"/>
-                        <a:t>0.12</a:t>
+                        <a:t>0.53</a:t>
                       </a:r>
                       <a:endParaRPr lang="en-US" sz="1200" dirty="0"/>
                     </a:p>
@@ -5626,6 +5662,10 @@
                     <a:bodyPr/>
                     <a:lstStyle/>
                     <a:p>
+                      <a:r>
+                        <a:rPr lang="en-US" sz="1200" dirty="0" smtClean="0"/>
+                        <a:t>0.0602</a:t>
+                      </a:r>
                       <a:endParaRPr lang="en-US" sz="1200" dirty="0"/>
                     </a:p>
                   </a:txBody>
@@ -5636,6 +5676,10 @@
                     <a:bodyPr/>
                     <a:lstStyle/>
                     <a:p>
+                      <a:r>
+                        <a:rPr lang="en-US" sz="1200" dirty="0" smtClean="0"/>
+                        <a:t> 0.4220</a:t>
+                      </a:r>
                       <a:endParaRPr lang="en-US" sz="1200" dirty="0"/>
                     </a:p>
                   </a:txBody>
@@ -5672,6 +5716,10 @@
                     <a:bodyPr/>
                     <a:lstStyle/>
                     <a:p>
+                      <a:r>
+                        <a:rPr lang="en-US" sz="1400" dirty="0" smtClean="0"/>
+                        <a:t>189</a:t>
+                      </a:r>
                       <a:endParaRPr lang="en-US" sz="1400" dirty="0"/>
                     </a:p>
                   </a:txBody>
@@ -5684,7 +5732,7 @@
                     <a:p>
                       <a:r>
                         <a:rPr lang="en-US" sz="1400" dirty="0" smtClean="0"/>
-                        <a:t>-0.01</a:t>
+                        <a:t>0.47</a:t>
                       </a:r>
                       <a:endParaRPr lang="en-US" sz="1400" dirty="0"/>
                     </a:p>
@@ -5696,6 +5744,10 @@
                     <a:bodyPr/>
                     <a:lstStyle/>
                     <a:p>
+                      <a:r>
+                        <a:rPr lang="en-US" sz="1400" dirty="0" smtClean="0"/>
+                        <a:t>0.0602</a:t>
+                      </a:r>
                       <a:endParaRPr lang="en-US" sz="1400" dirty="0"/>
                     </a:p>
                   </a:txBody>
@@ -5706,6 +5758,10 @@
                     <a:bodyPr/>
                     <a:lstStyle/>
                     <a:p>
+                      <a:r>
+                        <a:rPr lang="en-US" sz="1400" dirty="0" smtClean="0"/>
+                        <a:t>0.4220</a:t>
+                      </a:r>
                       <a:endParaRPr lang="en-US" sz="1400" dirty="0"/>
                     </a:p>
                   </a:txBody>
@@ -5742,6 +5798,10 @@
                     <a:bodyPr/>
                     <a:lstStyle/>
                     <a:p>
+                      <a:r>
+                        <a:rPr lang="en-US" sz="1400" dirty="0" smtClean="0"/>
+                        <a:t>333</a:t>
+                      </a:r>
                       <a:endParaRPr lang="en-US" sz="1400" dirty="0"/>
                     </a:p>
                   </a:txBody>
@@ -5786,6 +5846,10 @@
                     <a:bodyPr/>
                     <a:lstStyle/>
                     <a:p>
+                      <a:r>
+                        <a:rPr lang="en-US" sz="1400" dirty="0" smtClean="0"/>
+                        <a:t>0.7068</a:t>
+                      </a:r>
                       <a:endParaRPr lang="en-US" sz="1400" dirty="0"/>
                     </a:p>
                   </a:txBody>
@@ -5812,6 +5876,10 @@
                     <a:bodyPr/>
                     <a:lstStyle/>
                     <a:p>
+                      <a:r>
+                        <a:rPr lang="en-US" sz="1400" dirty="0" smtClean="0"/>
+                        <a:t>333</a:t>
+                      </a:r>
                       <a:endParaRPr lang="en-US" sz="1400" dirty="0"/>
                     </a:p>
                   </a:txBody>
@@ -5856,6 +5924,10 @@
                     <a:bodyPr/>
                     <a:lstStyle/>
                     <a:p>
+                      <a:r>
+                        <a:rPr lang="en-US" sz="1400" dirty="0" smtClean="0"/>
+                        <a:t> -0.2223</a:t>
+                      </a:r>
                       <a:endParaRPr lang="en-US" sz="1400" dirty="0"/>
                     </a:p>
                   </a:txBody>
@@ -6095,6 +6167,10 @@
                     <a:bodyPr/>
                     <a:lstStyle/>
                     <a:p>
+                      <a:r>
+                        <a:rPr lang="en-US" sz="1200" dirty="0" smtClean="0"/>
+                        <a:t>47</a:t>
+                      </a:r>
                       <a:endParaRPr lang="en-US" sz="1200" dirty="0"/>
                     </a:p>
                   </a:txBody>
@@ -6107,7 +6183,7 @@
                     <a:p>
                       <a:r>
                         <a:rPr lang="en-US" sz="1200" dirty="0" smtClean="0"/>
-                        <a:t>-0.21</a:t>
+                        <a:t>2.14</a:t>
                       </a:r>
                       <a:endParaRPr lang="en-US" sz="1200" dirty="0"/>
                     </a:p>
@@ -6119,6 +6195,10 @@
                     <a:bodyPr/>
                     <a:lstStyle/>
                     <a:p>
+                      <a:r>
+                        <a:rPr lang="en-US" sz="1200" dirty="0" smtClean="0"/>
+                        <a:t> 0.4782</a:t>
+                      </a:r>
                       <a:endParaRPr lang="en-US" sz="1200" dirty="0"/>
                     </a:p>
                   </a:txBody>
@@ -6129,6 +6209,10 @@
                     <a:bodyPr/>
                     <a:lstStyle/>
                     <a:p>
+                      <a:r>
+                        <a:rPr lang="en-US" sz="1200" dirty="0" smtClean="0"/>
+                        <a:t> 1.6727</a:t>
+                      </a:r>
                       <a:endParaRPr lang="en-US" sz="1200" dirty="0"/>
                     </a:p>
                   </a:txBody>
@@ -6165,6 +6249,10 @@
                     <a:bodyPr/>
                     <a:lstStyle/>
                     <a:p>
+                      <a:r>
+                        <a:rPr lang="en-US" sz="1400" dirty="0" smtClean="0"/>
+                        <a:t>49</a:t>
+                      </a:r>
                       <a:endParaRPr lang="en-US" sz="1400" dirty="0"/>
                     </a:p>
                   </a:txBody>
@@ -6177,7 +6265,7 @@
                     <a:p>
                       <a:r>
                         <a:rPr lang="en-US" sz="1400" dirty="0" smtClean="0"/>
-                        <a:t>-2.54</a:t>
+                        <a:t>1.49</a:t>
                       </a:r>
                       <a:endParaRPr lang="en-US" sz="1400" dirty="0"/>
                     </a:p>
@@ -6189,6 +6277,10 @@
                     <a:bodyPr/>
                     <a:lstStyle/>
                     <a:p>
+                      <a:r>
+                        <a:rPr lang="en-US" sz="1400" dirty="0" smtClean="0"/>
+                        <a:t>0.4695</a:t>
+                      </a:r>
                       <a:endParaRPr lang="en-US" sz="1400" dirty="0"/>
                     </a:p>
                   </a:txBody>
@@ -6199,6 +6291,10 @@
                     <a:bodyPr/>
                     <a:lstStyle/>
                     <a:p>
+                      <a:r>
+                        <a:rPr lang="en-US" sz="1400" dirty="0" smtClean="0"/>
+                        <a:t>1.6597</a:t>
+                      </a:r>
                       <a:endParaRPr lang="en-US" sz="1400" dirty="0"/>
                     </a:p>
                   </a:txBody>
@@ -6235,6 +6331,10 @@
                     <a:bodyPr/>
                     <a:lstStyle/>
                     <a:p>
+                      <a:r>
+                        <a:rPr lang="en-US" sz="1400" dirty="0" smtClean="0"/>
+                        <a:t>112</a:t>
+                      </a:r>
                       <a:endParaRPr lang="en-US" sz="1400" dirty="0"/>
                     </a:p>
                   </a:txBody>
@@ -6279,6 +6379,10 @@
                     <a:bodyPr/>
                     <a:lstStyle/>
                     <a:p>
+                      <a:r>
+                        <a:rPr lang="en-US" sz="1400" dirty="0" smtClean="0"/>
+                        <a:t>0.4357</a:t>
+                      </a:r>
                       <a:endParaRPr lang="en-US" sz="1400" dirty="0"/>
                     </a:p>
                   </a:txBody>
@@ -6567,6 +6671,10 @@
                     <a:bodyPr/>
                     <a:lstStyle/>
                     <a:p>
+                      <a:r>
+                        <a:rPr lang="en-US" sz="1200" dirty="0" smtClean="0"/>
+                        <a:t>162</a:t>
+                      </a:r>
                       <a:endParaRPr lang="en-US" sz="1200" dirty="0"/>
                     </a:p>
                   </a:txBody>
@@ -6579,7 +6687,7 @@
                     <a:p>
                       <a:r>
                         <a:rPr lang="en-US" sz="1200" dirty="0" smtClean="0"/>
-                        <a:t>0.19</a:t>
+                        <a:t>1.9</a:t>
                       </a:r>
                       <a:endParaRPr lang="en-US" sz="1200" dirty="0"/>
                     </a:p>
@@ -6591,6 +6699,10 @@
                     <a:bodyPr/>
                     <a:lstStyle/>
                     <a:p>
+                      <a:r>
+                        <a:rPr lang="en-US" sz="1200" dirty="0" smtClean="0"/>
+                        <a:t>0.2101</a:t>
+                      </a:r>
                       <a:endParaRPr lang="en-US" sz="1200" dirty="0"/>
                     </a:p>
                   </a:txBody>
@@ -6601,6 +6713,10 @@
                     <a:bodyPr/>
                     <a:lstStyle/>
                     <a:p>
+                      <a:r>
+                        <a:rPr lang="en-US" sz="1200" dirty="0" smtClean="0"/>
+                        <a:t> 1.3644</a:t>
+                      </a:r>
                       <a:endParaRPr lang="en-US" sz="1200" dirty="0"/>
                     </a:p>
                   </a:txBody>
@@ -6637,6 +6753,10 @@
                     <a:bodyPr/>
                     <a:lstStyle/>
                     <a:p>
+                      <a:r>
+                        <a:rPr lang="en-US" sz="1400" dirty="0" smtClean="0"/>
+                        <a:t>162</a:t>
+                      </a:r>
                       <a:endParaRPr lang="en-US" sz="1400" dirty="0"/>
                     </a:p>
                   </a:txBody>
@@ -6649,7 +6769,7 @@
                     <a:p>
                       <a:r>
                         <a:rPr lang="en-US" sz="1400" dirty="0" smtClean="0"/>
-                        <a:t>-1.15</a:t>
+                        <a:t>1.42</a:t>
                       </a:r>
                       <a:endParaRPr lang="en-US" sz="1400" dirty="0"/>
                     </a:p>
@@ -6661,6 +6781,10 @@
                     <a:bodyPr/>
                     <a:lstStyle/>
                     <a:p>
+                      <a:r>
+                        <a:rPr lang="en-US" sz="1400" dirty="0" smtClean="0"/>
+                        <a:t>0.2101</a:t>
+                      </a:r>
                       <a:endParaRPr lang="en-US" sz="1400" dirty="0"/>
                     </a:p>
                   </a:txBody>
@@ -6671,6 +6795,10 @@
                     <a:bodyPr/>
                     <a:lstStyle/>
                     <a:p>
+                      <a:r>
+                        <a:rPr lang="en-US" sz="1400" dirty="0" smtClean="0"/>
+                        <a:t>1.3644</a:t>
+                      </a:r>
                       <a:endParaRPr lang="en-US" sz="1400" dirty="0"/>
                     </a:p>
                   </a:txBody>
@@ -6707,6 +6835,10 @@
                     <a:bodyPr/>
                     <a:lstStyle/>
                     <a:p>
+                      <a:r>
+                        <a:rPr lang="en-US" sz="1400" dirty="0" smtClean="0"/>
+                        <a:t>333</a:t>
+                      </a:r>
                       <a:endParaRPr lang="en-US" sz="1400" dirty="0"/>
                     </a:p>
                   </a:txBody>
@@ -6751,6 +6883,10 @@
                     <a:bodyPr/>
                     <a:lstStyle/>
                     <a:p>
+                      <a:r>
+                        <a:rPr lang="en-US" sz="1400" dirty="0" smtClean="0"/>
+                        <a:t>0.2178</a:t>
+                      </a:r>
                       <a:endParaRPr lang="en-US" sz="1400" dirty="0"/>
                     </a:p>
                   </a:txBody>
@@ -6777,6 +6913,10 @@
                     <a:bodyPr/>
                     <a:lstStyle/>
                     <a:p>
+                      <a:r>
+                        <a:rPr lang="en-US" sz="1400" smtClean="0"/>
+                        <a:t>333</a:t>
+                      </a:r>
                       <a:endParaRPr lang="en-US" sz="1400" dirty="0"/>
                     </a:p>
                   </a:txBody>
@@ -6821,6 +6961,10 @@
                     <a:bodyPr/>
                     <a:lstStyle/>
                     <a:p>
+                      <a:r>
+                        <a:rPr lang="en-US" sz="1400" dirty="0" smtClean="0"/>
+                        <a:t>-0.0805</a:t>
+                      </a:r>
                       <a:endParaRPr lang="en-US" sz="1400" dirty="0"/>
                     </a:p>
                   </a:txBody>

--- a/papers/ScalingExponentMethodsPresentation.pptx
+++ b/papers/ScalingExponentMethodsPresentation.pptx
@@ -4,14 +4,24 @@
   <p:sldMasterIdLst>
     <p:sldMasterId id="2147483672" r:id="rId1"/>
   </p:sldMasterIdLst>
+  <p:notesMasterIdLst>
+    <p:notesMasterId r:id="rId16"/>
+  </p:notesMasterIdLst>
   <p:sldIdLst>
-    <p:sldId id="256" r:id="rId2"/>
-    <p:sldId id="266" r:id="rId3"/>
-    <p:sldId id="267" r:id="rId4"/>
-    <p:sldId id="268" r:id="rId5"/>
-    <p:sldId id="269" r:id="rId6"/>
-    <p:sldId id="261" r:id="rId7"/>
-    <p:sldId id="265" r:id="rId8"/>
+    <p:sldId id="270" r:id="rId2"/>
+    <p:sldId id="271" r:id="rId3"/>
+    <p:sldId id="272" r:id="rId4"/>
+    <p:sldId id="273" r:id="rId5"/>
+    <p:sldId id="266" r:id="rId6"/>
+    <p:sldId id="267" r:id="rId7"/>
+    <p:sldId id="268" r:id="rId8"/>
+    <p:sldId id="269" r:id="rId9"/>
+    <p:sldId id="275" r:id="rId10"/>
+    <p:sldId id="276" r:id="rId11"/>
+    <p:sldId id="277" r:id="rId12"/>
+    <p:sldId id="261" r:id="rId13"/>
+    <p:sldId id="265" r:id="rId14"/>
+    <p:sldId id="274" r:id="rId15"/>
   </p:sldIdLst>
   <p:sldSz cx="9144000" cy="6858000" type="screen4x3"/>
   <p:notesSz cx="6858000" cy="9144000"/>
@@ -113,6 +123,434 @@
 </p:presentation>
 </file>
 
+<file path=ppt/notesMasters/notesMaster1.xml><?xml version="1.0" encoding="utf-8"?>
+<p:notesMaster xmlns:a="http://schemas.openxmlformats.org/drawingml/2006/main" xmlns:r="http://schemas.openxmlformats.org/officeDocument/2006/relationships" xmlns:p="http://schemas.openxmlformats.org/presentationml/2006/main">
+  <p:cSld>
+    <p:bg>
+      <p:bgRef idx="1001">
+        <a:schemeClr val="bg1"/>
+      </p:bgRef>
+    </p:bg>
+    <p:spTree>
+      <p:nvGrpSpPr>
+        <p:cNvPr id="1" name=""/>
+        <p:cNvGrpSpPr/>
+        <p:nvPr/>
+      </p:nvGrpSpPr>
+      <p:grpSpPr>
+        <a:xfrm>
+          <a:off x="0" y="0"/>
+          <a:ext cx="0" cy="0"/>
+          <a:chOff x="0" y="0"/>
+          <a:chExt cx="0" cy="0"/>
+        </a:xfrm>
+      </p:grpSpPr>
+      <p:sp>
+        <p:nvSpPr>
+          <p:cNvPr id="2" name="Header Placeholder 1"/>
+          <p:cNvSpPr>
+            <a:spLocks noGrp="1"/>
+          </p:cNvSpPr>
+          <p:nvPr>
+            <p:ph type="hdr" sz="quarter"/>
+          </p:nvPr>
+        </p:nvSpPr>
+        <p:spPr>
+          <a:xfrm>
+            <a:off x="0" y="0"/>
+            <a:ext cx="2971800" cy="457200"/>
+          </a:xfrm>
+          <a:prstGeom prst="rect">
+            <a:avLst/>
+          </a:prstGeom>
+        </p:spPr>
+        <p:txBody>
+          <a:bodyPr vert="horz" lIns="91440" tIns="45720" rIns="91440" bIns="45720" rtlCol="0"/>
+          <a:lstStyle>
+            <a:lvl1pPr algn="l">
+              <a:defRPr sz="1200"/>
+            </a:lvl1pPr>
+          </a:lstStyle>
+          <a:p>
+            <a:endParaRPr lang="en-US"/>
+          </a:p>
+        </p:txBody>
+      </p:sp>
+      <p:sp>
+        <p:nvSpPr>
+          <p:cNvPr id="3" name="Date Placeholder 2"/>
+          <p:cNvSpPr>
+            <a:spLocks noGrp="1"/>
+          </p:cNvSpPr>
+          <p:nvPr>
+            <p:ph type="dt" idx="1"/>
+          </p:nvPr>
+        </p:nvSpPr>
+        <p:spPr>
+          <a:xfrm>
+            <a:off x="3884613" y="0"/>
+            <a:ext cx="2971800" cy="457200"/>
+          </a:xfrm>
+          <a:prstGeom prst="rect">
+            <a:avLst/>
+          </a:prstGeom>
+        </p:spPr>
+        <p:txBody>
+          <a:bodyPr vert="horz" lIns="91440" tIns="45720" rIns="91440" bIns="45720" rtlCol="0"/>
+          <a:lstStyle>
+            <a:lvl1pPr algn="r">
+              <a:defRPr sz="1200"/>
+            </a:lvl1pPr>
+          </a:lstStyle>
+          <a:p>
+            <a:fld id="{F9EE6EAC-2E51-49FE-A8BC-3A6595471ACB}" type="datetimeFigureOut">
+              <a:rPr lang="en-US" smtClean="0"/>
+              <a:t>7/13/2016</a:t>
+            </a:fld>
+            <a:endParaRPr lang="en-US"/>
+          </a:p>
+        </p:txBody>
+      </p:sp>
+      <p:sp>
+        <p:nvSpPr>
+          <p:cNvPr id="4" name="Slide Image Placeholder 3"/>
+          <p:cNvSpPr>
+            <a:spLocks noGrp="1" noRot="1" noChangeAspect="1"/>
+          </p:cNvSpPr>
+          <p:nvPr>
+            <p:ph type="sldImg" idx="2"/>
+          </p:nvPr>
+        </p:nvSpPr>
+        <p:spPr>
+          <a:xfrm>
+            <a:off x="1143000" y="685800"/>
+            <a:ext cx="4572000" cy="3429000"/>
+          </a:xfrm>
+          <a:prstGeom prst="rect">
+            <a:avLst/>
+          </a:prstGeom>
+          <a:noFill/>
+          <a:ln w="12700">
+            <a:solidFill>
+              <a:prstClr val="black"/>
+            </a:solidFill>
+          </a:ln>
+        </p:spPr>
+        <p:txBody>
+          <a:bodyPr vert="horz" lIns="91440" tIns="45720" rIns="91440" bIns="45720" rtlCol="0" anchor="ctr"/>
+          <a:lstStyle/>
+          <a:p>
+            <a:endParaRPr lang="en-US"/>
+          </a:p>
+        </p:txBody>
+      </p:sp>
+      <p:sp>
+        <p:nvSpPr>
+          <p:cNvPr id="5" name="Notes Placeholder 4"/>
+          <p:cNvSpPr>
+            <a:spLocks noGrp="1"/>
+          </p:cNvSpPr>
+          <p:nvPr>
+            <p:ph type="body" sz="quarter" idx="3"/>
+          </p:nvPr>
+        </p:nvSpPr>
+        <p:spPr>
+          <a:xfrm>
+            <a:off x="685800" y="4343400"/>
+            <a:ext cx="5486400" cy="4114800"/>
+          </a:xfrm>
+          <a:prstGeom prst="rect">
+            <a:avLst/>
+          </a:prstGeom>
+        </p:spPr>
+        <p:txBody>
+          <a:bodyPr vert="horz" lIns="91440" tIns="45720" rIns="91440" bIns="45720" rtlCol="0">
+            <a:normAutofit/>
+          </a:bodyPr>
+          <a:lstStyle/>
+          <a:p>
+            <a:pPr lvl="0"/>
+            <a:r>
+              <a:rPr lang="en-US" smtClean="0"/>
+              <a:t>Click to edit Master text styles</a:t>
+            </a:r>
+          </a:p>
+          <a:p>
+            <a:pPr lvl="1"/>
+            <a:r>
+              <a:rPr lang="en-US" smtClean="0"/>
+              <a:t>Second level</a:t>
+            </a:r>
+          </a:p>
+          <a:p>
+            <a:pPr lvl="2"/>
+            <a:r>
+              <a:rPr lang="en-US" smtClean="0"/>
+              <a:t>Third level</a:t>
+            </a:r>
+          </a:p>
+          <a:p>
+            <a:pPr lvl="3"/>
+            <a:r>
+              <a:rPr lang="en-US" smtClean="0"/>
+              <a:t>Fourth level</a:t>
+            </a:r>
+          </a:p>
+          <a:p>
+            <a:pPr lvl="4"/>
+            <a:r>
+              <a:rPr lang="en-US" smtClean="0"/>
+              <a:t>Fifth level</a:t>
+            </a:r>
+            <a:endParaRPr lang="en-US"/>
+          </a:p>
+        </p:txBody>
+      </p:sp>
+      <p:sp>
+        <p:nvSpPr>
+          <p:cNvPr id="6" name="Footer Placeholder 5"/>
+          <p:cNvSpPr>
+            <a:spLocks noGrp="1"/>
+          </p:cNvSpPr>
+          <p:nvPr>
+            <p:ph type="ftr" sz="quarter" idx="4"/>
+          </p:nvPr>
+        </p:nvSpPr>
+        <p:spPr>
+          <a:xfrm>
+            <a:off x="0" y="8685213"/>
+            <a:ext cx="2971800" cy="457200"/>
+          </a:xfrm>
+          <a:prstGeom prst="rect">
+            <a:avLst/>
+          </a:prstGeom>
+        </p:spPr>
+        <p:txBody>
+          <a:bodyPr vert="horz" lIns="91440" tIns="45720" rIns="91440" bIns="45720" rtlCol="0" anchor="b"/>
+          <a:lstStyle>
+            <a:lvl1pPr algn="l">
+              <a:defRPr sz="1200"/>
+            </a:lvl1pPr>
+          </a:lstStyle>
+          <a:p>
+            <a:endParaRPr lang="en-US"/>
+          </a:p>
+        </p:txBody>
+      </p:sp>
+      <p:sp>
+        <p:nvSpPr>
+          <p:cNvPr id="7" name="Slide Number Placeholder 6"/>
+          <p:cNvSpPr>
+            <a:spLocks noGrp="1"/>
+          </p:cNvSpPr>
+          <p:nvPr>
+            <p:ph type="sldNum" sz="quarter" idx="5"/>
+          </p:nvPr>
+        </p:nvSpPr>
+        <p:spPr>
+          <a:xfrm>
+            <a:off x="3884613" y="8685213"/>
+            <a:ext cx="2971800" cy="457200"/>
+          </a:xfrm>
+          <a:prstGeom prst="rect">
+            <a:avLst/>
+          </a:prstGeom>
+        </p:spPr>
+        <p:txBody>
+          <a:bodyPr vert="horz" lIns="91440" tIns="45720" rIns="91440" bIns="45720" rtlCol="0" anchor="b"/>
+          <a:lstStyle>
+            <a:lvl1pPr algn="r">
+              <a:defRPr sz="1200"/>
+            </a:lvl1pPr>
+          </a:lstStyle>
+          <a:p>
+            <a:fld id="{0A9423A7-7FE8-450B-91DC-873F61096D20}" type="slidenum">
+              <a:rPr lang="en-US" smtClean="0"/>
+              <a:t>‹#›</a:t>
+            </a:fld>
+            <a:endParaRPr lang="en-US"/>
+          </a:p>
+        </p:txBody>
+      </p:sp>
+    </p:spTree>
+  </p:cSld>
+  <p:clrMap bg1="lt1" tx1="dk1" bg2="lt2" tx2="dk2" accent1="accent1" accent2="accent2" accent3="accent3" accent4="accent4" accent5="accent5" accent6="accent6" hlink="hlink" folHlink="folHlink"/>
+  <p:notesStyle>
+    <a:lvl1pPr marL="0" algn="l" defTabSz="914400" rtl="0" eaLnBrk="1" latinLnBrk="0" hangingPunct="1">
+      <a:defRPr sz="1200" kern="1200">
+        <a:solidFill>
+          <a:schemeClr val="tx1"/>
+        </a:solidFill>
+        <a:latin typeface="+mn-lt"/>
+        <a:ea typeface="+mn-ea"/>
+        <a:cs typeface="+mn-cs"/>
+      </a:defRPr>
+    </a:lvl1pPr>
+    <a:lvl2pPr marL="457200" algn="l" defTabSz="914400" rtl="0" eaLnBrk="1" latinLnBrk="0" hangingPunct="1">
+      <a:defRPr sz="1200" kern="1200">
+        <a:solidFill>
+          <a:schemeClr val="tx1"/>
+        </a:solidFill>
+        <a:latin typeface="+mn-lt"/>
+        <a:ea typeface="+mn-ea"/>
+        <a:cs typeface="+mn-cs"/>
+      </a:defRPr>
+    </a:lvl2pPr>
+    <a:lvl3pPr marL="914400" algn="l" defTabSz="914400" rtl="0" eaLnBrk="1" latinLnBrk="0" hangingPunct="1">
+      <a:defRPr sz="1200" kern="1200">
+        <a:solidFill>
+          <a:schemeClr val="tx1"/>
+        </a:solidFill>
+        <a:latin typeface="+mn-lt"/>
+        <a:ea typeface="+mn-ea"/>
+        <a:cs typeface="+mn-cs"/>
+      </a:defRPr>
+    </a:lvl3pPr>
+    <a:lvl4pPr marL="1371600" algn="l" defTabSz="914400" rtl="0" eaLnBrk="1" latinLnBrk="0" hangingPunct="1">
+      <a:defRPr sz="1200" kern="1200">
+        <a:solidFill>
+          <a:schemeClr val="tx1"/>
+        </a:solidFill>
+        <a:latin typeface="+mn-lt"/>
+        <a:ea typeface="+mn-ea"/>
+        <a:cs typeface="+mn-cs"/>
+      </a:defRPr>
+    </a:lvl4pPr>
+    <a:lvl5pPr marL="1828800" algn="l" defTabSz="914400" rtl="0" eaLnBrk="1" latinLnBrk="0" hangingPunct="1">
+      <a:defRPr sz="1200" kern="1200">
+        <a:solidFill>
+          <a:schemeClr val="tx1"/>
+        </a:solidFill>
+        <a:latin typeface="+mn-lt"/>
+        <a:ea typeface="+mn-ea"/>
+        <a:cs typeface="+mn-cs"/>
+      </a:defRPr>
+    </a:lvl5pPr>
+    <a:lvl6pPr marL="2286000" algn="l" defTabSz="914400" rtl="0" eaLnBrk="1" latinLnBrk="0" hangingPunct="1">
+      <a:defRPr sz="1200" kern="1200">
+        <a:solidFill>
+          <a:schemeClr val="tx1"/>
+        </a:solidFill>
+        <a:latin typeface="+mn-lt"/>
+        <a:ea typeface="+mn-ea"/>
+        <a:cs typeface="+mn-cs"/>
+      </a:defRPr>
+    </a:lvl6pPr>
+    <a:lvl7pPr marL="2743200" algn="l" defTabSz="914400" rtl="0" eaLnBrk="1" latinLnBrk="0" hangingPunct="1">
+      <a:defRPr sz="1200" kern="1200">
+        <a:solidFill>
+          <a:schemeClr val="tx1"/>
+        </a:solidFill>
+        <a:latin typeface="+mn-lt"/>
+        <a:ea typeface="+mn-ea"/>
+        <a:cs typeface="+mn-cs"/>
+      </a:defRPr>
+    </a:lvl7pPr>
+    <a:lvl8pPr marL="3200400" algn="l" defTabSz="914400" rtl="0" eaLnBrk="1" latinLnBrk="0" hangingPunct="1">
+      <a:defRPr sz="1200" kern="1200">
+        <a:solidFill>
+          <a:schemeClr val="tx1"/>
+        </a:solidFill>
+        <a:latin typeface="+mn-lt"/>
+        <a:ea typeface="+mn-ea"/>
+        <a:cs typeface="+mn-cs"/>
+      </a:defRPr>
+    </a:lvl8pPr>
+    <a:lvl9pPr marL="3657600" algn="l" defTabSz="914400" rtl="0" eaLnBrk="1" latinLnBrk="0" hangingPunct="1">
+      <a:defRPr sz="1200" kern="1200">
+        <a:solidFill>
+          <a:schemeClr val="tx1"/>
+        </a:solidFill>
+        <a:latin typeface="+mn-lt"/>
+        <a:ea typeface="+mn-ea"/>
+        <a:cs typeface="+mn-cs"/>
+      </a:defRPr>
+    </a:lvl9pPr>
+  </p:notesStyle>
+</p:notesMaster>
+</file>
+
+<file path=ppt/notesSlides/notesSlide1.xml><?xml version="1.0" encoding="utf-8"?>
+<p:notes xmlns:a="http://schemas.openxmlformats.org/drawingml/2006/main" xmlns:r="http://schemas.openxmlformats.org/officeDocument/2006/relationships" xmlns:p="http://schemas.openxmlformats.org/presentationml/2006/main">
+  <p:cSld>
+    <p:spTree>
+      <p:nvGrpSpPr>
+        <p:cNvPr id="1" name=""/>
+        <p:cNvGrpSpPr/>
+        <p:nvPr/>
+      </p:nvGrpSpPr>
+      <p:grpSpPr>
+        <a:xfrm>
+          <a:off x="0" y="0"/>
+          <a:ext cx="0" cy="0"/>
+          <a:chOff x="0" y="0"/>
+          <a:chExt cx="0" cy="0"/>
+        </a:xfrm>
+      </p:grpSpPr>
+      <p:sp>
+        <p:nvSpPr>
+          <p:cNvPr id="2" name="Slide Image Placeholder 1"/>
+          <p:cNvSpPr>
+            <a:spLocks noGrp="1" noRot="1" noChangeAspect="1"/>
+          </p:cNvSpPr>
+          <p:nvPr>
+            <p:ph type="sldImg"/>
+          </p:nvPr>
+        </p:nvSpPr>
+        <p:spPr/>
+      </p:sp>
+      <p:sp>
+        <p:nvSpPr>
+          <p:cNvPr id="3" name="Notes Placeholder 2"/>
+          <p:cNvSpPr>
+            <a:spLocks noGrp="1"/>
+          </p:cNvSpPr>
+          <p:nvPr>
+            <p:ph type="body" idx="1"/>
+          </p:nvPr>
+        </p:nvSpPr>
+        <p:spPr/>
+        <p:txBody>
+          <a:bodyPr>
+            <a:normAutofit/>
+          </a:bodyPr>
+          <a:lstStyle/>
+          <a:p>
+            <a:endParaRPr lang="en-US" dirty="0"/>
+          </a:p>
+        </p:txBody>
+      </p:sp>
+      <p:sp>
+        <p:nvSpPr>
+          <p:cNvPr id="4" name="Slide Number Placeholder 3"/>
+          <p:cNvSpPr>
+            <a:spLocks noGrp="1"/>
+          </p:cNvSpPr>
+          <p:nvPr>
+            <p:ph type="sldNum" sz="quarter" idx="10"/>
+          </p:nvPr>
+        </p:nvSpPr>
+        <p:spPr/>
+        <p:txBody>
+          <a:bodyPr/>
+          <a:lstStyle/>
+          <a:p>
+            <a:fld id="{0A9423A7-7FE8-450B-91DC-873F61096D20}" type="slidenum">
+              <a:rPr lang="en-US" smtClean="0"/>
+              <a:t>1</a:t>
+            </a:fld>
+            <a:endParaRPr lang="en-US"/>
+          </a:p>
+        </p:txBody>
+      </p:sp>
+    </p:spTree>
+  </p:cSld>
+  <p:clrMapOvr>
+    <a:masterClrMapping/>
+  </p:clrMapOvr>
+</p:notes>
+</file>
+
 <file path=ppt/slideLayouts/slideLayout1.xml><?xml version="1.0" encoding="utf-8"?>
 <p:sldLayout xmlns:a="http://schemas.openxmlformats.org/drawingml/2006/main" xmlns:r="http://schemas.openxmlformats.org/officeDocument/2006/relationships" xmlns:p="http://schemas.openxmlformats.org/presentationml/2006/main" showMasterSp="0" type="title" preserve="1">
   <p:cSld name="Title Slide">
@@ -772,7 +1210,7 @@
             <a:fld id="{0D9A0B88-B419-4C40-8CB2-10EC9FBC9A75}" type="datetimeFigureOut">
               <a:rPr lang="en-US" smtClean="0"/>
               <a:pPr/>
-              <a:t>7/12/2016</a:t>
+              <a:t>7/13/2016</a:t>
             </a:fld>
             <a:endParaRPr lang="en-US"/>
           </a:p>
@@ -957,7 +1395,7 @@
             <a:fld id="{0D9A0B88-B419-4C40-8CB2-10EC9FBC9A75}" type="datetimeFigureOut">
               <a:rPr lang="en-US" smtClean="0"/>
               <a:pPr/>
-              <a:t>7/12/2016</a:t>
+              <a:t>7/13/2016</a:t>
             </a:fld>
             <a:endParaRPr lang="en-US"/>
           </a:p>
@@ -1134,7 +1572,7 @@
             <a:fld id="{0D9A0B88-B419-4C40-8CB2-10EC9FBC9A75}" type="datetimeFigureOut">
               <a:rPr lang="en-US" smtClean="0"/>
               <a:pPr/>
-              <a:t>7/12/2016</a:t>
+              <a:t>7/13/2016</a:t>
             </a:fld>
             <a:endParaRPr lang="en-US"/>
           </a:p>
@@ -1301,7 +1739,7 @@
             <a:fld id="{0D9A0B88-B419-4C40-8CB2-10EC9FBC9A75}" type="datetimeFigureOut">
               <a:rPr lang="en-US" smtClean="0"/>
               <a:pPr/>
-              <a:t>7/12/2016</a:t>
+              <a:t>7/13/2016</a:t>
             </a:fld>
             <a:endParaRPr lang="en-US"/>
           </a:p>
@@ -1524,7 +1962,7 @@
             <a:fld id="{0D9A0B88-B419-4C40-8CB2-10EC9FBC9A75}" type="datetimeFigureOut">
               <a:rPr lang="en-US" smtClean="0"/>
               <a:pPr/>
-              <a:t>7/12/2016</a:t>
+              <a:t>7/13/2016</a:t>
             </a:fld>
             <a:endParaRPr lang="en-US"/>
           </a:p>
@@ -1785,7 +2223,7 @@
             <a:fld id="{0D9A0B88-B419-4C40-8CB2-10EC9FBC9A75}" type="datetimeFigureOut">
               <a:rPr lang="en-US" smtClean="0"/>
               <a:pPr/>
-              <a:t>7/12/2016</a:t>
+              <a:t>7/13/2016</a:t>
             </a:fld>
             <a:endParaRPr lang="en-US"/>
           </a:p>
@@ -2191,7 +2629,7 @@
             <a:fld id="{0D9A0B88-B419-4C40-8CB2-10EC9FBC9A75}" type="datetimeFigureOut">
               <a:rPr lang="en-US" smtClean="0"/>
               <a:pPr/>
-              <a:t>7/12/2016</a:t>
+              <a:t>7/13/2016</a:t>
             </a:fld>
             <a:endParaRPr lang="en-US"/>
           </a:p>
@@ -2324,7 +2762,7 @@
             <a:fld id="{0D9A0B88-B419-4C40-8CB2-10EC9FBC9A75}" type="datetimeFigureOut">
               <a:rPr lang="en-US" smtClean="0"/>
               <a:pPr/>
-              <a:t>7/12/2016</a:t>
+              <a:t>7/13/2016</a:t>
             </a:fld>
             <a:endParaRPr lang="en-US"/>
           </a:p>
@@ -2426,7 +2864,7 @@
             <a:fld id="{0D9A0B88-B419-4C40-8CB2-10EC9FBC9A75}" type="datetimeFigureOut">
               <a:rPr lang="en-US" smtClean="0"/>
               <a:pPr/>
-              <a:t>7/12/2016</a:t>
+              <a:t>7/13/2016</a:t>
             </a:fld>
             <a:endParaRPr lang="en-US"/>
           </a:p>
@@ -2673,7 +3111,7 @@
             <a:fld id="{0D9A0B88-B419-4C40-8CB2-10EC9FBC9A75}" type="datetimeFigureOut">
               <a:rPr lang="en-US" smtClean="0"/>
               <a:pPr/>
-              <a:t>7/12/2016</a:t>
+              <a:t>7/13/2016</a:t>
             </a:fld>
             <a:endParaRPr lang="en-US"/>
           </a:p>
@@ -2919,7 +3357,7 @@
             <a:fld id="{0D9A0B88-B419-4C40-8CB2-10EC9FBC9A75}" type="datetimeFigureOut">
               <a:rPr lang="en-US" smtClean="0"/>
               <a:pPr/>
-              <a:t>7/12/2016</a:t>
+              <a:t>7/13/2016</a:t>
             </a:fld>
             <a:endParaRPr lang="en-US"/>
           </a:p>
@@ -3745,7 +4183,7 @@
             <a:fld id="{0D9A0B88-B419-4C40-8CB2-10EC9FBC9A75}" type="datetimeFigureOut">
               <a:rPr lang="en-US" smtClean="0"/>
               <a:pPr/>
-              <a:t>7/12/2016</a:t>
+              <a:t>7/13/2016</a:t>
             </a:fld>
             <a:endParaRPr lang="en-US"/>
           </a:p>
@@ -4148,16 +4586,4244 @@
         </p:nvSpPr>
         <p:spPr/>
         <p:txBody>
-          <a:bodyPr>
-            <a:noAutofit/>
+          <a:bodyPr/>
+          <a:lstStyle/>
+          <a:p>
+            <a:r>
+              <a:rPr lang="en-US" dirty="0" smtClean="0"/>
+              <a:t>Biomathematics:</a:t>
+            </a:r>
+            <a:endParaRPr lang="en-US" dirty="0"/>
+          </a:p>
+        </p:txBody>
+      </p:sp>
+      <p:sp>
+        <p:nvSpPr>
+          <p:cNvPr id="3" name="Subtitle 2"/>
+          <p:cNvSpPr>
+            <a:spLocks noGrp="1"/>
+          </p:cNvSpPr>
+          <p:nvPr>
+            <p:ph type="subTitle" idx="1"/>
+          </p:nvPr>
+        </p:nvSpPr>
+        <p:spPr/>
+        <p:txBody>
+          <a:bodyPr/>
+          <a:lstStyle/>
+          <a:p>
+            <a:r>
+              <a:rPr lang="en-US" dirty="0" smtClean="0"/>
+              <a:t>Comparing Healthy and Diseased Vascular Networks to Better Understand Pathologies</a:t>
+            </a:r>
+            <a:endParaRPr lang="en-US" dirty="0"/>
+          </a:p>
+        </p:txBody>
+      </p:sp>
+    </p:spTree>
+  </p:cSld>
+  <p:clrMapOvr>
+    <a:masterClrMapping/>
+  </p:clrMapOvr>
+</p:sld>
+</file>
+
+<file path=ppt/slides/slide10.xml><?xml version="1.0" encoding="utf-8"?>
+<p:sld xmlns:a="http://schemas.openxmlformats.org/drawingml/2006/main" xmlns:r="http://schemas.openxmlformats.org/officeDocument/2006/relationships" xmlns:p="http://schemas.openxmlformats.org/presentationml/2006/main">
+  <p:cSld>
+    <p:spTree>
+      <p:nvGrpSpPr>
+        <p:cNvPr id="1" name=""/>
+        <p:cNvGrpSpPr/>
+        <p:nvPr/>
+      </p:nvGrpSpPr>
+      <p:grpSpPr>
+        <a:xfrm>
+          <a:off x="0" y="0"/>
+          <a:ext cx="0" cy="0"/>
+          <a:chOff x="0" y="0"/>
+          <a:chExt cx="0" cy="0"/>
+        </a:xfrm>
+      </p:grpSpPr>
+      <p:graphicFrame>
+        <p:nvGraphicFramePr>
+          <p:cNvPr id="2" name="Table 1"/>
+          <p:cNvGraphicFramePr>
+            <a:graphicFrameLocks noGrp="1"/>
+          </p:cNvGraphicFramePr>
+          <p:nvPr/>
+        </p:nvGraphicFramePr>
+        <p:xfrm>
+          <a:off x="838200" y="838200"/>
+          <a:ext cx="7696200" cy="2428798"/>
+        </p:xfrm>
+        <a:graphic>
+          <a:graphicData uri="http://schemas.openxmlformats.org/drawingml/2006/table">
+            <a:tbl>
+              <a:tblPr firstRow="1" bandRow="1">
+                <a:tableStyleId>{5C22544A-7EE6-4342-B048-85BDC9FD1C3A}</a:tableStyleId>
+              </a:tblPr>
+              <a:tblGrid>
+                <a:gridCol w="1981200"/>
+                <a:gridCol w="1066800"/>
+                <a:gridCol w="1143000"/>
+                <a:gridCol w="1143000"/>
+                <a:gridCol w="1219200"/>
+                <a:gridCol w="1143000"/>
+              </a:tblGrid>
+              <a:tr h="552633">
+                <a:tc gridSpan="6">
+                  <a:txBody>
+                    <a:bodyPr/>
+                    <a:lstStyle/>
+                    <a:p>
+                      <a:pPr algn="ctr"/>
+                      <a:r>
+                        <a:rPr lang="en-US" sz="1800" dirty="0" smtClean="0"/>
+                        <a:t>Radius exponent measures (C++)</a:t>
+                      </a:r>
+                      <a:endParaRPr lang="en-US" sz="1800" dirty="0"/>
+                    </a:p>
+                  </a:txBody>
+                  <a:tcPr/>
+                </a:tc>
+                <a:tc hMerge="1">
+                  <a:txBody>
+                    <a:bodyPr/>
+                    <a:lstStyle/>
+                    <a:p>
+                      <a:endParaRPr lang="en-US" sz="1200" dirty="0"/>
+                    </a:p>
+                  </a:txBody>
+                  <a:tcPr/>
+                </a:tc>
+                <a:tc hMerge="1">
+                  <a:txBody>
+                    <a:bodyPr/>
+                    <a:lstStyle/>
+                    <a:p>
+                      <a:endParaRPr lang="en-US" sz="1200" dirty="0"/>
+                    </a:p>
+                  </a:txBody>
+                  <a:tcPr/>
+                </a:tc>
+                <a:tc hMerge="1">
+                  <a:txBody>
+                    <a:bodyPr/>
+                    <a:lstStyle/>
+                    <a:p>
+                      <a:endParaRPr lang="en-US" sz="1200" dirty="0"/>
+                    </a:p>
+                  </a:txBody>
+                  <a:tcPr/>
+                </a:tc>
+                <a:tc hMerge="1">
+                  <a:txBody>
+                    <a:bodyPr/>
+                    <a:lstStyle/>
+                    <a:p>
+                      <a:endParaRPr lang="en-US" sz="1200" dirty="0"/>
+                    </a:p>
+                  </a:txBody>
+                  <a:tcPr/>
+                </a:tc>
+                <a:tc hMerge="1">
+                  <a:txBody>
+                    <a:bodyPr/>
+                    <a:lstStyle/>
+                    <a:p>
+                      <a:pPr algn="ctr"/>
+                      <a:endParaRPr lang="en-US" sz="1800" dirty="0"/>
+                    </a:p>
+                  </a:txBody>
+                  <a:tcPr/>
+                </a:tc>
+              </a:tr>
+              <a:tr h="361766">
+                <a:tc>
+                  <a:txBody>
+                    <a:bodyPr/>
+                    <a:lstStyle/>
+                    <a:p>
+                      <a:endParaRPr lang="en-US" sz="1200" b="1" dirty="0"/>
+                    </a:p>
+                  </a:txBody>
+                  <a:tcPr/>
+                </a:tc>
+                <a:tc>
+                  <a:txBody>
+                    <a:bodyPr/>
+                    <a:lstStyle/>
+                    <a:p>
+                      <a:r>
+                        <a:rPr lang="en-US" sz="1200" b="1" dirty="0" smtClean="0"/>
+                        <a:t>N</a:t>
+                      </a:r>
+                      <a:endParaRPr lang="en-US" sz="1200" b="1" dirty="0"/>
+                    </a:p>
+                  </a:txBody>
+                  <a:tcPr/>
+                </a:tc>
+                <a:tc>
+                  <a:txBody>
+                    <a:bodyPr/>
+                    <a:lstStyle/>
+                    <a:p>
+                      <a:r>
+                        <a:rPr lang="en-US" sz="1200" b="1" dirty="0" smtClean="0"/>
+                        <a:t>a</a:t>
+                      </a:r>
+                      <a:endParaRPr lang="en-US" sz="1200" b="1" dirty="0"/>
+                    </a:p>
+                  </a:txBody>
+                  <a:tcPr/>
+                </a:tc>
+                <a:tc>
+                  <a:txBody>
+                    <a:bodyPr/>
+                    <a:lstStyle/>
+                    <a:p>
+                      <a:r>
+                        <a:rPr lang="en-US" sz="1200" b="1" dirty="0" smtClean="0"/>
+                        <a:t>95% CI</a:t>
+                      </a:r>
+                      <a:endParaRPr lang="en-US" sz="1200" b="1" dirty="0"/>
+                    </a:p>
+                  </a:txBody>
+                  <a:tcPr/>
+                </a:tc>
+                <a:tc>
+                  <a:txBody>
+                    <a:bodyPr/>
+                    <a:lstStyle/>
+                    <a:p>
+                      <a:r>
+                        <a:rPr kumimoji="0" lang="el-GR" sz="1200" b="1" i="0" kern="1200" dirty="0" smtClean="0">
+                          <a:solidFill>
+                            <a:schemeClr val="dk1"/>
+                          </a:solidFill>
+                          <a:latin typeface="+mn-lt"/>
+                          <a:ea typeface="+mn-ea"/>
+                          <a:cs typeface="+mn-cs"/>
+                        </a:rPr>
+                        <a:t>σ</a:t>
+                      </a:r>
+                      <a:endParaRPr lang="en-US" sz="1200" b="1" dirty="0"/>
+                    </a:p>
+                  </a:txBody>
+                  <a:tcPr/>
+                </a:tc>
+                <a:tc>
+                  <a:txBody>
+                    <a:bodyPr/>
+                    <a:lstStyle/>
+                    <a:p>
+                      <a:r>
+                        <a:rPr kumimoji="0" lang="en-US" sz="1200" b="1" i="1" kern="1200" dirty="0" smtClean="0">
+                          <a:solidFill>
+                            <a:schemeClr val="dk1"/>
+                          </a:solidFill>
+                          <a:latin typeface="+mn-lt"/>
+                          <a:ea typeface="+mn-ea"/>
+                          <a:cs typeface="+mn-cs"/>
+                        </a:rPr>
+                        <a:t>R</a:t>
+                      </a:r>
+                      <a:r>
+                        <a:rPr kumimoji="0" lang="en-US" sz="1200" b="1" i="0" kern="1200" baseline="30000" dirty="0" smtClean="0">
+                          <a:solidFill>
+                            <a:schemeClr val="dk1"/>
+                          </a:solidFill>
+                          <a:latin typeface="+mn-lt"/>
+                          <a:ea typeface="+mn-ea"/>
+                          <a:cs typeface="+mn-cs"/>
+                        </a:rPr>
+                        <a:t>2</a:t>
+                      </a:r>
+                      <a:r>
+                        <a:rPr kumimoji="0" lang="en-US" sz="1200" b="1" i="0" kern="1200" dirty="0" smtClean="0">
+                          <a:solidFill>
+                            <a:schemeClr val="dk1"/>
+                          </a:solidFill>
+                          <a:latin typeface="+mn-lt"/>
+                          <a:ea typeface="+mn-ea"/>
+                          <a:cs typeface="+mn-cs"/>
+                        </a:rPr>
+                        <a:t> </a:t>
+                      </a:r>
+                      <a:endParaRPr lang="en-US" sz="1200" b="1" dirty="0"/>
+                    </a:p>
+                  </a:txBody>
+                  <a:tcPr/>
+                </a:tc>
+              </a:tr>
+              <a:tr h="361766">
+                <a:tc>
+                  <a:txBody>
+                    <a:bodyPr/>
+                    <a:lstStyle/>
+                    <a:p>
+                      <a:r>
+                        <a:rPr lang="en-US" sz="1200" b="1" dirty="0" smtClean="0"/>
+                        <a:t>Conservation</a:t>
+                      </a:r>
+                      <a:endParaRPr lang="en-US" sz="1200" b="1" dirty="0"/>
+                    </a:p>
+                  </a:txBody>
+                  <a:tcPr/>
+                </a:tc>
+                <a:tc>
+                  <a:txBody>
+                    <a:bodyPr/>
+                    <a:lstStyle/>
+                    <a:p>
+                      <a:endParaRPr lang="en-US" sz="1200" dirty="0"/>
+                    </a:p>
+                  </a:txBody>
+                  <a:tcPr/>
+                </a:tc>
+                <a:tc>
+                  <a:txBody>
+                    <a:bodyPr/>
+                    <a:lstStyle/>
+                    <a:p>
+                      <a:endParaRPr lang="en-US" sz="1200" dirty="0"/>
+                    </a:p>
+                  </a:txBody>
+                  <a:tcPr/>
+                </a:tc>
+                <a:tc>
+                  <a:txBody>
+                    <a:bodyPr/>
+                    <a:lstStyle/>
+                    <a:p>
+                      <a:endParaRPr lang="en-US" sz="1200" dirty="0"/>
+                    </a:p>
+                  </a:txBody>
+                  <a:tcPr/>
+                </a:tc>
+                <a:tc>
+                  <a:txBody>
+                    <a:bodyPr/>
+                    <a:lstStyle/>
+                    <a:p>
+                      <a:endParaRPr lang="en-US" sz="1200" dirty="0"/>
+                    </a:p>
+                  </a:txBody>
+                  <a:tcPr/>
+                </a:tc>
+                <a:tc>
+                  <a:txBody>
+                    <a:bodyPr/>
+                    <a:lstStyle/>
+                    <a:p>
+                      <a:endParaRPr lang="en-US" sz="1200" dirty="0"/>
+                    </a:p>
+                  </a:txBody>
+                  <a:tcPr/>
+                </a:tc>
+              </a:tr>
+              <a:tr h="384211">
+                <a:tc>
+                  <a:txBody>
+                    <a:bodyPr/>
+                    <a:lstStyle/>
+                    <a:p>
+                      <a:r>
+                        <a:rPr lang="en-US" sz="1200" b="1" dirty="0" smtClean="0"/>
+                        <a:t>Ratio</a:t>
+                      </a:r>
+                      <a:endParaRPr lang="en-US" sz="1200" b="1" dirty="0"/>
+                    </a:p>
+                  </a:txBody>
+                  <a:tcPr/>
+                </a:tc>
+                <a:tc>
+                  <a:txBody>
+                    <a:bodyPr/>
+                    <a:lstStyle/>
+                    <a:p>
+                      <a:endParaRPr lang="en-US" sz="1400" dirty="0"/>
+                    </a:p>
+                  </a:txBody>
+                  <a:tcPr/>
+                </a:tc>
+                <a:tc>
+                  <a:txBody>
+                    <a:bodyPr/>
+                    <a:lstStyle/>
+                    <a:p>
+                      <a:endParaRPr lang="en-US" sz="1400" dirty="0"/>
+                    </a:p>
+                  </a:txBody>
+                  <a:tcPr/>
+                </a:tc>
+                <a:tc>
+                  <a:txBody>
+                    <a:bodyPr/>
+                    <a:lstStyle/>
+                    <a:p>
+                      <a:endParaRPr lang="en-US" sz="1400" dirty="0"/>
+                    </a:p>
+                  </a:txBody>
+                  <a:tcPr/>
+                </a:tc>
+                <a:tc>
+                  <a:txBody>
+                    <a:bodyPr/>
+                    <a:lstStyle/>
+                    <a:p>
+                      <a:endParaRPr lang="en-US" sz="1400" dirty="0"/>
+                    </a:p>
+                  </a:txBody>
+                  <a:tcPr/>
+                </a:tc>
+                <a:tc>
+                  <a:txBody>
+                    <a:bodyPr/>
+                    <a:lstStyle/>
+                    <a:p>
+                      <a:endParaRPr lang="en-US" sz="1400" dirty="0"/>
+                    </a:p>
+                  </a:txBody>
+                  <a:tcPr/>
+                </a:tc>
+              </a:tr>
+              <a:tr h="384211">
+                <a:tc>
+                  <a:txBody>
+                    <a:bodyPr/>
+                    <a:lstStyle/>
+                    <a:p>
+                      <a:r>
+                        <a:rPr lang="en-US" sz="1200" b="1" dirty="0" smtClean="0"/>
+                        <a:t>Distribution</a:t>
+                      </a:r>
+                      <a:endParaRPr lang="en-US" sz="1200" b="1" dirty="0"/>
+                    </a:p>
+                  </a:txBody>
+                  <a:tcPr/>
+                </a:tc>
+                <a:tc>
+                  <a:txBody>
+                    <a:bodyPr/>
+                    <a:lstStyle/>
+                    <a:p>
+                      <a:endParaRPr lang="en-US" sz="1400" dirty="0"/>
+                    </a:p>
+                  </a:txBody>
+                  <a:tcPr/>
+                </a:tc>
+                <a:tc>
+                  <a:txBody>
+                    <a:bodyPr/>
+                    <a:lstStyle/>
+                    <a:p>
+                      <a:endParaRPr lang="en-US" sz="1400" dirty="0"/>
+                    </a:p>
+                  </a:txBody>
+                  <a:tcPr/>
+                </a:tc>
+                <a:tc>
+                  <a:txBody>
+                    <a:bodyPr/>
+                    <a:lstStyle/>
+                    <a:p>
+                      <a:endParaRPr lang="en-US" sz="1400" dirty="0"/>
+                    </a:p>
+                  </a:txBody>
+                  <a:tcPr/>
+                </a:tc>
+                <a:tc>
+                  <a:txBody>
+                    <a:bodyPr/>
+                    <a:lstStyle/>
+                    <a:p>
+                      <a:endParaRPr lang="en-US" sz="1400" dirty="0"/>
+                    </a:p>
+                  </a:txBody>
+                  <a:tcPr/>
+                </a:tc>
+                <a:tc>
+                  <a:txBody>
+                    <a:bodyPr/>
+                    <a:lstStyle/>
+                    <a:p>
+                      <a:endParaRPr lang="en-US" sz="1400" dirty="0"/>
+                    </a:p>
+                  </a:txBody>
+                  <a:tcPr/>
+                </a:tc>
+              </a:tr>
+              <a:tr h="384211">
+                <a:tc>
+                  <a:txBody>
+                    <a:bodyPr/>
+                    <a:lstStyle/>
+                    <a:p>
+                      <a:r>
+                        <a:rPr lang="en-US" sz="1200" b="1" dirty="0" smtClean="0"/>
+                        <a:t>Regression</a:t>
+                      </a:r>
+                      <a:endParaRPr lang="en-US" sz="1200" b="1" dirty="0"/>
+                    </a:p>
+                  </a:txBody>
+                  <a:tcPr/>
+                </a:tc>
+                <a:tc>
+                  <a:txBody>
+                    <a:bodyPr/>
+                    <a:lstStyle/>
+                    <a:p>
+                      <a:endParaRPr lang="en-US" sz="1400" dirty="0"/>
+                    </a:p>
+                  </a:txBody>
+                  <a:tcPr/>
+                </a:tc>
+                <a:tc>
+                  <a:txBody>
+                    <a:bodyPr/>
+                    <a:lstStyle/>
+                    <a:p>
+                      <a:endParaRPr lang="en-US" sz="1400" dirty="0"/>
+                    </a:p>
+                  </a:txBody>
+                  <a:tcPr/>
+                </a:tc>
+                <a:tc>
+                  <a:txBody>
+                    <a:bodyPr/>
+                    <a:lstStyle/>
+                    <a:p>
+                      <a:endParaRPr lang="en-US" sz="1400" dirty="0"/>
+                    </a:p>
+                  </a:txBody>
+                  <a:tcPr/>
+                </a:tc>
+                <a:tc>
+                  <a:txBody>
+                    <a:bodyPr/>
+                    <a:lstStyle/>
+                    <a:p>
+                      <a:endParaRPr lang="en-US" sz="1400" dirty="0"/>
+                    </a:p>
+                  </a:txBody>
+                  <a:tcPr/>
+                </a:tc>
+                <a:tc>
+                  <a:txBody>
+                    <a:bodyPr/>
+                    <a:lstStyle/>
+                    <a:p>
+                      <a:endParaRPr lang="en-US" sz="1400" dirty="0"/>
+                    </a:p>
+                  </a:txBody>
+                  <a:tcPr/>
+                </a:tc>
+              </a:tr>
+            </a:tbl>
+          </a:graphicData>
+        </a:graphic>
+      </p:graphicFrame>
+      <p:graphicFrame>
+        <p:nvGraphicFramePr>
+          <p:cNvPr id="4" name="Table 3"/>
+          <p:cNvGraphicFramePr>
+            <a:graphicFrameLocks noGrp="1"/>
+          </p:cNvGraphicFramePr>
+          <p:nvPr/>
+        </p:nvGraphicFramePr>
+        <p:xfrm>
+          <a:off x="838200" y="3505200"/>
+          <a:ext cx="7696200" cy="2428798"/>
+        </p:xfrm>
+        <a:graphic>
+          <a:graphicData uri="http://schemas.openxmlformats.org/drawingml/2006/table">
+            <a:tbl>
+              <a:tblPr firstRow="1" bandRow="1">
+                <a:tableStyleId>{5C22544A-7EE6-4342-B048-85BDC9FD1C3A}</a:tableStyleId>
+              </a:tblPr>
+              <a:tblGrid>
+                <a:gridCol w="1981200"/>
+                <a:gridCol w="1066800"/>
+                <a:gridCol w="1143000"/>
+                <a:gridCol w="1143000"/>
+                <a:gridCol w="1219200"/>
+                <a:gridCol w="1143000"/>
+              </a:tblGrid>
+              <a:tr h="552633">
+                <a:tc gridSpan="6">
+                  <a:txBody>
+                    <a:bodyPr/>
+                    <a:lstStyle/>
+                    <a:p>
+                      <a:pPr algn="ctr"/>
+                      <a:r>
+                        <a:rPr lang="en-US" sz="1800" dirty="0" smtClean="0"/>
+                        <a:t>Radius</a:t>
+                      </a:r>
+                      <a:r>
+                        <a:rPr lang="en-US" sz="1800" baseline="0" dirty="0" smtClean="0"/>
+                        <a:t> </a:t>
+                      </a:r>
+                      <a:r>
+                        <a:rPr lang="en-US" sz="1800" dirty="0" smtClean="0"/>
+                        <a:t>exponent measures (</a:t>
+                      </a:r>
+                      <a:r>
+                        <a:rPr lang="en-US" sz="1800" dirty="0" err="1" smtClean="0"/>
+                        <a:t>Angicart</a:t>
+                      </a:r>
+                      <a:r>
+                        <a:rPr lang="en-US" sz="1800" dirty="0" smtClean="0"/>
+                        <a:t>)</a:t>
+                      </a:r>
+                      <a:endParaRPr lang="en-US" sz="1800" dirty="0"/>
+                    </a:p>
+                  </a:txBody>
+                  <a:tcPr/>
+                </a:tc>
+                <a:tc hMerge="1">
+                  <a:txBody>
+                    <a:bodyPr/>
+                    <a:lstStyle/>
+                    <a:p>
+                      <a:endParaRPr lang="en-US" sz="1200" dirty="0"/>
+                    </a:p>
+                  </a:txBody>
+                  <a:tcPr/>
+                </a:tc>
+                <a:tc hMerge="1">
+                  <a:txBody>
+                    <a:bodyPr/>
+                    <a:lstStyle/>
+                    <a:p>
+                      <a:endParaRPr lang="en-US" sz="1200" dirty="0"/>
+                    </a:p>
+                  </a:txBody>
+                  <a:tcPr/>
+                </a:tc>
+                <a:tc hMerge="1">
+                  <a:txBody>
+                    <a:bodyPr/>
+                    <a:lstStyle/>
+                    <a:p>
+                      <a:endParaRPr lang="en-US" sz="1200" dirty="0"/>
+                    </a:p>
+                  </a:txBody>
+                  <a:tcPr/>
+                </a:tc>
+                <a:tc hMerge="1">
+                  <a:txBody>
+                    <a:bodyPr/>
+                    <a:lstStyle/>
+                    <a:p>
+                      <a:endParaRPr lang="en-US" sz="1200" dirty="0"/>
+                    </a:p>
+                  </a:txBody>
+                  <a:tcPr/>
+                </a:tc>
+                <a:tc hMerge="1">
+                  <a:txBody>
+                    <a:bodyPr/>
+                    <a:lstStyle/>
+                    <a:p>
+                      <a:pPr algn="ctr"/>
+                      <a:endParaRPr lang="en-US" sz="1800" dirty="0"/>
+                    </a:p>
+                  </a:txBody>
+                  <a:tcPr/>
+                </a:tc>
+              </a:tr>
+              <a:tr h="361766">
+                <a:tc>
+                  <a:txBody>
+                    <a:bodyPr/>
+                    <a:lstStyle/>
+                    <a:p>
+                      <a:endParaRPr lang="en-US" sz="1200" b="1" dirty="0"/>
+                    </a:p>
+                  </a:txBody>
+                  <a:tcPr/>
+                </a:tc>
+                <a:tc>
+                  <a:txBody>
+                    <a:bodyPr/>
+                    <a:lstStyle/>
+                    <a:p>
+                      <a:r>
+                        <a:rPr lang="en-US" sz="1200" b="1" dirty="0" smtClean="0"/>
+                        <a:t>N</a:t>
+                      </a:r>
+                      <a:endParaRPr lang="en-US" sz="1200" b="1" dirty="0"/>
+                    </a:p>
+                  </a:txBody>
+                  <a:tcPr/>
+                </a:tc>
+                <a:tc>
+                  <a:txBody>
+                    <a:bodyPr/>
+                    <a:lstStyle/>
+                    <a:p>
+                      <a:r>
+                        <a:rPr lang="en-US" sz="1200" b="1" dirty="0" smtClean="0"/>
+                        <a:t>a</a:t>
+                      </a:r>
+                      <a:endParaRPr lang="en-US" sz="1200" b="1" dirty="0"/>
+                    </a:p>
+                  </a:txBody>
+                  <a:tcPr/>
+                </a:tc>
+                <a:tc>
+                  <a:txBody>
+                    <a:bodyPr/>
+                    <a:lstStyle/>
+                    <a:p>
+                      <a:r>
+                        <a:rPr lang="en-US" sz="1200" b="1" dirty="0" smtClean="0"/>
+                        <a:t>95% CI</a:t>
+                      </a:r>
+                      <a:endParaRPr lang="en-US" sz="1200" b="1" dirty="0"/>
+                    </a:p>
+                  </a:txBody>
+                  <a:tcPr/>
+                </a:tc>
+                <a:tc>
+                  <a:txBody>
+                    <a:bodyPr/>
+                    <a:lstStyle/>
+                    <a:p>
+                      <a:r>
+                        <a:rPr kumimoji="0" lang="el-GR" sz="1200" b="1" i="0" kern="1200" dirty="0" smtClean="0">
+                          <a:solidFill>
+                            <a:schemeClr val="dk1"/>
+                          </a:solidFill>
+                          <a:latin typeface="+mn-lt"/>
+                          <a:ea typeface="+mn-ea"/>
+                          <a:cs typeface="+mn-cs"/>
+                        </a:rPr>
+                        <a:t>σ</a:t>
+                      </a:r>
+                      <a:endParaRPr lang="en-US" sz="1200" b="1" dirty="0"/>
+                    </a:p>
+                  </a:txBody>
+                  <a:tcPr/>
+                </a:tc>
+                <a:tc>
+                  <a:txBody>
+                    <a:bodyPr/>
+                    <a:lstStyle/>
+                    <a:p>
+                      <a:r>
+                        <a:rPr kumimoji="0" lang="en-US" sz="1200" b="1" i="1" kern="1200" dirty="0" smtClean="0">
+                          <a:solidFill>
+                            <a:schemeClr val="dk1"/>
+                          </a:solidFill>
+                          <a:latin typeface="+mn-lt"/>
+                          <a:ea typeface="+mn-ea"/>
+                          <a:cs typeface="+mn-cs"/>
+                        </a:rPr>
+                        <a:t>R</a:t>
+                      </a:r>
+                      <a:r>
+                        <a:rPr kumimoji="0" lang="en-US" sz="1200" b="1" i="0" kern="1200" baseline="30000" dirty="0" smtClean="0">
+                          <a:solidFill>
+                            <a:schemeClr val="dk1"/>
+                          </a:solidFill>
+                          <a:latin typeface="+mn-lt"/>
+                          <a:ea typeface="+mn-ea"/>
+                          <a:cs typeface="+mn-cs"/>
+                        </a:rPr>
+                        <a:t>2</a:t>
+                      </a:r>
+                      <a:r>
+                        <a:rPr kumimoji="0" lang="en-US" sz="1200" b="1" i="0" kern="1200" dirty="0" smtClean="0">
+                          <a:solidFill>
+                            <a:schemeClr val="dk1"/>
+                          </a:solidFill>
+                          <a:latin typeface="+mn-lt"/>
+                          <a:ea typeface="+mn-ea"/>
+                          <a:cs typeface="+mn-cs"/>
+                        </a:rPr>
+                        <a:t> </a:t>
+                      </a:r>
+                      <a:endParaRPr lang="en-US" sz="1200" b="1" dirty="0"/>
+                    </a:p>
+                  </a:txBody>
+                  <a:tcPr/>
+                </a:tc>
+              </a:tr>
+              <a:tr h="361766">
+                <a:tc>
+                  <a:txBody>
+                    <a:bodyPr/>
+                    <a:lstStyle/>
+                    <a:p>
+                      <a:r>
+                        <a:rPr lang="en-US" sz="1200" b="1" dirty="0" smtClean="0"/>
+                        <a:t>Conservation</a:t>
+                      </a:r>
+                      <a:endParaRPr lang="en-US" sz="1200" b="1" dirty="0"/>
+                    </a:p>
+                  </a:txBody>
+                  <a:tcPr/>
+                </a:tc>
+                <a:tc>
+                  <a:txBody>
+                    <a:bodyPr/>
+                    <a:lstStyle/>
+                    <a:p>
+                      <a:r>
+                        <a:rPr lang="en-US" sz="1200" dirty="0" smtClean="0"/>
+                        <a:t>98</a:t>
+                      </a:r>
+                      <a:endParaRPr lang="en-US" sz="1200" dirty="0"/>
+                    </a:p>
+                  </a:txBody>
+                  <a:tcPr/>
+                </a:tc>
+                <a:tc>
+                  <a:txBody>
+                    <a:bodyPr/>
+                    <a:lstStyle/>
+                    <a:p>
+                      <a:r>
+                        <a:rPr lang="en-US" sz="1200" dirty="0" smtClean="0"/>
+                        <a:t>0.6</a:t>
+                      </a:r>
+                      <a:endParaRPr lang="en-US" sz="1200" dirty="0"/>
+                    </a:p>
+                  </a:txBody>
+                  <a:tcPr/>
+                </a:tc>
+                <a:tc>
+                  <a:txBody>
+                    <a:bodyPr/>
+                    <a:lstStyle/>
+                    <a:p>
+                      <a:r>
+                        <a:rPr lang="en-US" sz="1200" dirty="0" smtClean="0"/>
+                        <a:t>0.0755</a:t>
+                      </a:r>
+                      <a:endParaRPr lang="en-US" sz="1200" dirty="0"/>
+                    </a:p>
+                  </a:txBody>
+                  <a:tcPr/>
+                </a:tc>
+                <a:tc>
+                  <a:txBody>
+                    <a:bodyPr/>
+                    <a:lstStyle/>
+                    <a:p>
+                      <a:r>
+                        <a:rPr lang="en-US" sz="1200" dirty="0" smtClean="0"/>
+                        <a:t>0.3814</a:t>
+                      </a:r>
+                      <a:endParaRPr lang="en-US" sz="1200" dirty="0"/>
+                    </a:p>
+                  </a:txBody>
+                  <a:tcPr/>
+                </a:tc>
+                <a:tc>
+                  <a:txBody>
+                    <a:bodyPr/>
+                    <a:lstStyle/>
+                    <a:p>
+                      <a:endParaRPr lang="en-US" sz="1200" dirty="0"/>
+                    </a:p>
+                  </a:txBody>
+                  <a:tcPr/>
+                </a:tc>
+              </a:tr>
+              <a:tr h="384211">
+                <a:tc>
+                  <a:txBody>
+                    <a:bodyPr/>
+                    <a:lstStyle/>
+                    <a:p>
+                      <a:r>
+                        <a:rPr lang="en-US" sz="1200" b="1" dirty="0" smtClean="0"/>
+                        <a:t>Ratio</a:t>
+                      </a:r>
+                      <a:endParaRPr lang="en-US" sz="1200" b="1" dirty="0"/>
+                    </a:p>
+                  </a:txBody>
+                  <a:tcPr/>
+                </a:tc>
+                <a:tc>
+                  <a:txBody>
+                    <a:bodyPr/>
+                    <a:lstStyle/>
+                    <a:p>
+                      <a:endParaRPr lang="en-US" sz="1400" dirty="0"/>
+                    </a:p>
+                  </a:txBody>
+                  <a:tcPr/>
+                </a:tc>
+                <a:tc>
+                  <a:txBody>
+                    <a:bodyPr/>
+                    <a:lstStyle/>
+                    <a:p>
+                      <a:endParaRPr lang="en-US" sz="1400" dirty="0"/>
+                    </a:p>
+                  </a:txBody>
+                  <a:tcPr/>
+                </a:tc>
+                <a:tc>
+                  <a:txBody>
+                    <a:bodyPr/>
+                    <a:lstStyle/>
+                    <a:p>
+                      <a:endParaRPr lang="en-US" sz="1400" dirty="0"/>
+                    </a:p>
+                  </a:txBody>
+                  <a:tcPr/>
+                </a:tc>
+                <a:tc>
+                  <a:txBody>
+                    <a:bodyPr/>
+                    <a:lstStyle/>
+                    <a:p>
+                      <a:endParaRPr lang="en-US" sz="1400" dirty="0"/>
+                    </a:p>
+                  </a:txBody>
+                  <a:tcPr/>
+                </a:tc>
+                <a:tc>
+                  <a:txBody>
+                    <a:bodyPr/>
+                    <a:lstStyle/>
+                    <a:p>
+                      <a:endParaRPr lang="en-US" sz="1400" dirty="0"/>
+                    </a:p>
+                  </a:txBody>
+                  <a:tcPr/>
+                </a:tc>
+              </a:tr>
+              <a:tr h="384211">
+                <a:tc>
+                  <a:txBody>
+                    <a:bodyPr/>
+                    <a:lstStyle/>
+                    <a:p>
+                      <a:r>
+                        <a:rPr lang="en-US" sz="1200" b="1" dirty="0" smtClean="0"/>
+                        <a:t>Distribution</a:t>
+                      </a:r>
+                      <a:endParaRPr lang="en-US" sz="1200" b="1" dirty="0"/>
+                    </a:p>
+                  </a:txBody>
+                  <a:tcPr/>
+                </a:tc>
+                <a:tc>
+                  <a:txBody>
+                    <a:bodyPr/>
+                    <a:lstStyle/>
+                    <a:p>
+                      <a:endParaRPr lang="en-US" sz="1400" dirty="0"/>
+                    </a:p>
+                  </a:txBody>
+                  <a:tcPr/>
+                </a:tc>
+                <a:tc>
+                  <a:txBody>
+                    <a:bodyPr/>
+                    <a:lstStyle/>
+                    <a:p>
+                      <a:endParaRPr lang="en-US" sz="1400" dirty="0"/>
+                    </a:p>
+                  </a:txBody>
+                  <a:tcPr/>
+                </a:tc>
+                <a:tc>
+                  <a:txBody>
+                    <a:bodyPr/>
+                    <a:lstStyle/>
+                    <a:p>
+                      <a:endParaRPr lang="en-US" sz="1400" dirty="0"/>
+                    </a:p>
+                  </a:txBody>
+                  <a:tcPr/>
+                </a:tc>
+                <a:tc>
+                  <a:txBody>
+                    <a:bodyPr/>
+                    <a:lstStyle/>
+                    <a:p>
+                      <a:endParaRPr lang="en-US" sz="1400" dirty="0"/>
+                    </a:p>
+                  </a:txBody>
+                  <a:tcPr/>
+                </a:tc>
+                <a:tc>
+                  <a:txBody>
+                    <a:bodyPr/>
+                    <a:lstStyle/>
+                    <a:p>
+                      <a:endParaRPr lang="en-US" sz="1400" dirty="0"/>
+                    </a:p>
+                  </a:txBody>
+                  <a:tcPr/>
+                </a:tc>
+              </a:tr>
+              <a:tr h="384211">
+                <a:tc>
+                  <a:txBody>
+                    <a:bodyPr/>
+                    <a:lstStyle/>
+                    <a:p>
+                      <a:r>
+                        <a:rPr lang="en-US" sz="1200" b="1" dirty="0" smtClean="0"/>
+                        <a:t>Regression</a:t>
+                      </a:r>
+                      <a:endParaRPr lang="en-US" sz="1200" b="1" dirty="0"/>
+                    </a:p>
+                  </a:txBody>
+                  <a:tcPr/>
+                </a:tc>
+                <a:tc>
+                  <a:txBody>
+                    <a:bodyPr/>
+                    <a:lstStyle/>
+                    <a:p>
+                      <a:endParaRPr lang="en-US" sz="1400" dirty="0"/>
+                    </a:p>
+                  </a:txBody>
+                  <a:tcPr/>
+                </a:tc>
+                <a:tc>
+                  <a:txBody>
+                    <a:bodyPr/>
+                    <a:lstStyle/>
+                    <a:p>
+                      <a:endParaRPr lang="en-US" sz="1400" dirty="0"/>
+                    </a:p>
+                  </a:txBody>
+                  <a:tcPr/>
+                </a:tc>
+                <a:tc>
+                  <a:txBody>
+                    <a:bodyPr/>
+                    <a:lstStyle/>
+                    <a:p>
+                      <a:endParaRPr lang="en-US" sz="1400" dirty="0"/>
+                    </a:p>
+                  </a:txBody>
+                  <a:tcPr/>
+                </a:tc>
+                <a:tc>
+                  <a:txBody>
+                    <a:bodyPr/>
+                    <a:lstStyle/>
+                    <a:p>
+                      <a:endParaRPr lang="en-US" sz="1400" dirty="0"/>
+                    </a:p>
+                  </a:txBody>
+                  <a:tcPr/>
+                </a:tc>
+                <a:tc>
+                  <a:txBody>
+                    <a:bodyPr/>
+                    <a:lstStyle/>
+                    <a:p>
+                      <a:endParaRPr lang="en-US" sz="1400" dirty="0"/>
+                    </a:p>
+                  </a:txBody>
+                  <a:tcPr/>
+                </a:tc>
+              </a:tr>
+            </a:tbl>
+          </a:graphicData>
+        </a:graphic>
+      </p:graphicFrame>
+    </p:spTree>
+  </p:cSld>
+  <p:clrMapOvr>
+    <a:masterClrMapping/>
+  </p:clrMapOvr>
+</p:sld>
+</file>
+
+<file path=ppt/slides/slide11.xml><?xml version="1.0" encoding="utf-8"?>
+<p:sld xmlns:a="http://schemas.openxmlformats.org/drawingml/2006/main" xmlns:r="http://schemas.openxmlformats.org/officeDocument/2006/relationships" xmlns:p="http://schemas.openxmlformats.org/presentationml/2006/main">
+  <p:cSld>
+    <p:spTree>
+      <p:nvGrpSpPr>
+        <p:cNvPr id="1" name=""/>
+        <p:cNvGrpSpPr/>
+        <p:nvPr/>
+      </p:nvGrpSpPr>
+      <p:grpSpPr>
+        <a:xfrm>
+          <a:off x="0" y="0"/>
+          <a:ext cx="0" cy="0"/>
+          <a:chOff x="0" y="0"/>
+          <a:chExt cx="0" cy="0"/>
+        </a:xfrm>
+      </p:grpSpPr>
+      <p:graphicFrame>
+        <p:nvGraphicFramePr>
+          <p:cNvPr id="2" name="Table 1"/>
+          <p:cNvGraphicFramePr>
+            <a:graphicFrameLocks noGrp="1"/>
+          </p:cNvGraphicFramePr>
+          <p:nvPr/>
+        </p:nvGraphicFramePr>
+        <p:xfrm>
+          <a:off x="838200" y="838200"/>
+          <a:ext cx="7696200" cy="2428798"/>
+        </p:xfrm>
+        <a:graphic>
+          <a:graphicData uri="http://schemas.openxmlformats.org/drawingml/2006/table">
+            <a:tbl>
+              <a:tblPr firstRow="1" bandRow="1">
+                <a:tableStyleId>{93296810-A885-4BE3-A3E7-6D5BEEA58F35}</a:tableStyleId>
+              </a:tblPr>
+              <a:tblGrid>
+                <a:gridCol w="1981200"/>
+                <a:gridCol w="1066800"/>
+                <a:gridCol w="1143000"/>
+                <a:gridCol w="1143000"/>
+                <a:gridCol w="1219200"/>
+                <a:gridCol w="1143000"/>
+              </a:tblGrid>
+              <a:tr h="552633">
+                <a:tc gridSpan="6">
+                  <a:txBody>
+                    <a:bodyPr/>
+                    <a:lstStyle/>
+                    <a:p>
+                      <a:pPr algn="ctr"/>
+                      <a:r>
+                        <a:rPr lang="en-US" sz="1800" dirty="0" smtClean="0"/>
+                        <a:t>Length exponent measures (C++)</a:t>
+                      </a:r>
+                      <a:endParaRPr lang="en-US" sz="1800" dirty="0"/>
+                    </a:p>
+                  </a:txBody>
+                  <a:tcPr/>
+                </a:tc>
+                <a:tc hMerge="1">
+                  <a:txBody>
+                    <a:bodyPr/>
+                    <a:lstStyle/>
+                    <a:p>
+                      <a:endParaRPr lang="en-US" sz="1200" dirty="0"/>
+                    </a:p>
+                  </a:txBody>
+                  <a:tcPr/>
+                </a:tc>
+                <a:tc hMerge="1">
+                  <a:txBody>
+                    <a:bodyPr/>
+                    <a:lstStyle/>
+                    <a:p>
+                      <a:endParaRPr lang="en-US" sz="1200" dirty="0"/>
+                    </a:p>
+                  </a:txBody>
+                  <a:tcPr/>
+                </a:tc>
+                <a:tc hMerge="1">
+                  <a:txBody>
+                    <a:bodyPr/>
+                    <a:lstStyle/>
+                    <a:p>
+                      <a:endParaRPr lang="en-US" sz="1200" dirty="0"/>
+                    </a:p>
+                  </a:txBody>
+                  <a:tcPr/>
+                </a:tc>
+                <a:tc hMerge="1">
+                  <a:txBody>
+                    <a:bodyPr/>
+                    <a:lstStyle/>
+                    <a:p>
+                      <a:endParaRPr lang="en-US" sz="1200" dirty="0"/>
+                    </a:p>
+                  </a:txBody>
+                  <a:tcPr/>
+                </a:tc>
+                <a:tc hMerge="1">
+                  <a:txBody>
+                    <a:bodyPr/>
+                    <a:lstStyle/>
+                    <a:p>
+                      <a:pPr algn="ctr"/>
+                      <a:endParaRPr lang="en-US" sz="1800" dirty="0"/>
+                    </a:p>
+                  </a:txBody>
+                  <a:tcPr/>
+                </a:tc>
+              </a:tr>
+              <a:tr h="361766">
+                <a:tc>
+                  <a:txBody>
+                    <a:bodyPr/>
+                    <a:lstStyle/>
+                    <a:p>
+                      <a:endParaRPr lang="en-US" sz="1200" b="1" dirty="0"/>
+                    </a:p>
+                  </a:txBody>
+                  <a:tcPr/>
+                </a:tc>
+                <a:tc>
+                  <a:txBody>
+                    <a:bodyPr/>
+                    <a:lstStyle/>
+                    <a:p>
+                      <a:r>
+                        <a:rPr lang="en-US" sz="1200" dirty="0" smtClean="0"/>
+                        <a:t>N</a:t>
+                      </a:r>
+                      <a:endParaRPr lang="en-US" sz="1200" b="1" dirty="0"/>
+                    </a:p>
+                  </a:txBody>
+                  <a:tcPr/>
+                </a:tc>
+                <a:tc>
+                  <a:txBody>
+                    <a:bodyPr/>
+                    <a:lstStyle/>
+                    <a:p>
+                      <a:r>
+                        <a:rPr lang="en-US" sz="1200" dirty="0" smtClean="0"/>
+                        <a:t>b</a:t>
+                      </a:r>
+                      <a:endParaRPr lang="en-US" sz="1200" b="1" dirty="0"/>
+                    </a:p>
+                  </a:txBody>
+                  <a:tcPr/>
+                </a:tc>
+                <a:tc>
+                  <a:txBody>
+                    <a:bodyPr/>
+                    <a:lstStyle/>
+                    <a:p>
+                      <a:r>
+                        <a:rPr lang="en-US" sz="1200" dirty="0" smtClean="0"/>
+                        <a:t>95% CI</a:t>
+                      </a:r>
+                      <a:endParaRPr lang="en-US" sz="1200" b="1" dirty="0"/>
+                    </a:p>
+                  </a:txBody>
+                  <a:tcPr/>
+                </a:tc>
+                <a:tc>
+                  <a:txBody>
+                    <a:bodyPr/>
+                    <a:lstStyle/>
+                    <a:p>
+                      <a:r>
+                        <a:rPr kumimoji="0" lang="el-GR" sz="1200" kern="1200" dirty="0" smtClean="0"/>
+                        <a:t>σ</a:t>
+                      </a:r>
+                      <a:endParaRPr lang="en-US" sz="1200" b="1" dirty="0"/>
+                    </a:p>
+                  </a:txBody>
+                  <a:tcPr/>
+                </a:tc>
+                <a:tc>
+                  <a:txBody>
+                    <a:bodyPr/>
+                    <a:lstStyle/>
+                    <a:p>
+                      <a:r>
+                        <a:rPr kumimoji="0" lang="en-US" sz="1200" kern="1200" dirty="0" smtClean="0"/>
+                        <a:t>R</a:t>
+                      </a:r>
+                      <a:r>
+                        <a:rPr kumimoji="0" lang="en-US" sz="1200" kern="1200" baseline="30000" dirty="0" smtClean="0"/>
+                        <a:t>2</a:t>
+                      </a:r>
+                      <a:r>
+                        <a:rPr kumimoji="0" lang="en-US" sz="1200" kern="1200" dirty="0" smtClean="0"/>
+                        <a:t> </a:t>
+                      </a:r>
+                      <a:endParaRPr lang="en-US" sz="1200" b="1" dirty="0"/>
+                    </a:p>
+                  </a:txBody>
+                  <a:tcPr/>
+                </a:tc>
+              </a:tr>
+              <a:tr h="361766">
+                <a:tc>
+                  <a:txBody>
+                    <a:bodyPr/>
+                    <a:lstStyle/>
+                    <a:p>
+                      <a:r>
+                        <a:rPr lang="en-US" sz="1200" dirty="0" smtClean="0"/>
+                        <a:t>Conservation</a:t>
+                      </a:r>
+                      <a:endParaRPr lang="en-US" sz="1200" b="1" dirty="0"/>
+                    </a:p>
+                  </a:txBody>
+                  <a:tcPr/>
+                </a:tc>
+                <a:tc>
+                  <a:txBody>
+                    <a:bodyPr/>
+                    <a:lstStyle/>
+                    <a:p>
+                      <a:endParaRPr lang="en-US" sz="1200" dirty="0"/>
+                    </a:p>
+                  </a:txBody>
+                  <a:tcPr/>
+                </a:tc>
+                <a:tc>
+                  <a:txBody>
+                    <a:bodyPr/>
+                    <a:lstStyle/>
+                    <a:p>
+                      <a:endParaRPr lang="en-US" sz="1200" dirty="0"/>
+                    </a:p>
+                  </a:txBody>
+                  <a:tcPr/>
+                </a:tc>
+                <a:tc>
+                  <a:txBody>
+                    <a:bodyPr/>
+                    <a:lstStyle/>
+                    <a:p>
+                      <a:endParaRPr lang="en-US" sz="1200" dirty="0"/>
+                    </a:p>
+                  </a:txBody>
+                  <a:tcPr/>
+                </a:tc>
+                <a:tc>
+                  <a:txBody>
+                    <a:bodyPr/>
+                    <a:lstStyle/>
+                    <a:p>
+                      <a:endParaRPr lang="en-US" sz="1200" dirty="0"/>
+                    </a:p>
+                  </a:txBody>
+                  <a:tcPr/>
+                </a:tc>
+                <a:tc>
+                  <a:txBody>
+                    <a:bodyPr/>
+                    <a:lstStyle/>
+                    <a:p>
+                      <a:endParaRPr lang="en-US" sz="1200" dirty="0"/>
+                    </a:p>
+                  </a:txBody>
+                  <a:tcPr/>
+                </a:tc>
+              </a:tr>
+              <a:tr h="384211">
+                <a:tc>
+                  <a:txBody>
+                    <a:bodyPr/>
+                    <a:lstStyle/>
+                    <a:p>
+                      <a:r>
+                        <a:rPr lang="en-US" sz="1200" dirty="0" smtClean="0"/>
+                        <a:t>Ratio</a:t>
+                      </a:r>
+                      <a:endParaRPr lang="en-US" sz="1200" b="1" dirty="0"/>
+                    </a:p>
+                  </a:txBody>
+                  <a:tcPr/>
+                </a:tc>
+                <a:tc>
+                  <a:txBody>
+                    <a:bodyPr/>
+                    <a:lstStyle/>
+                    <a:p>
+                      <a:endParaRPr lang="en-US" sz="1400" dirty="0"/>
+                    </a:p>
+                  </a:txBody>
+                  <a:tcPr/>
+                </a:tc>
+                <a:tc>
+                  <a:txBody>
+                    <a:bodyPr/>
+                    <a:lstStyle/>
+                    <a:p>
+                      <a:endParaRPr lang="en-US" sz="1400" dirty="0"/>
+                    </a:p>
+                  </a:txBody>
+                  <a:tcPr/>
+                </a:tc>
+                <a:tc>
+                  <a:txBody>
+                    <a:bodyPr/>
+                    <a:lstStyle/>
+                    <a:p>
+                      <a:endParaRPr lang="en-US" sz="1400" dirty="0"/>
+                    </a:p>
+                  </a:txBody>
+                  <a:tcPr/>
+                </a:tc>
+                <a:tc>
+                  <a:txBody>
+                    <a:bodyPr/>
+                    <a:lstStyle/>
+                    <a:p>
+                      <a:endParaRPr lang="en-US" sz="1400" dirty="0"/>
+                    </a:p>
+                  </a:txBody>
+                  <a:tcPr/>
+                </a:tc>
+                <a:tc>
+                  <a:txBody>
+                    <a:bodyPr/>
+                    <a:lstStyle/>
+                    <a:p>
+                      <a:endParaRPr lang="en-US" sz="1400" dirty="0"/>
+                    </a:p>
+                  </a:txBody>
+                  <a:tcPr/>
+                </a:tc>
+              </a:tr>
+              <a:tr h="384211">
+                <a:tc>
+                  <a:txBody>
+                    <a:bodyPr/>
+                    <a:lstStyle/>
+                    <a:p>
+                      <a:r>
+                        <a:rPr lang="en-US" sz="1200" dirty="0" smtClean="0"/>
+                        <a:t>Distribution</a:t>
+                      </a:r>
+                      <a:endParaRPr lang="en-US" sz="1200" b="1" dirty="0"/>
+                    </a:p>
+                  </a:txBody>
+                  <a:tcPr/>
+                </a:tc>
+                <a:tc>
+                  <a:txBody>
+                    <a:bodyPr/>
+                    <a:lstStyle/>
+                    <a:p>
+                      <a:endParaRPr lang="en-US" sz="1400" dirty="0"/>
+                    </a:p>
+                  </a:txBody>
+                  <a:tcPr/>
+                </a:tc>
+                <a:tc>
+                  <a:txBody>
+                    <a:bodyPr/>
+                    <a:lstStyle/>
+                    <a:p>
+                      <a:endParaRPr lang="en-US" sz="1400" dirty="0"/>
+                    </a:p>
+                  </a:txBody>
+                  <a:tcPr/>
+                </a:tc>
+                <a:tc>
+                  <a:txBody>
+                    <a:bodyPr/>
+                    <a:lstStyle/>
+                    <a:p>
+                      <a:endParaRPr lang="en-US" sz="1400" dirty="0"/>
+                    </a:p>
+                  </a:txBody>
+                  <a:tcPr/>
+                </a:tc>
+                <a:tc>
+                  <a:txBody>
+                    <a:bodyPr/>
+                    <a:lstStyle/>
+                    <a:p>
+                      <a:endParaRPr lang="en-US" sz="1400" dirty="0"/>
+                    </a:p>
+                  </a:txBody>
+                  <a:tcPr/>
+                </a:tc>
+                <a:tc>
+                  <a:txBody>
+                    <a:bodyPr/>
+                    <a:lstStyle/>
+                    <a:p>
+                      <a:endParaRPr lang="en-US" sz="1400" dirty="0"/>
+                    </a:p>
+                  </a:txBody>
+                  <a:tcPr/>
+                </a:tc>
+              </a:tr>
+              <a:tr h="384211">
+                <a:tc>
+                  <a:txBody>
+                    <a:bodyPr/>
+                    <a:lstStyle/>
+                    <a:p>
+                      <a:r>
+                        <a:rPr lang="en-US" sz="1200" dirty="0" smtClean="0"/>
+                        <a:t>Regression</a:t>
+                      </a:r>
+                      <a:endParaRPr lang="en-US" sz="1200" b="1" dirty="0"/>
+                    </a:p>
+                  </a:txBody>
+                  <a:tcPr/>
+                </a:tc>
+                <a:tc>
+                  <a:txBody>
+                    <a:bodyPr/>
+                    <a:lstStyle/>
+                    <a:p>
+                      <a:endParaRPr lang="en-US" sz="1400" dirty="0"/>
+                    </a:p>
+                  </a:txBody>
+                  <a:tcPr/>
+                </a:tc>
+                <a:tc>
+                  <a:txBody>
+                    <a:bodyPr/>
+                    <a:lstStyle/>
+                    <a:p>
+                      <a:endParaRPr lang="en-US" sz="1400" dirty="0"/>
+                    </a:p>
+                  </a:txBody>
+                  <a:tcPr/>
+                </a:tc>
+                <a:tc>
+                  <a:txBody>
+                    <a:bodyPr/>
+                    <a:lstStyle/>
+                    <a:p>
+                      <a:endParaRPr lang="en-US" sz="1400" dirty="0"/>
+                    </a:p>
+                  </a:txBody>
+                  <a:tcPr/>
+                </a:tc>
+                <a:tc>
+                  <a:txBody>
+                    <a:bodyPr/>
+                    <a:lstStyle/>
+                    <a:p>
+                      <a:endParaRPr lang="en-US" sz="1400" dirty="0"/>
+                    </a:p>
+                  </a:txBody>
+                  <a:tcPr/>
+                </a:tc>
+                <a:tc>
+                  <a:txBody>
+                    <a:bodyPr/>
+                    <a:lstStyle/>
+                    <a:p>
+                      <a:endParaRPr lang="en-US" sz="1400" dirty="0"/>
+                    </a:p>
+                  </a:txBody>
+                  <a:tcPr/>
+                </a:tc>
+              </a:tr>
+            </a:tbl>
+          </a:graphicData>
+        </a:graphic>
+      </p:graphicFrame>
+      <p:graphicFrame>
+        <p:nvGraphicFramePr>
+          <p:cNvPr id="4" name="Table 3"/>
+          <p:cNvGraphicFramePr>
+            <a:graphicFrameLocks noGrp="1"/>
+          </p:cNvGraphicFramePr>
+          <p:nvPr/>
+        </p:nvGraphicFramePr>
+        <p:xfrm>
+          <a:off x="762000" y="3505200"/>
+          <a:ext cx="7696200" cy="2428798"/>
+        </p:xfrm>
+        <a:graphic>
+          <a:graphicData uri="http://schemas.openxmlformats.org/drawingml/2006/table">
+            <a:tbl>
+              <a:tblPr firstRow="1" bandRow="1">
+                <a:tableStyleId>{93296810-A885-4BE3-A3E7-6D5BEEA58F35}</a:tableStyleId>
+              </a:tblPr>
+              <a:tblGrid>
+                <a:gridCol w="1981200"/>
+                <a:gridCol w="1066800"/>
+                <a:gridCol w="1143000"/>
+                <a:gridCol w="1143000"/>
+                <a:gridCol w="1219200"/>
+                <a:gridCol w="1143000"/>
+              </a:tblGrid>
+              <a:tr h="552633">
+                <a:tc gridSpan="6">
+                  <a:txBody>
+                    <a:bodyPr/>
+                    <a:lstStyle/>
+                    <a:p>
+                      <a:pPr algn="ctr"/>
+                      <a:r>
+                        <a:rPr lang="en-US" sz="1800" dirty="0" smtClean="0"/>
+                        <a:t>Length exponent measures (</a:t>
+                      </a:r>
+                      <a:r>
+                        <a:rPr lang="en-US" sz="1800" dirty="0" err="1" smtClean="0"/>
+                        <a:t>Angicart</a:t>
+                      </a:r>
+                      <a:r>
+                        <a:rPr lang="en-US" sz="1800" dirty="0" smtClean="0"/>
+                        <a:t>)</a:t>
+                      </a:r>
+                      <a:endParaRPr lang="en-US" sz="1800" dirty="0"/>
+                    </a:p>
+                  </a:txBody>
+                  <a:tcPr/>
+                </a:tc>
+                <a:tc hMerge="1">
+                  <a:txBody>
+                    <a:bodyPr/>
+                    <a:lstStyle/>
+                    <a:p>
+                      <a:endParaRPr lang="en-US" sz="1200" dirty="0"/>
+                    </a:p>
+                  </a:txBody>
+                  <a:tcPr/>
+                </a:tc>
+                <a:tc hMerge="1">
+                  <a:txBody>
+                    <a:bodyPr/>
+                    <a:lstStyle/>
+                    <a:p>
+                      <a:endParaRPr lang="en-US" sz="1200" dirty="0"/>
+                    </a:p>
+                  </a:txBody>
+                  <a:tcPr/>
+                </a:tc>
+                <a:tc hMerge="1">
+                  <a:txBody>
+                    <a:bodyPr/>
+                    <a:lstStyle/>
+                    <a:p>
+                      <a:endParaRPr lang="en-US" sz="1200" dirty="0"/>
+                    </a:p>
+                  </a:txBody>
+                  <a:tcPr/>
+                </a:tc>
+                <a:tc hMerge="1">
+                  <a:txBody>
+                    <a:bodyPr/>
+                    <a:lstStyle/>
+                    <a:p>
+                      <a:endParaRPr lang="en-US" sz="1200" dirty="0"/>
+                    </a:p>
+                  </a:txBody>
+                  <a:tcPr/>
+                </a:tc>
+                <a:tc hMerge="1">
+                  <a:txBody>
+                    <a:bodyPr/>
+                    <a:lstStyle/>
+                    <a:p>
+                      <a:pPr algn="ctr"/>
+                      <a:endParaRPr lang="en-US" sz="1800" dirty="0"/>
+                    </a:p>
+                  </a:txBody>
+                  <a:tcPr/>
+                </a:tc>
+              </a:tr>
+              <a:tr h="361766">
+                <a:tc>
+                  <a:txBody>
+                    <a:bodyPr/>
+                    <a:lstStyle/>
+                    <a:p>
+                      <a:endParaRPr lang="en-US" sz="1200" b="1" dirty="0"/>
+                    </a:p>
+                  </a:txBody>
+                  <a:tcPr/>
+                </a:tc>
+                <a:tc>
+                  <a:txBody>
+                    <a:bodyPr/>
+                    <a:lstStyle/>
+                    <a:p>
+                      <a:r>
+                        <a:rPr lang="en-US" sz="1200" dirty="0" smtClean="0"/>
+                        <a:t>N</a:t>
+                      </a:r>
+                      <a:endParaRPr lang="en-US" sz="1200" b="1" dirty="0"/>
+                    </a:p>
+                  </a:txBody>
+                  <a:tcPr/>
+                </a:tc>
+                <a:tc>
+                  <a:txBody>
+                    <a:bodyPr/>
+                    <a:lstStyle/>
+                    <a:p>
+                      <a:r>
+                        <a:rPr lang="en-US" sz="1200" dirty="0" smtClean="0"/>
+                        <a:t>b</a:t>
+                      </a:r>
+                      <a:endParaRPr lang="en-US" sz="1200" b="1" dirty="0"/>
+                    </a:p>
+                  </a:txBody>
+                  <a:tcPr/>
+                </a:tc>
+                <a:tc>
+                  <a:txBody>
+                    <a:bodyPr/>
+                    <a:lstStyle/>
+                    <a:p>
+                      <a:r>
+                        <a:rPr lang="en-US" sz="1200" dirty="0" smtClean="0"/>
+                        <a:t>95% CI</a:t>
+                      </a:r>
+                      <a:endParaRPr lang="en-US" sz="1200" b="1" dirty="0"/>
+                    </a:p>
+                  </a:txBody>
+                  <a:tcPr/>
+                </a:tc>
+                <a:tc>
+                  <a:txBody>
+                    <a:bodyPr/>
+                    <a:lstStyle/>
+                    <a:p>
+                      <a:r>
+                        <a:rPr kumimoji="0" lang="el-GR" sz="1200" kern="1200" dirty="0" smtClean="0"/>
+                        <a:t>σ</a:t>
+                      </a:r>
+                      <a:endParaRPr lang="en-US" sz="1200" b="1" dirty="0"/>
+                    </a:p>
+                  </a:txBody>
+                  <a:tcPr/>
+                </a:tc>
+                <a:tc>
+                  <a:txBody>
+                    <a:bodyPr/>
+                    <a:lstStyle/>
+                    <a:p>
+                      <a:r>
+                        <a:rPr kumimoji="0" lang="en-US" sz="1200" kern="1200" dirty="0" smtClean="0"/>
+                        <a:t>R</a:t>
+                      </a:r>
+                      <a:r>
+                        <a:rPr kumimoji="0" lang="en-US" sz="1200" kern="1200" baseline="30000" dirty="0" smtClean="0"/>
+                        <a:t>2</a:t>
+                      </a:r>
+                      <a:r>
+                        <a:rPr kumimoji="0" lang="en-US" sz="1200" kern="1200" dirty="0" smtClean="0"/>
+                        <a:t> </a:t>
+                      </a:r>
+                      <a:endParaRPr lang="en-US" sz="1200" b="1" dirty="0"/>
+                    </a:p>
+                  </a:txBody>
+                  <a:tcPr/>
+                </a:tc>
+              </a:tr>
+              <a:tr h="361766">
+                <a:tc>
+                  <a:txBody>
+                    <a:bodyPr/>
+                    <a:lstStyle/>
+                    <a:p>
+                      <a:r>
+                        <a:rPr lang="en-US" sz="1200" dirty="0" smtClean="0"/>
+                        <a:t>Conservation</a:t>
+                      </a:r>
+                      <a:endParaRPr lang="en-US" sz="1200" b="1" dirty="0"/>
+                    </a:p>
+                  </a:txBody>
+                  <a:tcPr/>
+                </a:tc>
+                <a:tc>
+                  <a:txBody>
+                    <a:bodyPr/>
+                    <a:lstStyle/>
+                    <a:p>
+                      <a:r>
+                        <a:rPr lang="en-US" sz="1200" dirty="0" smtClean="0"/>
+                        <a:t>76</a:t>
+                      </a:r>
+                      <a:endParaRPr lang="en-US" sz="1200" dirty="0"/>
+                    </a:p>
+                  </a:txBody>
+                  <a:tcPr/>
+                </a:tc>
+                <a:tc>
+                  <a:txBody>
+                    <a:bodyPr/>
+                    <a:lstStyle/>
+                    <a:p>
+                      <a:r>
+                        <a:rPr lang="en-US" sz="1200" dirty="0" smtClean="0"/>
+                        <a:t>1.06</a:t>
+                      </a:r>
+                      <a:endParaRPr lang="en-US" sz="1200" dirty="0"/>
+                    </a:p>
+                  </a:txBody>
+                  <a:tcPr/>
+                </a:tc>
+                <a:tc>
+                  <a:txBody>
+                    <a:bodyPr/>
+                    <a:lstStyle/>
+                    <a:p>
+                      <a:r>
+                        <a:rPr lang="en-US" sz="1200" dirty="0" smtClean="0"/>
+                        <a:t>0.1851</a:t>
+                      </a:r>
+                      <a:endParaRPr lang="en-US" sz="1200" dirty="0"/>
+                    </a:p>
+                  </a:txBody>
+                  <a:tcPr/>
+                </a:tc>
+                <a:tc>
+                  <a:txBody>
+                    <a:bodyPr/>
+                    <a:lstStyle/>
+                    <a:p>
+                      <a:r>
+                        <a:rPr lang="en-US" sz="1200" dirty="0" smtClean="0"/>
+                        <a:t>0.8233</a:t>
+                      </a:r>
+                      <a:endParaRPr lang="en-US" sz="1200" dirty="0"/>
+                    </a:p>
+                  </a:txBody>
+                  <a:tcPr/>
+                </a:tc>
+                <a:tc>
+                  <a:txBody>
+                    <a:bodyPr/>
+                    <a:lstStyle/>
+                    <a:p>
+                      <a:endParaRPr lang="en-US" sz="1200" dirty="0"/>
+                    </a:p>
+                  </a:txBody>
+                  <a:tcPr/>
+                </a:tc>
+              </a:tr>
+              <a:tr h="384211">
+                <a:tc>
+                  <a:txBody>
+                    <a:bodyPr/>
+                    <a:lstStyle/>
+                    <a:p>
+                      <a:r>
+                        <a:rPr lang="en-US" sz="1200" dirty="0" smtClean="0"/>
+                        <a:t>Ratio</a:t>
+                      </a:r>
+                      <a:endParaRPr lang="en-US" sz="1200" b="1" dirty="0"/>
+                    </a:p>
+                  </a:txBody>
+                  <a:tcPr/>
+                </a:tc>
+                <a:tc>
+                  <a:txBody>
+                    <a:bodyPr/>
+                    <a:lstStyle/>
+                    <a:p>
+                      <a:endParaRPr lang="en-US" sz="1400" dirty="0"/>
+                    </a:p>
+                  </a:txBody>
+                  <a:tcPr/>
+                </a:tc>
+                <a:tc>
+                  <a:txBody>
+                    <a:bodyPr/>
+                    <a:lstStyle/>
+                    <a:p>
+                      <a:endParaRPr lang="en-US" sz="1400" dirty="0"/>
+                    </a:p>
+                  </a:txBody>
+                  <a:tcPr/>
+                </a:tc>
+                <a:tc>
+                  <a:txBody>
+                    <a:bodyPr/>
+                    <a:lstStyle/>
+                    <a:p>
+                      <a:endParaRPr lang="en-US" sz="1400" dirty="0"/>
+                    </a:p>
+                  </a:txBody>
+                  <a:tcPr/>
+                </a:tc>
+                <a:tc>
+                  <a:txBody>
+                    <a:bodyPr/>
+                    <a:lstStyle/>
+                    <a:p>
+                      <a:endParaRPr lang="en-US" sz="1400" dirty="0"/>
+                    </a:p>
+                  </a:txBody>
+                  <a:tcPr/>
+                </a:tc>
+                <a:tc>
+                  <a:txBody>
+                    <a:bodyPr/>
+                    <a:lstStyle/>
+                    <a:p>
+                      <a:endParaRPr lang="en-US" sz="1400" dirty="0"/>
+                    </a:p>
+                  </a:txBody>
+                  <a:tcPr/>
+                </a:tc>
+              </a:tr>
+              <a:tr h="384211">
+                <a:tc>
+                  <a:txBody>
+                    <a:bodyPr/>
+                    <a:lstStyle/>
+                    <a:p>
+                      <a:r>
+                        <a:rPr lang="en-US" sz="1200" dirty="0" smtClean="0"/>
+                        <a:t>Distribution</a:t>
+                      </a:r>
+                      <a:endParaRPr lang="en-US" sz="1200" b="1" dirty="0"/>
+                    </a:p>
+                  </a:txBody>
+                  <a:tcPr/>
+                </a:tc>
+                <a:tc>
+                  <a:txBody>
+                    <a:bodyPr/>
+                    <a:lstStyle/>
+                    <a:p>
+                      <a:endParaRPr lang="en-US" sz="1400" dirty="0"/>
+                    </a:p>
+                  </a:txBody>
+                  <a:tcPr/>
+                </a:tc>
+                <a:tc>
+                  <a:txBody>
+                    <a:bodyPr/>
+                    <a:lstStyle/>
+                    <a:p>
+                      <a:endParaRPr lang="en-US" sz="1400" dirty="0"/>
+                    </a:p>
+                  </a:txBody>
+                  <a:tcPr/>
+                </a:tc>
+                <a:tc>
+                  <a:txBody>
+                    <a:bodyPr/>
+                    <a:lstStyle/>
+                    <a:p>
+                      <a:endParaRPr lang="en-US" sz="1400" dirty="0"/>
+                    </a:p>
+                  </a:txBody>
+                  <a:tcPr/>
+                </a:tc>
+                <a:tc>
+                  <a:txBody>
+                    <a:bodyPr/>
+                    <a:lstStyle/>
+                    <a:p>
+                      <a:endParaRPr lang="en-US" sz="1400" dirty="0"/>
+                    </a:p>
+                  </a:txBody>
+                  <a:tcPr/>
+                </a:tc>
+                <a:tc>
+                  <a:txBody>
+                    <a:bodyPr/>
+                    <a:lstStyle/>
+                    <a:p>
+                      <a:endParaRPr lang="en-US" sz="1400" dirty="0"/>
+                    </a:p>
+                  </a:txBody>
+                  <a:tcPr/>
+                </a:tc>
+              </a:tr>
+              <a:tr h="384211">
+                <a:tc>
+                  <a:txBody>
+                    <a:bodyPr/>
+                    <a:lstStyle/>
+                    <a:p>
+                      <a:r>
+                        <a:rPr lang="en-US" sz="1200" dirty="0" smtClean="0"/>
+                        <a:t>Regression</a:t>
+                      </a:r>
+                      <a:endParaRPr lang="en-US" sz="1200" b="1" dirty="0"/>
+                    </a:p>
+                  </a:txBody>
+                  <a:tcPr/>
+                </a:tc>
+                <a:tc>
+                  <a:txBody>
+                    <a:bodyPr/>
+                    <a:lstStyle/>
+                    <a:p>
+                      <a:endParaRPr lang="en-US" sz="1400" dirty="0"/>
+                    </a:p>
+                  </a:txBody>
+                  <a:tcPr/>
+                </a:tc>
+                <a:tc>
+                  <a:txBody>
+                    <a:bodyPr/>
+                    <a:lstStyle/>
+                    <a:p>
+                      <a:endParaRPr lang="en-US" sz="1400" dirty="0"/>
+                    </a:p>
+                  </a:txBody>
+                  <a:tcPr/>
+                </a:tc>
+                <a:tc>
+                  <a:txBody>
+                    <a:bodyPr/>
+                    <a:lstStyle/>
+                    <a:p>
+                      <a:endParaRPr lang="en-US" sz="1400" dirty="0"/>
+                    </a:p>
+                  </a:txBody>
+                  <a:tcPr/>
+                </a:tc>
+                <a:tc>
+                  <a:txBody>
+                    <a:bodyPr/>
+                    <a:lstStyle/>
+                    <a:p>
+                      <a:endParaRPr lang="en-US" sz="1400" dirty="0"/>
+                    </a:p>
+                  </a:txBody>
+                  <a:tcPr/>
+                </a:tc>
+                <a:tc>
+                  <a:txBody>
+                    <a:bodyPr/>
+                    <a:lstStyle/>
+                    <a:p>
+                      <a:endParaRPr lang="en-US" sz="1400" dirty="0"/>
+                    </a:p>
+                  </a:txBody>
+                  <a:tcPr/>
+                </a:tc>
+              </a:tr>
+            </a:tbl>
+          </a:graphicData>
+        </a:graphic>
+      </p:graphicFrame>
+    </p:spTree>
+  </p:cSld>
+  <p:clrMapOvr>
+    <a:masterClrMapping/>
+  </p:clrMapOvr>
+</p:sld>
+</file>
+
+<file path=ppt/slides/slide12.xml><?xml version="1.0" encoding="utf-8"?>
+<p:sld xmlns:a="http://schemas.openxmlformats.org/drawingml/2006/main" xmlns:r="http://schemas.openxmlformats.org/officeDocument/2006/relationships" xmlns:p="http://schemas.openxmlformats.org/presentationml/2006/main">
+  <p:cSld>
+    <p:spTree>
+      <p:nvGrpSpPr>
+        <p:cNvPr id="1" name=""/>
+        <p:cNvGrpSpPr/>
+        <p:nvPr/>
+      </p:nvGrpSpPr>
+      <p:grpSpPr>
+        <a:xfrm>
+          <a:off x="0" y="0"/>
+          <a:ext cx="0" cy="0"/>
+          <a:chOff x="0" y="0"/>
+          <a:chExt cx="0" cy="0"/>
+        </a:xfrm>
+      </p:grpSpPr>
+      <p:graphicFrame>
+        <p:nvGraphicFramePr>
+          <p:cNvPr id="2" name="Table 1"/>
+          <p:cNvGraphicFramePr>
+            <a:graphicFrameLocks noGrp="1"/>
+          </p:cNvGraphicFramePr>
+          <p:nvPr/>
+        </p:nvGraphicFramePr>
+        <p:xfrm>
+          <a:off x="838200" y="838200"/>
+          <a:ext cx="7696200" cy="2428798"/>
+        </p:xfrm>
+        <a:graphic>
+          <a:graphicData uri="http://schemas.openxmlformats.org/drawingml/2006/table">
+            <a:tbl>
+              <a:tblPr firstRow="1" bandRow="1">
+                <a:tableStyleId>{5C22544A-7EE6-4342-B048-85BDC9FD1C3A}</a:tableStyleId>
+              </a:tblPr>
+              <a:tblGrid>
+                <a:gridCol w="1981200"/>
+                <a:gridCol w="1066800"/>
+                <a:gridCol w="1143000"/>
+                <a:gridCol w="1143000"/>
+                <a:gridCol w="1219200"/>
+                <a:gridCol w="1143000"/>
+              </a:tblGrid>
+              <a:tr h="552633">
+                <a:tc gridSpan="6">
+                  <a:txBody>
+                    <a:bodyPr/>
+                    <a:lstStyle/>
+                    <a:p>
+                      <a:pPr algn="ctr"/>
+                      <a:r>
+                        <a:rPr lang="en-US" sz="1800" dirty="0" smtClean="0"/>
+                        <a:t>Radius exponent measures (C++)</a:t>
+                      </a:r>
+                      <a:endParaRPr lang="en-US" sz="1800" dirty="0"/>
+                    </a:p>
+                  </a:txBody>
+                  <a:tcPr/>
+                </a:tc>
+                <a:tc hMerge="1">
+                  <a:txBody>
+                    <a:bodyPr/>
+                    <a:lstStyle/>
+                    <a:p>
+                      <a:endParaRPr lang="en-US" sz="1200" dirty="0"/>
+                    </a:p>
+                  </a:txBody>
+                  <a:tcPr/>
+                </a:tc>
+                <a:tc hMerge="1">
+                  <a:txBody>
+                    <a:bodyPr/>
+                    <a:lstStyle/>
+                    <a:p>
+                      <a:endParaRPr lang="en-US" sz="1200" dirty="0"/>
+                    </a:p>
+                  </a:txBody>
+                  <a:tcPr/>
+                </a:tc>
+                <a:tc hMerge="1">
+                  <a:txBody>
+                    <a:bodyPr/>
+                    <a:lstStyle/>
+                    <a:p>
+                      <a:endParaRPr lang="en-US" sz="1200" dirty="0"/>
+                    </a:p>
+                  </a:txBody>
+                  <a:tcPr/>
+                </a:tc>
+                <a:tc hMerge="1">
+                  <a:txBody>
+                    <a:bodyPr/>
+                    <a:lstStyle/>
+                    <a:p>
+                      <a:endParaRPr lang="en-US" sz="1200" dirty="0"/>
+                    </a:p>
+                  </a:txBody>
+                  <a:tcPr/>
+                </a:tc>
+                <a:tc hMerge="1">
+                  <a:txBody>
+                    <a:bodyPr/>
+                    <a:lstStyle/>
+                    <a:p>
+                      <a:pPr algn="ctr"/>
+                      <a:endParaRPr lang="en-US" sz="1800" dirty="0"/>
+                    </a:p>
+                  </a:txBody>
+                  <a:tcPr/>
+                </a:tc>
+              </a:tr>
+              <a:tr h="361766">
+                <a:tc>
+                  <a:txBody>
+                    <a:bodyPr/>
+                    <a:lstStyle/>
+                    <a:p>
+                      <a:endParaRPr lang="en-US" sz="1200" b="1" dirty="0"/>
+                    </a:p>
+                  </a:txBody>
+                  <a:tcPr/>
+                </a:tc>
+                <a:tc>
+                  <a:txBody>
+                    <a:bodyPr/>
+                    <a:lstStyle/>
+                    <a:p>
+                      <a:r>
+                        <a:rPr lang="en-US" sz="1200" b="1" dirty="0" smtClean="0"/>
+                        <a:t>N</a:t>
+                      </a:r>
+                      <a:endParaRPr lang="en-US" sz="1200" b="1" dirty="0"/>
+                    </a:p>
+                  </a:txBody>
+                  <a:tcPr/>
+                </a:tc>
+                <a:tc>
+                  <a:txBody>
+                    <a:bodyPr/>
+                    <a:lstStyle/>
+                    <a:p>
+                      <a:r>
+                        <a:rPr lang="en-US" sz="1200" b="1" dirty="0" smtClean="0"/>
+                        <a:t>a</a:t>
+                      </a:r>
+                      <a:endParaRPr lang="en-US" sz="1200" b="1" dirty="0"/>
+                    </a:p>
+                  </a:txBody>
+                  <a:tcPr/>
+                </a:tc>
+                <a:tc>
+                  <a:txBody>
+                    <a:bodyPr/>
+                    <a:lstStyle/>
+                    <a:p>
+                      <a:r>
+                        <a:rPr lang="en-US" sz="1200" b="1" dirty="0" smtClean="0"/>
+                        <a:t>95% CI</a:t>
+                      </a:r>
+                      <a:endParaRPr lang="en-US" sz="1200" b="1" dirty="0"/>
+                    </a:p>
+                  </a:txBody>
+                  <a:tcPr/>
+                </a:tc>
+                <a:tc>
+                  <a:txBody>
+                    <a:bodyPr/>
+                    <a:lstStyle/>
+                    <a:p>
+                      <a:r>
+                        <a:rPr kumimoji="0" lang="el-GR" sz="1200" b="1" i="0" kern="1200" dirty="0" smtClean="0">
+                          <a:solidFill>
+                            <a:schemeClr val="dk1"/>
+                          </a:solidFill>
+                          <a:latin typeface="+mn-lt"/>
+                          <a:ea typeface="+mn-ea"/>
+                          <a:cs typeface="+mn-cs"/>
+                        </a:rPr>
+                        <a:t>σ</a:t>
+                      </a:r>
+                      <a:endParaRPr lang="en-US" sz="1200" b="1" dirty="0"/>
+                    </a:p>
+                  </a:txBody>
+                  <a:tcPr/>
+                </a:tc>
+                <a:tc>
+                  <a:txBody>
+                    <a:bodyPr/>
+                    <a:lstStyle/>
+                    <a:p>
+                      <a:r>
+                        <a:rPr kumimoji="0" lang="en-US" sz="1200" b="1" i="1" kern="1200" dirty="0" smtClean="0">
+                          <a:solidFill>
+                            <a:schemeClr val="dk1"/>
+                          </a:solidFill>
+                          <a:latin typeface="+mn-lt"/>
+                          <a:ea typeface="+mn-ea"/>
+                          <a:cs typeface="+mn-cs"/>
+                        </a:rPr>
+                        <a:t>R</a:t>
+                      </a:r>
+                      <a:r>
+                        <a:rPr kumimoji="0" lang="en-US" sz="1200" b="1" i="0" kern="1200" baseline="30000" dirty="0" smtClean="0">
+                          <a:solidFill>
+                            <a:schemeClr val="dk1"/>
+                          </a:solidFill>
+                          <a:latin typeface="+mn-lt"/>
+                          <a:ea typeface="+mn-ea"/>
+                          <a:cs typeface="+mn-cs"/>
+                        </a:rPr>
+                        <a:t>2</a:t>
+                      </a:r>
+                      <a:r>
+                        <a:rPr kumimoji="0" lang="en-US" sz="1200" b="1" i="0" kern="1200" dirty="0" smtClean="0">
+                          <a:solidFill>
+                            <a:schemeClr val="dk1"/>
+                          </a:solidFill>
+                          <a:latin typeface="+mn-lt"/>
+                          <a:ea typeface="+mn-ea"/>
+                          <a:cs typeface="+mn-cs"/>
+                        </a:rPr>
+                        <a:t> </a:t>
+                      </a:r>
+                      <a:endParaRPr lang="en-US" sz="1200" b="1" dirty="0"/>
+                    </a:p>
+                  </a:txBody>
+                  <a:tcPr/>
+                </a:tc>
+              </a:tr>
+              <a:tr h="361766">
+                <a:tc>
+                  <a:txBody>
+                    <a:bodyPr/>
+                    <a:lstStyle/>
+                    <a:p>
+                      <a:r>
+                        <a:rPr lang="en-US" sz="1200" b="1" dirty="0" smtClean="0"/>
+                        <a:t>Conservation</a:t>
+                      </a:r>
+                      <a:endParaRPr lang="en-US" sz="1200" b="1" dirty="0"/>
+                    </a:p>
+                  </a:txBody>
+                  <a:tcPr/>
+                </a:tc>
+                <a:tc>
+                  <a:txBody>
+                    <a:bodyPr/>
+                    <a:lstStyle/>
+                    <a:p>
+                      <a:r>
+                        <a:rPr lang="en-US" sz="1200" dirty="0" smtClean="0"/>
+                        <a:t>70</a:t>
+                      </a:r>
+                      <a:endParaRPr lang="en-US" sz="1200" dirty="0"/>
+                    </a:p>
+                  </a:txBody>
+                  <a:tcPr/>
+                </a:tc>
+                <a:tc>
+                  <a:txBody>
+                    <a:bodyPr/>
+                    <a:lstStyle/>
+                    <a:p>
+                      <a:r>
+                        <a:rPr lang="en-US" sz="1200" smtClean="0"/>
+                        <a:t>0.42</a:t>
+                      </a:r>
+                      <a:endParaRPr lang="en-US" sz="1200" dirty="0"/>
+                    </a:p>
+                  </a:txBody>
+                  <a:tcPr/>
+                </a:tc>
+                <a:tc>
+                  <a:txBody>
+                    <a:bodyPr/>
+                    <a:lstStyle/>
+                    <a:p>
+                      <a:r>
+                        <a:rPr lang="en-US" sz="1200" smtClean="0"/>
+                        <a:t>0. 1091</a:t>
+                      </a:r>
+                      <a:endParaRPr lang="en-US" sz="1200" dirty="0"/>
+                    </a:p>
+                  </a:txBody>
+                  <a:tcPr/>
+                </a:tc>
+                <a:tc>
+                  <a:txBody>
+                    <a:bodyPr/>
+                    <a:lstStyle/>
+                    <a:p>
+                      <a:r>
+                        <a:rPr lang="en-US" sz="1200" smtClean="0"/>
+                        <a:t> 0.4657</a:t>
+                      </a:r>
+                      <a:endParaRPr lang="en-US" sz="1200" dirty="0"/>
+                    </a:p>
+                  </a:txBody>
+                  <a:tcPr/>
+                </a:tc>
+                <a:tc>
+                  <a:txBody>
+                    <a:bodyPr/>
+                    <a:lstStyle/>
+                    <a:p>
+                      <a:endParaRPr lang="en-US" sz="1200" dirty="0"/>
+                    </a:p>
+                  </a:txBody>
+                  <a:tcPr/>
+                </a:tc>
+              </a:tr>
+              <a:tr h="384211">
+                <a:tc>
+                  <a:txBody>
+                    <a:bodyPr/>
+                    <a:lstStyle/>
+                    <a:p>
+                      <a:r>
+                        <a:rPr lang="en-US" sz="1200" b="1" dirty="0" smtClean="0"/>
+                        <a:t>Ratio</a:t>
+                      </a:r>
+                      <a:endParaRPr lang="en-US" sz="1200" b="1" dirty="0"/>
+                    </a:p>
+                  </a:txBody>
+                  <a:tcPr/>
+                </a:tc>
+                <a:tc>
+                  <a:txBody>
+                    <a:bodyPr/>
+                    <a:lstStyle/>
+                    <a:p>
+                      <a:r>
+                        <a:rPr lang="en-US" sz="1400" smtClean="0"/>
+                        <a:t>72</a:t>
+                      </a:r>
+                      <a:endParaRPr lang="en-US" sz="1400" dirty="0"/>
+                    </a:p>
+                  </a:txBody>
+                  <a:tcPr/>
+                </a:tc>
+                <a:tc>
+                  <a:txBody>
+                    <a:bodyPr/>
+                    <a:lstStyle/>
+                    <a:p>
+                      <a:r>
+                        <a:rPr lang="en-US" sz="1400" smtClean="0"/>
+                        <a:t>0.38</a:t>
+                      </a:r>
+                      <a:endParaRPr lang="en-US" sz="1400" dirty="0"/>
+                    </a:p>
+                  </a:txBody>
+                  <a:tcPr/>
+                </a:tc>
+                <a:tc>
+                  <a:txBody>
+                    <a:bodyPr/>
+                    <a:lstStyle/>
+                    <a:p>
+                      <a:r>
+                        <a:rPr lang="en-US" sz="1400" smtClean="0"/>
+                        <a:t>0.1079</a:t>
+                      </a:r>
+                      <a:endParaRPr lang="en-US" sz="1400" dirty="0"/>
+                    </a:p>
+                  </a:txBody>
+                  <a:tcPr/>
+                </a:tc>
+                <a:tc>
+                  <a:txBody>
+                    <a:bodyPr/>
+                    <a:lstStyle/>
+                    <a:p>
+                      <a:r>
+                        <a:rPr lang="en-US" sz="1400" smtClean="0"/>
+                        <a:t>0.4639</a:t>
+                      </a:r>
+                      <a:endParaRPr lang="en-US" sz="1400" dirty="0"/>
+                    </a:p>
+                  </a:txBody>
+                  <a:tcPr/>
+                </a:tc>
+                <a:tc>
+                  <a:txBody>
+                    <a:bodyPr/>
+                    <a:lstStyle/>
+                    <a:p>
+                      <a:endParaRPr lang="en-US" sz="1400" dirty="0"/>
+                    </a:p>
+                  </a:txBody>
+                  <a:tcPr/>
+                </a:tc>
+              </a:tr>
+              <a:tr h="384211">
+                <a:tc>
+                  <a:txBody>
+                    <a:bodyPr/>
+                    <a:lstStyle/>
+                    <a:p>
+                      <a:r>
+                        <a:rPr lang="en-US" sz="1200" b="1" dirty="0" smtClean="0"/>
+                        <a:t>Distribution</a:t>
+                      </a:r>
+                      <a:endParaRPr lang="en-US" sz="1200" b="1" dirty="0"/>
+                    </a:p>
+                  </a:txBody>
+                  <a:tcPr/>
+                </a:tc>
+                <a:tc>
+                  <a:txBody>
+                    <a:bodyPr/>
+                    <a:lstStyle/>
+                    <a:p>
+                      <a:r>
+                        <a:rPr lang="en-US" sz="1400" smtClean="0"/>
+                        <a:t>112</a:t>
+                      </a:r>
+                      <a:endParaRPr lang="en-US" sz="1400" dirty="0"/>
+                    </a:p>
+                  </a:txBody>
+                  <a:tcPr/>
+                </a:tc>
+                <a:tc>
+                  <a:txBody>
+                    <a:bodyPr/>
+                    <a:lstStyle/>
+                    <a:p>
+                      <a:r>
+                        <a:rPr lang="en-US" sz="1400" smtClean="0"/>
+                        <a:t>-1.57</a:t>
+                      </a:r>
+                      <a:endParaRPr lang="en-US" sz="1400" dirty="0"/>
+                    </a:p>
+                  </a:txBody>
+                  <a:tcPr/>
+                </a:tc>
+                <a:tc>
+                  <a:txBody>
+                    <a:bodyPr/>
+                    <a:lstStyle/>
+                    <a:p>
+                      <a:endParaRPr lang="en-US" sz="1400" dirty="0"/>
+                    </a:p>
+                  </a:txBody>
+                  <a:tcPr/>
+                </a:tc>
+                <a:tc>
+                  <a:txBody>
+                    <a:bodyPr/>
+                    <a:lstStyle/>
+                    <a:p>
+                      <a:endParaRPr lang="en-US" sz="1400" dirty="0"/>
+                    </a:p>
+                  </a:txBody>
+                  <a:tcPr/>
+                </a:tc>
+                <a:tc>
+                  <a:txBody>
+                    <a:bodyPr/>
+                    <a:lstStyle/>
+                    <a:p>
+                      <a:r>
+                        <a:rPr lang="en-US" sz="1400" smtClean="0"/>
+                        <a:t>-0.1707</a:t>
+                      </a:r>
+                      <a:endParaRPr lang="en-US" sz="1400" dirty="0"/>
+                    </a:p>
+                  </a:txBody>
+                  <a:tcPr/>
+                </a:tc>
+              </a:tr>
+              <a:tr h="384211">
+                <a:tc>
+                  <a:txBody>
+                    <a:bodyPr/>
+                    <a:lstStyle/>
+                    <a:p>
+                      <a:r>
+                        <a:rPr lang="en-US" sz="1200" b="1" dirty="0" smtClean="0"/>
+                        <a:t>Regression</a:t>
+                      </a:r>
+                      <a:endParaRPr lang="en-US" sz="1200" b="1" dirty="0"/>
+                    </a:p>
+                  </a:txBody>
+                  <a:tcPr/>
+                </a:tc>
+                <a:tc>
+                  <a:txBody>
+                    <a:bodyPr/>
+                    <a:lstStyle/>
+                    <a:p>
+                      <a:endParaRPr lang="en-US" sz="1400" dirty="0"/>
+                    </a:p>
+                  </a:txBody>
+                  <a:tcPr/>
+                </a:tc>
+                <a:tc>
+                  <a:txBody>
+                    <a:bodyPr/>
+                    <a:lstStyle/>
+                    <a:p>
+                      <a:endParaRPr lang="en-US" sz="1400" dirty="0"/>
+                    </a:p>
+                  </a:txBody>
+                  <a:tcPr/>
+                </a:tc>
+                <a:tc>
+                  <a:txBody>
+                    <a:bodyPr/>
+                    <a:lstStyle/>
+                    <a:p>
+                      <a:endParaRPr lang="en-US" sz="1400" dirty="0"/>
+                    </a:p>
+                  </a:txBody>
+                  <a:tcPr/>
+                </a:tc>
+                <a:tc>
+                  <a:txBody>
+                    <a:bodyPr/>
+                    <a:lstStyle/>
+                    <a:p>
+                      <a:endParaRPr lang="en-US" sz="1400" dirty="0"/>
+                    </a:p>
+                  </a:txBody>
+                  <a:tcPr/>
+                </a:tc>
+                <a:tc>
+                  <a:txBody>
+                    <a:bodyPr/>
+                    <a:lstStyle/>
+                    <a:p>
+                      <a:endParaRPr lang="en-US" sz="1400" dirty="0"/>
+                    </a:p>
+                  </a:txBody>
+                  <a:tcPr/>
+                </a:tc>
+              </a:tr>
+            </a:tbl>
+          </a:graphicData>
+        </a:graphic>
+      </p:graphicFrame>
+      <p:graphicFrame>
+        <p:nvGraphicFramePr>
+          <p:cNvPr id="4" name="Table 3"/>
+          <p:cNvGraphicFramePr>
+            <a:graphicFrameLocks noGrp="1"/>
+          </p:cNvGraphicFramePr>
+          <p:nvPr/>
+        </p:nvGraphicFramePr>
+        <p:xfrm>
+          <a:off x="838200" y="3505200"/>
+          <a:ext cx="7696200" cy="2428798"/>
+        </p:xfrm>
+        <a:graphic>
+          <a:graphicData uri="http://schemas.openxmlformats.org/drawingml/2006/table">
+            <a:tbl>
+              <a:tblPr firstRow="1" bandRow="1">
+                <a:tableStyleId>{5C22544A-7EE6-4342-B048-85BDC9FD1C3A}</a:tableStyleId>
+              </a:tblPr>
+              <a:tblGrid>
+                <a:gridCol w="1981200"/>
+                <a:gridCol w="1066800"/>
+                <a:gridCol w="1143000"/>
+                <a:gridCol w="1143000"/>
+                <a:gridCol w="1219200"/>
+                <a:gridCol w="1143000"/>
+              </a:tblGrid>
+              <a:tr h="552633">
+                <a:tc gridSpan="6">
+                  <a:txBody>
+                    <a:bodyPr/>
+                    <a:lstStyle/>
+                    <a:p>
+                      <a:pPr algn="ctr"/>
+                      <a:r>
+                        <a:rPr lang="en-US" sz="1800" dirty="0" smtClean="0"/>
+                        <a:t>Radius</a:t>
+                      </a:r>
+                      <a:r>
+                        <a:rPr lang="en-US" sz="1800" baseline="0" dirty="0" smtClean="0"/>
+                        <a:t> </a:t>
+                      </a:r>
+                      <a:r>
+                        <a:rPr lang="en-US" sz="1800" dirty="0" smtClean="0"/>
+                        <a:t>exponent measures (</a:t>
+                      </a:r>
+                      <a:r>
+                        <a:rPr lang="en-US" sz="1800" dirty="0" err="1" smtClean="0"/>
+                        <a:t>Angicart</a:t>
+                      </a:r>
+                      <a:r>
+                        <a:rPr lang="en-US" sz="1800" dirty="0" smtClean="0"/>
+                        <a:t>)</a:t>
+                      </a:r>
+                      <a:endParaRPr lang="en-US" sz="1800" dirty="0"/>
+                    </a:p>
+                  </a:txBody>
+                  <a:tcPr/>
+                </a:tc>
+                <a:tc hMerge="1">
+                  <a:txBody>
+                    <a:bodyPr/>
+                    <a:lstStyle/>
+                    <a:p>
+                      <a:endParaRPr lang="en-US" sz="1200" dirty="0"/>
+                    </a:p>
+                  </a:txBody>
+                  <a:tcPr/>
+                </a:tc>
+                <a:tc hMerge="1">
+                  <a:txBody>
+                    <a:bodyPr/>
+                    <a:lstStyle/>
+                    <a:p>
+                      <a:endParaRPr lang="en-US" sz="1200" dirty="0"/>
+                    </a:p>
+                  </a:txBody>
+                  <a:tcPr/>
+                </a:tc>
+                <a:tc hMerge="1">
+                  <a:txBody>
+                    <a:bodyPr/>
+                    <a:lstStyle/>
+                    <a:p>
+                      <a:endParaRPr lang="en-US" sz="1200" dirty="0"/>
+                    </a:p>
+                  </a:txBody>
+                  <a:tcPr/>
+                </a:tc>
+                <a:tc hMerge="1">
+                  <a:txBody>
+                    <a:bodyPr/>
+                    <a:lstStyle/>
+                    <a:p>
+                      <a:endParaRPr lang="en-US" sz="1200" dirty="0"/>
+                    </a:p>
+                  </a:txBody>
+                  <a:tcPr/>
+                </a:tc>
+                <a:tc hMerge="1">
+                  <a:txBody>
+                    <a:bodyPr/>
+                    <a:lstStyle/>
+                    <a:p>
+                      <a:pPr algn="ctr"/>
+                      <a:endParaRPr lang="en-US" sz="1800" dirty="0"/>
+                    </a:p>
+                  </a:txBody>
+                  <a:tcPr/>
+                </a:tc>
+              </a:tr>
+              <a:tr h="361766">
+                <a:tc>
+                  <a:txBody>
+                    <a:bodyPr/>
+                    <a:lstStyle/>
+                    <a:p>
+                      <a:endParaRPr lang="en-US" sz="1200" b="1" dirty="0"/>
+                    </a:p>
+                  </a:txBody>
+                  <a:tcPr/>
+                </a:tc>
+                <a:tc>
+                  <a:txBody>
+                    <a:bodyPr/>
+                    <a:lstStyle/>
+                    <a:p>
+                      <a:r>
+                        <a:rPr lang="en-US" sz="1200" b="1" dirty="0" smtClean="0"/>
+                        <a:t>N</a:t>
+                      </a:r>
+                      <a:endParaRPr lang="en-US" sz="1200" b="1" dirty="0"/>
+                    </a:p>
+                  </a:txBody>
+                  <a:tcPr/>
+                </a:tc>
+                <a:tc>
+                  <a:txBody>
+                    <a:bodyPr/>
+                    <a:lstStyle/>
+                    <a:p>
+                      <a:r>
+                        <a:rPr lang="en-US" sz="1200" b="1" dirty="0" smtClean="0"/>
+                        <a:t>a</a:t>
+                      </a:r>
+                      <a:endParaRPr lang="en-US" sz="1200" b="1" dirty="0"/>
+                    </a:p>
+                  </a:txBody>
+                  <a:tcPr/>
+                </a:tc>
+                <a:tc>
+                  <a:txBody>
+                    <a:bodyPr/>
+                    <a:lstStyle/>
+                    <a:p>
+                      <a:r>
+                        <a:rPr lang="en-US" sz="1200" b="1" dirty="0" smtClean="0"/>
+                        <a:t>95% CI</a:t>
+                      </a:r>
+                      <a:endParaRPr lang="en-US" sz="1200" b="1" dirty="0"/>
+                    </a:p>
+                  </a:txBody>
+                  <a:tcPr/>
+                </a:tc>
+                <a:tc>
+                  <a:txBody>
+                    <a:bodyPr/>
+                    <a:lstStyle/>
+                    <a:p>
+                      <a:r>
+                        <a:rPr kumimoji="0" lang="el-GR" sz="1200" b="1" i="0" kern="1200" dirty="0" smtClean="0">
+                          <a:solidFill>
+                            <a:schemeClr val="dk1"/>
+                          </a:solidFill>
+                          <a:latin typeface="+mn-lt"/>
+                          <a:ea typeface="+mn-ea"/>
+                          <a:cs typeface="+mn-cs"/>
+                        </a:rPr>
+                        <a:t>σ</a:t>
+                      </a:r>
+                      <a:endParaRPr lang="en-US" sz="1200" b="1" dirty="0"/>
+                    </a:p>
+                  </a:txBody>
+                  <a:tcPr/>
+                </a:tc>
+                <a:tc>
+                  <a:txBody>
+                    <a:bodyPr/>
+                    <a:lstStyle/>
+                    <a:p>
+                      <a:r>
+                        <a:rPr kumimoji="0" lang="en-US" sz="1200" b="1" i="1" kern="1200" dirty="0" smtClean="0">
+                          <a:solidFill>
+                            <a:schemeClr val="dk1"/>
+                          </a:solidFill>
+                          <a:latin typeface="+mn-lt"/>
+                          <a:ea typeface="+mn-ea"/>
+                          <a:cs typeface="+mn-cs"/>
+                        </a:rPr>
+                        <a:t>R</a:t>
+                      </a:r>
+                      <a:r>
+                        <a:rPr kumimoji="0" lang="en-US" sz="1200" b="1" i="0" kern="1200" baseline="30000" dirty="0" smtClean="0">
+                          <a:solidFill>
+                            <a:schemeClr val="dk1"/>
+                          </a:solidFill>
+                          <a:latin typeface="+mn-lt"/>
+                          <a:ea typeface="+mn-ea"/>
+                          <a:cs typeface="+mn-cs"/>
+                        </a:rPr>
+                        <a:t>2</a:t>
+                      </a:r>
+                      <a:r>
+                        <a:rPr kumimoji="0" lang="en-US" sz="1200" b="1" i="0" kern="1200" dirty="0" smtClean="0">
+                          <a:solidFill>
+                            <a:schemeClr val="dk1"/>
+                          </a:solidFill>
+                          <a:latin typeface="+mn-lt"/>
+                          <a:ea typeface="+mn-ea"/>
+                          <a:cs typeface="+mn-cs"/>
+                        </a:rPr>
+                        <a:t> </a:t>
+                      </a:r>
+                      <a:endParaRPr lang="en-US" sz="1200" b="1" dirty="0"/>
+                    </a:p>
+                  </a:txBody>
+                  <a:tcPr/>
+                </a:tc>
+              </a:tr>
+              <a:tr h="361766">
+                <a:tc>
+                  <a:txBody>
+                    <a:bodyPr/>
+                    <a:lstStyle/>
+                    <a:p>
+                      <a:r>
+                        <a:rPr lang="en-US" sz="1200" b="1" dirty="0" smtClean="0"/>
+                        <a:t>Conservation</a:t>
+                      </a:r>
+                      <a:endParaRPr lang="en-US" sz="1200" b="1" dirty="0"/>
+                    </a:p>
+                  </a:txBody>
+                  <a:tcPr/>
+                </a:tc>
+                <a:tc>
+                  <a:txBody>
+                    <a:bodyPr/>
+                    <a:lstStyle/>
+                    <a:p>
+                      <a:r>
+                        <a:rPr lang="en-US" sz="1200" dirty="0" smtClean="0"/>
+                        <a:t>189</a:t>
+                      </a:r>
+                      <a:endParaRPr lang="en-US" sz="1200" dirty="0"/>
+                    </a:p>
+                  </a:txBody>
+                  <a:tcPr/>
+                </a:tc>
+                <a:tc>
+                  <a:txBody>
+                    <a:bodyPr/>
+                    <a:lstStyle/>
+                    <a:p>
+                      <a:r>
+                        <a:rPr lang="en-US" sz="1200" dirty="0" smtClean="0"/>
+                        <a:t>0.53</a:t>
+                      </a:r>
+                      <a:endParaRPr lang="en-US" sz="1200" dirty="0"/>
+                    </a:p>
+                  </a:txBody>
+                  <a:tcPr/>
+                </a:tc>
+                <a:tc>
+                  <a:txBody>
+                    <a:bodyPr/>
+                    <a:lstStyle/>
+                    <a:p>
+                      <a:r>
+                        <a:rPr lang="en-US" sz="1200" dirty="0" smtClean="0"/>
+                        <a:t>0.0602</a:t>
+                      </a:r>
+                      <a:endParaRPr lang="en-US" sz="1200" dirty="0"/>
+                    </a:p>
+                  </a:txBody>
+                  <a:tcPr/>
+                </a:tc>
+                <a:tc>
+                  <a:txBody>
+                    <a:bodyPr/>
+                    <a:lstStyle/>
+                    <a:p>
+                      <a:r>
+                        <a:rPr lang="en-US" sz="1200" dirty="0" smtClean="0"/>
+                        <a:t> 0.4220</a:t>
+                      </a:r>
+                      <a:endParaRPr lang="en-US" sz="1200" dirty="0"/>
+                    </a:p>
+                  </a:txBody>
+                  <a:tcPr/>
+                </a:tc>
+                <a:tc>
+                  <a:txBody>
+                    <a:bodyPr/>
+                    <a:lstStyle/>
+                    <a:p>
+                      <a:endParaRPr lang="en-US" sz="1200" dirty="0"/>
+                    </a:p>
+                  </a:txBody>
+                  <a:tcPr/>
+                </a:tc>
+              </a:tr>
+              <a:tr h="384211">
+                <a:tc>
+                  <a:txBody>
+                    <a:bodyPr/>
+                    <a:lstStyle/>
+                    <a:p>
+                      <a:r>
+                        <a:rPr lang="en-US" sz="1200" b="1" dirty="0" smtClean="0"/>
+                        <a:t>Ratio</a:t>
+                      </a:r>
+                      <a:endParaRPr lang="en-US" sz="1200" b="1" dirty="0"/>
+                    </a:p>
+                  </a:txBody>
+                  <a:tcPr/>
+                </a:tc>
+                <a:tc>
+                  <a:txBody>
+                    <a:bodyPr/>
+                    <a:lstStyle/>
+                    <a:p>
+                      <a:r>
+                        <a:rPr lang="en-US" sz="1400" smtClean="0"/>
+                        <a:t>189</a:t>
+                      </a:r>
+                      <a:endParaRPr lang="en-US" sz="1400" dirty="0"/>
+                    </a:p>
+                  </a:txBody>
+                  <a:tcPr/>
+                </a:tc>
+                <a:tc>
+                  <a:txBody>
+                    <a:bodyPr/>
+                    <a:lstStyle/>
+                    <a:p>
+                      <a:r>
+                        <a:rPr lang="en-US" sz="1400" smtClean="0"/>
+                        <a:t>0.47</a:t>
+                      </a:r>
+                      <a:endParaRPr lang="en-US" sz="1400" dirty="0"/>
+                    </a:p>
+                  </a:txBody>
+                  <a:tcPr/>
+                </a:tc>
+                <a:tc>
+                  <a:txBody>
+                    <a:bodyPr/>
+                    <a:lstStyle/>
+                    <a:p>
+                      <a:r>
+                        <a:rPr lang="en-US" sz="1400" smtClean="0"/>
+                        <a:t>0.0602</a:t>
+                      </a:r>
+                      <a:endParaRPr lang="en-US" sz="1400" dirty="0"/>
+                    </a:p>
+                  </a:txBody>
+                  <a:tcPr/>
+                </a:tc>
+                <a:tc>
+                  <a:txBody>
+                    <a:bodyPr/>
+                    <a:lstStyle/>
+                    <a:p>
+                      <a:r>
+                        <a:rPr lang="en-US" sz="1400" smtClean="0"/>
+                        <a:t>0.4220</a:t>
+                      </a:r>
+                      <a:endParaRPr lang="en-US" sz="1400" dirty="0"/>
+                    </a:p>
+                  </a:txBody>
+                  <a:tcPr/>
+                </a:tc>
+                <a:tc>
+                  <a:txBody>
+                    <a:bodyPr/>
+                    <a:lstStyle/>
+                    <a:p>
+                      <a:endParaRPr lang="en-US" sz="1400" dirty="0"/>
+                    </a:p>
+                  </a:txBody>
+                  <a:tcPr/>
+                </a:tc>
+              </a:tr>
+              <a:tr h="384211">
+                <a:tc>
+                  <a:txBody>
+                    <a:bodyPr/>
+                    <a:lstStyle/>
+                    <a:p>
+                      <a:r>
+                        <a:rPr lang="en-US" sz="1200" b="1" dirty="0" smtClean="0"/>
+                        <a:t>Distribution</a:t>
+                      </a:r>
+                      <a:endParaRPr lang="en-US" sz="1200" b="1" dirty="0"/>
+                    </a:p>
+                  </a:txBody>
+                  <a:tcPr/>
+                </a:tc>
+                <a:tc>
+                  <a:txBody>
+                    <a:bodyPr/>
+                    <a:lstStyle/>
+                    <a:p>
+                      <a:r>
+                        <a:rPr lang="en-US" sz="1400" smtClean="0"/>
+                        <a:t>333</a:t>
+                      </a:r>
+                      <a:endParaRPr lang="en-US" sz="1400" dirty="0"/>
+                    </a:p>
+                  </a:txBody>
+                  <a:tcPr/>
+                </a:tc>
+                <a:tc>
+                  <a:txBody>
+                    <a:bodyPr/>
+                    <a:lstStyle/>
+                    <a:p>
+                      <a:r>
+                        <a:rPr lang="en-US" sz="1400" smtClean="0"/>
+                        <a:t>0.52</a:t>
+                      </a:r>
+                      <a:endParaRPr lang="en-US" sz="1400" dirty="0"/>
+                    </a:p>
+                  </a:txBody>
+                  <a:tcPr/>
+                </a:tc>
+                <a:tc>
+                  <a:txBody>
+                    <a:bodyPr/>
+                    <a:lstStyle/>
+                    <a:p>
+                      <a:endParaRPr lang="en-US" sz="1400" dirty="0"/>
+                    </a:p>
+                  </a:txBody>
+                  <a:tcPr/>
+                </a:tc>
+                <a:tc>
+                  <a:txBody>
+                    <a:bodyPr/>
+                    <a:lstStyle/>
+                    <a:p>
+                      <a:endParaRPr lang="en-US" sz="1400" dirty="0"/>
+                    </a:p>
+                  </a:txBody>
+                  <a:tcPr/>
+                </a:tc>
+                <a:tc>
+                  <a:txBody>
+                    <a:bodyPr/>
+                    <a:lstStyle/>
+                    <a:p>
+                      <a:r>
+                        <a:rPr lang="en-US" sz="1400" smtClean="0"/>
+                        <a:t>0.7068</a:t>
+                      </a:r>
+                      <a:endParaRPr lang="en-US" sz="1400" dirty="0"/>
+                    </a:p>
+                  </a:txBody>
+                  <a:tcPr/>
+                </a:tc>
+              </a:tr>
+              <a:tr h="384211">
+                <a:tc>
+                  <a:txBody>
+                    <a:bodyPr/>
+                    <a:lstStyle/>
+                    <a:p>
+                      <a:r>
+                        <a:rPr lang="en-US" sz="1200" b="1" dirty="0" smtClean="0"/>
+                        <a:t>Regression</a:t>
+                      </a:r>
+                      <a:endParaRPr lang="en-US" sz="1200" b="1" dirty="0"/>
+                    </a:p>
+                  </a:txBody>
+                  <a:tcPr/>
+                </a:tc>
+                <a:tc>
+                  <a:txBody>
+                    <a:bodyPr/>
+                    <a:lstStyle/>
+                    <a:p>
+                      <a:r>
+                        <a:rPr lang="en-US" sz="1400" smtClean="0"/>
+                        <a:t>333</a:t>
+                      </a:r>
+                      <a:endParaRPr lang="en-US" sz="1400" dirty="0"/>
+                    </a:p>
+                  </a:txBody>
+                  <a:tcPr/>
+                </a:tc>
+                <a:tc>
+                  <a:txBody>
+                    <a:bodyPr/>
+                    <a:lstStyle/>
+                    <a:p>
+                      <a:r>
+                        <a:rPr lang="en-US" sz="1400" smtClean="0"/>
+                        <a:t>0.09</a:t>
+                      </a:r>
+                      <a:endParaRPr lang="en-US" sz="1400" dirty="0"/>
+                    </a:p>
+                  </a:txBody>
+                  <a:tcPr/>
+                </a:tc>
+                <a:tc>
+                  <a:txBody>
+                    <a:bodyPr/>
+                    <a:lstStyle/>
+                    <a:p>
+                      <a:endParaRPr lang="en-US" sz="1400" dirty="0"/>
+                    </a:p>
+                  </a:txBody>
+                  <a:tcPr/>
+                </a:tc>
+                <a:tc>
+                  <a:txBody>
+                    <a:bodyPr/>
+                    <a:lstStyle/>
+                    <a:p>
+                      <a:endParaRPr lang="en-US" sz="1400" dirty="0"/>
+                    </a:p>
+                  </a:txBody>
+                  <a:tcPr/>
+                </a:tc>
+                <a:tc>
+                  <a:txBody>
+                    <a:bodyPr/>
+                    <a:lstStyle/>
+                    <a:p>
+                      <a:r>
+                        <a:rPr lang="en-US" sz="1400" dirty="0" smtClean="0"/>
+                        <a:t> -0.2223</a:t>
+                      </a:r>
+                      <a:endParaRPr lang="en-US" sz="1400" dirty="0"/>
+                    </a:p>
+                  </a:txBody>
+                  <a:tcPr/>
+                </a:tc>
+              </a:tr>
+            </a:tbl>
+          </a:graphicData>
+        </a:graphic>
+      </p:graphicFrame>
+    </p:spTree>
+  </p:cSld>
+  <p:clrMapOvr>
+    <a:masterClrMapping/>
+  </p:clrMapOvr>
+</p:sld>
+</file>
+
+<file path=ppt/slides/slide13.xml><?xml version="1.0" encoding="utf-8"?>
+<p:sld xmlns:a="http://schemas.openxmlformats.org/drawingml/2006/main" xmlns:r="http://schemas.openxmlformats.org/officeDocument/2006/relationships" xmlns:p="http://schemas.openxmlformats.org/presentationml/2006/main">
+  <p:cSld>
+    <p:spTree>
+      <p:nvGrpSpPr>
+        <p:cNvPr id="1" name=""/>
+        <p:cNvGrpSpPr/>
+        <p:nvPr/>
+      </p:nvGrpSpPr>
+      <p:grpSpPr>
+        <a:xfrm>
+          <a:off x="0" y="0"/>
+          <a:ext cx="0" cy="0"/>
+          <a:chOff x="0" y="0"/>
+          <a:chExt cx="0" cy="0"/>
+        </a:xfrm>
+      </p:grpSpPr>
+      <p:graphicFrame>
+        <p:nvGraphicFramePr>
+          <p:cNvPr id="2" name="Table 1"/>
+          <p:cNvGraphicFramePr>
+            <a:graphicFrameLocks noGrp="1"/>
+          </p:cNvGraphicFramePr>
+          <p:nvPr/>
+        </p:nvGraphicFramePr>
+        <p:xfrm>
+          <a:off x="838200" y="838200"/>
+          <a:ext cx="7696200" cy="2428798"/>
+        </p:xfrm>
+        <a:graphic>
+          <a:graphicData uri="http://schemas.openxmlformats.org/drawingml/2006/table">
+            <a:tbl>
+              <a:tblPr firstRow="1" bandRow="1">
+                <a:tableStyleId>{93296810-A885-4BE3-A3E7-6D5BEEA58F35}</a:tableStyleId>
+              </a:tblPr>
+              <a:tblGrid>
+                <a:gridCol w="1981200"/>
+                <a:gridCol w="1066800"/>
+                <a:gridCol w="1143000"/>
+                <a:gridCol w="1143000"/>
+                <a:gridCol w="1219200"/>
+                <a:gridCol w="1143000"/>
+              </a:tblGrid>
+              <a:tr h="552633">
+                <a:tc gridSpan="6">
+                  <a:txBody>
+                    <a:bodyPr/>
+                    <a:lstStyle/>
+                    <a:p>
+                      <a:pPr algn="ctr"/>
+                      <a:r>
+                        <a:rPr lang="en-US" sz="1800" dirty="0" smtClean="0"/>
+                        <a:t>Length exponent measures (C++)</a:t>
+                      </a:r>
+                      <a:endParaRPr lang="en-US" sz="1800" dirty="0"/>
+                    </a:p>
+                  </a:txBody>
+                  <a:tcPr/>
+                </a:tc>
+                <a:tc hMerge="1">
+                  <a:txBody>
+                    <a:bodyPr/>
+                    <a:lstStyle/>
+                    <a:p>
+                      <a:endParaRPr lang="en-US" sz="1200" dirty="0"/>
+                    </a:p>
+                  </a:txBody>
+                  <a:tcPr/>
+                </a:tc>
+                <a:tc hMerge="1">
+                  <a:txBody>
+                    <a:bodyPr/>
+                    <a:lstStyle/>
+                    <a:p>
+                      <a:endParaRPr lang="en-US" sz="1200" dirty="0"/>
+                    </a:p>
+                  </a:txBody>
+                  <a:tcPr/>
+                </a:tc>
+                <a:tc hMerge="1">
+                  <a:txBody>
+                    <a:bodyPr/>
+                    <a:lstStyle/>
+                    <a:p>
+                      <a:endParaRPr lang="en-US" sz="1200" dirty="0"/>
+                    </a:p>
+                  </a:txBody>
+                  <a:tcPr/>
+                </a:tc>
+                <a:tc hMerge="1">
+                  <a:txBody>
+                    <a:bodyPr/>
+                    <a:lstStyle/>
+                    <a:p>
+                      <a:endParaRPr lang="en-US" sz="1200" dirty="0"/>
+                    </a:p>
+                  </a:txBody>
+                  <a:tcPr/>
+                </a:tc>
+                <a:tc hMerge="1">
+                  <a:txBody>
+                    <a:bodyPr/>
+                    <a:lstStyle/>
+                    <a:p>
+                      <a:pPr algn="ctr"/>
+                      <a:endParaRPr lang="en-US" sz="1800" dirty="0"/>
+                    </a:p>
+                  </a:txBody>
+                  <a:tcPr/>
+                </a:tc>
+              </a:tr>
+              <a:tr h="361766">
+                <a:tc>
+                  <a:txBody>
+                    <a:bodyPr/>
+                    <a:lstStyle/>
+                    <a:p>
+                      <a:endParaRPr lang="en-US" sz="1200" b="1" dirty="0"/>
+                    </a:p>
+                  </a:txBody>
+                  <a:tcPr/>
+                </a:tc>
+                <a:tc>
+                  <a:txBody>
+                    <a:bodyPr/>
+                    <a:lstStyle/>
+                    <a:p>
+                      <a:r>
+                        <a:rPr lang="en-US" sz="1200" dirty="0" smtClean="0"/>
+                        <a:t>N</a:t>
+                      </a:r>
+                      <a:endParaRPr lang="en-US" sz="1200" b="1" dirty="0"/>
+                    </a:p>
+                  </a:txBody>
+                  <a:tcPr/>
+                </a:tc>
+                <a:tc>
+                  <a:txBody>
+                    <a:bodyPr/>
+                    <a:lstStyle/>
+                    <a:p>
+                      <a:r>
+                        <a:rPr lang="en-US" sz="1200" dirty="0" smtClean="0"/>
+                        <a:t>b</a:t>
+                      </a:r>
+                      <a:endParaRPr lang="en-US" sz="1200" b="1" dirty="0"/>
+                    </a:p>
+                  </a:txBody>
+                  <a:tcPr/>
+                </a:tc>
+                <a:tc>
+                  <a:txBody>
+                    <a:bodyPr/>
+                    <a:lstStyle/>
+                    <a:p>
+                      <a:r>
+                        <a:rPr lang="en-US" sz="1200" dirty="0" smtClean="0"/>
+                        <a:t>95% CI</a:t>
+                      </a:r>
+                      <a:endParaRPr lang="en-US" sz="1200" b="1" dirty="0"/>
+                    </a:p>
+                  </a:txBody>
+                  <a:tcPr/>
+                </a:tc>
+                <a:tc>
+                  <a:txBody>
+                    <a:bodyPr/>
+                    <a:lstStyle/>
+                    <a:p>
+                      <a:r>
+                        <a:rPr kumimoji="0" lang="el-GR" sz="1200" kern="1200" dirty="0" smtClean="0"/>
+                        <a:t>σ</a:t>
+                      </a:r>
+                      <a:endParaRPr lang="en-US" sz="1200" b="1" dirty="0"/>
+                    </a:p>
+                  </a:txBody>
+                  <a:tcPr/>
+                </a:tc>
+                <a:tc>
+                  <a:txBody>
+                    <a:bodyPr/>
+                    <a:lstStyle/>
+                    <a:p>
+                      <a:r>
+                        <a:rPr kumimoji="0" lang="en-US" sz="1200" kern="1200" dirty="0" smtClean="0"/>
+                        <a:t>R</a:t>
+                      </a:r>
+                      <a:r>
+                        <a:rPr kumimoji="0" lang="en-US" sz="1200" kern="1200" baseline="30000" dirty="0" smtClean="0"/>
+                        <a:t>2</a:t>
+                      </a:r>
+                      <a:r>
+                        <a:rPr kumimoji="0" lang="en-US" sz="1200" kern="1200" dirty="0" smtClean="0"/>
+                        <a:t> </a:t>
+                      </a:r>
+                      <a:endParaRPr lang="en-US" sz="1200" b="1" dirty="0"/>
+                    </a:p>
+                  </a:txBody>
+                  <a:tcPr/>
+                </a:tc>
+              </a:tr>
+              <a:tr h="361766">
+                <a:tc>
+                  <a:txBody>
+                    <a:bodyPr/>
+                    <a:lstStyle/>
+                    <a:p>
+                      <a:r>
+                        <a:rPr lang="en-US" sz="1200" dirty="0" smtClean="0"/>
+                        <a:t>Conservation</a:t>
+                      </a:r>
+                      <a:endParaRPr lang="en-US" sz="1200" b="1" dirty="0"/>
+                    </a:p>
+                  </a:txBody>
+                  <a:tcPr/>
+                </a:tc>
+                <a:tc>
+                  <a:txBody>
+                    <a:bodyPr/>
+                    <a:lstStyle/>
+                    <a:p>
+                      <a:r>
+                        <a:rPr lang="en-US" sz="1200" dirty="0" smtClean="0"/>
+                        <a:t>47</a:t>
+                      </a:r>
+                      <a:endParaRPr lang="en-US" sz="1200" dirty="0"/>
+                    </a:p>
+                  </a:txBody>
+                  <a:tcPr/>
+                </a:tc>
+                <a:tc>
+                  <a:txBody>
+                    <a:bodyPr/>
+                    <a:lstStyle/>
+                    <a:p>
+                      <a:r>
+                        <a:rPr lang="en-US" sz="1200" dirty="0" smtClean="0"/>
+                        <a:t>2.14</a:t>
+                      </a:r>
+                      <a:endParaRPr lang="en-US" sz="1200" dirty="0"/>
+                    </a:p>
+                  </a:txBody>
+                  <a:tcPr/>
+                </a:tc>
+                <a:tc>
+                  <a:txBody>
+                    <a:bodyPr/>
+                    <a:lstStyle/>
+                    <a:p>
+                      <a:r>
+                        <a:rPr lang="en-US" sz="1200" dirty="0" smtClean="0"/>
+                        <a:t> 0.4782</a:t>
+                      </a:r>
+                      <a:endParaRPr lang="en-US" sz="1200" dirty="0"/>
+                    </a:p>
+                  </a:txBody>
+                  <a:tcPr/>
+                </a:tc>
+                <a:tc>
+                  <a:txBody>
+                    <a:bodyPr/>
+                    <a:lstStyle/>
+                    <a:p>
+                      <a:r>
+                        <a:rPr lang="en-US" sz="1200" dirty="0" smtClean="0"/>
+                        <a:t> 1.6727</a:t>
+                      </a:r>
+                      <a:endParaRPr lang="en-US" sz="1200" dirty="0"/>
+                    </a:p>
+                  </a:txBody>
+                  <a:tcPr/>
+                </a:tc>
+                <a:tc>
+                  <a:txBody>
+                    <a:bodyPr/>
+                    <a:lstStyle/>
+                    <a:p>
+                      <a:endParaRPr lang="en-US" sz="1200" dirty="0"/>
+                    </a:p>
+                  </a:txBody>
+                  <a:tcPr/>
+                </a:tc>
+              </a:tr>
+              <a:tr h="384211">
+                <a:tc>
+                  <a:txBody>
+                    <a:bodyPr/>
+                    <a:lstStyle/>
+                    <a:p>
+                      <a:r>
+                        <a:rPr lang="en-US" sz="1200" dirty="0" smtClean="0"/>
+                        <a:t>Ratio</a:t>
+                      </a:r>
+                      <a:endParaRPr lang="en-US" sz="1200" b="1" dirty="0"/>
+                    </a:p>
+                  </a:txBody>
+                  <a:tcPr/>
+                </a:tc>
+                <a:tc>
+                  <a:txBody>
+                    <a:bodyPr/>
+                    <a:lstStyle/>
+                    <a:p>
+                      <a:r>
+                        <a:rPr lang="en-US" sz="1400" dirty="0" smtClean="0"/>
+                        <a:t>49</a:t>
+                      </a:r>
+                      <a:endParaRPr lang="en-US" sz="1400" dirty="0"/>
+                    </a:p>
+                  </a:txBody>
+                  <a:tcPr/>
+                </a:tc>
+                <a:tc>
+                  <a:txBody>
+                    <a:bodyPr/>
+                    <a:lstStyle/>
+                    <a:p>
+                      <a:r>
+                        <a:rPr lang="en-US" sz="1400" dirty="0" smtClean="0"/>
+                        <a:t>1.49</a:t>
+                      </a:r>
+                      <a:endParaRPr lang="en-US" sz="1400" dirty="0"/>
+                    </a:p>
+                  </a:txBody>
+                  <a:tcPr/>
+                </a:tc>
+                <a:tc>
+                  <a:txBody>
+                    <a:bodyPr/>
+                    <a:lstStyle/>
+                    <a:p>
+                      <a:r>
+                        <a:rPr lang="en-US" sz="1400" dirty="0" smtClean="0"/>
+                        <a:t>0.4695</a:t>
+                      </a:r>
+                      <a:endParaRPr lang="en-US" sz="1400" dirty="0"/>
+                    </a:p>
+                  </a:txBody>
+                  <a:tcPr/>
+                </a:tc>
+                <a:tc>
+                  <a:txBody>
+                    <a:bodyPr/>
+                    <a:lstStyle/>
+                    <a:p>
+                      <a:r>
+                        <a:rPr lang="en-US" sz="1400" dirty="0" smtClean="0"/>
+                        <a:t>1.6597</a:t>
+                      </a:r>
+                      <a:endParaRPr lang="en-US" sz="1400" dirty="0"/>
+                    </a:p>
+                  </a:txBody>
+                  <a:tcPr/>
+                </a:tc>
+                <a:tc>
+                  <a:txBody>
+                    <a:bodyPr/>
+                    <a:lstStyle/>
+                    <a:p>
+                      <a:endParaRPr lang="en-US" sz="1400" dirty="0"/>
+                    </a:p>
+                  </a:txBody>
+                  <a:tcPr/>
+                </a:tc>
+              </a:tr>
+              <a:tr h="384211">
+                <a:tc>
+                  <a:txBody>
+                    <a:bodyPr/>
+                    <a:lstStyle/>
+                    <a:p>
+                      <a:r>
+                        <a:rPr lang="en-US" sz="1200" dirty="0" smtClean="0"/>
+                        <a:t>Distribution</a:t>
+                      </a:r>
+                      <a:endParaRPr lang="en-US" sz="1200" b="1" dirty="0"/>
+                    </a:p>
+                  </a:txBody>
+                  <a:tcPr/>
+                </a:tc>
+                <a:tc>
+                  <a:txBody>
+                    <a:bodyPr/>
+                    <a:lstStyle/>
+                    <a:p>
+                      <a:r>
+                        <a:rPr lang="en-US" sz="1400" dirty="0" smtClean="0"/>
+                        <a:t>112</a:t>
+                      </a:r>
+                      <a:endParaRPr lang="en-US" sz="1400" dirty="0"/>
+                    </a:p>
+                  </a:txBody>
+                  <a:tcPr/>
+                </a:tc>
+                <a:tc>
+                  <a:txBody>
+                    <a:bodyPr/>
+                    <a:lstStyle/>
+                    <a:p>
+                      <a:r>
+                        <a:rPr lang="en-US" sz="1400" dirty="0" smtClean="0"/>
+                        <a:t>0.57</a:t>
+                      </a:r>
+                      <a:endParaRPr lang="en-US" sz="1400" dirty="0"/>
+                    </a:p>
+                  </a:txBody>
+                  <a:tcPr/>
+                </a:tc>
+                <a:tc>
+                  <a:txBody>
+                    <a:bodyPr/>
+                    <a:lstStyle/>
+                    <a:p>
+                      <a:endParaRPr lang="en-US" sz="1400" dirty="0"/>
+                    </a:p>
+                  </a:txBody>
+                  <a:tcPr/>
+                </a:tc>
+                <a:tc>
+                  <a:txBody>
+                    <a:bodyPr/>
+                    <a:lstStyle/>
+                    <a:p>
+                      <a:endParaRPr lang="en-US" sz="1400" dirty="0"/>
+                    </a:p>
+                  </a:txBody>
+                  <a:tcPr/>
+                </a:tc>
+                <a:tc>
+                  <a:txBody>
+                    <a:bodyPr/>
+                    <a:lstStyle/>
+                    <a:p>
+                      <a:r>
+                        <a:rPr lang="en-US" sz="1400" dirty="0" smtClean="0"/>
+                        <a:t>0.4357</a:t>
+                      </a:r>
+                      <a:endParaRPr lang="en-US" sz="1400" dirty="0"/>
+                    </a:p>
+                  </a:txBody>
+                  <a:tcPr/>
+                </a:tc>
+              </a:tr>
+              <a:tr h="384211">
+                <a:tc>
+                  <a:txBody>
+                    <a:bodyPr/>
+                    <a:lstStyle/>
+                    <a:p>
+                      <a:r>
+                        <a:rPr lang="en-US" sz="1200" dirty="0" smtClean="0"/>
+                        <a:t>Regression</a:t>
+                      </a:r>
+                      <a:endParaRPr lang="en-US" sz="1200" b="1" dirty="0"/>
+                    </a:p>
+                  </a:txBody>
+                  <a:tcPr/>
+                </a:tc>
+                <a:tc>
+                  <a:txBody>
+                    <a:bodyPr/>
+                    <a:lstStyle/>
+                    <a:p>
+                      <a:endParaRPr lang="en-US" sz="1400" dirty="0"/>
+                    </a:p>
+                  </a:txBody>
+                  <a:tcPr/>
+                </a:tc>
+                <a:tc>
+                  <a:txBody>
+                    <a:bodyPr/>
+                    <a:lstStyle/>
+                    <a:p>
+                      <a:endParaRPr lang="en-US" sz="1400" dirty="0"/>
+                    </a:p>
+                  </a:txBody>
+                  <a:tcPr/>
+                </a:tc>
+                <a:tc>
+                  <a:txBody>
+                    <a:bodyPr/>
+                    <a:lstStyle/>
+                    <a:p>
+                      <a:endParaRPr lang="en-US" sz="1400" dirty="0"/>
+                    </a:p>
+                  </a:txBody>
+                  <a:tcPr/>
+                </a:tc>
+                <a:tc>
+                  <a:txBody>
+                    <a:bodyPr/>
+                    <a:lstStyle/>
+                    <a:p>
+                      <a:endParaRPr lang="en-US" sz="1400" dirty="0"/>
+                    </a:p>
+                  </a:txBody>
+                  <a:tcPr/>
+                </a:tc>
+                <a:tc>
+                  <a:txBody>
+                    <a:bodyPr/>
+                    <a:lstStyle/>
+                    <a:p>
+                      <a:endParaRPr lang="en-US" sz="1400" dirty="0"/>
+                    </a:p>
+                  </a:txBody>
+                  <a:tcPr/>
+                </a:tc>
+              </a:tr>
+            </a:tbl>
+          </a:graphicData>
+        </a:graphic>
+      </p:graphicFrame>
+      <p:graphicFrame>
+        <p:nvGraphicFramePr>
+          <p:cNvPr id="4" name="Table 3"/>
+          <p:cNvGraphicFramePr>
+            <a:graphicFrameLocks noGrp="1"/>
+          </p:cNvGraphicFramePr>
+          <p:nvPr/>
+        </p:nvGraphicFramePr>
+        <p:xfrm>
+          <a:off x="838200" y="3505200"/>
+          <a:ext cx="7696200" cy="2428798"/>
+        </p:xfrm>
+        <a:graphic>
+          <a:graphicData uri="http://schemas.openxmlformats.org/drawingml/2006/table">
+            <a:tbl>
+              <a:tblPr firstRow="1" bandRow="1">
+                <a:tableStyleId>{93296810-A885-4BE3-A3E7-6D5BEEA58F35}</a:tableStyleId>
+              </a:tblPr>
+              <a:tblGrid>
+                <a:gridCol w="1981200"/>
+                <a:gridCol w="1066800"/>
+                <a:gridCol w="1143000"/>
+                <a:gridCol w="1143000"/>
+                <a:gridCol w="1219200"/>
+                <a:gridCol w="1143000"/>
+              </a:tblGrid>
+              <a:tr h="552633">
+                <a:tc gridSpan="6">
+                  <a:txBody>
+                    <a:bodyPr/>
+                    <a:lstStyle/>
+                    <a:p>
+                      <a:pPr algn="ctr"/>
+                      <a:r>
+                        <a:rPr lang="en-US" sz="1800" dirty="0" smtClean="0"/>
+                        <a:t>Length exponent measures (</a:t>
+                      </a:r>
+                      <a:r>
+                        <a:rPr lang="en-US" sz="1800" dirty="0" err="1" smtClean="0"/>
+                        <a:t>Angicart</a:t>
+                      </a:r>
+                      <a:r>
+                        <a:rPr lang="en-US" sz="1800" dirty="0" smtClean="0"/>
+                        <a:t>)</a:t>
+                      </a:r>
+                      <a:endParaRPr lang="en-US" sz="1800" dirty="0"/>
+                    </a:p>
+                  </a:txBody>
+                  <a:tcPr/>
+                </a:tc>
+                <a:tc hMerge="1">
+                  <a:txBody>
+                    <a:bodyPr/>
+                    <a:lstStyle/>
+                    <a:p>
+                      <a:endParaRPr lang="en-US" sz="1200" dirty="0"/>
+                    </a:p>
+                  </a:txBody>
+                  <a:tcPr/>
+                </a:tc>
+                <a:tc hMerge="1">
+                  <a:txBody>
+                    <a:bodyPr/>
+                    <a:lstStyle/>
+                    <a:p>
+                      <a:endParaRPr lang="en-US" sz="1200" dirty="0"/>
+                    </a:p>
+                  </a:txBody>
+                  <a:tcPr/>
+                </a:tc>
+                <a:tc hMerge="1">
+                  <a:txBody>
+                    <a:bodyPr/>
+                    <a:lstStyle/>
+                    <a:p>
+                      <a:endParaRPr lang="en-US" sz="1200" dirty="0"/>
+                    </a:p>
+                  </a:txBody>
+                  <a:tcPr/>
+                </a:tc>
+                <a:tc hMerge="1">
+                  <a:txBody>
+                    <a:bodyPr/>
+                    <a:lstStyle/>
+                    <a:p>
+                      <a:endParaRPr lang="en-US" sz="1200" dirty="0"/>
+                    </a:p>
+                  </a:txBody>
+                  <a:tcPr/>
+                </a:tc>
+                <a:tc hMerge="1">
+                  <a:txBody>
+                    <a:bodyPr/>
+                    <a:lstStyle/>
+                    <a:p>
+                      <a:pPr algn="ctr"/>
+                      <a:endParaRPr lang="en-US" sz="1800" dirty="0"/>
+                    </a:p>
+                  </a:txBody>
+                  <a:tcPr/>
+                </a:tc>
+              </a:tr>
+              <a:tr h="361766">
+                <a:tc>
+                  <a:txBody>
+                    <a:bodyPr/>
+                    <a:lstStyle/>
+                    <a:p>
+                      <a:endParaRPr lang="en-US" sz="1200" b="1" dirty="0"/>
+                    </a:p>
+                  </a:txBody>
+                  <a:tcPr/>
+                </a:tc>
+                <a:tc>
+                  <a:txBody>
+                    <a:bodyPr/>
+                    <a:lstStyle/>
+                    <a:p>
+                      <a:r>
+                        <a:rPr lang="en-US" sz="1200" dirty="0" smtClean="0"/>
+                        <a:t>N</a:t>
+                      </a:r>
+                      <a:endParaRPr lang="en-US" sz="1200" b="1" dirty="0"/>
+                    </a:p>
+                  </a:txBody>
+                  <a:tcPr/>
+                </a:tc>
+                <a:tc>
+                  <a:txBody>
+                    <a:bodyPr/>
+                    <a:lstStyle/>
+                    <a:p>
+                      <a:r>
+                        <a:rPr lang="en-US" sz="1200" dirty="0" smtClean="0"/>
+                        <a:t>b</a:t>
+                      </a:r>
+                      <a:endParaRPr lang="en-US" sz="1200" b="1" dirty="0"/>
+                    </a:p>
+                  </a:txBody>
+                  <a:tcPr/>
+                </a:tc>
+                <a:tc>
+                  <a:txBody>
+                    <a:bodyPr/>
+                    <a:lstStyle/>
+                    <a:p>
+                      <a:r>
+                        <a:rPr lang="en-US" sz="1200" dirty="0" smtClean="0"/>
+                        <a:t>95% CI</a:t>
+                      </a:r>
+                      <a:endParaRPr lang="en-US" sz="1200" b="1" dirty="0"/>
+                    </a:p>
+                  </a:txBody>
+                  <a:tcPr/>
+                </a:tc>
+                <a:tc>
+                  <a:txBody>
+                    <a:bodyPr/>
+                    <a:lstStyle/>
+                    <a:p>
+                      <a:r>
+                        <a:rPr kumimoji="0" lang="el-GR" sz="1200" kern="1200" dirty="0" smtClean="0"/>
+                        <a:t>σ</a:t>
+                      </a:r>
+                      <a:endParaRPr lang="en-US" sz="1200" b="1" dirty="0"/>
+                    </a:p>
+                  </a:txBody>
+                  <a:tcPr/>
+                </a:tc>
+                <a:tc>
+                  <a:txBody>
+                    <a:bodyPr/>
+                    <a:lstStyle/>
+                    <a:p>
+                      <a:r>
+                        <a:rPr kumimoji="0" lang="en-US" sz="1200" kern="1200" dirty="0" smtClean="0"/>
+                        <a:t>R</a:t>
+                      </a:r>
+                      <a:r>
+                        <a:rPr kumimoji="0" lang="en-US" sz="1200" kern="1200" baseline="30000" dirty="0" smtClean="0"/>
+                        <a:t>2</a:t>
+                      </a:r>
+                      <a:r>
+                        <a:rPr kumimoji="0" lang="en-US" sz="1200" kern="1200" dirty="0" smtClean="0"/>
+                        <a:t> </a:t>
+                      </a:r>
+                      <a:endParaRPr lang="en-US" sz="1200" b="1" dirty="0"/>
+                    </a:p>
+                  </a:txBody>
+                  <a:tcPr/>
+                </a:tc>
+              </a:tr>
+              <a:tr h="361766">
+                <a:tc>
+                  <a:txBody>
+                    <a:bodyPr/>
+                    <a:lstStyle/>
+                    <a:p>
+                      <a:r>
+                        <a:rPr lang="en-US" sz="1200" dirty="0" smtClean="0"/>
+                        <a:t>Conservation</a:t>
+                      </a:r>
+                      <a:endParaRPr lang="en-US" sz="1200" b="1" dirty="0"/>
+                    </a:p>
+                  </a:txBody>
+                  <a:tcPr/>
+                </a:tc>
+                <a:tc>
+                  <a:txBody>
+                    <a:bodyPr/>
+                    <a:lstStyle/>
+                    <a:p>
+                      <a:r>
+                        <a:rPr lang="en-US" sz="1200" dirty="0" smtClean="0"/>
+                        <a:t>162</a:t>
+                      </a:r>
+                      <a:endParaRPr lang="en-US" sz="1200" dirty="0"/>
+                    </a:p>
+                  </a:txBody>
+                  <a:tcPr/>
+                </a:tc>
+                <a:tc>
+                  <a:txBody>
+                    <a:bodyPr/>
+                    <a:lstStyle/>
+                    <a:p>
+                      <a:r>
+                        <a:rPr lang="en-US" sz="1200" dirty="0" smtClean="0"/>
+                        <a:t>1.9</a:t>
+                      </a:r>
+                      <a:endParaRPr lang="en-US" sz="1200" dirty="0"/>
+                    </a:p>
+                  </a:txBody>
+                  <a:tcPr/>
+                </a:tc>
+                <a:tc>
+                  <a:txBody>
+                    <a:bodyPr/>
+                    <a:lstStyle/>
+                    <a:p>
+                      <a:r>
+                        <a:rPr lang="en-US" sz="1200" dirty="0" smtClean="0"/>
+                        <a:t>0.2101</a:t>
+                      </a:r>
+                      <a:endParaRPr lang="en-US" sz="1200" dirty="0"/>
+                    </a:p>
+                  </a:txBody>
+                  <a:tcPr/>
+                </a:tc>
+                <a:tc>
+                  <a:txBody>
+                    <a:bodyPr/>
+                    <a:lstStyle/>
+                    <a:p>
+                      <a:r>
+                        <a:rPr lang="en-US" sz="1200" dirty="0" smtClean="0"/>
+                        <a:t> 1.3644</a:t>
+                      </a:r>
+                      <a:endParaRPr lang="en-US" sz="1200" dirty="0"/>
+                    </a:p>
+                  </a:txBody>
+                  <a:tcPr/>
+                </a:tc>
+                <a:tc>
+                  <a:txBody>
+                    <a:bodyPr/>
+                    <a:lstStyle/>
+                    <a:p>
+                      <a:endParaRPr lang="en-US" sz="1200" dirty="0"/>
+                    </a:p>
+                  </a:txBody>
+                  <a:tcPr/>
+                </a:tc>
+              </a:tr>
+              <a:tr h="384211">
+                <a:tc>
+                  <a:txBody>
+                    <a:bodyPr/>
+                    <a:lstStyle/>
+                    <a:p>
+                      <a:r>
+                        <a:rPr lang="en-US" sz="1200" dirty="0" smtClean="0"/>
+                        <a:t>Ratio</a:t>
+                      </a:r>
+                      <a:endParaRPr lang="en-US" sz="1200" b="1" dirty="0"/>
+                    </a:p>
+                  </a:txBody>
+                  <a:tcPr/>
+                </a:tc>
+                <a:tc>
+                  <a:txBody>
+                    <a:bodyPr/>
+                    <a:lstStyle/>
+                    <a:p>
+                      <a:r>
+                        <a:rPr lang="en-US" sz="1400" dirty="0" smtClean="0"/>
+                        <a:t>162</a:t>
+                      </a:r>
+                      <a:endParaRPr lang="en-US" sz="1400" dirty="0"/>
+                    </a:p>
+                  </a:txBody>
+                  <a:tcPr/>
+                </a:tc>
+                <a:tc>
+                  <a:txBody>
+                    <a:bodyPr/>
+                    <a:lstStyle/>
+                    <a:p>
+                      <a:r>
+                        <a:rPr lang="en-US" sz="1400" dirty="0" smtClean="0"/>
+                        <a:t>1.42</a:t>
+                      </a:r>
+                      <a:endParaRPr lang="en-US" sz="1400" dirty="0"/>
+                    </a:p>
+                  </a:txBody>
+                  <a:tcPr/>
+                </a:tc>
+                <a:tc>
+                  <a:txBody>
+                    <a:bodyPr/>
+                    <a:lstStyle/>
+                    <a:p>
+                      <a:r>
+                        <a:rPr lang="en-US" sz="1400" dirty="0" smtClean="0"/>
+                        <a:t>0.2101</a:t>
+                      </a:r>
+                      <a:endParaRPr lang="en-US" sz="1400" dirty="0"/>
+                    </a:p>
+                  </a:txBody>
+                  <a:tcPr/>
+                </a:tc>
+                <a:tc>
+                  <a:txBody>
+                    <a:bodyPr/>
+                    <a:lstStyle/>
+                    <a:p>
+                      <a:r>
+                        <a:rPr lang="en-US" sz="1400" dirty="0" smtClean="0"/>
+                        <a:t>1.3644</a:t>
+                      </a:r>
+                      <a:endParaRPr lang="en-US" sz="1400" dirty="0"/>
+                    </a:p>
+                  </a:txBody>
+                  <a:tcPr/>
+                </a:tc>
+                <a:tc>
+                  <a:txBody>
+                    <a:bodyPr/>
+                    <a:lstStyle/>
+                    <a:p>
+                      <a:endParaRPr lang="en-US" sz="1400" dirty="0"/>
+                    </a:p>
+                  </a:txBody>
+                  <a:tcPr/>
+                </a:tc>
+              </a:tr>
+              <a:tr h="384211">
+                <a:tc>
+                  <a:txBody>
+                    <a:bodyPr/>
+                    <a:lstStyle/>
+                    <a:p>
+                      <a:r>
+                        <a:rPr lang="en-US" sz="1200" dirty="0" smtClean="0"/>
+                        <a:t>Distribution</a:t>
+                      </a:r>
+                      <a:endParaRPr lang="en-US" sz="1200" b="1" dirty="0"/>
+                    </a:p>
+                  </a:txBody>
+                  <a:tcPr/>
+                </a:tc>
+                <a:tc>
+                  <a:txBody>
+                    <a:bodyPr/>
+                    <a:lstStyle/>
+                    <a:p>
+                      <a:r>
+                        <a:rPr lang="en-US" sz="1400" dirty="0" smtClean="0"/>
+                        <a:t>333</a:t>
+                      </a:r>
+                      <a:endParaRPr lang="en-US" sz="1400" dirty="0"/>
+                    </a:p>
+                  </a:txBody>
+                  <a:tcPr/>
+                </a:tc>
+                <a:tc>
+                  <a:txBody>
+                    <a:bodyPr/>
+                    <a:lstStyle/>
+                    <a:p>
+                      <a:r>
+                        <a:rPr lang="en-US" sz="1400" dirty="0" smtClean="0"/>
+                        <a:t>0.41</a:t>
+                      </a:r>
+                      <a:endParaRPr lang="en-US" sz="1400" dirty="0"/>
+                    </a:p>
+                  </a:txBody>
+                  <a:tcPr/>
+                </a:tc>
+                <a:tc>
+                  <a:txBody>
+                    <a:bodyPr/>
+                    <a:lstStyle/>
+                    <a:p>
+                      <a:endParaRPr lang="en-US" sz="1400" dirty="0"/>
+                    </a:p>
+                  </a:txBody>
+                  <a:tcPr/>
+                </a:tc>
+                <a:tc>
+                  <a:txBody>
+                    <a:bodyPr/>
+                    <a:lstStyle/>
+                    <a:p>
+                      <a:endParaRPr lang="en-US" sz="1400" dirty="0"/>
+                    </a:p>
+                  </a:txBody>
+                  <a:tcPr/>
+                </a:tc>
+                <a:tc>
+                  <a:txBody>
+                    <a:bodyPr/>
+                    <a:lstStyle/>
+                    <a:p>
+                      <a:r>
+                        <a:rPr lang="en-US" sz="1400" dirty="0" smtClean="0"/>
+                        <a:t>0.2178</a:t>
+                      </a:r>
+                      <a:endParaRPr lang="en-US" sz="1400" dirty="0"/>
+                    </a:p>
+                  </a:txBody>
+                  <a:tcPr/>
+                </a:tc>
+              </a:tr>
+              <a:tr h="384211">
+                <a:tc>
+                  <a:txBody>
+                    <a:bodyPr/>
+                    <a:lstStyle/>
+                    <a:p>
+                      <a:r>
+                        <a:rPr lang="en-US" sz="1200" dirty="0" smtClean="0"/>
+                        <a:t>Regression</a:t>
+                      </a:r>
+                      <a:endParaRPr lang="en-US" sz="1200" b="1" dirty="0"/>
+                    </a:p>
+                  </a:txBody>
+                  <a:tcPr/>
+                </a:tc>
+                <a:tc>
+                  <a:txBody>
+                    <a:bodyPr/>
+                    <a:lstStyle/>
+                    <a:p>
+                      <a:r>
+                        <a:rPr lang="en-US" sz="1400" smtClean="0"/>
+                        <a:t>333</a:t>
+                      </a:r>
+                      <a:endParaRPr lang="en-US" sz="1400" dirty="0"/>
+                    </a:p>
+                  </a:txBody>
+                  <a:tcPr/>
+                </a:tc>
+                <a:tc>
+                  <a:txBody>
+                    <a:bodyPr/>
+                    <a:lstStyle/>
+                    <a:p>
+                      <a:r>
+                        <a:rPr lang="en-US" sz="1400" dirty="0" smtClean="0"/>
+                        <a:t>0.14</a:t>
+                      </a:r>
+                      <a:endParaRPr lang="en-US" sz="1400" dirty="0"/>
+                    </a:p>
+                  </a:txBody>
+                  <a:tcPr/>
+                </a:tc>
+                <a:tc>
+                  <a:txBody>
+                    <a:bodyPr/>
+                    <a:lstStyle/>
+                    <a:p>
+                      <a:endParaRPr lang="en-US" sz="1400" dirty="0"/>
+                    </a:p>
+                  </a:txBody>
+                  <a:tcPr/>
+                </a:tc>
+                <a:tc>
+                  <a:txBody>
+                    <a:bodyPr/>
+                    <a:lstStyle/>
+                    <a:p>
+                      <a:endParaRPr lang="en-US" sz="1400" dirty="0"/>
+                    </a:p>
+                  </a:txBody>
+                  <a:tcPr/>
+                </a:tc>
+                <a:tc>
+                  <a:txBody>
+                    <a:bodyPr/>
+                    <a:lstStyle/>
+                    <a:p>
+                      <a:r>
+                        <a:rPr lang="en-US" sz="1400" dirty="0" smtClean="0"/>
+                        <a:t>-0.0805</a:t>
+                      </a:r>
+                      <a:endParaRPr lang="en-US" sz="1400" dirty="0"/>
+                    </a:p>
+                  </a:txBody>
+                  <a:tcPr/>
+                </a:tc>
+              </a:tr>
+            </a:tbl>
+          </a:graphicData>
+        </a:graphic>
+      </p:graphicFrame>
+    </p:spTree>
+  </p:cSld>
+  <p:clrMapOvr>
+    <a:masterClrMapping/>
+  </p:clrMapOvr>
+</p:sld>
+</file>
+
+<file path=ppt/slides/slide14.xml><?xml version="1.0" encoding="utf-8"?>
+<p:sld xmlns:a="http://schemas.openxmlformats.org/drawingml/2006/main" xmlns:r="http://schemas.openxmlformats.org/officeDocument/2006/relationships" xmlns:p="http://schemas.openxmlformats.org/presentationml/2006/main">
+  <p:cSld>
+    <p:spTree>
+      <p:nvGrpSpPr>
+        <p:cNvPr id="1" name=""/>
+        <p:cNvGrpSpPr/>
+        <p:nvPr/>
+      </p:nvGrpSpPr>
+      <p:grpSpPr>
+        <a:xfrm>
+          <a:off x="0" y="0"/>
+          <a:ext cx="0" cy="0"/>
+          <a:chOff x="0" y="0"/>
+          <a:chExt cx="0" cy="0"/>
+        </a:xfrm>
+      </p:grpSpPr>
+      <p:sp>
+        <p:nvSpPr>
+          <p:cNvPr id="2" name="Title 1"/>
+          <p:cNvSpPr>
+            <a:spLocks noGrp="1"/>
+          </p:cNvSpPr>
+          <p:nvPr>
+            <p:ph type="title"/>
+          </p:nvPr>
+        </p:nvSpPr>
+        <p:spPr>
+          <a:xfrm>
+            <a:off x="76200" y="304800"/>
+            <a:ext cx="8229600" cy="1069848"/>
+          </a:xfrm>
+        </p:spPr>
+        <p:txBody>
+          <a:bodyPr/>
+          <a:lstStyle/>
+          <a:p>
+            <a:r>
+              <a:rPr lang="en-US" dirty="0" smtClean="0"/>
+              <a:t>Acknowledgements</a:t>
+            </a:r>
+            <a:endParaRPr lang="en-US" dirty="0"/>
+          </a:p>
+        </p:txBody>
+      </p:sp>
+      <p:sp>
+        <p:nvSpPr>
+          <p:cNvPr id="4" name="TextBox 3"/>
+          <p:cNvSpPr txBox="1"/>
+          <p:nvPr/>
+        </p:nvSpPr>
+        <p:spPr>
+          <a:xfrm>
+            <a:off x="4343400" y="4724400"/>
+            <a:ext cx="4648200" cy="2031325"/>
+          </a:xfrm>
+          <a:prstGeom prst="rect">
+            <a:avLst/>
+          </a:prstGeom>
+          <a:noFill/>
+        </p:spPr>
+        <p:txBody>
+          <a:bodyPr wrap="square" rtlCol="0">
+            <a:spAutoFit/>
           </a:bodyPr>
           <a:lstStyle/>
           <a:p>
+            <a:endParaRPr lang="en-US" dirty="0" smtClean="0"/>
+          </a:p>
+          <a:p>
             <a:r>
-              <a:rPr lang="en-US" sz="3200" dirty="0" smtClean="0"/>
-              <a:t>Comparing Healthy and Diseased Vascular Networks to Better Understand Pathologies</a:t>
+              <a:rPr lang="en-US" dirty="0" smtClean="0"/>
+              <a:t>Thanks to my mentors, Dr. Savage and </a:t>
             </a:r>
-            <a:endParaRPr lang="en-US" sz="3200" dirty="0"/>
+            <a:r>
+              <a:rPr lang="en-US" dirty="0" err="1" smtClean="0"/>
+              <a:t>Elif</a:t>
+            </a:r>
+            <a:r>
+              <a:rPr lang="en-US" dirty="0" smtClean="0"/>
+              <a:t> for helping with this research. I appreciate the time and resources you spent teaching me. </a:t>
+            </a:r>
+          </a:p>
+          <a:p>
+            <a:endParaRPr lang="en-US" dirty="0" smtClean="0"/>
+          </a:p>
+          <a:p>
+            <a:endParaRPr lang="en-US" dirty="0" smtClean="0"/>
           </a:p>
         </p:txBody>
       </p:sp>
@@ -4170,6 +8836,604 @@
 </file>
 
 <file path=ppt/slides/slide2.xml><?xml version="1.0" encoding="utf-8"?>
+<p:sld xmlns:a="http://schemas.openxmlformats.org/drawingml/2006/main" xmlns:r="http://schemas.openxmlformats.org/officeDocument/2006/relationships" xmlns:p="http://schemas.openxmlformats.org/presentationml/2006/main">
+  <p:cSld>
+    <p:spTree>
+      <p:nvGrpSpPr>
+        <p:cNvPr id="1" name=""/>
+        <p:cNvGrpSpPr/>
+        <p:nvPr/>
+      </p:nvGrpSpPr>
+      <p:grpSpPr>
+        <a:xfrm>
+          <a:off x="0" y="0"/>
+          <a:ext cx="0" cy="0"/>
+          <a:chOff x="0" y="0"/>
+          <a:chExt cx="0" cy="0"/>
+        </a:xfrm>
+      </p:grpSpPr>
+      <p:sp>
+        <p:nvSpPr>
+          <p:cNvPr id="2" name="Title 1"/>
+          <p:cNvSpPr>
+            <a:spLocks noGrp="1"/>
+          </p:cNvSpPr>
+          <p:nvPr>
+            <p:ph type="title"/>
+          </p:nvPr>
+        </p:nvSpPr>
+        <p:spPr>
+          <a:xfrm>
+            <a:off x="76200" y="304800"/>
+            <a:ext cx="8229600" cy="1069848"/>
+          </a:xfrm>
+        </p:spPr>
+        <p:txBody>
+          <a:bodyPr/>
+          <a:lstStyle/>
+          <a:p>
+            <a:r>
+              <a:rPr lang="en-US" dirty="0" smtClean="0"/>
+              <a:t>Personal Background</a:t>
+            </a:r>
+            <a:endParaRPr lang="en-US" dirty="0"/>
+          </a:p>
+        </p:txBody>
+      </p:sp>
+      <p:pic>
+        <p:nvPicPr>
+          <p:cNvPr id="3" name="Picture 2" descr="jshen.jpg"/>
+          <p:cNvPicPr>
+            <a:picLocks noChangeAspect="1"/>
+          </p:cNvPicPr>
+          <p:nvPr/>
+        </p:nvPicPr>
+        <p:blipFill>
+          <a:blip r:embed="rId2" cstate="print"/>
+          <a:stretch>
+            <a:fillRect/>
+          </a:stretch>
+        </p:blipFill>
+        <p:spPr>
+          <a:xfrm>
+            <a:off x="533400" y="1600200"/>
+            <a:ext cx="2895600" cy="4341280"/>
+          </a:xfrm>
+          <a:prstGeom prst="roundRect">
+            <a:avLst/>
+          </a:prstGeom>
+          <a:ln>
+            <a:noFill/>
+          </a:ln>
+          <a:effectLst>
+            <a:outerShdw blurRad="292100" dist="139700" dir="2700000" algn="tl" rotWithShape="0">
+              <a:srgbClr val="333333">
+                <a:alpha val="65000"/>
+              </a:srgbClr>
+            </a:outerShdw>
+          </a:effectLst>
+        </p:spPr>
+      </p:pic>
+      <p:sp>
+        <p:nvSpPr>
+          <p:cNvPr id="4" name="TextBox 3"/>
+          <p:cNvSpPr txBox="1"/>
+          <p:nvPr/>
+        </p:nvSpPr>
+        <p:spPr>
+          <a:xfrm>
+            <a:off x="4114800" y="1600200"/>
+            <a:ext cx="4648200" cy="3416320"/>
+          </a:xfrm>
+          <a:prstGeom prst="rect">
+            <a:avLst/>
+          </a:prstGeom>
+          <a:noFill/>
+        </p:spPr>
+        <p:txBody>
+          <a:bodyPr wrap="square" rtlCol="0">
+            <a:spAutoFit/>
+          </a:bodyPr>
+          <a:lstStyle/>
+          <a:p>
+            <a:endParaRPr lang="en-US" dirty="0" smtClean="0"/>
+          </a:p>
+          <a:p>
+            <a:r>
+              <a:rPr lang="en-US" dirty="0" smtClean="0"/>
+              <a:t>Interested in:</a:t>
+            </a:r>
+          </a:p>
+          <a:p>
+            <a:pPr>
+              <a:buFont typeface="Arial" pitchFamily="34" charset="0"/>
+              <a:buChar char="•"/>
+            </a:pPr>
+            <a:r>
+              <a:rPr lang="en-US" dirty="0" smtClean="0"/>
+              <a:t>Biomechanical engineering</a:t>
+            </a:r>
+          </a:p>
+          <a:p>
+            <a:pPr>
+              <a:buFont typeface="Arial" pitchFamily="34" charset="0"/>
+              <a:buChar char="•"/>
+            </a:pPr>
+            <a:r>
+              <a:rPr lang="en-US" dirty="0" smtClean="0"/>
+              <a:t>Robotics</a:t>
+            </a:r>
+          </a:p>
+          <a:p>
+            <a:pPr>
+              <a:buFont typeface="Arial" pitchFamily="34" charset="0"/>
+              <a:buChar char="•"/>
+            </a:pPr>
+            <a:r>
+              <a:rPr lang="en-US" dirty="0" smtClean="0"/>
+              <a:t>Biology</a:t>
+            </a:r>
+          </a:p>
+          <a:p>
+            <a:pPr>
+              <a:buFont typeface="Arial" pitchFamily="34" charset="0"/>
+              <a:buChar char="•"/>
+            </a:pPr>
+            <a:r>
+              <a:rPr lang="en-US" dirty="0" smtClean="0"/>
+              <a:t>Computer science</a:t>
+            </a:r>
+          </a:p>
+          <a:p>
+            <a:pPr>
+              <a:buFont typeface="Arial" pitchFamily="34" charset="0"/>
+              <a:buChar char="•"/>
+            </a:pPr>
+            <a:r>
+              <a:rPr lang="en-US" dirty="0" smtClean="0"/>
+              <a:t>Software design</a:t>
+            </a:r>
+          </a:p>
+          <a:p>
+            <a:endParaRPr lang="en-US" dirty="0" smtClean="0"/>
+          </a:p>
+          <a:p>
+            <a:r>
+              <a:rPr lang="en-US" dirty="0" smtClean="0"/>
+              <a:t>I became interested in this program because I really love math, computer science, and biology, so biomathematics seemed like the best fit. </a:t>
+            </a:r>
+            <a:endParaRPr lang="en-US" dirty="0"/>
+          </a:p>
+        </p:txBody>
+      </p:sp>
+    </p:spTree>
+  </p:cSld>
+  <p:clrMapOvr>
+    <a:masterClrMapping/>
+  </p:clrMapOvr>
+</p:sld>
+</file>
+
+<file path=ppt/slides/slide3.xml><?xml version="1.0" encoding="utf-8"?>
+<p:sld xmlns:a="http://schemas.openxmlformats.org/drawingml/2006/main" xmlns:r="http://schemas.openxmlformats.org/officeDocument/2006/relationships" xmlns:p="http://schemas.openxmlformats.org/presentationml/2006/main">
+  <p:cSld>
+    <p:spTree>
+      <p:nvGrpSpPr>
+        <p:cNvPr id="1" name=""/>
+        <p:cNvGrpSpPr/>
+        <p:nvPr/>
+      </p:nvGrpSpPr>
+      <p:grpSpPr>
+        <a:xfrm>
+          <a:off x="0" y="0"/>
+          <a:ext cx="0" cy="0"/>
+          <a:chOff x="0" y="0"/>
+          <a:chExt cx="0" cy="0"/>
+        </a:xfrm>
+      </p:grpSpPr>
+      <p:sp>
+        <p:nvSpPr>
+          <p:cNvPr id="2" name="Title 1"/>
+          <p:cNvSpPr>
+            <a:spLocks noGrp="1"/>
+          </p:cNvSpPr>
+          <p:nvPr>
+            <p:ph type="title"/>
+          </p:nvPr>
+        </p:nvSpPr>
+        <p:spPr>
+          <a:xfrm>
+            <a:off x="304800" y="304800"/>
+            <a:ext cx="8229600" cy="1069848"/>
+          </a:xfrm>
+        </p:spPr>
+        <p:txBody>
+          <a:bodyPr/>
+          <a:lstStyle/>
+          <a:p>
+            <a:r>
+              <a:rPr lang="en-US" dirty="0" smtClean="0"/>
+              <a:t>Vascular networks</a:t>
+            </a:r>
+            <a:endParaRPr lang="en-US" dirty="0"/>
+          </a:p>
+        </p:txBody>
+      </p:sp>
+      <p:sp>
+        <p:nvSpPr>
+          <p:cNvPr id="3" name="TextBox 2"/>
+          <p:cNvSpPr txBox="1"/>
+          <p:nvPr/>
+        </p:nvSpPr>
+        <p:spPr>
+          <a:xfrm>
+            <a:off x="4876800" y="764024"/>
+            <a:ext cx="4267200" cy="6093976"/>
+          </a:xfrm>
+          <a:prstGeom prst="rect">
+            <a:avLst/>
+          </a:prstGeom>
+          <a:noFill/>
+        </p:spPr>
+        <p:txBody>
+          <a:bodyPr wrap="square" rtlCol="0">
+            <a:spAutoFit/>
+          </a:bodyPr>
+          <a:lstStyle/>
+          <a:p>
+            <a:pPr>
+              <a:buFont typeface="Arial" pitchFamily="34" charset="0"/>
+              <a:buChar char="•"/>
+            </a:pPr>
+            <a:r>
+              <a:rPr lang="en-US" dirty="0" smtClean="0"/>
+              <a:t>Why scaling relationships within vascular networks are important:</a:t>
+            </a:r>
+          </a:p>
+          <a:p>
+            <a:pPr lvl="1">
+              <a:lnSpc>
+                <a:spcPct val="150000"/>
+              </a:lnSpc>
+              <a:buFont typeface="Arial" pitchFamily="34" charset="0"/>
+              <a:buChar char="•"/>
+            </a:pPr>
+            <a:r>
+              <a:rPr lang="en-US" sz="1600" dirty="0" smtClean="0"/>
+              <a:t>Can be used to calculate metabolic rate, drug delivery rate, tumor growth, and could potentially reveal insight on stroke recovery</a:t>
+            </a:r>
+          </a:p>
+          <a:p>
+            <a:pPr>
+              <a:buFont typeface="Arial" pitchFamily="34" charset="0"/>
+              <a:buChar char="•"/>
+            </a:pPr>
+            <a:r>
+              <a:rPr lang="en-US" dirty="0" smtClean="0"/>
+              <a:t>Tasks:</a:t>
+            </a:r>
+          </a:p>
+          <a:p>
+            <a:pPr lvl="1">
+              <a:lnSpc>
+                <a:spcPct val="150000"/>
+              </a:lnSpc>
+              <a:buFont typeface="Arial" pitchFamily="34" charset="0"/>
+              <a:buChar char="•"/>
+            </a:pPr>
+            <a:r>
+              <a:rPr lang="en-US" sz="1600" dirty="0" smtClean="0"/>
+              <a:t>Learned about scaling exponents,  original models, and original methods of vessel extraction (obtaining data on physical properties of a vascular network i.e. radius and length of vessels)</a:t>
+            </a:r>
+          </a:p>
+          <a:p>
+            <a:pPr lvl="1">
+              <a:lnSpc>
+                <a:spcPct val="150000"/>
+              </a:lnSpc>
+              <a:buFont typeface="Arial" pitchFamily="34" charset="0"/>
+              <a:buChar char="•"/>
+            </a:pPr>
+            <a:r>
+              <a:rPr lang="en-US" sz="1600" dirty="0" smtClean="0"/>
+              <a:t>Compared data from two software, which utilize image processing to obtain data on vascular networks: </a:t>
+            </a:r>
+            <a:r>
+              <a:rPr lang="en-US" sz="1600" dirty="0" err="1" smtClean="0"/>
+              <a:t>Angicart</a:t>
+            </a:r>
+            <a:r>
+              <a:rPr lang="en-US" sz="1600" dirty="0" smtClean="0"/>
+              <a:t> and a version written in C++</a:t>
+            </a:r>
+            <a:endParaRPr lang="en-US" sz="1600" dirty="0"/>
+          </a:p>
+        </p:txBody>
+      </p:sp>
+      <p:pic>
+        <p:nvPicPr>
+          <p:cNvPr id="4" name="Picture 3" descr="Screen Shot 2016-07-13 at 10.13.27 AM.png"/>
+          <p:cNvPicPr>
+            <a:picLocks noChangeAspect="1"/>
+          </p:cNvPicPr>
+          <p:nvPr/>
+        </p:nvPicPr>
+        <p:blipFill>
+          <a:blip r:embed="rId2" cstate="print"/>
+          <a:stretch>
+            <a:fillRect/>
+          </a:stretch>
+        </p:blipFill>
+        <p:spPr>
+          <a:xfrm>
+            <a:off x="228600" y="1219200"/>
+            <a:ext cx="4071256" cy="2590800"/>
+          </a:xfrm>
+          <a:prstGeom prst="rect">
+            <a:avLst/>
+          </a:prstGeom>
+        </p:spPr>
+      </p:pic>
+      <p:pic>
+        <p:nvPicPr>
+          <p:cNvPr id="6" name="Picture 5" descr="Screen Shot 2016-07-13 at 10.24.35 AM.png"/>
+          <p:cNvPicPr>
+            <a:picLocks noChangeAspect="1"/>
+          </p:cNvPicPr>
+          <p:nvPr/>
+        </p:nvPicPr>
+        <p:blipFill>
+          <a:blip r:embed="rId3" cstate="print"/>
+          <a:stretch>
+            <a:fillRect/>
+          </a:stretch>
+        </p:blipFill>
+        <p:spPr>
+          <a:xfrm>
+            <a:off x="1" y="3495854"/>
+            <a:ext cx="2895600" cy="3209745"/>
+          </a:xfrm>
+          <a:prstGeom prst="rect">
+            <a:avLst/>
+          </a:prstGeom>
+        </p:spPr>
+      </p:pic>
+      <p:pic>
+        <p:nvPicPr>
+          <p:cNvPr id="5" name="Picture 4" descr="Screen Shot 2016-07-13 at 10.15.11 AM.png"/>
+          <p:cNvPicPr>
+            <a:picLocks noChangeAspect="1"/>
+          </p:cNvPicPr>
+          <p:nvPr/>
+        </p:nvPicPr>
+        <p:blipFill>
+          <a:blip r:embed="rId4" cstate="print"/>
+          <a:srcRect l="12145" t="11833" r="13770" b="18348"/>
+          <a:stretch>
+            <a:fillRect/>
+          </a:stretch>
+        </p:blipFill>
+        <p:spPr>
+          <a:xfrm>
+            <a:off x="2514600" y="3733800"/>
+            <a:ext cx="2678624" cy="2590800"/>
+          </a:xfrm>
+          <a:prstGeom prst="rect">
+            <a:avLst/>
+          </a:prstGeom>
+        </p:spPr>
+      </p:pic>
+    </p:spTree>
+  </p:cSld>
+  <p:clrMapOvr>
+    <a:masterClrMapping/>
+  </p:clrMapOvr>
+</p:sld>
+</file>
+
+<file path=ppt/slides/slide4.xml><?xml version="1.0" encoding="utf-8"?>
+<p:sld xmlns:a="http://schemas.openxmlformats.org/drawingml/2006/main" xmlns:r="http://schemas.openxmlformats.org/officeDocument/2006/relationships" xmlns:p="http://schemas.openxmlformats.org/presentationml/2006/main">
+  <p:cSld>
+    <p:spTree>
+      <p:nvGrpSpPr>
+        <p:cNvPr id="1" name=""/>
+        <p:cNvGrpSpPr/>
+        <p:nvPr/>
+      </p:nvGrpSpPr>
+      <p:grpSpPr>
+        <a:xfrm>
+          <a:off x="0" y="0"/>
+          <a:ext cx="0" cy="0"/>
+          <a:chOff x="0" y="0"/>
+          <a:chExt cx="0" cy="0"/>
+        </a:xfrm>
+      </p:grpSpPr>
+      <p:sp>
+        <p:nvSpPr>
+          <p:cNvPr id="2" name="Title 1"/>
+          <p:cNvSpPr>
+            <a:spLocks noGrp="1"/>
+          </p:cNvSpPr>
+          <p:nvPr>
+            <p:ph type="title"/>
+          </p:nvPr>
+        </p:nvSpPr>
+        <p:spPr>
+          <a:xfrm>
+            <a:off x="304800" y="304800"/>
+            <a:ext cx="8229600" cy="1069848"/>
+          </a:xfrm>
+        </p:spPr>
+        <p:txBody>
+          <a:bodyPr/>
+          <a:lstStyle/>
+          <a:p>
+            <a:r>
+              <a:rPr lang="en-US" dirty="0" smtClean="0"/>
+              <a:t>Vascular networks</a:t>
+            </a:r>
+            <a:endParaRPr lang="en-US" dirty="0"/>
+          </a:p>
+        </p:txBody>
+      </p:sp>
+      <p:sp>
+        <p:nvSpPr>
+          <p:cNvPr id="3" name="TextBox 2"/>
+          <p:cNvSpPr txBox="1"/>
+          <p:nvPr/>
+        </p:nvSpPr>
+        <p:spPr>
+          <a:xfrm>
+            <a:off x="4953000" y="2057400"/>
+            <a:ext cx="4267200" cy="3416320"/>
+          </a:xfrm>
+          <a:prstGeom prst="rect">
+            <a:avLst/>
+          </a:prstGeom>
+          <a:noFill/>
+        </p:spPr>
+        <p:txBody>
+          <a:bodyPr wrap="square" rtlCol="0">
+            <a:spAutoFit/>
+          </a:bodyPr>
+          <a:lstStyle/>
+          <a:p>
+            <a:pPr lvl="1">
+              <a:lnSpc>
+                <a:spcPct val="150000"/>
+              </a:lnSpc>
+              <a:buFont typeface="Arial" pitchFamily="34" charset="0"/>
+              <a:buChar char="•"/>
+            </a:pPr>
+            <a:r>
+              <a:rPr lang="en-US" sz="1600" dirty="0" smtClean="0"/>
+              <a:t>Learned about the four different methods to calculate scaling exponents:</a:t>
+            </a:r>
+          </a:p>
+          <a:p>
+            <a:pPr lvl="2">
+              <a:lnSpc>
+                <a:spcPct val="150000"/>
+              </a:lnSpc>
+              <a:buFont typeface="Arial" pitchFamily="34" charset="0"/>
+              <a:buChar char="•"/>
+            </a:pPr>
+            <a:r>
+              <a:rPr lang="en-US" sz="1600" dirty="0" smtClean="0"/>
+              <a:t>Conservation-based</a:t>
+            </a:r>
+          </a:p>
+          <a:p>
+            <a:pPr lvl="2">
+              <a:lnSpc>
+                <a:spcPct val="150000"/>
+              </a:lnSpc>
+              <a:buFont typeface="Arial" pitchFamily="34" charset="0"/>
+              <a:buChar char="•"/>
+            </a:pPr>
+            <a:r>
+              <a:rPr lang="en-US" sz="1600" dirty="0" smtClean="0"/>
+              <a:t>Ratio-based</a:t>
+            </a:r>
+          </a:p>
+          <a:p>
+            <a:pPr lvl="2">
+              <a:lnSpc>
+                <a:spcPct val="150000"/>
+              </a:lnSpc>
+              <a:buFont typeface="Arial" pitchFamily="34" charset="0"/>
+              <a:buChar char="•"/>
+            </a:pPr>
+            <a:r>
+              <a:rPr lang="en-US" sz="1600" dirty="0" smtClean="0"/>
+              <a:t>Distribution-based</a:t>
+            </a:r>
+          </a:p>
+          <a:p>
+            <a:pPr lvl="2">
+              <a:lnSpc>
+                <a:spcPct val="150000"/>
+              </a:lnSpc>
+              <a:buFont typeface="Arial" pitchFamily="34" charset="0"/>
+              <a:buChar char="•"/>
+            </a:pPr>
+            <a:r>
+              <a:rPr lang="en-US" sz="1600" dirty="0" smtClean="0"/>
+              <a:t>Regression-based</a:t>
+            </a:r>
+          </a:p>
+          <a:p>
+            <a:pPr lvl="1">
+              <a:lnSpc>
+                <a:spcPct val="150000"/>
+              </a:lnSpc>
+              <a:buFont typeface="Arial" pitchFamily="34" charset="0"/>
+              <a:buChar char="•"/>
+            </a:pPr>
+            <a:r>
+              <a:rPr lang="en-US" sz="1600" dirty="0" smtClean="0"/>
+              <a:t>Wrote MATLAB scripts to plot data and determine scaling exponents based on these four methods</a:t>
+            </a:r>
+          </a:p>
+        </p:txBody>
+      </p:sp>
+      <p:pic>
+        <p:nvPicPr>
+          <p:cNvPr id="7" name="Picture 6" descr="2016-07-13_1038.png"/>
+          <p:cNvPicPr>
+            <a:picLocks noChangeAspect="1"/>
+          </p:cNvPicPr>
+          <p:nvPr/>
+        </p:nvPicPr>
+        <p:blipFill>
+          <a:blip r:embed="rId2" cstate="print"/>
+          <a:stretch>
+            <a:fillRect/>
+          </a:stretch>
+        </p:blipFill>
+        <p:spPr>
+          <a:xfrm>
+            <a:off x="152400" y="1219200"/>
+            <a:ext cx="4800600" cy="2699681"/>
+          </a:xfrm>
+          <a:prstGeom prst="rect">
+            <a:avLst/>
+          </a:prstGeom>
+        </p:spPr>
+      </p:pic>
+      <p:pic>
+        <p:nvPicPr>
+          <p:cNvPr id="8" name="Picture 7" descr="2016-07-13_1040.png"/>
+          <p:cNvPicPr>
+            <a:picLocks noChangeAspect="1"/>
+          </p:cNvPicPr>
+          <p:nvPr/>
+        </p:nvPicPr>
+        <p:blipFill>
+          <a:blip r:embed="rId3" cstate="print"/>
+          <a:stretch>
+            <a:fillRect/>
+          </a:stretch>
+        </p:blipFill>
+        <p:spPr>
+          <a:xfrm>
+            <a:off x="152400" y="4038600"/>
+            <a:ext cx="4800600" cy="2699681"/>
+          </a:xfrm>
+          <a:prstGeom prst="rect">
+            <a:avLst/>
+          </a:prstGeom>
+        </p:spPr>
+      </p:pic>
+    </p:spTree>
+  </p:cSld>
+  <p:clrMapOvr>
+    <a:masterClrMapping/>
+  </p:clrMapOvr>
+</p:sld>
+</file>
+
+<file path=ppt/slides/slide5.xml><?xml version="1.0" encoding="utf-8"?>
 <p:sld xmlns:a="http://schemas.openxmlformats.org/drawingml/2006/main" xmlns:r="http://schemas.openxmlformats.org/officeDocument/2006/relationships" xmlns:p="http://schemas.openxmlformats.org/presentationml/2006/main">
   <p:cSld>
     <p:spTree>
@@ -4350,7 +9614,7 @@
 </p:sld>
 </file>
 
-<file path=ppt/slides/slide3.xml><?xml version="1.0" encoding="utf-8"?>
+<file path=ppt/slides/slide6.xml><?xml version="1.0" encoding="utf-8"?>
 <p:sld xmlns:a="http://schemas.openxmlformats.org/drawingml/2006/main" xmlns:r="http://schemas.openxmlformats.org/officeDocument/2006/relationships" xmlns:p="http://schemas.openxmlformats.org/presentationml/2006/main">
   <p:cSld>
     <p:spTree>
@@ -4531,7 +9795,7 @@
 </p:sld>
 </file>
 
-<file path=ppt/slides/slide4.xml><?xml version="1.0" encoding="utf-8"?>
+<file path=ppt/slides/slide7.xml><?xml version="1.0" encoding="utf-8"?>
 <p:sld xmlns:a="http://schemas.openxmlformats.org/drawingml/2006/main" xmlns:r="http://schemas.openxmlformats.org/officeDocument/2006/relationships" xmlns:p="http://schemas.openxmlformats.org/presentationml/2006/main">
   <p:cSld>
     <p:spTree>
@@ -4712,7 +9976,7 @@
 </p:sld>
 </file>
 
-<file path=ppt/slides/slide5.xml><?xml version="1.0" encoding="utf-8"?>
+<file path=ppt/slides/slide8.xml><?xml version="1.0" encoding="utf-8"?>
 <p:sld xmlns:a="http://schemas.openxmlformats.org/drawingml/2006/main" xmlns:r="http://schemas.openxmlformats.org/officeDocument/2006/relationships" xmlns:p="http://schemas.openxmlformats.org/presentationml/2006/main">
   <p:cSld>
     <p:spTree>
@@ -4845,7 +10109,7 @@
 </p:sld>
 </file>
 
-<file path=ppt/slides/slide6.xml><?xml version="1.0" encoding="utf-8"?>
+<file path=ppt/slides/slide9.xml><?xml version="1.0" encoding="utf-8"?>
 <p:sld xmlns:a="http://schemas.openxmlformats.org/drawingml/2006/main" xmlns:r="http://schemas.openxmlformats.org/officeDocument/2006/relationships" xmlns:p="http://schemas.openxmlformats.org/presentationml/2006/main">
   <p:cSld>
     <p:spTree>
@@ -4862,2119 +10126,114 @@
           <a:chExt cx="0" cy="0"/>
         </a:xfrm>
       </p:grpSpPr>
-      <p:graphicFrame>
-        <p:nvGraphicFramePr>
-          <p:cNvPr id="2" name="Table 1"/>
-          <p:cNvGraphicFramePr>
-            <a:graphicFrameLocks noGrp="1"/>
-          </p:cNvGraphicFramePr>
+      <p:sp>
+        <p:nvSpPr>
+          <p:cNvPr id="2" name="Title 1"/>
+          <p:cNvSpPr>
+            <a:spLocks noGrp="1"/>
+          </p:cNvSpPr>
+          <p:nvPr>
+            <p:ph type="title"/>
+          </p:nvPr>
+        </p:nvSpPr>
+        <p:spPr>
+          <a:xfrm>
+            <a:off x="0" y="228600"/>
+            <a:ext cx="8229600" cy="1069848"/>
+          </a:xfrm>
+        </p:spPr>
+        <p:txBody>
+          <a:bodyPr>
+            <a:normAutofit/>
+          </a:bodyPr>
+          <a:lstStyle/>
+          <a:p>
+            <a:r>
+              <a:rPr lang="en-US" dirty="0" smtClean="0"/>
+              <a:t>Conservation-based method</a:t>
+            </a:r>
+            <a:endParaRPr lang="en-US" dirty="0"/>
+          </a:p>
+        </p:txBody>
+      </p:sp>
+      <p:sp>
+        <p:nvSpPr>
+          <p:cNvPr id="3" name="TextBox 2"/>
+          <p:cNvSpPr txBox="1"/>
           <p:nvPr/>
-        </p:nvGraphicFramePr>
-        <p:xfrm>
-          <a:off x="838200" y="838200"/>
-          <a:ext cx="7696200" cy="2428798"/>
-        </p:xfrm>
-        <a:graphic>
-          <a:graphicData uri="http://schemas.openxmlformats.org/drawingml/2006/table">
-            <a:tbl>
-              <a:tblPr firstRow="1" bandRow="1">
-                <a:tableStyleId>{5C22544A-7EE6-4342-B048-85BDC9FD1C3A}</a:tableStyleId>
-              </a:tblPr>
-              <a:tblGrid>
-                <a:gridCol w="1981200"/>
-                <a:gridCol w="1066800"/>
-                <a:gridCol w="1143000"/>
-                <a:gridCol w="1143000"/>
-                <a:gridCol w="1219200"/>
-                <a:gridCol w="1143000"/>
-              </a:tblGrid>
-              <a:tr h="552633">
-                <a:tc gridSpan="6">
-                  <a:txBody>
-                    <a:bodyPr/>
-                    <a:lstStyle/>
-                    <a:p>
-                      <a:pPr algn="ctr"/>
-                      <a:r>
-                        <a:rPr lang="en-US" sz="1800" dirty="0" smtClean="0"/>
-                        <a:t>Radius exponent measures (C++)</a:t>
-                      </a:r>
-                      <a:endParaRPr lang="en-US" sz="1800" dirty="0"/>
-                    </a:p>
-                  </a:txBody>
-                  <a:tcPr/>
-                </a:tc>
-                <a:tc hMerge="1">
-                  <a:txBody>
-                    <a:bodyPr/>
-                    <a:lstStyle/>
-                    <a:p>
-                      <a:endParaRPr lang="en-US" sz="1200" dirty="0"/>
-                    </a:p>
-                  </a:txBody>
-                  <a:tcPr/>
-                </a:tc>
-                <a:tc hMerge="1">
-                  <a:txBody>
-                    <a:bodyPr/>
-                    <a:lstStyle/>
-                    <a:p>
-                      <a:endParaRPr lang="en-US" sz="1200" dirty="0"/>
-                    </a:p>
-                  </a:txBody>
-                  <a:tcPr/>
-                </a:tc>
-                <a:tc hMerge="1">
-                  <a:txBody>
-                    <a:bodyPr/>
-                    <a:lstStyle/>
-                    <a:p>
-                      <a:endParaRPr lang="en-US" sz="1200" dirty="0"/>
-                    </a:p>
-                  </a:txBody>
-                  <a:tcPr/>
-                </a:tc>
-                <a:tc hMerge="1">
-                  <a:txBody>
-                    <a:bodyPr/>
-                    <a:lstStyle/>
-                    <a:p>
-                      <a:endParaRPr lang="en-US" sz="1200" dirty="0"/>
-                    </a:p>
-                  </a:txBody>
-                  <a:tcPr/>
-                </a:tc>
-                <a:tc hMerge="1">
-                  <a:txBody>
-                    <a:bodyPr/>
-                    <a:lstStyle/>
-                    <a:p>
-                      <a:pPr algn="ctr"/>
-                      <a:endParaRPr lang="en-US" sz="1800" dirty="0"/>
-                    </a:p>
-                  </a:txBody>
-                  <a:tcPr/>
-                </a:tc>
-              </a:tr>
-              <a:tr h="361766">
-                <a:tc>
-                  <a:txBody>
-                    <a:bodyPr/>
-                    <a:lstStyle/>
-                    <a:p>
-                      <a:endParaRPr lang="en-US" sz="1200" b="1" dirty="0"/>
-                    </a:p>
-                  </a:txBody>
-                  <a:tcPr/>
-                </a:tc>
-                <a:tc>
-                  <a:txBody>
-                    <a:bodyPr/>
-                    <a:lstStyle/>
-                    <a:p>
-                      <a:r>
-                        <a:rPr lang="en-US" sz="1200" b="1" dirty="0" smtClean="0"/>
-                        <a:t>N</a:t>
-                      </a:r>
-                      <a:endParaRPr lang="en-US" sz="1200" b="1" dirty="0"/>
-                    </a:p>
-                  </a:txBody>
-                  <a:tcPr/>
-                </a:tc>
-                <a:tc>
-                  <a:txBody>
-                    <a:bodyPr/>
-                    <a:lstStyle/>
-                    <a:p>
-                      <a:r>
-                        <a:rPr lang="en-US" sz="1200" b="1" dirty="0" smtClean="0"/>
-                        <a:t>a</a:t>
-                      </a:r>
-                      <a:endParaRPr lang="en-US" sz="1200" b="1" dirty="0"/>
-                    </a:p>
-                  </a:txBody>
-                  <a:tcPr/>
-                </a:tc>
-                <a:tc>
-                  <a:txBody>
-                    <a:bodyPr/>
-                    <a:lstStyle/>
-                    <a:p>
-                      <a:r>
-                        <a:rPr lang="en-US" sz="1200" b="1" dirty="0" smtClean="0"/>
-                        <a:t>95% CI</a:t>
-                      </a:r>
-                      <a:endParaRPr lang="en-US" sz="1200" b="1" dirty="0"/>
-                    </a:p>
-                  </a:txBody>
-                  <a:tcPr/>
-                </a:tc>
-                <a:tc>
-                  <a:txBody>
-                    <a:bodyPr/>
-                    <a:lstStyle/>
-                    <a:p>
-                      <a:r>
-                        <a:rPr kumimoji="0" lang="el-GR" sz="1200" b="1" i="0" kern="1200" dirty="0" smtClean="0">
-                          <a:solidFill>
-                            <a:schemeClr val="dk1"/>
-                          </a:solidFill>
-                          <a:latin typeface="+mn-lt"/>
-                          <a:ea typeface="+mn-ea"/>
-                          <a:cs typeface="+mn-cs"/>
-                        </a:rPr>
-                        <a:t>σ</a:t>
-                      </a:r>
-                      <a:endParaRPr lang="en-US" sz="1200" b="1" dirty="0"/>
-                    </a:p>
-                  </a:txBody>
-                  <a:tcPr/>
-                </a:tc>
-                <a:tc>
-                  <a:txBody>
-                    <a:bodyPr/>
-                    <a:lstStyle/>
-                    <a:p>
-                      <a:r>
-                        <a:rPr kumimoji="0" lang="en-US" sz="1200" b="1" i="1" kern="1200" dirty="0" smtClean="0">
-                          <a:solidFill>
-                            <a:schemeClr val="dk1"/>
-                          </a:solidFill>
-                          <a:latin typeface="+mn-lt"/>
-                          <a:ea typeface="+mn-ea"/>
-                          <a:cs typeface="+mn-cs"/>
-                        </a:rPr>
-                        <a:t>R</a:t>
-                      </a:r>
-                      <a:r>
-                        <a:rPr kumimoji="0" lang="en-US" sz="1200" b="1" i="0" kern="1200" baseline="30000" dirty="0" smtClean="0">
-                          <a:solidFill>
-                            <a:schemeClr val="dk1"/>
-                          </a:solidFill>
-                          <a:latin typeface="+mn-lt"/>
-                          <a:ea typeface="+mn-ea"/>
-                          <a:cs typeface="+mn-cs"/>
-                        </a:rPr>
-                        <a:t>2</a:t>
-                      </a:r>
-                      <a:r>
-                        <a:rPr kumimoji="0" lang="en-US" sz="1200" b="1" i="0" kern="1200" dirty="0" smtClean="0">
-                          <a:solidFill>
-                            <a:schemeClr val="dk1"/>
-                          </a:solidFill>
-                          <a:latin typeface="+mn-lt"/>
-                          <a:ea typeface="+mn-ea"/>
-                          <a:cs typeface="+mn-cs"/>
-                        </a:rPr>
-                        <a:t> </a:t>
-                      </a:r>
-                      <a:endParaRPr lang="en-US" sz="1200" b="1" dirty="0"/>
-                    </a:p>
-                  </a:txBody>
-                  <a:tcPr/>
-                </a:tc>
-              </a:tr>
-              <a:tr h="361766">
-                <a:tc>
-                  <a:txBody>
-                    <a:bodyPr/>
-                    <a:lstStyle/>
-                    <a:p>
-                      <a:r>
-                        <a:rPr lang="en-US" sz="1200" b="1" dirty="0" smtClean="0"/>
-                        <a:t>Conservation</a:t>
-                      </a:r>
-                      <a:endParaRPr lang="en-US" sz="1200" b="1" dirty="0"/>
-                    </a:p>
-                  </a:txBody>
-                  <a:tcPr/>
-                </a:tc>
-                <a:tc>
-                  <a:txBody>
-                    <a:bodyPr/>
-                    <a:lstStyle/>
-                    <a:p>
-                      <a:r>
-                        <a:rPr lang="en-US" sz="1200" dirty="0" smtClean="0"/>
-                        <a:t>70</a:t>
-                      </a:r>
-                      <a:endParaRPr lang="en-US" sz="1200" dirty="0"/>
-                    </a:p>
-                  </a:txBody>
-                  <a:tcPr/>
-                </a:tc>
-                <a:tc>
-                  <a:txBody>
-                    <a:bodyPr/>
-                    <a:lstStyle/>
-                    <a:p>
-                      <a:r>
-                        <a:rPr lang="en-US" sz="1200" dirty="0" smtClean="0"/>
-                        <a:t>0.42</a:t>
-                      </a:r>
-                      <a:endParaRPr lang="en-US" sz="1200" dirty="0"/>
-                    </a:p>
-                  </a:txBody>
-                  <a:tcPr/>
-                </a:tc>
-                <a:tc>
-                  <a:txBody>
-                    <a:bodyPr/>
-                    <a:lstStyle/>
-                    <a:p>
-                      <a:r>
-                        <a:rPr lang="en-US" sz="1200" dirty="0" smtClean="0"/>
-                        <a:t>0. 1091</a:t>
-                      </a:r>
-                      <a:endParaRPr lang="en-US" sz="1200" dirty="0"/>
-                    </a:p>
-                  </a:txBody>
-                  <a:tcPr/>
-                </a:tc>
-                <a:tc>
-                  <a:txBody>
-                    <a:bodyPr/>
-                    <a:lstStyle/>
-                    <a:p>
-                      <a:r>
-                        <a:rPr lang="en-US" sz="1200" dirty="0" smtClean="0"/>
-                        <a:t> 0.4657</a:t>
-                      </a:r>
-                      <a:endParaRPr lang="en-US" sz="1200" dirty="0"/>
-                    </a:p>
-                  </a:txBody>
-                  <a:tcPr/>
-                </a:tc>
-                <a:tc>
-                  <a:txBody>
-                    <a:bodyPr/>
-                    <a:lstStyle/>
-                    <a:p>
-                      <a:endParaRPr lang="en-US" sz="1200" dirty="0"/>
-                    </a:p>
-                  </a:txBody>
-                  <a:tcPr/>
-                </a:tc>
-              </a:tr>
-              <a:tr h="384211">
-                <a:tc>
-                  <a:txBody>
-                    <a:bodyPr/>
-                    <a:lstStyle/>
-                    <a:p>
-                      <a:r>
-                        <a:rPr lang="en-US" sz="1200" b="1" dirty="0" smtClean="0"/>
-                        <a:t>Ratio</a:t>
-                      </a:r>
-                      <a:endParaRPr lang="en-US" sz="1200" b="1" dirty="0"/>
-                    </a:p>
-                  </a:txBody>
-                  <a:tcPr/>
-                </a:tc>
-                <a:tc>
-                  <a:txBody>
-                    <a:bodyPr/>
-                    <a:lstStyle/>
-                    <a:p>
-                      <a:r>
-                        <a:rPr lang="en-US" sz="1400" dirty="0" smtClean="0"/>
-                        <a:t>72</a:t>
-                      </a:r>
-                      <a:endParaRPr lang="en-US" sz="1400" dirty="0"/>
-                    </a:p>
-                  </a:txBody>
-                  <a:tcPr/>
-                </a:tc>
-                <a:tc>
-                  <a:txBody>
-                    <a:bodyPr/>
-                    <a:lstStyle/>
-                    <a:p>
-                      <a:r>
-                        <a:rPr lang="en-US" sz="1400" dirty="0" smtClean="0"/>
-                        <a:t>0.38</a:t>
-                      </a:r>
-                      <a:endParaRPr lang="en-US" sz="1400" dirty="0"/>
-                    </a:p>
-                  </a:txBody>
-                  <a:tcPr/>
-                </a:tc>
-                <a:tc>
-                  <a:txBody>
-                    <a:bodyPr/>
-                    <a:lstStyle/>
-                    <a:p>
-                      <a:r>
-                        <a:rPr lang="en-US" sz="1400" dirty="0" smtClean="0"/>
-                        <a:t>0.1079</a:t>
-                      </a:r>
-                      <a:endParaRPr lang="en-US" sz="1400" dirty="0"/>
-                    </a:p>
-                  </a:txBody>
-                  <a:tcPr/>
-                </a:tc>
-                <a:tc>
-                  <a:txBody>
-                    <a:bodyPr/>
-                    <a:lstStyle/>
-                    <a:p>
-                      <a:r>
-                        <a:rPr lang="en-US" sz="1400" dirty="0" smtClean="0"/>
-                        <a:t>0.4639</a:t>
-                      </a:r>
-                      <a:endParaRPr lang="en-US" sz="1400" dirty="0"/>
-                    </a:p>
-                  </a:txBody>
-                  <a:tcPr/>
-                </a:tc>
-                <a:tc>
-                  <a:txBody>
-                    <a:bodyPr/>
-                    <a:lstStyle/>
-                    <a:p>
-                      <a:endParaRPr lang="en-US" sz="1400" dirty="0"/>
-                    </a:p>
-                  </a:txBody>
-                  <a:tcPr/>
-                </a:tc>
-              </a:tr>
-              <a:tr h="384211">
-                <a:tc>
-                  <a:txBody>
-                    <a:bodyPr/>
-                    <a:lstStyle/>
-                    <a:p>
-                      <a:r>
-                        <a:rPr lang="en-US" sz="1200" b="1" dirty="0" smtClean="0"/>
-                        <a:t>Distribution</a:t>
-                      </a:r>
-                      <a:endParaRPr lang="en-US" sz="1200" b="1" dirty="0"/>
-                    </a:p>
-                  </a:txBody>
-                  <a:tcPr/>
-                </a:tc>
-                <a:tc>
-                  <a:txBody>
-                    <a:bodyPr/>
-                    <a:lstStyle/>
-                    <a:p>
-                      <a:r>
-                        <a:rPr lang="en-US" sz="1400" dirty="0" smtClean="0"/>
-                        <a:t>112</a:t>
-                      </a:r>
-                      <a:endParaRPr lang="en-US" sz="1400" dirty="0"/>
-                    </a:p>
-                  </a:txBody>
-                  <a:tcPr/>
-                </a:tc>
-                <a:tc>
-                  <a:txBody>
-                    <a:bodyPr/>
-                    <a:lstStyle/>
-                    <a:p>
-                      <a:r>
-                        <a:rPr lang="en-US" sz="1400" dirty="0" smtClean="0"/>
-                        <a:t>-1.57</a:t>
-                      </a:r>
-                      <a:endParaRPr lang="en-US" sz="1400" dirty="0"/>
-                    </a:p>
-                  </a:txBody>
-                  <a:tcPr/>
-                </a:tc>
-                <a:tc>
-                  <a:txBody>
-                    <a:bodyPr/>
-                    <a:lstStyle/>
-                    <a:p>
-                      <a:endParaRPr lang="en-US" sz="1400" dirty="0"/>
-                    </a:p>
-                  </a:txBody>
-                  <a:tcPr/>
-                </a:tc>
-                <a:tc>
-                  <a:txBody>
-                    <a:bodyPr/>
-                    <a:lstStyle/>
-                    <a:p>
-                      <a:endParaRPr lang="en-US" sz="1400" dirty="0"/>
-                    </a:p>
-                  </a:txBody>
-                  <a:tcPr/>
-                </a:tc>
-                <a:tc>
-                  <a:txBody>
-                    <a:bodyPr/>
-                    <a:lstStyle/>
-                    <a:p>
-                      <a:r>
-                        <a:rPr lang="en-US" sz="1400" dirty="0" smtClean="0"/>
-                        <a:t>-0.1707</a:t>
-                      </a:r>
-                      <a:endParaRPr lang="en-US" sz="1400" dirty="0"/>
-                    </a:p>
-                  </a:txBody>
-                  <a:tcPr/>
-                </a:tc>
-              </a:tr>
-              <a:tr h="384211">
-                <a:tc>
-                  <a:txBody>
-                    <a:bodyPr/>
-                    <a:lstStyle/>
-                    <a:p>
-                      <a:r>
-                        <a:rPr lang="en-US" sz="1200" b="1" dirty="0" smtClean="0"/>
-                        <a:t>Regression</a:t>
-                      </a:r>
-                      <a:endParaRPr lang="en-US" sz="1200" b="1" dirty="0"/>
-                    </a:p>
-                  </a:txBody>
-                  <a:tcPr/>
-                </a:tc>
-                <a:tc>
-                  <a:txBody>
-                    <a:bodyPr/>
-                    <a:lstStyle/>
-                    <a:p>
-                      <a:endParaRPr lang="en-US" sz="1400" dirty="0"/>
-                    </a:p>
-                  </a:txBody>
-                  <a:tcPr/>
-                </a:tc>
-                <a:tc>
-                  <a:txBody>
-                    <a:bodyPr/>
-                    <a:lstStyle/>
-                    <a:p>
-                      <a:endParaRPr lang="en-US" sz="1400" dirty="0"/>
-                    </a:p>
-                  </a:txBody>
-                  <a:tcPr/>
-                </a:tc>
-                <a:tc>
-                  <a:txBody>
-                    <a:bodyPr/>
-                    <a:lstStyle/>
-                    <a:p>
-                      <a:endParaRPr lang="en-US" sz="1400" dirty="0"/>
-                    </a:p>
-                  </a:txBody>
-                  <a:tcPr/>
-                </a:tc>
-                <a:tc>
-                  <a:txBody>
-                    <a:bodyPr/>
-                    <a:lstStyle/>
-                    <a:p>
-                      <a:endParaRPr lang="en-US" sz="1400" dirty="0"/>
-                    </a:p>
-                  </a:txBody>
-                  <a:tcPr/>
-                </a:tc>
-                <a:tc>
-                  <a:txBody>
-                    <a:bodyPr/>
-                    <a:lstStyle/>
-                    <a:p>
-                      <a:endParaRPr lang="en-US" sz="1400" dirty="0"/>
-                    </a:p>
-                  </a:txBody>
-                  <a:tcPr/>
-                </a:tc>
-              </a:tr>
-            </a:tbl>
-          </a:graphicData>
-        </a:graphic>
-      </p:graphicFrame>
-      <p:graphicFrame>
-        <p:nvGraphicFramePr>
-          <p:cNvPr id="4" name="Table 3"/>
-          <p:cNvGraphicFramePr>
-            <a:graphicFrameLocks noGrp="1"/>
-          </p:cNvGraphicFramePr>
+        </p:nvSpPr>
+        <p:spPr>
+          <a:xfrm>
+            <a:off x="152400" y="990600"/>
+            <a:ext cx="4572000" cy="369332"/>
+          </a:xfrm>
+          <a:prstGeom prst="rect">
+            <a:avLst/>
+          </a:prstGeom>
+          <a:noFill/>
+        </p:spPr>
+        <p:txBody>
+          <a:bodyPr wrap="square" rtlCol="0">
+            <a:spAutoFit/>
+          </a:bodyPr>
+          <a:lstStyle/>
+          <a:p>
+            <a:r>
+              <a:rPr lang="en-US" b="1" i="1" dirty="0" smtClean="0"/>
+              <a:t>Human head and torso: patient 2</a:t>
+            </a:r>
+            <a:endParaRPr lang="en-US" b="1" i="1" dirty="0"/>
+          </a:p>
+        </p:txBody>
+      </p:sp>
+      <p:pic>
+        <p:nvPicPr>
+          <p:cNvPr id="12" name="Picture 11" descr="pat2_ang_a_m1.jpg"/>
+          <p:cNvPicPr>
+            <a:picLocks noChangeAspect="1"/>
+          </p:cNvPicPr>
           <p:nvPr/>
-        </p:nvGraphicFramePr>
-        <p:xfrm>
-          <a:off x="838200" y="3505200"/>
-          <a:ext cx="7696200" cy="2428798"/>
-        </p:xfrm>
-        <a:graphic>
-          <a:graphicData uri="http://schemas.openxmlformats.org/drawingml/2006/table">
-            <a:tbl>
-              <a:tblPr firstRow="1" bandRow="1">
-                <a:tableStyleId>{5C22544A-7EE6-4342-B048-85BDC9FD1C3A}</a:tableStyleId>
-              </a:tblPr>
-              <a:tblGrid>
-                <a:gridCol w="1981200"/>
-                <a:gridCol w="1066800"/>
-                <a:gridCol w="1143000"/>
-                <a:gridCol w="1143000"/>
-                <a:gridCol w="1219200"/>
-                <a:gridCol w="1143000"/>
-              </a:tblGrid>
-              <a:tr h="552633">
-                <a:tc gridSpan="6">
-                  <a:txBody>
-                    <a:bodyPr/>
-                    <a:lstStyle/>
-                    <a:p>
-                      <a:pPr algn="ctr"/>
-                      <a:r>
-                        <a:rPr lang="en-US" sz="1800" dirty="0" smtClean="0"/>
-                        <a:t>Radius</a:t>
-                      </a:r>
-                      <a:r>
-                        <a:rPr lang="en-US" sz="1800" baseline="0" dirty="0" smtClean="0"/>
-                        <a:t> </a:t>
-                      </a:r>
-                      <a:r>
-                        <a:rPr lang="en-US" sz="1800" dirty="0" smtClean="0"/>
-                        <a:t>exponent measures (</a:t>
-                      </a:r>
-                      <a:r>
-                        <a:rPr lang="en-US" sz="1800" dirty="0" err="1" smtClean="0"/>
-                        <a:t>Angicart</a:t>
-                      </a:r>
-                      <a:r>
-                        <a:rPr lang="en-US" sz="1800" dirty="0" smtClean="0"/>
-                        <a:t>)</a:t>
-                      </a:r>
-                      <a:endParaRPr lang="en-US" sz="1800" dirty="0"/>
-                    </a:p>
-                  </a:txBody>
-                  <a:tcPr/>
-                </a:tc>
-                <a:tc hMerge="1">
-                  <a:txBody>
-                    <a:bodyPr/>
-                    <a:lstStyle/>
-                    <a:p>
-                      <a:endParaRPr lang="en-US" sz="1200" dirty="0"/>
-                    </a:p>
-                  </a:txBody>
-                  <a:tcPr/>
-                </a:tc>
-                <a:tc hMerge="1">
-                  <a:txBody>
-                    <a:bodyPr/>
-                    <a:lstStyle/>
-                    <a:p>
-                      <a:endParaRPr lang="en-US" sz="1200" dirty="0"/>
-                    </a:p>
-                  </a:txBody>
-                  <a:tcPr/>
-                </a:tc>
-                <a:tc hMerge="1">
-                  <a:txBody>
-                    <a:bodyPr/>
-                    <a:lstStyle/>
-                    <a:p>
-                      <a:endParaRPr lang="en-US" sz="1200" dirty="0"/>
-                    </a:p>
-                  </a:txBody>
-                  <a:tcPr/>
-                </a:tc>
-                <a:tc hMerge="1">
-                  <a:txBody>
-                    <a:bodyPr/>
-                    <a:lstStyle/>
-                    <a:p>
-                      <a:endParaRPr lang="en-US" sz="1200" dirty="0"/>
-                    </a:p>
-                  </a:txBody>
-                  <a:tcPr/>
-                </a:tc>
-                <a:tc hMerge="1">
-                  <a:txBody>
-                    <a:bodyPr/>
-                    <a:lstStyle/>
-                    <a:p>
-                      <a:pPr algn="ctr"/>
-                      <a:endParaRPr lang="en-US" sz="1800" dirty="0"/>
-                    </a:p>
-                  </a:txBody>
-                  <a:tcPr/>
-                </a:tc>
-              </a:tr>
-              <a:tr h="361766">
-                <a:tc>
-                  <a:txBody>
-                    <a:bodyPr/>
-                    <a:lstStyle/>
-                    <a:p>
-                      <a:endParaRPr lang="en-US" sz="1200" b="1" dirty="0"/>
-                    </a:p>
-                  </a:txBody>
-                  <a:tcPr/>
-                </a:tc>
-                <a:tc>
-                  <a:txBody>
-                    <a:bodyPr/>
-                    <a:lstStyle/>
-                    <a:p>
-                      <a:r>
-                        <a:rPr lang="en-US" sz="1200" b="1" dirty="0" smtClean="0"/>
-                        <a:t>N</a:t>
-                      </a:r>
-                      <a:endParaRPr lang="en-US" sz="1200" b="1" dirty="0"/>
-                    </a:p>
-                  </a:txBody>
-                  <a:tcPr/>
-                </a:tc>
-                <a:tc>
-                  <a:txBody>
-                    <a:bodyPr/>
-                    <a:lstStyle/>
-                    <a:p>
-                      <a:r>
-                        <a:rPr lang="en-US" sz="1200" b="1" dirty="0" smtClean="0"/>
-                        <a:t>a</a:t>
-                      </a:r>
-                      <a:endParaRPr lang="en-US" sz="1200" b="1" dirty="0"/>
-                    </a:p>
-                  </a:txBody>
-                  <a:tcPr/>
-                </a:tc>
-                <a:tc>
-                  <a:txBody>
-                    <a:bodyPr/>
-                    <a:lstStyle/>
-                    <a:p>
-                      <a:r>
-                        <a:rPr lang="en-US" sz="1200" b="1" dirty="0" smtClean="0"/>
-                        <a:t>95% CI</a:t>
-                      </a:r>
-                      <a:endParaRPr lang="en-US" sz="1200" b="1" dirty="0"/>
-                    </a:p>
-                  </a:txBody>
-                  <a:tcPr/>
-                </a:tc>
-                <a:tc>
-                  <a:txBody>
-                    <a:bodyPr/>
-                    <a:lstStyle/>
-                    <a:p>
-                      <a:r>
-                        <a:rPr kumimoji="0" lang="el-GR" sz="1200" b="1" i="0" kern="1200" dirty="0" smtClean="0">
-                          <a:solidFill>
-                            <a:schemeClr val="dk1"/>
-                          </a:solidFill>
-                          <a:latin typeface="+mn-lt"/>
-                          <a:ea typeface="+mn-ea"/>
-                          <a:cs typeface="+mn-cs"/>
-                        </a:rPr>
-                        <a:t>σ</a:t>
-                      </a:r>
-                      <a:endParaRPr lang="en-US" sz="1200" b="1" dirty="0"/>
-                    </a:p>
-                  </a:txBody>
-                  <a:tcPr/>
-                </a:tc>
-                <a:tc>
-                  <a:txBody>
-                    <a:bodyPr/>
-                    <a:lstStyle/>
-                    <a:p>
-                      <a:r>
-                        <a:rPr kumimoji="0" lang="en-US" sz="1200" b="1" i="1" kern="1200" dirty="0" smtClean="0">
-                          <a:solidFill>
-                            <a:schemeClr val="dk1"/>
-                          </a:solidFill>
-                          <a:latin typeface="+mn-lt"/>
-                          <a:ea typeface="+mn-ea"/>
-                          <a:cs typeface="+mn-cs"/>
-                        </a:rPr>
-                        <a:t>R</a:t>
-                      </a:r>
-                      <a:r>
-                        <a:rPr kumimoji="0" lang="en-US" sz="1200" b="1" i="0" kern="1200" baseline="30000" dirty="0" smtClean="0">
-                          <a:solidFill>
-                            <a:schemeClr val="dk1"/>
-                          </a:solidFill>
-                          <a:latin typeface="+mn-lt"/>
-                          <a:ea typeface="+mn-ea"/>
-                          <a:cs typeface="+mn-cs"/>
-                        </a:rPr>
-                        <a:t>2</a:t>
-                      </a:r>
-                      <a:r>
-                        <a:rPr kumimoji="0" lang="en-US" sz="1200" b="1" i="0" kern="1200" dirty="0" smtClean="0">
-                          <a:solidFill>
-                            <a:schemeClr val="dk1"/>
-                          </a:solidFill>
-                          <a:latin typeface="+mn-lt"/>
-                          <a:ea typeface="+mn-ea"/>
-                          <a:cs typeface="+mn-cs"/>
-                        </a:rPr>
-                        <a:t> </a:t>
-                      </a:r>
-                      <a:endParaRPr lang="en-US" sz="1200" b="1" dirty="0"/>
-                    </a:p>
-                  </a:txBody>
-                  <a:tcPr/>
-                </a:tc>
-              </a:tr>
-              <a:tr h="361766">
-                <a:tc>
-                  <a:txBody>
-                    <a:bodyPr/>
-                    <a:lstStyle/>
-                    <a:p>
-                      <a:r>
-                        <a:rPr lang="en-US" sz="1200" b="1" dirty="0" smtClean="0"/>
-                        <a:t>Conservation</a:t>
-                      </a:r>
-                      <a:endParaRPr lang="en-US" sz="1200" b="1" dirty="0"/>
-                    </a:p>
-                  </a:txBody>
-                  <a:tcPr/>
-                </a:tc>
-                <a:tc>
-                  <a:txBody>
-                    <a:bodyPr/>
-                    <a:lstStyle/>
-                    <a:p>
-                      <a:r>
-                        <a:rPr lang="en-US" sz="1200" dirty="0" smtClean="0"/>
-                        <a:t>189</a:t>
-                      </a:r>
-                      <a:endParaRPr lang="en-US" sz="1200" dirty="0"/>
-                    </a:p>
-                  </a:txBody>
-                  <a:tcPr/>
-                </a:tc>
-                <a:tc>
-                  <a:txBody>
-                    <a:bodyPr/>
-                    <a:lstStyle/>
-                    <a:p>
-                      <a:r>
-                        <a:rPr lang="en-US" sz="1200" dirty="0" smtClean="0"/>
-                        <a:t>0.53</a:t>
-                      </a:r>
-                      <a:endParaRPr lang="en-US" sz="1200" dirty="0"/>
-                    </a:p>
-                  </a:txBody>
-                  <a:tcPr/>
-                </a:tc>
-                <a:tc>
-                  <a:txBody>
-                    <a:bodyPr/>
-                    <a:lstStyle/>
-                    <a:p>
-                      <a:r>
-                        <a:rPr lang="en-US" sz="1200" dirty="0" smtClean="0"/>
-                        <a:t>0.0602</a:t>
-                      </a:r>
-                      <a:endParaRPr lang="en-US" sz="1200" dirty="0"/>
-                    </a:p>
-                  </a:txBody>
-                  <a:tcPr/>
-                </a:tc>
-                <a:tc>
-                  <a:txBody>
-                    <a:bodyPr/>
-                    <a:lstStyle/>
-                    <a:p>
-                      <a:r>
-                        <a:rPr lang="en-US" sz="1200" dirty="0" smtClean="0"/>
-                        <a:t> 0.4220</a:t>
-                      </a:r>
-                      <a:endParaRPr lang="en-US" sz="1200" dirty="0"/>
-                    </a:p>
-                  </a:txBody>
-                  <a:tcPr/>
-                </a:tc>
-                <a:tc>
-                  <a:txBody>
-                    <a:bodyPr/>
-                    <a:lstStyle/>
-                    <a:p>
-                      <a:endParaRPr lang="en-US" sz="1200" dirty="0"/>
-                    </a:p>
-                  </a:txBody>
-                  <a:tcPr/>
-                </a:tc>
-              </a:tr>
-              <a:tr h="384211">
-                <a:tc>
-                  <a:txBody>
-                    <a:bodyPr/>
-                    <a:lstStyle/>
-                    <a:p>
-                      <a:r>
-                        <a:rPr lang="en-US" sz="1200" b="1" dirty="0" smtClean="0"/>
-                        <a:t>Ratio</a:t>
-                      </a:r>
-                      <a:endParaRPr lang="en-US" sz="1200" b="1" dirty="0"/>
-                    </a:p>
-                  </a:txBody>
-                  <a:tcPr/>
-                </a:tc>
-                <a:tc>
-                  <a:txBody>
-                    <a:bodyPr/>
-                    <a:lstStyle/>
-                    <a:p>
-                      <a:r>
-                        <a:rPr lang="en-US" sz="1400" dirty="0" smtClean="0"/>
-                        <a:t>189</a:t>
-                      </a:r>
-                      <a:endParaRPr lang="en-US" sz="1400" dirty="0"/>
-                    </a:p>
-                  </a:txBody>
-                  <a:tcPr/>
-                </a:tc>
-                <a:tc>
-                  <a:txBody>
-                    <a:bodyPr/>
-                    <a:lstStyle/>
-                    <a:p>
-                      <a:r>
-                        <a:rPr lang="en-US" sz="1400" dirty="0" smtClean="0"/>
-                        <a:t>0.47</a:t>
-                      </a:r>
-                      <a:endParaRPr lang="en-US" sz="1400" dirty="0"/>
-                    </a:p>
-                  </a:txBody>
-                  <a:tcPr/>
-                </a:tc>
-                <a:tc>
-                  <a:txBody>
-                    <a:bodyPr/>
-                    <a:lstStyle/>
-                    <a:p>
-                      <a:r>
-                        <a:rPr lang="en-US" sz="1400" dirty="0" smtClean="0"/>
-                        <a:t>0.0602</a:t>
-                      </a:r>
-                      <a:endParaRPr lang="en-US" sz="1400" dirty="0"/>
-                    </a:p>
-                  </a:txBody>
-                  <a:tcPr/>
-                </a:tc>
-                <a:tc>
-                  <a:txBody>
-                    <a:bodyPr/>
-                    <a:lstStyle/>
-                    <a:p>
-                      <a:r>
-                        <a:rPr lang="en-US" sz="1400" dirty="0" smtClean="0"/>
-                        <a:t>0.4220</a:t>
-                      </a:r>
-                      <a:endParaRPr lang="en-US" sz="1400" dirty="0"/>
-                    </a:p>
-                  </a:txBody>
-                  <a:tcPr/>
-                </a:tc>
-                <a:tc>
-                  <a:txBody>
-                    <a:bodyPr/>
-                    <a:lstStyle/>
-                    <a:p>
-                      <a:endParaRPr lang="en-US" sz="1400" dirty="0"/>
-                    </a:p>
-                  </a:txBody>
-                  <a:tcPr/>
-                </a:tc>
-              </a:tr>
-              <a:tr h="384211">
-                <a:tc>
-                  <a:txBody>
-                    <a:bodyPr/>
-                    <a:lstStyle/>
-                    <a:p>
-                      <a:r>
-                        <a:rPr lang="en-US" sz="1200" b="1" dirty="0" smtClean="0"/>
-                        <a:t>Distribution</a:t>
-                      </a:r>
-                      <a:endParaRPr lang="en-US" sz="1200" b="1" dirty="0"/>
-                    </a:p>
-                  </a:txBody>
-                  <a:tcPr/>
-                </a:tc>
-                <a:tc>
-                  <a:txBody>
-                    <a:bodyPr/>
-                    <a:lstStyle/>
-                    <a:p>
-                      <a:r>
-                        <a:rPr lang="en-US" sz="1400" dirty="0" smtClean="0"/>
-                        <a:t>333</a:t>
-                      </a:r>
-                      <a:endParaRPr lang="en-US" sz="1400" dirty="0"/>
-                    </a:p>
-                  </a:txBody>
-                  <a:tcPr/>
-                </a:tc>
-                <a:tc>
-                  <a:txBody>
-                    <a:bodyPr/>
-                    <a:lstStyle/>
-                    <a:p>
-                      <a:r>
-                        <a:rPr lang="en-US" sz="1400" dirty="0" smtClean="0"/>
-                        <a:t>0.52</a:t>
-                      </a:r>
-                      <a:endParaRPr lang="en-US" sz="1400" dirty="0"/>
-                    </a:p>
-                  </a:txBody>
-                  <a:tcPr/>
-                </a:tc>
-                <a:tc>
-                  <a:txBody>
-                    <a:bodyPr/>
-                    <a:lstStyle/>
-                    <a:p>
-                      <a:endParaRPr lang="en-US" sz="1400" dirty="0"/>
-                    </a:p>
-                  </a:txBody>
-                  <a:tcPr/>
-                </a:tc>
-                <a:tc>
-                  <a:txBody>
-                    <a:bodyPr/>
-                    <a:lstStyle/>
-                    <a:p>
-                      <a:endParaRPr lang="en-US" sz="1400" dirty="0"/>
-                    </a:p>
-                  </a:txBody>
-                  <a:tcPr/>
-                </a:tc>
-                <a:tc>
-                  <a:txBody>
-                    <a:bodyPr/>
-                    <a:lstStyle/>
-                    <a:p>
-                      <a:r>
-                        <a:rPr lang="en-US" sz="1400" dirty="0" smtClean="0"/>
-                        <a:t>0.7068</a:t>
-                      </a:r>
-                      <a:endParaRPr lang="en-US" sz="1400" dirty="0"/>
-                    </a:p>
-                  </a:txBody>
-                  <a:tcPr/>
-                </a:tc>
-              </a:tr>
-              <a:tr h="384211">
-                <a:tc>
-                  <a:txBody>
-                    <a:bodyPr/>
-                    <a:lstStyle/>
-                    <a:p>
-                      <a:r>
-                        <a:rPr lang="en-US" sz="1200" b="1" dirty="0" smtClean="0"/>
-                        <a:t>Regression</a:t>
-                      </a:r>
-                      <a:endParaRPr lang="en-US" sz="1200" b="1" dirty="0"/>
-                    </a:p>
-                  </a:txBody>
-                  <a:tcPr/>
-                </a:tc>
-                <a:tc>
-                  <a:txBody>
-                    <a:bodyPr/>
-                    <a:lstStyle/>
-                    <a:p>
-                      <a:r>
-                        <a:rPr lang="en-US" sz="1400" dirty="0" smtClean="0"/>
-                        <a:t>333</a:t>
-                      </a:r>
-                      <a:endParaRPr lang="en-US" sz="1400" dirty="0"/>
-                    </a:p>
-                  </a:txBody>
-                  <a:tcPr/>
-                </a:tc>
-                <a:tc>
-                  <a:txBody>
-                    <a:bodyPr/>
-                    <a:lstStyle/>
-                    <a:p>
-                      <a:r>
-                        <a:rPr lang="en-US" sz="1400" dirty="0" smtClean="0"/>
-                        <a:t>0.09</a:t>
-                      </a:r>
-                      <a:endParaRPr lang="en-US" sz="1400" dirty="0"/>
-                    </a:p>
-                  </a:txBody>
-                  <a:tcPr/>
-                </a:tc>
-                <a:tc>
-                  <a:txBody>
-                    <a:bodyPr/>
-                    <a:lstStyle/>
-                    <a:p>
-                      <a:endParaRPr lang="en-US" sz="1400" dirty="0"/>
-                    </a:p>
-                  </a:txBody>
-                  <a:tcPr/>
-                </a:tc>
-                <a:tc>
-                  <a:txBody>
-                    <a:bodyPr/>
-                    <a:lstStyle/>
-                    <a:p>
-                      <a:endParaRPr lang="en-US" sz="1400" dirty="0"/>
-                    </a:p>
-                  </a:txBody>
-                  <a:tcPr/>
-                </a:tc>
-                <a:tc>
-                  <a:txBody>
-                    <a:bodyPr/>
-                    <a:lstStyle/>
-                    <a:p>
-                      <a:r>
-                        <a:rPr lang="en-US" sz="1400" dirty="0" smtClean="0"/>
-                        <a:t> -0.2223</a:t>
-                      </a:r>
-                      <a:endParaRPr lang="en-US" sz="1400" dirty="0"/>
-                    </a:p>
-                  </a:txBody>
-                  <a:tcPr/>
-                </a:tc>
-              </a:tr>
-            </a:tbl>
-          </a:graphicData>
-        </a:graphic>
-      </p:graphicFrame>
-    </p:spTree>
-  </p:cSld>
-  <p:clrMapOvr>
-    <a:masterClrMapping/>
-  </p:clrMapOvr>
-</p:sld>
-</file>
-
-<file path=ppt/slides/slide7.xml><?xml version="1.0" encoding="utf-8"?>
-<p:sld xmlns:a="http://schemas.openxmlformats.org/drawingml/2006/main" xmlns:r="http://schemas.openxmlformats.org/officeDocument/2006/relationships" xmlns:p="http://schemas.openxmlformats.org/presentationml/2006/main">
-  <p:cSld>
-    <p:spTree>
-      <p:nvGrpSpPr>
-        <p:cNvPr id="1" name=""/>
-        <p:cNvGrpSpPr/>
-        <p:nvPr/>
-      </p:nvGrpSpPr>
-      <p:grpSpPr>
-        <a:xfrm>
-          <a:off x="0" y="0"/>
-          <a:ext cx="0" cy="0"/>
-          <a:chOff x="0" y="0"/>
-          <a:chExt cx="0" cy="0"/>
-        </a:xfrm>
-      </p:grpSpPr>
-      <p:graphicFrame>
-        <p:nvGraphicFramePr>
-          <p:cNvPr id="2" name="Table 1"/>
-          <p:cNvGraphicFramePr>
-            <a:graphicFrameLocks noGrp="1"/>
-          </p:cNvGraphicFramePr>
+        </p:nvPicPr>
+        <p:blipFill>
+          <a:blip r:embed="rId2" cstate="print"/>
+          <a:stretch>
+            <a:fillRect/>
+          </a:stretch>
+        </p:blipFill>
+        <p:spPr>
+          <a:xfrm>
+            <a:off x="4724400" y="1295400"/>
+            <a:ext cx="3657600" cy="2743200"/>
+          </a:xfrm>
+          <a:prstGeom prst="rect">
+            <a:avLst/>
+          </a:prstGeom>
+        </p:spPr>
+      </p:pic>
+      <p:pic>
+        <p:nvPicPr>
+          <p:cNvPr id="13" name="Picture 12" descr="pat2_ang_b_m1.jpg"/>
+          <p:cNvPicPr>
+            <a:picLocks noChangeAspect="1"/>
+          </p:cNvPicPr>
           <p:nvPr/>
-        </p:nvGraphicFramePr>
-        <p:xfrm>
-          <a:off x="838200" y="838200"/>
-          <a:ext cx="7696200" cy="2428798"/>
-        </p:xfrm>
-        <a:graphic>
-          <a:graphicData uri="http://schemas.openxmlformats.org/drawingml/2006/table">
-            <a:tbl>
-              <a:tblPr firstRow="1" bandRow="1">
-                <a:tableStyleId>{93296810-A885-4BE3-A3E7-6D5BEEA58F35}</a:tableStyleId>
-              </a:tblPr>
-              <a:tblGrid>
-                <a:gridCol w="1981200"/>
-                <a:gridCol w="1066800"/>
-                <a:gridCol w="1143000"/>
-                <a:gridCol w="1143000"/>
-                <a:gridCol w="1219200"/>
-                <a:gridCol w="1143000"/>
-              </a:tblGrid>
-              <a:tr h="552633">
-                <a:tc gridSpan="6">
-                  <a:txBody>
-                    <a:bodyPr/>
-                    <a:lstStyle/>
-                    <a:p>
-                      <a:pPr algn="ctr"/>
-                      <a:r>
-                        <a:rPr lang="en-US" sz="1800" dirty="0" smtClean="0"/>
-                        <a:t>Length exponent measures (C++)</a:t>
-                      </a:r>
-                      <a:endParaRPr lang="en-US" sz="1800" dirty="0"/>
-                    </a:p>
-                  </a:txBody>
-                  <a:tcPr/>
-                </a:tc>
-                <a:tc hMerge="1">
-                  <a:txBody>
-                    <a:bodyPr/>
-                    <a:lstStyle/>
-                    <a:p>
-                      <a:endParaRPr lang="en-US" sz="1200" dirty="0"/>
-                    </a:p>
-                  </a:txBody>
-                  <a:tcPr/>
-                </a:tc>
-                <a:tc hMerge="1">
-                  <a:txBody>
-                    <a:bodyPr/>
-                    <a:lstStyle/>
-                    <a:p>
-                      <a:endParaRPr lang="en-US" sz="1200" dirty="0"/>
-                    </a:p>
-                  </a:txBody>
-                  <a:tcPr/>
-                </a:tc>
-                <a:tc hMerge="1">
-                  <a:txBody>
-                    <a:bodyPr/>
-                    <a:lstStyle/>
-                    <a:p>
-                      <a:endParaRPr lang="en-US" sz="1200" dirty="0"/>
-                    </a:p>
-                  </a:txBody>
-                  <a:tcPr/>
-                </a:tc>
-                <a:tc hMerge="1">
-                  <a:txBody>
-                    <a:bodyPr/>
-                    <a:lstStyle/>
-                    <a:p>
-                      <a:endParaRPr lang="en-US" sz="1200" dirty="0"/>
-                    </a:p>
-                  </a:txBody>
-                  <a:tcPr/>
-                </a:tc>
-                <a:tc hMerge="1">
-                  <a:txBody>
-                    <a:bodyPr/>
-                    <a:lstStyle/>
-                    <a:p>
-                      <a:pPr algn="ctr"/>
-                      <a:endParaRPr lang="en-US" sz="1800" dirty="0"/>
-                    </a:p>
-                  </a:txBody>
-                  <a:tcPr/>
-                </a:tc>
-              </a:tr>
-              <a:tr h="361766">
-                <a:tc>
-                  <a:txBody>
-                    <a:bodyPr/>
-                    <a:lstStyle/>
-                    <a:p>
-                      <a:endParaRPr lang="en-US" sz="1200" b="1" dirty="0"/>
-                    </a:p>
-                  </a:txBody>
-                  <a:tcPr/>
-                </a:tc>
-                <a:tc>
-                  <a:txBody>
-                    <a:bodyPr/>
-                    <a:lstStyle/>
-                    <a:p>
-                      <a:r>
-                        <a:rPr lang="en-US" sz="1200" dirty="0" smtClean="0"/>
-                        <a:t>N</a:t>
-                      </a:r>
-                      <a:endParaRPr lang="en-US" sz="1200" b="1" dirty="0"/>
-                    </a:p>
-                  </a:txBody>
-                  <a:tcPr/>
-                </a:tc>
-                <a:tc>
-                  <a:txBody>
-                    <a:bodyPr/>
-                    <a:lstStyle/>
-                    <a:p>
-                      <a:r>
-                        <a:rPr lang="en-US" sz="1200" dirty="0" smtClean="0"/>
-                        <a:t>b</a:t>
-                      </a:r>
-                      <a:endParaRPr lang="en-US" sz="1200" b="1" dirty="0"/>
-                    </a:p>
-                  </a:txBody>
-                  <a:tcPr/>
-                </a:tc>
-                <a:tc>
-                  <a:txBody>
-                    <a:bodyPr/>
-                    <a:lstStyle/>
-                    <a:p>
-                      <a:r>
-                        <a:rPr lang="en-US" sz="1200" dirty="0" smtClean="0"/>
-                        <a:t>95% CI</a:t>
-                      </a:r>
-                      <a:endParaRPr lang="en-US" sz="1200" b="1" dirty="0"/>
-                    </a:p>
-                  </a:txBody>
-                  <a:tcPr/>
-                </a:tc>
-                <a:tc>
-                  <a:txBody>
-                    <a:bodyPr/>
-                    <a:lstStyle/>
-                    <a:p>
-                      <a:r>
-                        <a:rPr kumimoji="0" lang="el-GR" sz="1200" kern="1200" dirty="0" smtClean="0"/>
-                        <a:t>σ</a:t>
-                      </a:r>
-                      <a:endParaRPr lang="en-US" sz="1200" b="1" dirty="0"/>
-                    </a:p>
-                  </a:txBody>
-                  <a:tcPr/>
-                </a:tc>
-                <a:tc>
-                  <a:txBody>
-                    <a:bodyPr/>
-                    <a:lstStyle/>
-                    <a:p>
-                      <a:r>
-                        <a:rPr kumimoji="0" lang="en-US" sz="1200" kern="1200" dirty="0" smtClean="0"/>
-                        <a:t>R</a:t>
-                      </a:r>
-                      <a:r>
-                        <a:rPr kumimoji="0" lang="en-US" sz="1200" kern="1200" baseline="30000" dirty="0" smtClean="0"/>
-                        <a:t>2</a:t>
-                      </a:r>
-                      <a:r>
-                        <a:rPr kumimoji="0" lang="en-US" sz="1200" kern="1200" dirty="0" smtClean="0"/>
-                        <a:t> </a:t>
-                      </a:r>
-                      <a:endParaRPr lang="en-US" sz="1200" b="1" dirty="0"/>
-                    </a:p>
-                  </a:txBody>
-                  <a:tcPr/>
-                </a:tc>
-              </a:tr>
-              <a:tr h="361766">
-                <a:tc>
-                  <a:txBody>
-                    <a:bodyPr/>
-                    <a:lstStyle/>
-                    <a:p>
-                      <a:r>
-                        <a:rPr lang="en-US" sz="1200" dirty="0" smtClean="0"/>
-                        <a:t>Conservation</a:t>
-                      </a:r>
-                      <a:endParaRPr lang="en-US" sz="1200" b="1" dirty="0"/>
-                    </a:p>
-                  </a:txBody>
-                  <a:tcPr/>
-                </a:tc>
-                <a:tc>
-                  <a:txBody>
-                    <a:bodyPr/>
-                    <a:lstStyle/>
-                    <a:p>
-                      <a:r>
-                        <a:rPr lang="en-US" sz="1200" dirty="0" smtClean="0"/>
-                        <a:t>47</a:t>
-                      </a:r>
-                      <a:endParaRPr lang="en-US" sz="1200" dirty="0"/>
-                    </a:p>
-                  </a:txBody>
-                  <a:tcPr/>
-                </a:tc>
-                <a:tc>
-                  <a:txBody>
-                    <a:bodyPr/>
-                    <a:lstStyle/>
-                    <a:p>
-                      <a:r>
-                        <a:rPr lang="en-US" sz="1200" dirty="0" smtClean="0"/>
-                        <a:t>2.14</a:t>
-                      </a:r>
-                      <a:endParaRPr lang="en-US" sz="1200" dirty="0"/>
-                    </a:p>
-                  </a:txBody>
-                  <a:tcPr/>
-                </a:tc>
-                <a:tc>
-                  <a:txBody>
-                    <a:bodyPr/>
-                    <a:lstStyle/>
-                    <a:p>
-                      <a:r>
-                        <a:rPr lang="en-US" sz="1200" dirty="0" smtClean="0"/>
-                        <a:t> 0.4782</a:t>
-                      </a:r>
-                      <a:endParaRPr lang="en-US" sz="1200" dirty="0"/>
-                    </a:p>
-                  </a:txBody>
-                  <a:tcPr/>
-                </a:tc>
-                <a:tc>
-                  <a:txBody>
-                    <a:bodyPr/>
-                    <a:lstStyle/>
-                    <a:p>
-                      <a:r>
-                        <a:rPr lang="en-US" sz="1200" dirty="0" smtClean="0"/>
-                        <a:t> 1.6727</a:t>
-                      </a:r>
-                      <a:endParaRPr lang="en-US" sz="1200" dirty="0"/>
-                    </a:p>
-                  </a:txBody>
-                  <a:tcPr/>
-                </a:tc>
-                <a:tc>
-                  <a:txBody>
-                    <a:bodyPr/>
-                    <a:lstStyle/>
-                    <a:p>
-                      <a:endParaRPr lang="en-US" sz="1200" dirty="0"/>
-                    </a:p>
-                  </a:txBody>
-                  <a:tcPr/>
-                </a:tc>
-              </a:tr>
-              <a:tr h="384211">
-                <a:tc>
-                  <a:txBody>
-                    <a:bodyPr/>
-                    <a:lstStyle/>
-                    <a:p>
-                      <a:r>
-                        <a:rPr lang="en-US" sz="1200" dirty="0" smtClean="0"/>
-                        <a:t>Ratio</a:t>
-                      </a:r>
-                      <a:endParaRPr lang="en-US" sz="1200" b="1" dirty="0"/>
-                    </a:p>
-                  </a:txBody>
-                  <a:tcPr/>
-                </a:tc>
-                <a:tc>
-                  <a:txBody>
-                    <a:bodyPr/>
-                    <a:lstStyle/>
-                    <a:p>
-                      <a:r>
-                        <a:rPr lang="en-US" sz="1400" dirty="0" smtClean="0"/>
-                        <a:t>49</a:t>
-                      </a:r>
-                      <a:endParaRPr lang="en-US" sz="1400" dirty="0"/>
-                    </a:p>
-                  </a:txBody>
-                  <a:tcPr/>
-                </a:tc>
-                <a:tc>
-                  <a:txBody>
-                    <a:bodyPr/>
-                    <a:lstStyle/>
-                    <a:p>
-                      <a:r>
-                        <a:rPr lang="en-US" sz="1400" dirty="0" smtClean="0"/>
-                        <a:t>1.49</a:t>
-                      </a:r>
-                      <a:endParaRPr lang="en-US" sz="1400" dirty="0"/>
-                    </a:p>
-                  </a:txBody>
-                  <a:tcPr/>
-                </a:tc>
-                <a:tc>
-                  <a:txBody>
-                    <a:bodyPr/>
-                    <a:lstStyle/>
-                    <a:p>
-                      <a:r>
-                        <a:rPr lang="en-US" sz="1400" dirty="0" smtClean="0"/>
-                        <a:t>0.4695</a:t>
-                      </a:r>
-                      <a:endParaRPr lang="en-US" sz="1400" dirty="0"/>
-                    </a:p>
-                  </a:txBody>
-                  <a:tcPr/>
-                </a:tc>
-                <a:tc>
-                  <a:txBody>
-                    <a:bodyPr/>
-                    <a:lstStyle/>
-                    <a:p>
-                      <a:r>
-                        <a:rPr lang="en-US" sz="1400" dirty="0" smtClean="0"/>
-                        <a:t>1.6597</a:t>
-                      </a:r>
-                      <a:endParaRPr lang="en-US" sz="1400" dirty="0"/>
-                    </a:p>
-                  </a:txBody>
-                  <a:tcPr/>
-                </a:tc>
-                <a:tc>
-                  <a:txBody>
-                    <a:bodyPr/>
-                    <a:lstStyle/>
-                    <a:p>
-                      <a:endParaRPr lang="en-US" sz="1400" dirty="0"/>
-                    </a:p>
-                  </a:txBody>
-                  <a:tcPr/>
-                </a:tc>
-              </a:tr>
-              <a:tr h="384211">
-                <a:tc>
-                  <a:txBody>
-                    <a:bodyPr/>
-                    <a:lstStyle/>
-                    <a:p>
-                      <a:r>
-                        <a:rPr lang="en-US" sz="1200" dirty="0" smtClean="0"/>
-                        <a:t>Distribution</a:t>
-                      </a:r>
-                      <a:endParaRPr lang="en-US" sz="1200" b="1" dirty="0"/>
-                    </a:p>
-                  </a:txBody>
-                  <a:tcPr/>
-                </a:tc>
-                <a:tc>
-                  <a:txBody>
-                    <a:bodyPr/>
-                    <a:lstStyle/>
-                    <a:p>
-                      <a:r>
-                        <a:rPr lang="en-US" sz="1400" dirty="0" smtClean="0"/>
-                        <a:t>112</a:t>
-                      </a:r>
-                      <a:endParaRPr lang="en-US" sz="1400" dirty="0"/>
-                    </a:p>
-                  </a:txBody>
-                  <a:tcPr/>
-                </a:tc>
-                <a:tc>
-                  <a:txBody>
-                    <a:bodyPr/>
-                    <a:lstStyle/>
-                    <a:p>
-                      <a:r>
-                        <a:rPr lang="en-US" sz="1400" dirty="0" smtClean="0"/>
-                        <a:t>0.57</a:t>
-                      </a:r>
-                      <a:endParaRPr lang="en-US" sz="1400" dirty="0"/>
-                    </a:p>
-                  </a:txBody>
-                  <a:tcPr/>
-                </a:tc>
-                <a:tc>
-                  <a:txBody>
-                    <a:bodyPr/>
-                    <a:lstStyle/>
-                    <a:p>
-                      <a:endParaRPr lang="en-US" sz="1400" dirty="0"/>
-                    </a:p>
-                  </a:txBody>
-                  <a:tcPr/>
-                </a:tc>
-                <a:tc>
-                  <a:txBody>
-                    <a:bodyPr/>
-                    <a:lstStyle/>
-                    <a:p>
-                      <a:endParaRPr lang="en-US" sz="1400" dirty="0"/>
-                    </a:p>
-                  </a:txBody>
-                  <a:tcPr/>
-                </a:tc>
-                <a:tc>
-                  <a:txBody>
-                    <a:bodyPr/>
-                    <a:lstStyle/>
-                    <a:p>
-                      <a:r>
-                        <a:rPr lang="en-US" sz="1400" dirty="0" smtClean="0"/>
-                        <a:t>0.4357</a:t>
-                      </a:r>
-                      <a:endParaRPr lang="en-US" sz="1400" dirty="0"/>
-                    </a:p>
-                  </a:txBody>
-                  <a:tcPr/>
-                </a:tc>
-              </a:tr>
-              <a:tr h="384211">
-                <a:tc>
-                  <a:txBody>
-                    <a:bodyPr/>
-                    <a:lstStyle/>
-                    <a:p>
-                      <a:r>
-                        <a:rPr lang="en-US" sz="1200" dirty="0" smtClean="0"/>
-                        <a:t>Regression</a:t>
-                      </a:r>
-                      <a:endParaRPr lang="en-US" sz="1200" b="1" dirty="0"/>
-                    </a:p>
-                  </a:txBody>
-                  <a:tcPr/>
-                </a:tc>
-                <a:tc>
-                  <a:txBody>
-                    <a:bodyPr/>
-                    <a:lstStyle/>
-                    <a:p>
-                      <a:endParaRPr lang="en-US" sz="1400" dirty="0"/>
-                    </a:p>
-                  </a:txBody>
-                  <a:tcPr/>
-                </a:tc>
-                <a:tc>
-                  <a:txBody>
-                    <a:bodyPr/>
-                    <a:lstStyle/>
-                    <a:p>
-                      <a:endParaRPr lang="en-US" sz="1400" dirty="0"/>
-                    </a:p>
-                  </a:txBody>
-                  <a:tcPr/>
-                </a:tc>
-                <a:tc>
-                  <a:txBody>
-                    <a:bodyPr/>
-                    <a:lstStyle/>
-                    <a:p>
-                      <a:endParaRPr lang="en-US" sz="1400" dirty="0"/>
-                    </a:p>
-                  </a:txBody>
-                  <a:tcPr/>
-                </a:tc>
-                <a:tc>
-                  <a:txBody>
-                    <a:bodyPr/>
-                    <a:lstStyle/>
-                    <a:p>
-                      <a:endParaRPr lang="en-US" sz="1400" dirty="0"/>
-                    </a:p>
-                  </a:txBody>
-                  <a:tcPr/>
-                </a:tc>
-                <a:tc>
-                  <a:txBody>
-                    <a:bodyPr/>
-                    <a:lstStyle/>
-                    <a:p>
-                      <a:endParaRPr lang="en-US" sz="1400" dirty="0"/>
-                    </a:p>
-                  </a:txBody>
-                  <a:tcPr/>
-                </a:tc>
-              </a:tr>
-            </a:tbl>
-          </a:graphicData>
-        </a:graphic>
-      </p:graphicFrame>
-      <p:graphicFrame>
-        <p:nvGraphicFramePr>
-          <p:cNvPr id="4" name="Table 3"/>
-          <p:cNvGraphicFramePr>
-            <a:graphicFrameLocks noGrp="1"/>
-          </p:cNvGraphicFramePr>
-          <p:nvPr/>
-        </p:nvGraphicFramePr>
-        <p:xfrm>
-          <a:off x="838200" y="3505200"/>
-          <a:ext cx="7696200" cy="2428798"/>
-        </p:xfrm>
-        <a:graphic>
-          <a:graphicData uri="http://schemas.openxmlformats.org/drawingml/2006/table">
-            <a:tbl>
-              <a:tblPr firstRow="1" bandRow="1">
-                <a:tableStyleId>{93296810-A885-4BE3-A3E7-6D5BEEA58F35}</a:tableStyleId>
-              </a:tblPr>
-              <a:tblGrid>
-                <a:gridCol w="1981200"/>
-                <a:gridCol w="1066800"/>
-                <a:gridCol w="1143000"/>
-                <a:gridCol w="1143000"/>
-                <a:gridCol w="1219200"/>
-                <a:gridCol w="1143000"/>
-              </a:tblGrid>
-              <a:tr h="552633">
-                <a:tc gridSpan="6">
-                  <a:txBody>
-                    <a:bodyPr/>
-                    <a:lstStyle/>
-                    <a:p>
-                      <a:pPr algn="ctr"/>
-                      <a:r>
-                        <a:rPr lang="en-US" sz="1800" dirty="0" smtClean="0"/>
-                        <a:t>Length exponent measures (</a:t>
-                      </a:r>
-                      <a:r>
-                        <a:rPr lang="en-US" sz="1800" dirty="0" err="1" smtClean="0"/>
-                        <a:t>Angicart</a:t>
-                      </a:r>
-                      <a:r>
-                        <a:rPr lang="en-US" sz="1800" dirty="0" smtClean="0"/>
-                        <a:t>)</a:t>
-                      </a:r>
-                      <a:endParaRPr lang="en-US" sz="1800" dirty="0"/>
-                    </a:p>
-                  </a:txBody>
-                  <a:tcPr/>
-                </a:tc>
-                <a:tc hMerge="1">
-                  <a:txBody>
-                    <a:bodyPr/>
-                    <a:lstStyle/>
-                    <a:p>
-                      <a:endParaRPr lang="en-US" sz="1200" dirty="0"/>
-                    </a:p>
-                  </a:txBody>
-                  <a:tcPr/>
-                </a:tc>
-                <a:tc hMerge="1">
-                  <a:txBody>
-                    <a:bodyPr/>
-                    <a:lstStyle/>
-                    <a:p>
-                      <a:endParaRPr lang="en-US" sz="1200" dirty="0"/>
-                    </a:p>
-                  </a:txBody>
-                  <a:tcPr/>
-                </a:tc>
-                <a:tc hMerge="1">
-                  <a:txBody>
-                    <a:bodyPr/>
-                    <a:lstStyle/>
-                    <a:p>
-                      <a:endParaRPr lang="en-US" sz="1200" dirty="0"/>
-                    </a:p>
-                  </a:txBody>
-                  <a:tcPr/>
-                </a:tc>
-                <a:tc hMerge="1">
-                  <a:txBody>
-                    <a:bodyPr/>
-                    <a:lstStyle/>
-                    <a:p>
-                      <a:endParaRPr lang="en-US" sz="1200" dirty="0"/>
-                    </a:p>
-                  </a:txBody>
-                  <a:tcPr/>
-                </a:tc>
-                <a:tc hMerge="1">
-                  <a:txBody>
-                    <a:bodyPr/>
-                    <a:lstStyle/>
-                    <a:p>
-                      <a:pPr algn="ctr"/>
-                      <a:endParaRPr lang="en-US" sz="1800" dirty="0"/>
-                    </a:p>
-                  </a:txBody>
-                  <a:tcPr/>
-                </a:tc>
-              </a:tr>
-              <a:tr h="361766">
-                <a:tc>
-                  <a:txBody>
-                    <a:bodyPr/>
-                    <a:lstStyle/>
-                    <a:p>
-                      <a:endParaRPr lang="en-US" sz="1200" b="1" dirty="0"/>
-                    </a:p>
-                  </a:txBody>
-                  <a:tcPr/>
-                </a:tc>
-                <a:tc>
-                  <a:txBody>
-                    <a:bodyPr/>
-                    <a:lstStyle/>
-                    <a:p>
-                      <a:r>
-                        <a:rPr lang="en-US" sz="1200" dirty="0" smtClean="0"/>
-                        <a:t>N</a:t>
-                      </a:r>
-                      <a:endParaRPr lang="en-US" sz="1200" b="1" dirty="0"/>
-                    </a:p>
-                  </a:txBody>
-                  <a:tcPr/>
-                </a:tc>
-                <a:tc>
-                  <a:txBody>
-                    <a:bodyPr/>
-                    <a:lstStyle/>
-                    <a:p>
-                      <a:r>
-                        <a:rPr lang="en-US" sz="1200" dirty="0" smtClean="0"/>
-                        <a:t>b</a:t>
-                      </a:r>
-                      <a:endParaRPr lang="en-US" sz="1200" b="1" dirty="0"/>
-                    </a:p>
-                  </a:txBody>
-                  <a:tcPr/>
-                </a:tc>
-                <a:tc>
-                  <a:txBody>
-                    <a:bodyPr/>
-                    <a:lstStyle/>
-                    <a:p>
-                      <a:r>
-                        <a:rPr lang="en-US" sz="1200" dirty="0" smtClean="0"/>
-                        <a:t>95% CI</a:t>
-                      </a:r>
-                      <a:endParaRPr lang="en-US" sz="1200" b="1" dirty="0"/>
-                    </a:p>
-                  </a:txBody>
-                  <a:tcPr/>
-                </a:tc>
-                <a:tc>
-                  <a:txBody>
-                    <a:bodyPr/>
-                    <a:lstStyle/>
-                    <a:p>
-                      <a:r>
-                        <a:rPr kumimoji="0" lang="el-GR" sz="1200" kern="1200" dirty="0" smtClean="0"/>
-                        <a:t>σ</a:t>
-                      </a:r>
-                      <a:endParaRPr lang="en-US" sz="1200" b="1" dirty="0"/>
-                    </a:p>
-                  </a:txBody>
-                  <a:tcPr/>
-                </a:tc>
-                <a:tc>
-                  <a:txBody>
-                    <a:bodyPr/>
-                    <a:lstStyle/>
-                    <a:p>
-                      <a:r>
-                        <a:rPr kumimoji="0" lang="en-US" sz="1200" kern="1200" dirty="0" smtClean="0"/>
-                        <a:t>R</a:t>
-                      </a:r>
-                      <a:r>
-                        <a:rPr kumimoji="0" lang="en-US" sz="1200" kern="1200" baseline="30000" dirty="0" smtClean="0"/>
-                        <a:t>2</a:t>
-                      </a:r>
-                      <a:r>
-                        <a:rPr kumimoji="0" lang="en-US" sz="1200" kern="1200" dirty="0" smtClean="0"/>
-                        <a:t> </a:t>
-                      </a:r>
-                      <a:endParaRPr lang="en-US" sz="1200" b="1" dirty="0"/>
-                    </a:p>
-                  </a:txBody>
-                  <a:tcPr/>
-                </a:tc>
-              </a:tr>
-              <a:tr h="361766">
-                <a:tc>
-                  <a:txBody>
-                    <a:bodyPr/>
-                    <a:lstStyle/>
-                    <a:p>
-                      <a:r>
-                        <a:rPr lang="en-US" sz="1200" dirty="0" smtClean="0"/>
-                        <a:t>Conservation</a:t>
-                      </a:r>
-                      <a:endParaRPr lang="en-US" sz="1200" b="1" dirty="0"/>
-                    </a:p>
-                  </a:txBody>
-                  <a:tcPr/>
-                </a:tc>
-                <a:tc>
-                  <a:txBody>
-                    <a:bodyPr/>
-                    <a:lstStyle/>
-                    <a:p>
-                      <a:r>
-                        <a:rPr lang="en-US" sz="1200" dirty="0" smtClean="0"/>
-                        <a:t>162</a:t>
-                      </a:r>
-                      <a:endParaRPr lang="en-US" sz="1200" dirty="0"/>
-                    </a:p>
-                  </a:txBody>
-                  <a:tcPr/>
-                </a:tc>
-                <a:tc>
-                  <a:txBody>
-                    <a:bodyPr/>
-                    <a:lstStyle/>
-                    <a:p>
-                      <a:r>
-                        <a:rPr lang="en-US" sz="1200" dirty="0" smtClean="0"/>
-                        <a:t>1.9</a:t>
-                      </a:r>
-                      <a:endParaRPr lang="en-US" sz="1200" dirty="0"/>
-                    </a:p>
-                  </a:txBody>
-                  <a:tcPr/>
-                </a:tc>
-                <a:tc>
-                  <a:txBody>
-                    <a:bodyPr/>
-                    <a:lstStyle/>
-                    <a:p>
-                      <a:r>
-                        <a:rPr lang="en-US" sz="1200" dirty="0" smtClean="0"/>
-                        <a:t>0.2101</a:t>
-                      </a:r>
-                      <a:endParaRPr lang="en-US" sz="1200" dirty="0"/>
-                    </a:p>
-                  </a:txBody>
-                  <a:tcPr/>
-                </a:tc>
-                <a:tc>
-                  <a:txBody>
-                    <a:bodyPr/>
-                    <a:lstStyle/>
-                    <a:p>
-                      <a:r>
-                        <a:rPr lang="en-US" sz="1200" dirty="0" smtClean="0"/>
-                        <a:t> 1.3644</a:t>
-                      </a:r>
-                      <a:endParaRPr lang="en-US" sz="1200" dirty="0"/>
-                    </a:p>
-                  </a:txBody>
-                  <a:tcPr/>
-                </a:tc>
-                <a:tc>
-                  <a:txBody>
-                    <a:bodyPr/>
-                    <a:lstStyle/>
-                    <a:p>
-                      <a:endParaRPr lang="en-US" sz="1200" dirty="0"/>
-                    </a:p>
-                  </a:txBody>
-                  <a:tcPr/>
-                </a:tc>
-              </a:tr>
-              <a:tr h="384211">
-                <a:tc>
-                  <a:txBody>
-                    <a:bodyPr/>
-                    <a:lstStyle/>
-                    <a:p>
-                      <a:r>
-                        <a:rPr lang="en-US" sz="1200" dirty="0" smtClean="0"/>
-                        <a:t>Ratio</a:t>
-                      </a:r>
-                      <a:endParaRPr lang="en-US" sz="1200" b="1" dirty="0"/>
-                    </a:p>
-                  </a:txBody>
-                  <a:tcPr/>
-                </a:tc>
-                <a:tc>
-                  <a:txBody>
-                    <a:bodyPr/>
-                    <a:lstStyle/>
-                    <a:p>
-                      <a:r>
-                        <a:rPr lang="en-US" sz="1400" dirty="0" smtClean="0"/>
-                        <a:t>162</a:t>
-                      </a:r>
-                      <a:endParaRPr lang="en-US" sz="1400" dirty="0"/>
-                    </a:p>
-                  </a:txBody>
-                  <a:tcPr/>
-                </a:tc>
-                <a:tc>
-                  <a:txBody>
-                    <a:bodyPr/>
-                    <a:lstStyle/>
-                    <a:p>
-                      <a:r>
-                        <a:rPr lang="en-US" sz="1400" dirty="0" smtClean="0"/>
-                        <a:t>1.42</a:t>
-                      </a:r>
-                      <a:endParaRPr lang="en-US" sz="1400" dirty="0"/>
-                    </a:p>
-                  </a:txBody>
-                  <a:tcPr/>
-                </a:tc>
-                <a:tc>
-                  <a:txBody>
-                    <a:bodyPr/>
-                    <a:lstStyle/>
-                    <a:p>
-                      <a:r>
-                        <a:rPr lang="en-US" sz="1400" dirty="0" smtClean="0"/>
-                        <a:t>0.2101</a:t>
-                      </a:r>
-                      <a:endParaRPr lang="en-US" sz="1400" dirty="0"/>
-                    </a:p>
-                  </a:txBody>
-                  <a:tcPr/>
-                </a:tc>
-                <a:tc>
-                  <a:txBody>
-                    <a:bodyPr/>
-                    <a:lstStyle/>
-                    <a:p>
-                      <a:r>
-                        <a:rPr lang="en-US" sz="1400" dirty="0" smtClean="0"/>
-                        <a:t>1.3644</a:t>
-                      </a:r>
-                      <a:endParaRPr lang="en-US" sz="1400" dirty="0"/>
-                    </a:p>
-                  </a:txBody>
-                  <a:tcPr/>
-                </a:tc>
-                <a:tc>
-                  <a:txBody>
-                    <a:bodyPr/>
-                    <a:lstStyle/>
-                    <a:p>
-                      <a:endParaRPr lang="en-US" sz="1400" dirty="0"/>
-                    </a:p>
-                  </a:txBody>
-                  <a:tcPr/>
-                </a:tc>
-              </a:tr>
-              <a:tr h="384211">
-                <a:tc>
-                  <a:txBody>
-                    <a:bodyPr/>
-                    <a:lstStyle/>
-                    <a:p>
-                      <a:r>
-                        <a:rPr lang="en-US" sz="1200" dirty="0" smtClean="0"/>
-                        <a:t>Distribution</a:t>
-                      </a:r>
-                      <a:endParaRPr lang="en-US" sz="1200" b="1" dirty="0"/>
-                    </a:p>
-                  </a:txBody>
-                  <a:tcPr/>
-                </a:tc>
-                <a:tc>
-                  <a:txBody>
-                    <a:bodyPr/>
-                    <a:lstStyle/>
-                    <a:p>
-                      <a:r>
-                        <a:rPr lang="en-US" sz="1400" dirty="0" smtClean="0"/>
-                        <a:t>333</a:t>
-                      </a:r>
-                      <a:endParaRPr lang="en-US" sz="1400" dirty="0"/>
-                    </a:p>
-                  </a:txBody>
-                  <a:tcPr/>
-                </a:tc>
-                <a:tc>
-                  <a:txBody>
-                    <a:bodyPr/>
-                    <a:lstStyle/>
-                    <a:p>
-                      <a:r>
-                        <a:rPr lang="en-US" sz="1400" dirty="0" smtClean="0"/>
-                        <a:t>0.41</a:t>
-                      </a:r>
-                      <a:endParaRPr lang="en-US" sz="1400" dirty="0"/>
-                    </a:p>
-                  </a:txBody>
-                  <a:tcPr/>
-                </a:tc>
-                <a:tc>
-                  <a:txBody>
-                    <a:bodyPr/>
-                    <a:lstStyle/>
-                    <a:p>
-                      <a:endParaRPr lang="en-US" sz="1400" dirty="0"/>
-                    </a:p>
-                  </a:txBody>
-                  <a:tcPr/>
-                </a:tc>
-                <a:tc>
-                  <a:txBody>
-                    <a:bodyPr/>
-                    <a:lstStyle/>
-                    <a:p>
-                      <a:endParaRPr lang="en-US" sz="1400" dirty="0"/>
-                    </a:p>
-                  </a:txBody>
-                  <a:tcPr/>
-                </a:tc>
-                <a:tc>
-                  <a:txBody>
-                    <a:bodyPr/>
-                    <a:lstStyle/>
-                    <a:p>
-                      <a:r>
-                        <a:rPr lang="en-US" sz="1400" dirty="0" smtClean="0"/>
-                        <a:t>0.2178</a:t>
-                      </a:r>
-                      <a:endParaRPr lang="en-US" sz="1400" dirty="0"/>
-                    </a:p>
-                  </a:txBody>
-                  <a:tcPr/>
-                </a:tc>
-              </a:tr>
-              <a:tr h="384211">
-                <a:tc>
-                  <a:txBody>
-                    <a:bodyPr/>
-                    <a:lstStyle/>
-                    <a:p>
-                      <a:r>
-                        <a:rPr lang="en-US" sz="1200" dirty="0" smtClean="0"/>
-                        <a:t>Regression</a:t>
-                      </a:r>
-                      <a:endParaRPr lang="en-US" sz="1200" b="1" dirty="0"/>
-                    </a:p>
-                  </a:txBody>
-                  <a:tcPr/>
-                </a:tc>
-                <a:tc>
-                  <a:txBody>
-                    <a:bodyPr/>
-                    <a:lstStyle/>
-                    <a:p>
-                      <a:r>
-                        <a:rPr lang="en-US" sz="1400" smtClean="0"/>
-                        <a:t>333</a:t>
-                      </a:r>
-                      <a:endParaRPr lang="en-US" sz="1400" dirty="0"/>
-                    </a:p>
-                  </a:txBody>
-                  <a:tcPr/>
-                </a:tc>
-                <a:tc>
-                  <a:txBody>
-                    <a:bodyPr/>
-                    <a:lstStyle/>
-                    <a:p>
-                      <a:r>
-                        <a:rPr lang="en-US" sz="1400" dirty="0" smtClean="0"/>
-                        <a:t>0.14</a:t>
-                      </a:r>
-                      <a:endParaRPr lang="en-US" sz="1400" dirty="0"/>
-                    </a:p>
-                  </a:txBody>
-                  <a:tcPr/>
-                </a:tc>
-                <a:tc>
-                  <a:txBody>
-                    <a:bodyPr/>
-                    <a:lstStyle/>
-                    <a:p>
-                      <a:endParaRPr lang="en-US" sz="1400" dirty="0"/>
-                    </a:p>
-                  </a:txBody>
-                  <a:tcPr/>
-                </a:tc>
-                <a:tc>
-                  <a:txBody>
-                    <a:bodyPr/>
-                    <a:lstStyle/>
-                    <a:p>
-                      <a:endParaRPr lang="en-US" sz="1400" dirty="0"/>
-                    </a:p>
-                  </a:txBody>
-                  <a:tcPr/>
-                </a:tc>
-                <a:tc>
-                  <a:txBody>
-                    <a:bodyPr/>
-                    <a:lstStyle/>
-                    <a:p>
-                      <a:r>
-                        <a:rPr lang="en-US" sz="1400" dirty="0" smtClean="0"/>
-                        <a:t>-0.0805</a:t>
-                      </a:r>
-                      <a:endParaRPr lang="en-US" sz="1400" dirty="0"/>
-                    </a:p>
-                  </a:txBody>
-                  <a:tcPr/>
-                </a:tc>
-              </a:tr>
-            </a:tbl>
-          </a:graphicData>
-        </a:graphic>
-      </p:graphicFrame>
+        </p:nvPicPr>
+        <p:blipFill>
+          <a:blip r:embed="rId3" cstate="print"/>
+          <a:stretch>
+            <a:fillRect/>
+          </a:stretch>
+        </p:blipFill>
+        <p:spPr>
+          <a:xfrm>
+            <a:off x="4724400" y="4114800"/>
+            <a:ext cx="3657600" cy="2743200"/>
+          </a:xfrm>
+          <a:prstGeom prst="rect">
+            <a:avLst/>
+          </a:prstGeom>
+        </p:spPr>
+      </p:pic>
     </p:spTree>
   </p:cSld>
   <p:clrMapOvr>
@@ -7261,4 +10520,287 @@
   <a:objectDefaults/>
   <a:extraClrSchemeLst/>
 </a:theme>
+</file>
+
+<file path=ppt/theme/theme2.xml><?xml version="1.0" encoding="utf-8"?>
+<a:theme xmlns:a="http://schemas.openxmlformats.org/drawingml/2006/main" name="Office Theme">
+  <a:themeElements>
+    <a:clrScheme name="Office">
+      <a:dk1>
+        <a:sysClr val="windowText" lastClr="000000"/>
+      </a:dk1>
+      <a:lt1>
+        <a:sysClr val="window" lastClr="FFFFFF"/>
+      </a:lt1>
+      <a:dk2>
+        <a:srgbClr val="1F497D"/>
+      </a:dk2>
+      <a:lt2>
+        <a:srgbClr val="EEECE1"/>
+      </a:lt2>
+      <a:accent1>
+        <a:srgbClr val="4F81BD"/>
+      </a:accent1>
+      <a:accent2>
+        <a:srgbClr val="C0504D"/>
+      </a:accent2>
+      <a:accent3>
+        <a:srgbClr val="9BBB59"/>
+      </a:accent3>
+      <a:accent4>
+        <a:srgbClr val="8064A2"/>
+      </a:accent4>
+      <a:accent5>
+        <a:srgbClr val="4BACC6"/>
+      </a:accent5>
+      <a:accent6>
+        <a:srgbClr val="F79646"/>
+      </a:accent6>
+      <a:hlink>
+        <a:srgbClr val="0000FF"/>
+      </a:hlink>
+      <a:folHlink>
+        <a:srgbClr val="800080"/>
+      </a:folHlink>
+    </a:clrScheme>
+    <a:fontScheme name="Office">
+      <a:majorFont>
+        <a:latin typeface="Calibri"/>
+        <a:ea typeface=""/>
+        <a:cs typeface=""/>
+        <a:font script="Jpan" typeface="ＭＳ Ｐゴシック"/>
+        <a:font script="Hang" typeface="맑은 고딕"/>
+        <a:font script="Hans" typeface="宋体"/>
+        <a:font script="Hant" typeface="新細明體"/>
+        <a:font script="Arab" typeface="Times New Roman"/>
+        <a:font script="Hebr" typeface="Times New Roman"/>
+        <a:font script="Thai" typeface="Angsana New"/>
+        <a:font script="Ethi" typeface="Nyala"/>
+        <a:font script="Beng" typeface="Vrinda"/>
+        <a:font script="Gujr" typeface="Shruti"/>
+        <a:font script="Khmr" typeface="MoolBoran"/>
+        <a:font script="Knda" typeface="Tunga"/>
+        <a:font script="Guru" typeface="Raavi"/>
+        <a:font script="Cans" typeface="Euphemia"/>
+        <a:font script="Cher" typeface="Plantagenet Cherokee"/>
+        <a:font script="Yiii" typeface="Microsoft Yi Baiti"/>
+        <a:font script="Tibt" typeface="Microsoft Himalaya"/>
+        <a:font script="Thaa" typeface="MV Boli"/>
+        <a:font script="Deva" typeface="Mangal"/>
+        <a:font script="Telu" typeface="Gautami"/>
+        <a:font script="Taml" typeface="Latha"/>
+        <a:font script="Syrc" typeface="Estrangelo Edessa"/>
+        <a:font script="Orya" typeface="Kalinga"/>
+        <a:font script="Mlym" typeface="Kartika"/>
+        <a:font script="Laoo" typeface="DokChampa"/>
+        <a:font script="Sinh" typeface="Iskoola Pota"/>
+        <a:font script="Mong" typeface="Mongolian Baiti"/>
+        <a:font script="Viet" typeface="Times New Roman"/>
+        <a:font script="Uigh" typeface="Microsoft Uighur"/>
+      </a:majorFont>
+      <a:minorFont>
+        <a:latin typeface="Calibri"/>
+        <a:ea typeface=""/>
+        <a:cs typeface=""/>
+        <a:font script="Jpan" typeface="ＭＳ Ｐゴシック"/>
+        <a:font script="Hang" typeface="맑은 고딕"/>
+        <a:font script="Hans" typeface="宋体"/>
+        <a:font script="Hant" typeface="新細明體"/>
+        <a:font script="Arab" typeface="Arial"/>
+        <a:font script="Hebr" typeface="Arial"/>
+        <a:font script="Thai" typeface="Cordia New"/>
+        <a:font script="Ethi" typeface="Nyala"/>
+        <a:font script="Beng" typeface="Vrinda"/>
+        <a:font script="Gujr" typeface="Shruti"/>
+        <a:font script="Khmr" typeface="DaunPenh"/>
+        <a:font script="Knda" typeface="Tunga"/>
+        <a:font script="Guru" typeface="Raavi"/>
+        <a:font script="Cans" typeface="Euphemia"/>
+        <a:font script="Cher" typeface="Plantagenet Cherokee"/>
+        <a:font script="Yiii" typeface="Microsoft Yi Baiti"/>
+        <a:font script="Tibt" typeface="Microsoft Himalaya"/>
+        <a:font script="Thaa" typeface="MV Boli"/>
+        <a:font script="Deva" typeface="Mangal"/>
+        <a:font script="Telu" typeface="Gautami"/>
+        <a:font script="Taml" typeface="Latha"/>
+        <a:font script="Syrc" typeface="Estrangelo Edessa"/>
+        <a:font script="Orya" typeface="Kalinga"/>
+        <a:font script="Mlym" typeface="Kartika"/>
+        <a:font script="Laoo" typeface="DokChampa"/>
+        <a:font script="Sinh" typeface="Iskoola Pota"/>
+        <a:font script="Mong" typeface="Mongolian Baiti"/>
+        <a:font script="Viet" typeface="Arial"/>
+        <a:font script="Uigh" typeface="Microsoft Uighur"/>
+      </a:minorFont>
+    </a:fontScheme>
+    <a:fmtScheme name="Office">
+      <a:fillStyleLst>
+        <a:solidFill>
+          <a:schemeClr val="phClr"/>
+        </a:solidFill>
+        <a:gradFill rotWithShape="1">
+          <a:gsLst>
+            <a:gs pos="0">
+              <a:schemeClr val="phClr">
+                <a:tint val="50000"/>
+                <a:satMod val="300000"/>
+              </a:schemeClr>
+            </a:gs>
+            <a:gs pos="35000">
+              <a:schemeClr val="phClr">
+                <a:tint val="37000"/>
+                <a:satMod val="300000"/>
+              </a:schemeClr>
+            </a:gs>
+            <a:gs pos="100000">
+              <a:schemeClr val="phClr">
+                <a:tint val="15000"/>
+                <a:satMod val="350000"/>
+              </a:schemeClr>
+            </a:gs>
+          </a:gsLst>
+          <a:lin ang="16200000" scaled="1"/>
+        </a:gradFill>
+        <a:gradFill rotWithShape="1">
+          <a:gsLst>
+            <a:gs pos="0">
+              <a:schemeClr val="phClr">
+                <a:shade val="51000"/>
+                <a:satMod val="130000"/>
+              </a:schemeClr>
+            </a:gs>
+            <a:gs pos="80000">
+              <a:schemeClr val="phClr">
+                <a:shade val="93000"/>
+                <a:satMod val="130000"/>
+              </a:schemeClr>
+            </a:gs>
+            <a:gs pos="100000">
+              <a:schemeClr val="phClr">
+                <a:shade val="94000"/>
+                <a:satMod val="135000"/>
+              </a:schemeClr>
+            </a:gs>
+          </a:gsLst>
+          <a:lin ang="16200000" scaled="0"/>
+        </a:gradFill>
+      </a:fillStyleLst>
+      <a:lnStyleLst>
+        <a:ln w="9525" cap="flat" cmpd="sng" algn="ctr">
+          <a:solidFill>
+            <a:schemeClr val="phClr">
+              <a:shade val="95000"/>
+              <a:satMod val="105000"/>
+            </a:schemeClr>
+          </a:solidFill>
+          <a:prstDash val="solid"/>
+        </a:ln>
+        <a:ln w="25400" cap="flat" cmpd="sng" algn="ctr">
+          <a:solidFill>
+            <a:schemeClr val="phClr"/>
+          </a:solidFill>
+          <a:prstDash val="solid"/>
+        </a:ln>
+        <a:ln w="38100" cap="flat" cmpd="sng" algn="ctr">
+          <a:solidFill>
+            <a:schemeClr val="phClr"/>
+          </a:solidFill>
+          <a:prstDash val="solid"/>
+        </a:ln>
+      </a:lnStyleLst>
+      <a:effectStyleLst>
+        <a:effectStyle>
+          <a:effectLst>
+            <a:outerShdw blurRad="40000" dist="20000" dir="5400000" rotWithShape="0">
+              <a:srgbClr val="000000">
+                <a:alpha val="38000"/>
+              </a:srgbClr>
+            </a:outerShdw>
+          </a:effectLst>
+        </a:effectStyle>
+        <a:effectStyle>
+          <a:effectLst>
+            <a:outerShdw blurRad="40000" dist="23000" dir="5400000" rotWithShape="0">
+              <a:srgbClr val="000000">
+                <a:alpha val="35000"/>
+              </a:srgbClr>
+            </a:outerShdw>
+          </a:effectLst>
+        </a:effectStyle>
+        <a:effectStyle>
+          <a:effectLst>
+            <a:outerShdw blurRad="40000" dist="23000" dir="5400000" rotWithShape="0">
+              <a:srgbClr val="000000">
+                <a:alpha val="35000"/>
+              </a:srgbClr>
+            </a:outerShdw>
+          </a:effectLst>
+          <a:scene3d>
+            <a:camera prst="orthographicFront">
+              <a:rot lat="0" lon="0" rev="0"/>
+            </a:camera>
+            <a:lightRig rig="threePt" dir="t">
+              <a:rot lat="0" lon="0" rev="1200000"/>
+            </a:lightRig>
+          </a:scene3d>
+          <a:sp3d>
+            <a:bevelT w="63500" h="25400"/>
+          </a:sp3d>
+        </a:effectStyle>
+      </a:effectStyleLst>
+      <a:bgFillStyleLst>
+        <a:solidFill>
+          <a:schemeClr val="phClr"/>
+        </a:solidFill>
+        <a:gradFill rotWithShape="1">
+          <a:gsLst>
+            <a:gs pos="0">
+              <a:schemeClr val="phClr">
+                <a:tint val="40000"/>
+                <a:satMod val="350000"/>
+              </a:schemeClr>
+            </a:gs>
+            <a:gs pos="40000">
+              <a:schemeClr val="phClr">
+                <a:tint val="45000"/>
+                <a:shade val="99000"/>
+                <a:satMod val="350000"/>
+              </a:schemeClr>
+            </a:gs>
+            <a:gs pos="100000">
+              <a:schemeClr val="phClr">
+                <a:shade val="20000"/>
+                <a:satMod val="255000"/>
+              </a:schemeClr>
+            </a:gs>
+          </a:gsLst>
+          <a:path path="circle">
+            <a:fillToRect l="50000" t="-80000" r="50000" b="180000"/>
+          </a:path>
+        </a:gradFill>
+        <a:gradFill rotWithShape="1">
+          <a:gsLst>
+            <a:gs pos="0">
+              <a:schemeClr val="phClr">
+                <a:tint val="80000"/>
+                <a:satMod val="300000"/>
+              </a:schemeClr>
+            </a:gs>
+            <a:gs pos="100000">
+              <a:schemeClr val="phClr">
+                <a:shade val="30000"/>
+                <a:satMod val="200000"/>
+              </a:schemeClr>
+            </a:gs>
+          </a:gsLst>
+          <a:path path="circle">
+            <a:fillToRect l="50000" t="50000" r="50000" b="50000"/>
+          </a:path>
+        </a:gradFill>
+      </a:bgFillStyleLst>
+    </a:fmtScheme>
+  </a:themeElements>
+  <a:objectDefaults/>
+  <a:extraClrSchemeLst/>
+</a:theme>
 </file>
--- a/papers/ScalingExponentMethodsPresentation.pptx
+++ b/papers/ScalingExponentMethodsPresentation.pptx
@@ -5,7 +5,7 @@
     <p:sldMasterId id="2147483672" r:id="rId1"/>
   </p:sldMasterIdLst>
   <p:notesMasterIdLst>
-    <p:notesMasterId r:id="rId16"/>
+    <p:notesMasterId r:id="rId17"/>
   </p:notesMasterIdLst>
   <p:sldIdLst>
     <p:sldId id="270" r:id="rId2"/>
@@ -21,7 +21,8 @@
     <p:sldId id="277" r:id="rId12"/>
     <p:sldId id="261" r:id="rId13"/>
     <p:sldId id="265" r:id="rId14"/>
-    <p:sldId id="274" r:id="rId15"/>
+    <p:sldId id="278" r:id="rId15"/>
+    <p:sldId id="274" r:id="rId16"/>
   </p:sldIdLst>
   <p:sldSz cx="9144000" cy="6858000" type="screen4x3"/>
   <p:notesSz cx="6858000" cy="9144000"/>
@@ -205,7 +206,8 @@
           <a:p>
             <a:fld id="{F9EE6EAC-2E51-49FE-A8BC-3A6595471ACB}" type="datetimeFigureOut">
               <a:rPr lang="en-US" smtClean="0"/>
-              <a:t>7/13/2016</a:t>
+              <a:pPr/>
+              <a:t>7/16/2016</a:t>
             </a:fld>
             <a:endParaRPr lang="en-US"/>
           </a:p>
@@ -366,6 +368,7 @@
           <a:p>
             <a:fld id="{0A9423A7-7FE8-450B-91DC-873F61096D20}" type="slidenum">
               <a:rPr lang="en-US" smtClean="0"/>
+              <a:pPr/>
               <a:t>‹#›</a:t>
             </a:fld>
             <a:endParaRPr lang="en-US"/>
@@ -537,6 +540,7 @@
           <a:p>
             <a:fld id="{0A9423A7-7FE8-450B-91DC-873F61096D20}" type="slidenum">
               <a:rPr lang="en-US" smtClean="0"/>
+              <a:pPr/>
               <a:t>1</a:t>
             </a:fld>
             <a:endParaRPr lang="en-US"/>
@@ -1210,7 +1214,7 @@
             <a:fld id="{0D9A0B88-B419-4C40-8CB2-10EC9FBC9A75}" type="datetimeFigureOut">
               <a:rPr lang="en-US" smtClean="0"/>
               <a:pPr/>
-              <a:t>7/13/2016</a:t>
+              <a:t>7/16/2016</a:t>
             </a:fld>
             <a:endParaRPr lang="en-US"/>
           </a:p>
@@ -1395,7 +1399,7 @@
             <a:fld id="{0D9A0B88-B419-4C40-8CB2-10EC9FBC9A75}" type="datetimeFigureOut">
               <a:rPr lang="en-US" smtClean="0"/>
               <a:pPr/>
-              <a:t>7/13/2016</a:t>
+              <a:t>7/16/2016</a:t>
             </a:fld>
             <a:endParaRPr lang="en-US"/>
           </a:p>
@@ -1572,7 +1576,7 @@
             <a:fld id="{0D9A0B88-B419-4C40-8CB2-10EC9FBC9A75}" type="datetimeFigureOut">
               <a:rPr lang="en-US" smtClean="0"/>
               <a:pPr/>
-              <a:t>7/13/2016</a:t>
+              <a:t>7/16/2016</a:t>
             </a:fld>
             <a:endParaRPr lang="en-US"/>
           </a:p>
@@ -1739,7 +1743,7 @@
             <a:fld id="{0D9A0B88-B419-4C40-8CB2-10EC9FBC9A75}" type="datetimeFigureOut">
               <a:rPr lang="en-US" smtClean="0"/>
               <a:pPr/>
-              <a:t>7/13/2016</a:t>
+              <a:t>7/16/2016</a:t>
             </a:fld>
             <a:endParaRPr lang="en-US"/>
           </a:p>
@@ -1962,7 +1966,7 @@
             <a:fld id="{0D9A0B88-B419-4C40-8CB2-10EC9FBC9A75}" type="datetimeFigureOut">
               <a:rPr lang="en-US" smtClean="0"/>
               <a:pPr/>
-              <a:t>7/13/2016</a:t>
+              <a:t>7/16/2016</a:t>
             </a:fld>
             <a:endParaRPr lang="en-US"/>
           </a:p>
@@ -2223,7 +2227,7 @@
             <a:fld id="{0D9A0B88-B419-4C40-8CB2-10EC9FBC9A75}" type="datetimeFigureOut">
               <a:rPr lang="en-US" smtClean="0"/>
               <a:pPr/>
-              <a:t>7/13/2016</a:t>
+              <a:t>7/16/2016</a:t>
             </a:fld>
             <a:endParaRPr lang="en-US"/>
           </a:p>
@@ -2629,7 +2633,7 @@
             <a:fld id="{0D9A0B88-B419-4C40-8CB2-10EC9FBC9A75}" type="datetimeFigureOut">
               <a:rPr lang="en-US" smtClean="0"/>
               <a:pPr/>
-              <a:t>7/13/2016</a:t>
+              <a:t>7/16/2016</a:t>
             </a:fld>
             <a:endParaRPr lang="en-US"/>
           </a:p>
@@ -2762,7 +2766,7 @@
             <a:fld id="{0D9A0B88-B419-4C40-8CB2-10EC9FBC9A75}" type="datetimeFigureOut">
               <a:rPr lang="en-US" smtClean="0"/>
               <a:pPr/>
-              <a:t>7/13/2016</a:t>
+              <a:t>7/16/2016</a:t>
             </a:fld>
             <a:endParaRPr lang="en-US"/>
           </a:p>
@@ -2864,7 +2868,7 @@
             <a:fld id="{0D9A0B88-B419-4C40-8CB2-10EC9FBC9A75}" type="datetimeFigureOut">
               <a:rPr lang="en-US" smtClean="0"/>
               <a:pPr/>
-              <a:t>7/13/2016</a:t>
+              <a:t>7/16/2016</a:t>
             </a:fld>
             <a:endParaRPr lang="en-US"/>
           </a:p>
@@ -3111,7 +3115,7 @@
             <a:fld id="{0D9A0B88-B419-4C40-8CB2-10EC9FBC9A75}" type="datetimeFigureOut">
               <a:rPr lang="en-US" smtClean="0"/>
               <a:pPr/>
-              <a:t>7/13/2016</a:t>
+              <a:t>7/16/2016</a:t>
             </a:fld>
             <a:endParaRPr lang="en-US"/>
           </a:p>
@@ -3357,7 +3361,7 @@
             <a:fld id="{0D9A0B88-B419-4C40-8CB2-10EC9FBC9A75}" type="datetimeFigureOut">
               <a:rPr lang="en-US" smtClean="0"/>
               <a:pPr/>
-              <a:t>7/13/2016</a:t>
+              <a:t>7/16/2016</a:t>
             </a:fld>
             <a:endParaRPr lang="en-US"/>
           </a:p>
@@ -4183,7 +4187,7 @@
             <a:fld id="{0D9A0B88-B419-4C40-8CB2-10EC9FBC9A75}" type="datetimeFigureOut">
               <a:rPr lang="en-US" smtClean="0"/>
               <a:pPr/>
-              <a:t>7/13/2016</a:t>
+              <a:t>7/16/2016</a:t>
             </a:fld>
             <a:endParaRPr lang="en-US"/>
           </a:p>
@@ -8775,6 +8779,139 @@
           <a:p>
             <a:r>
               <a:rPr lang="en-US" dirty="0" smtClean="0"/>
+              <a:t>Workplace: Boyer Hall</a:t>
+            </a:r>
+            <a:endParaRPr lang="en-US" dirty="0"/>
+          </a:p>
+        </p:txBody>
+      </p:sp>
+      <p:pic>
+        <p:nvPicPr>
+          <p:cNvPr id="5" name="Picture 4" descr="IMG_20160714_134948 (1).jpg"/>
+          <p:cNvPicPr>
+            <a:picLocks noChangeAspect="1"/>
+          </p:cNvPicPr>
+          <p:nvPr/>
+        </p:nvPicPr>
+        <p:blipFill>
+          <a:blip r:embed="rId2" cstate="print">
+            <a:lum bright="10000" contrast="10000"/>
+          </a:blip>
+          <a:stretch>
+            <a:fillRect/>
+          </a:stretch>
+        </p:blipFill>
+        <p:spPr>
+          <a:xfrm>
+            <a:off x="228600" y="1447800"/>
+            <a:ext cx="5791200" cy="4343400"/>
+          </a:xfrm>
+          <a:prstGeom prst="rect">
+            <a:avLst/>
+          </a:prstGeom>
+        </p:spPr>
+      </p:pic>
+      <p:pic>
+        <p:nvPicPr>
+          <p:cNvPr id="6" name="Picture 5" descr="IMG_20160714_154058.jpg"/>
+          <p:cNvPicPr>
+            <a:picLocks noChangeAspect="1"/>
+          </p:cNvPicPr>
+          <p:nvPr/>
+        </p:nvPicPr>
+        <p:blipFill>
+          <a:blip r:embed="rId3" cstate="print">
+            <a:lum bright="10000" contrast="10000"/>
+          </a:blip>
+          <a:srcRect t="12116" b="43766"/>
+          <a:stretch>
+            <a:fillRect/>
+          </a:stretch>
+        </p:blipFill>
+        <p:spPr>
+          <a:xfrm>
+            <a:off x="6172200" y="4267200"/>
+            <a:ext cx="2590800" cy="1524000"/>
+          </a:xfrm>
+          <a:prstGeom prst="rect">
+            <a:avLst/>
+          </a:prstGeom>
+        </p:spPr>
+      </p:pic>
+      <p:pic>
+        <p:nvPicPr>
+          <p:cNvPr id="7" name="Picture 6" descr="IMG_20160714_154121.jpg"/>
+          <p:cNvPicPr>
+            <a:picLocks noChangeAspect="1"/>
+          </p:cNvPicPr>
+          <p:nvPr/>
+        </p:nvPicPr>
+        <p:blipFill>
+          <a:blip r:embed="rId4" cstate="print">
+            <a:lum bright="10000" contrast="10000"/>
+          </a:blip>
+          <a:srcRect t="11029" b="9559"/>
+          <a:stretch>
+            <a:fillRect/>
+          </a:stretch>
+        </p:blipFill>
+        <p:spPr>
+          <a:xfrm>
+            <a:off x="6172200" y="1447800"/>
+            <a:ext cx="2590800" cy="2743200"/>
+          </a:xfrm>
+          <a:prstGeom prst="rect">
+            <a:avLst/>
+          </a:prstGeom>
+        </p:spPr>
+      </p:pic>
+    </p:spTree>
+  </p:cSld>
+  <p:clrMapOvr>
+    <a:masterClrMapping/>
+  </p:clrMapOvr>
+</p:sld>
+</file>
+
+<file path=ppt/slides/slide15.xml><?xml version="1.0" encoding="utf-8"?>
+<p:sld xmlns:a="http://schemas.openxmlformats.org/drawingml/2006/main" xmlns:r="http://schemas.openxmlformats.org/officeDocument/2006/relationships" xmlns:p="http://schemas.openxmlformats.org/presentationml/2006/main">
+  <p:cSld>
+    <p:spTree>
+      <p:nvGrpSpPr>
+        <p:cNvPr id="1" name=""/>
+        <p:cNvGrpSpPr/>
+        <p:nvPr/>
+      </p:nvGrpSpPr>
+      <p:grpSpPr>
+        <a:xfrm>
+          <a:off x="0" y="0"/>
+          <a:ext cx="0" cy="0"/>
+          <a:chOff x="0" y="0"/>
+          <a:chExt cx="0" cy="0"/>
+        </a:xfrm>
+      </p:grpSpPr>
+      <p:sp>
+        <p:nvSpPr>
+          <p:cNvPr id="2" name="Title 1"/>
+          <p:cNvSpPr>
+            <a:spLocks noGrp="1"/>
+          </p:cNvSpPr>
+          <p:nvPr>
+            <p:ph type="title"/>
+          </p:nvPr>
+        </p:nvSpPr>
+        <p:spPr>
+          <a:xfrm>
+            <a:off x="76200" y="304800"/>
+            <a:ext cx="8229600" cy="1069848"/>
+          </a:xfrm>
+        </p:spPr>
+        <p:txBody>
+          <a:bodyPr/>
+          <a:lstStyle/>
+          <a:p>
+            <a:r>
+              <a:rPr lang="en-US" dirty="0" smtClean="0"/>
               <a:t>Acknowledgements</a:t>
             </a:r>
             <a:endParaRPr lang="en-US" dirty="0"/>
@@ -8827,6 +8964,55 @@
           </a:p>
         </p:txBody>
       </p:sp>
+      <p:pic>
+        <p:nvPicPr>
+          <p:cNvPr id="5" name="Picture 4" descr="IMG_2705.JPG"/>
+          <p:cNvPicPr>
+            <a:picLocks noChangeAspect="1"/>
+          </p:cNvPicPr>
+          <p:nvPr/>
+        </p:nvPicPr>
+        <p:blipFill>
+          <a:blip r:embed="rId2" cstate="print"/>
+          <a:srcRect l="37500" r="13068"/>
+          <a:stretch>
+            <a:fillRect/>
+          </a:stretch>
+        </p:blipFill>
+        <p:spPr>
+          <a:xfrm>
+            <a:off x="457200" y="1234966"/>
+            <a:ext cx="3505200" cy="5318234"/>
+          </a:xfrm>
+          <a:prstGeom prst="rect">
+            <a:avLst/>
+          </a:prstGeom>
+        </p:spPr>
+      </p:pic>
+      <p:pic>
+        <p:nvPicPr>
+          <p:cNvPr id="6" name="Picture 5" descr="IMG_2710.JPG"/>
+          <p:cNvPicPr>
+            <a:picLocks noChangeAspect="1"/>
+          </p:cNvPicPr>
+          <p:nvPr/>
+        </p:nvPicPr>
+        <p:blipFill>
+          <a:blip r:embed="rId3" cstate="print"/>
+          <a:stretch>
+            <a:fillRect/>
+          </a:stretch>
+        </p:blipFill>
+        <p:spPr>
+          <a:xfrm rot="10800000">
+            <a:off x="4419600" y="1219200"/>
+            <a:ext cx="4470400" cy="3352800"/>
+          </a:xfrm>
+          <a:prstGeom prst="rect">
+            <a:avLst/>
+          </a:prstGeom>
+        </p:spPr>
+      </p:pic>
     </p:spTree>
   </p:cSld>
   <p:clrMapOvr>
